--- a/Main_Data/Nasdaq Real Estate Data Cleaning.pptx
+++ b/Main_Data/Nasdaq Real Estate Data Cleaning.pptx
@@ -12,7 +12,11 @@
     <p:sldId id="262" r:id="rId9"/>
     <p:sldId id="263" r:id="rId10"/>
     <p:sldId id="264" r:id="rId11"/>
-    <p:sldId id="265" r:id="rId12"/>
+    <p:sldId id="267" r:id="rId12"/>
+    <p:sldId id="269" r:id="rId13"/>
+    <p:sldId id="270" r:id="rId14"/>
+    <p:sldId id="271" r:id="rId15"/>
+    <p:sldId id="265" r:id="rId16"/>
   </p:sldIdLst>
   <p:sldSz cx="12192000" cy="6858000"/>
   <p:notesSz cx="6858000" cy="9144000"/>
@@ -602,7 +606,7 @@
           <a:p>
             <a:fld id="{9184DA70-C731-4C70-880D-CCD4705E623C}" type="datetime1">
               <a:rPr lang="en-US" smtClean="0"/>
-              <a:t>10/7/2023</a:t>
+              <a:t>10/9/23</a:t>
             </a:fld>
             <a:endParaRPr lang="en-US" dirty="0"/>
           </a:p>
@@ -790,7 +794,7 @@
           <a:p>
             <a:fld id="{B612A279-0833-481D-8C56-F67FD0AC6C50}" type="datetime1">
               <a:rPr lang="en-US" smtClean="0"/>
-              <a:t>10/7/2023</a:t>
+              <a:t>10/9/23</a:t>
             </a:fld>
             <a:endParaRPr lang="en-US" dirty="0"/>
           </a:p>
@@ -1032,7 +1036,7 @@
           <a:p>
             <a:fld id="{6587DA83-5663-4C9C-B9AA-0B40A3DAFF81}" type="datetime1">
               <a:rPr lang="en-US" smtClean="0"/>
-              <a:t>10/7/2023</a:t>
+              <a:t>10/9/23</a:t>
             </a:fld>
             <a:endParaRPr lang="en-US" dirty="0"/>
           </a:p>
@@ -1220,7 +1224,7 @@
           <a:p>
             <a:fld id="{4BE1D723-8F53-4F53-90B0-1982A396982E}" type="datetime1">
               <a:rPr lang="en-US" smtClean="0"/>
-              <a:t>10/7/2023</a:t>
+              <a:t>10/9/23</a:t>
             </a:fld>
             <a:endParaRPr lang="en-US" dirty="0"/>
           </a:p>
@@ -1593,7 +1597,7 @@
           <a:p>
             <a:fld id="{97669AF7-7BEB-44E4-9852-375E34362B5B}" type="datetime1">
               <a:rPr lang="en-US" smtClean="0"/>
-              <a:t>10/7/2023</a:t>
+              <a:t>10/9/23</a:t>
             </a:fld>
             <a:endParaRPr lang="en-US" dirty="0"/>
           </a:p>
@@ -1848,7 +1852,7 @@
           <a:p>
             <a:fld id="{BAAAC38D-0552-4C82-B593-E6124DFADBE2}" type="datetime1">
               <a:rPr lang="en-US" smtClean="0"/>
-              <a:t>10/7/2023</a:t>
+              <a:t>10/9/23</a:t>
             </a:fld>
             <a:endParaRPr lang="en-US" dirty="0"/>
           </a:p>
@@ -2245,7 +2249,7 @@
           <a:p>
             <a:fld id="{D9DF0F1C-5577-4ACB-BB62-DF8F3C494C7E}" type="datetime1">
               <a:rPr lang="en-US" smtClean="0"/>
-              <a:t>10/7/2023</a:t>
+              <a:t>10/9/23</a:t>
             </a:fld>
             <a:endParaRPr lang="en-US" dirty="0"/>
           </a:p>
@@ -2381,7 +2385,7 @@
           <a:p>
             <a:fld id="{1775B394-D9F9-4F0C-B15D-605F45CB9E9F}" type="datetime1">
               <a:rPr lang="en-US" smtClean="0"/>
-              <a:t>10/7/2023</a:t>
+              <a:t>10/9/23</a:t>
             </a:fld>
             <a:endParaRPr lang="en-US" dirty="0"/>
           </a:p>
@@ -2538,7 +2542,7 @@
           <a:p>
             <a:fld id="{39667345-2558-425A-8533-9BFDBCE15005}" type="datetime1">
               <a:rPr lang="en-US" smtClean="0"/>
-              <a:t>10/7/2023</a:t>
+              <a:t>10/9/23</a:t>
             </a:fld>
             <a:endParaRPr lang="en-US" dirty="0"/>
           </a:p>
@@ -2867,7 +2871,7 @@
           <a:p>
             <a:fld id="{92BEA474-078D-4E9B-9B14-09A87B19DC46}" type="datetime1">
               <a:rPr lang="en-US" smtClean="0"/>
-              <a:t>10/7/2023</a:t>
+              <a:t>10/9/23</a:t>
             </a:fld>
             <a:endParaRPr lang="en-US" dirty="0"/>
           </a:p>
@@ -3217,7 +3221,7 @@
           <a:p>
             <a:fld id="{4907D986-8816-4272-A432-0437A28A9828}" type="datetime1">
               <a:rPr lang="en-US" smtClean="0"/>
-              <a:t>10/7/2023</a:t>
+              <a:t>10/9/23</a:t>
             </a:fld>
             <a:endParaRPr lang="en-US" dirty="0"/>
           </a:p>
@@ -3478,7 +3482,7 @@
           <a:p>
             <a:fld id="{62D6E202-B606-4609-B914-27C9371A1F6D}" type="datetime1">
               <a:rPr lang="en-US" smtClean="0"/>
-              <a:t>10/7/2023</a:t>
+              <a:t>10/9/23</a:t>
             </a:fld>
             <a:endParaRPr lang="en-US" dirty="0"/>
           </a:p>
@@ -4405,6 +4409,504 @@
 </p:sld>
 </file>
 
+<file path=ppt/slides/slide10.xml><?xml version="1.0" encoding="utf-8"?>
+<p:sld xmlns:a="http://schemas.openxmlformats.org/drawingml/2006/main" xmlns:r="http://schemas.openxmlformats.org/officeDocument/2006/relationships" xmlns:p="http://schemas.openxmlformats.org/presentationml/2006/main">
+  <p:cSld>
+    <p:spTree>
+      <p:nvGrpSpPr>
+        <p:cNvPr id="1" name=""/>
+        <p:cNvGrpSpPr/>
+        <p:nvPr/>
+      </p:nvGrpSpPr>
+      <p:grpSpPr>
+        <a:xfrm>
+          <a:off x="0" y="0"/>
+          <a:ext cx="0" cy="0"/>
+          <a:chOff x="0" y="0"/>
+          <a:chExt cx="0" cy="0"/>
+        </a:xfrm>
+      </p:grpSpPr>
+      <p:pic>
+        <p:nvPicPr>
+          <p:cNvPr id="6" name="Picture Placeholder 5" descr="A graph with different colored lines&#10;&#10;Description automatically generated">
+            <a:extLst>
+              <a:ext uri="{FF2B5EF4-FFF2-40B4-BE49-F238E27FC236}">
+                <a16:creationId xmlns:a16="http://schemas.microsoft.com/office/drawing/2014/main" id="{7C8A6601-F879-F358-4448-23D2D4B80E5A}"/>
+              </a:ext>
+            </a:extLst>
+          </p:cNvPr>
+          <p:cNvPicPr>
+            <a:picLocks noGrp="1" noChangeAspect="1"/>
+          </p:cNvPicPr>
+          <p:nvPr>
+            <p:ph type="pic" idx="1"/>
+          </p:nvPr>
+        </p:nvPicPr>
+        <p:blipFill rotWithShape="1">
+          <a:blip r:embed="rId2">
+            <a:extLst>
+              <a:ext uri="{28A0092B-C50C-407E-A947-70E740481C1C}">
+                <a14:useLocalDpi xmlns:a14="http://schemas.microsoft.com/office/drawing/2010/main" val="0"/>
+              </a:ext>
+            </a:extLst>
+          </a:blip>
+          <a:srcRect t="-13485" b="-29603"/>
+          <a:stretch/>
+        </p:blipFill>
+        <p:spPr>
+          <a:xfrm>
+            <a:off x="1" y="98474"/>
+            <a:ext cx="12192000" cy="4614910"/>
+          </a:xfrm>
+        </p:spPr>
+      </p:pic>
+      <p:sp>
+        <p:nvSpPr>
+          <p:cNvPr id="7" name="TextBox 6">
+            <a:extLst>
+              <a:ext uri="{FF2B5EF4-FFF2-40B4-BE49-F238E27FC236}">
+                <a16:creationId xmlns:a16="http://schemas.microsoft.com/office/drawing/2014/main" id="{B707FEFE-AC96-476A-AE17-6309B990E2B9}"/>
+              </a:ext>
+            </a:extLst>
+          </p:cNvPr>
+          <p:cNvSpPr txBox="1"/>
+          <p:nvPr/>
+        </p:nvSpPr>
+        <p:spPr>
+          <a:xfrm>
+            <a:off x="703385" y="5120639"/>
+            <a:ext cx="10916529" cy="923330"/>
+          </a:xfrm>
+          <a:prstGeom prst="rect">
+            <a:avLst/>
+          </a:prstGeom>
+          <a:noFill/>
+        </p:spPr>
+        <p:txBody>
+          <a:bodyPr wrap="square" rtlCol="0">
+            <a:spAutoFit/>
+          </a:bodyPr>
+          <a:lstStyle/>
+          <a:p>
+            <a:r>
+              <a:rPr lang="en-US" dirty="0">
+                <a:solidFill>
+                  <a:schemeClr val="bg1"/>
+                </a:solidFill>
+              </a:rPr>
+              <a:t>Looking at Bottom tier house over the previous 10 years also shows the positive relationship between Average price and year. </a:t>
+            </a:r>
+          </a:p>
+          <a:p>
+            <a:r>
+              <a:rPr lang="en-US" dirty="0">
+                <a:solidFill>
+                  <a:schemeClr val="bg1"/>
+                </a:solidFill>
+              </a:rPr>
+              <a:t>Top Tier, also indicates the positive relationship between Average price and Year.</a:t>
+            </a:r>
+          </a:p>
+        </p:txBody>
+      </p:sp>
+    </p:spTree>
+    <p:extLst>
+      <p:ext uri="{BB962C8B-B14F-4D97-AF65-F5344CB8AC3E}">
+        <p14:creationId xmlns:p14="http://schemas.microsoft.com/office/powerpoint/2010/main" val="3925594281"/>
+      </p:ext>
+    </p:extLst>
+  </p:cSld>
+  <p:clrMapOvr>
+    <a:masterClrMapping/>
+  </p:clrMapOvr>
+</p:sld>
+</file>
+
+<file path=ppt/slides/slide11.xml><?xml version="1.0" encoding="utf-8"?>
+<p:sld xmlns:a="http://schemas.openxmlformats.org/drawingml/2006/main" xmlns:r="http://schemas.openxmlformats.org/officeDocument/2006/relationships" xmlns:p="http://schemas.openxmlformats.org/presentationml/2006/main">
+  <p:cSld>
+    <p:spTree>
+      <p:nvGrpSpPr>
+        <p:cNvPr id="1" name=""/>
+        <p:cNvGrpSpPr/>
+        <p:nvPr/>
+      </p:nvGrpSpPr>
+      <p:grpSpPr>
+        <a:xfrm>
+          <a:off x="0" y="0"/>
+          <a:ext cx="0" cy="0"/>
+          <a:chOff x="0" y="0"/>
+          <a:chExt cx="0" cy="0"/>
+        </a:xfrm>
+      </p:grpSpPr>
+      <p:pic>
+        <p:nvPicPr>
+          <p:cNvPr id="6" name="Picture Placeholder 5" descr="A screenshot of a graph&#10;&#10;Description automatically generated">
+            <a:extLst>
+              <a:ext uri="{FF2B5EF4-FFF2-40B4-BE49-F238E27FC236}">
+                <a16:creationId xmlns:a16="http://schemas.microsoft.com/office/drawing/2014/main" id="{100FF1F5-B60D-D31B-5AFD-1924D52346B1}"/>
+              </a:ext>
+            </a:extLst>
+          </p:cNvPr>
+          <p:cNvPicPr>
+            <a:picLocks noGrp="1" noChangeAspect="1"/>
+          </p:cNvPicPr>
+          <p:nvPr>
+            <p:ph type="pic" idx="1"/>
+          </p:nvPr>
+        </p:nvPicPr>
+        <p:blipFill rotWithShape="1">
+          <a:blip r:embed="rId2">
+            <a:extLst>
+              <a:ext uri="{28A0092B-C50C-407E-A947-70E740481C1C}">
+                <a14:useLocalDpi xmlns:a14="http://schemas.microsoft.com/office/drawing/2010/main" val="0"/>
+              </a:ext>
+            </a:extLst>
+          </a:blip>
+          <a:srcRect t="-20977" b="-20977"/>
+          <a:stretch/>
+        </p:blipFill>
+        <p:spPr/>
+      </p:pic>
+      <p:sp>
+        <p:nvSpPr>
+          <p:cNvPr id="7" name="TextBox 6">
+            <a:extLst>
+              <a:ext uri="{FF2B5EF4-FFF2-40B4-BE49-F238E27FC236}">
+                <a16:creationId xmlns:a16="http://schemas.microsoft.com/office/drawing/2014/main" id="{55626641-77D2-A4E5-C76A-250EE9FFE1E6}"/>
+              </a:ext>
+            </a:extLst>
+          </p:cNvPr>
+          <p:cNvSpPr txBox="1"/>
+          <p:nvPr/>
+        </p:nvSpPr>
+        <p:spPr>
+          <a:xfrm>
+            <a:off x="647114" y="5078437"/>
+            <a:ext cx="10864000" cy="646331"/>
+          </a:xfrm>
+          <a:prstGeom prst="rect">
+            <a:avLst/>
+          </a:prstGeom>
+          <a:noFill/>
+        </p:spPr>
+        <p:txBody>
+          <a:bodyPr wrap="none" rtlCol="0">
+            <a:spAutoFit/>
+          </a:bodyPr>
+          <a:lstStyle/>
+          <a:p>
+            <a:r>
+              <a:rPr lang="en-US" dirty="0">
+                <a:solidFill>
+                  <a:schemeClr val="bg1"/>
+                </a:solidFill>
+              </a:rPr>
+              <a:t>The above table depicts the Compound Annual Growth rate of State New Hampshire in all property types.  The </a:t>
+            </a:r>
+          </a:p>
+          <a:p>
+            <a:r>
+              <a:rPr lang="en-US" dirty="0">
+                <a:solidFill>
+                  <a:schemeClr val="bg1"/>
+                </a:solidFill>
+              </a:rPr>
+              <a:t>CAGR percentage  indicates that the highest growth was in Bottom tier followed by 1 Bedroom homes. </a:t>
+            </a:r>
+          </a:p>
+        </p:txBody>
+      </p:sp>
+    </p:spTree>
+    <p:extLst>
+      <p:ext uri="{BB962C8B-B14F-4D97-AF65-F5344CB8AC3E}">
+        <p14:creationId xmlns:p14="http://schemas.microsoft.com/office/powerpoint/2010/main" val="203629613"/>
+      </p:ext>
+    </p:extLst>
+  </p:cSld>
+  <p:clrMapOvr>
+    <a:masterClrMapping/>
+  </p:clrMapOvr>
+</p:sld>
+</file>
+
+<file path=ppt/slides/slide12.xml><?xml version="1.0" encoding="utf-8"?>
+<p:sld xmlns:a="http://schemas.openxmlformats.org/drawingml/2006/main" xmlns:r="http://schemas.openxmlformats.org/officeDocument/2006/relationships" xmlns:p="http://schemas.openxmlformats.org/presentationml/2006/main">
+  <p:cSld>
+    <p:bg>
+      <p:bgPr>
+        <a:solidFill>
+          <a:schemeClr val="bg1"/>
+        </a:solidFill>
+        <a:effectLst/>
+      </p:bgPr>
+    </p:bg>
+    <p:spTree>
+      <p:nvGrpSpPr>
+        <p:cNvPr id="1" name=""/>
+        <p:cNvGrpSpPr/>
+        <p:nvPr/>
+      </p:nvGrpSpPr>
+      <p:grpSpPr>
+        <a:xfrm>
+          <a:off x="0" y="0"/>
+          <a:ext cx="0" cy="0"/>
+          <a:chOff x="0" y="0"/>
+          <a:chExt cx="0" cy="0"/>
+        </a:xfrm>
+      </p:grpSpPr>
+      <p:sp>
+        <p:nvSpPr>
+          <p:cNvPr id="47" name="Rectangle 46">
+            <a:extLst>
+              <a:ext uri="{FF2B5EF4-FFF2-40B4-BE49-F238E27FC236}">
+                <a16:creationId xmlns:a16="http://schemas.microsoft.com/office/drawing/2014/main" id="{FBDCECDC-EEE3-4128-AA5E-82A8C08796E8}"/>
+              </a:ext>
+              <a:ext uri="{C183D7F6-B498-43B3-948B-1728B52AA6E4}">
+                <adec:decorative xmlns:adec="http://schemas.microsoft.com/office/drawing/2017/decorative" val="1"/>
+              </a:ext>
+            </a:extLst>
+          </p:cNvPr>
+          <p:cNvSpPr>
+            <a:spLocks noGrp="1" noRot="1" noChangeAspect="1" noMove="1" noResize="1" noEditPoints="1" noAdjustHandles="1" noChangeArrowheads="1" noChangeShapeType="1" noTextEdit="1"/>
+          </p:cNvSpPr>
+          <p:nvPr>
+            <p:extLst>
+              <p:ext uri="{386F3935-93C4-4BCD-93E2-E3B085C9AB24}">
+                <p16:designElem xmlns:p16="http://schemas.microsoft.com/office/powerpoint/2015/main" val="1"/>
+              </p:ext>
+            </p:extLst>
+          </p:nvPr>
+        </p:nvSpPr>
+        <p:spPr>
+          <a:xfrm>
+            <a:off x="1507" y="0"/>
+            <a:ext cx="12192000" cy="6858000"/>
+          </a:xfrm>
+          <a:prstGeom prst="rect">
+            <a:avLst/>
+          </a:prstGeom>
+          <a:solidFill>
+            <a:schemeClr val="accent1"/>
+          </a:solidFill>
+          <a:ln>
+            <a:noFill/>
+          </a:ln>
+        </p:spPr>
+        <p:style>
+          <a:lnRef idx="2">
+            <a:schemeClr val="accent1">
+              <a:shade val="50000"/>
+            </a:schemeClr>
+          </a:lnRef>
+          <a:fillRef idx="1">
+            <a:schemeClr val="accent1"/>
+          </a:fillRef>
+          <a:effectRef idx="0">
+            <a:schemeClr val="accent1"/>
+          </a:effectRef>
+          <a:fontRef idx="minor">
+            <a:schemeClr val="lt1"/>
+          </a:fontRef>
+        </p:style>
+        <p:txBody>
+          <a:bodyPr rtlCol="0" anchor="ctr"/>
+          <a:lstStyle/>
+          <a:p>
+            <a:pPr marL="0" marR="0" lvl="0" indent="0" algn="ctr" defTabSz="914400" rtl="0" eaLnBrk="1" fontAlgn="auto" latinLnBrk="0" hangingPunct="1">
+              <a:lnSpc>
+                <a:spcPct val="100000"/>
+              </a:lnSpc>
+              <a:spcBef>
+                <a:spcPts val="0"/>
+              </a:spcBef>
+              <a:spcAft>
+                <a:spcPts val="0"/>
+              </a:spcAft>
+              <a:buClrTx/>
+              <a:buSzTx/>
+              <a:buFontTx/>
+              <a:buNone/>
+              <a:tabLst/>
+              <a:defRPr/>
+            </a:pPr>
+            <a:endParaRPr kumimoji="0" lang="en-US" sz="1800" b="0" i="0" u="none" strike="noStrike" kern="1200" cap="none" spc="0" normalizeH="0" baseline="0" noProof="0">
+              <a:ln>
+                <a:noFill/>
+              </a:ln>
+              <a:solidFill>
+                <a:srgbClr val="FFFFFF"/>
+              </a:solidFill>
+              <a:effectLst/>
+              <a:uLnTx/>
+              <a:uFillTx/>
+              <a:latin typeface="Franklin Gothic Book" panose="020F0502020204030204"/>
+              <a:ea typeface="+mn-ea"/>
+              <a:cs typeface="+mn-cs"/>
+            </a:endParaRPr>
+          </a:p>
+        </p:txBody>
+      </p:sp>
+      <p:sp>
+        <p:nvSpPr>
+          <p:cNvPr id="2" name="Title 1">
+            <a:extLst>
+              <a:ext uri="{FF2B5EF4-FFF2-40B4-BE49-F238E27FC236}">
+                <a16:creationId xmlns:a16="http://schemas.microsoft.com/office/drawing/2014/main" id="{9AB2EA78-AEB3-469B-9025-3B17201A457B}"/>
+              </a:ext>
+            </a:extLst>
+          </p:cNvPr>
+          <p:cNvSpPr>
+            <a:spLocks noGrp="1"/>
+          </p:cNvSpPr>
+          <p:nvPr>
+            <p:ph type="ctrTitle"/>
+          </p:nvPr>
+        </p:nvSpPr>
+        <p:spPr>
+          <a:xfrm>
+            <a:off x="467247" y="362266"/>
+            <a:ext cx="11257472" cy="4399516"/>
+          </a:xfrm>
+        </p:spPr>
+        <p:txBody>
+          <a:bodyPr anchor="ctr">
+            <a:normAutofit fontScale="90000"/>
+          </a:bodyPr>
+          <a:lstStyle/>
+          <a:p>
+            <a:pPr lvl="0"/>
+            <a:r>
+              <a:rPr lang="en-US" sz="4800" i="1" dirty="0">
+                <a:solidFill>
+                  <a:srgbClr val="FFFFFF"/>
+                </a:solidFill>
+              </a:rPr>
+              <a:t>After looking at all the data, we’ve come to conclusion that the state of California has the highest Value, and greatest Linear  Regression slope of property value increase in the last ten years, making it the ideal state to invest in Real Estate.</a:t>
+            </a:r>
+            <a:br>
+              <a:rPr lang="en-US" sz="4800" i="1" dirty="0">
+                <a:solidFill>
+                  <a:srgbClr val="FFFFFF"/>
+                </a:solidFill>
+              </a:rPr>
+            </a:br>
+            <a:r>
+              <a:rPr lang="en-US" sz="4800" i="1" dirty="0">
+                <a:solidFill>
+                  <a:srgbClr val="FFFFFF"/>
+                </a:solidFill>
+              </a:rPr>
+              <a:t> </a:t>
+            </a:r>
+          </a:p>
+        </p:txBody>
+      </p:sp>
+      <p:sp>
+        <p:nvSpPr>
+          <p:cNvPr id="49" name="Rectangle 48">
+            <a:extLst>
+              <a:ext uri="{FF2B5EF4-FFF2-40B4-BE49-F238E27FC236}">
+                <a16:creationId xmlns:a16="http://schemas.microsoft.com/office/drawing/2014/main" id="{4260EDE0-989C-4E16-AF94-F652294D828E}"/>
+              </a:ext>
+              <a:ext uri="{C183D7F6-B498-43B3-948B-1728B52AA6E4}">
+                <adec:decorative xmlns:adec="http://schemas.microsoft.com/office/drawing/2017/decorative" val="1"/>
+              </a:ext>
+            </a:extLst>
+          </p:cNvPr>
+          <p:cNvSpPr>
+            <a:spLocks noGrp="1" noRot="1" noChangeAspect="1" noMove="1" noResize="1" noEditPoints="1" noAdjustHandles="1" noChangeArrowheads="1" noChangeShapeType="1" noTextEdit="1"/>
+          </p:cNvSpPr>
+          <p:nvPr>
+            <p:extLst>
+              <p:ext uri="{386F3935-93C4-4BCD-93E2-E3B085C9AB24}">
+                <p16:designElem xmlns:p16="http://schemas.microsoft.com/office/powerpoint/2015/main" val="1"/>
+              </p:ext>
+            </p:extLst>
+          </p:nvPr>
+        </p:nvSpPr>
+        <p:spPr bwMode="white">
+          <a:xfrm>
+            <a:off x="1507" y="4953000"/>
+            <a:ext cx="12188952" cy="1905000"/>
+          </a:xfrm>
+          <a:prstGeom prst="rect">
+            <a:avLst/>
+          </a:prstGeom>
+          <a:solidFill>
+            <a:srgbClr val="262626"/>
+          </a:solidFill>
+          <a:ln>
+            <a:noFill/>
+          </a:ln>
+        </p:spPr>
+        <p:style>
+          <a:lnRef idx="2">
+            <a:schemeClr val="accent1">
+              <a:shade val="50000"/>
+            </a:schemeClr>
+          </a:lnRef>
+          <a:fillRef idx="1">
+            <a:schemeClr val="accent1"/>
+          </a:fillRef>
+          <a:effectRef idx="0">
+            <a:schemeClr val="accent1"/>
+          </a:effectRef>
+          <a:fontRef idx="minor">
+            <a:schemeClr val="lt1"/>
+          </a:fontRef>
+        </p:style>
+        <p:txBody>
+          <a:bodyPr/>
+          <a:lstStyle/>
+          <a:p>
+            <a:pPr marL="0" marR="0" lvl="0" indent="0" algn="l" defTabSz="914400" rtl="0" eaLnBrk="1" fontAlgn="auto" latinLnBrk="0" hangingPunct="1">
+              <a:lnSpc>
+                <a:spcPct val="100000"/>
+              </a:lnSpc>
+              <a:spcBef>
+                <a:spcPts val="0"/>
+              </a:spcBef>
+              <a:spcAft>
+                <a:spcPts val="0"/>
+              </a:spcAft>
+              <a:buClrTx/>
+              <a:buSzTx/>
+              <a:buFontTx/>
+              <a:buNone/>
+              <a:tabLst/>
+              <a:defRPr/>
+            </a:pPr>
+            <a:endParaRPr kumimoji="0" lang="en-CA" sz="1800" b="0" i="0" u="none" strike="noStrike" kern="1200" cap="none" spc="0" normalizeH="0" baseline="0" noProof="0">
+              <a:ln>
+                <a:noFill/>
+              </a:ln>
+              <a:solidFill>
+                <a:srgbClr val="FFFFFF"/>
+              </a:solidFill>
+              <a:effectLst/>
+              <a:uLnTx/>
+              <a:uFillTx/>
+              <a:latin typeface="Franklin Gothic Book" panose="020F0502020204030204"/>
+              <a:ea typeface="+mn-ea"/>
+              <a:cs typeface="+mn-cs"/>
+            </a:endParaRPr>
+          </a:p>
+        </p:txBody>
+      </p:sp>
+    </p:spTree>
+    <p:extLst>
+      <p:ext uri="{BB962C8B-B14F-4D97-AF65-F5344CB8AC3E}">
+        <p14:creationId xmlns:p14="http://schemas.microsoft.com/office/powerpoint/2010/main" val="2884537813"/>
+      </p:ext>
+    </p:extLst>
+  </p:cSld>
+  <p:clrMapOvr>
+    <a:masterClrMapping/>
+  </p:clrMapOvr>
+</p:sld>
+</file>
+
 <file path=ppt/slides/slide2.xml><?xml version="1.0" encoding="utf-8"?>
 <p:sld xmlns:a="http://schemas.openxmlformats.org/drawingml/2006/main" xmlns:r="http://schemas.openxmlformats.org/officeDocument/2006/relationships" xmlns:p="http://schemas.openxmlformats.org/presentationml/2006/main">
   <p:cSld>
@@ -5580,8 +6082,8 @@
           </a:prstGeom>
         </p:spPr>
       </p:pic>
-      <mc:AlternateContent xmlns:mc="http://schemas.openxmlformats.org/markup-compatibility/2006">
-        <mc:Choice xmlns:p14="http://schemas.microsoft.com/office/powerpoint/2010/main" Requires="p14">
+      <mc:AlternateContent xmlns:mc="http://schemas.openxmlformats.org/markup-compatibility/2006" xmlns:p14="http://schemas.microsoft.com/office/powerpoint/2010/main">
+        <mc:Choice Requires="p14">
           <p:contentPart p14:bwMode="auto" r:id="rId6">
             <p14:nvContentPartPr>
               <p14:cNvPr id="13" name="Ink 12">
@@ -5600,7 +6102,7 @@
             </p14:xfrm>
           </p:contentPart>
         </mc:Choice>
-        <mc:Fallback>
+        <mc:Fallback xmlns="">
           <p:pic>
             <p:nvPicPr>
               <p:cNvPr id="13" name="Ink 12">
@@ -5631,8 +6133,8 @@
           </p:pic>
         </mc:Fallback>
       </mc:AlternateContent>
-      <mc:AlternateContent xmlns:mc="http://schemas.openxmlformats.org/markup-compatibility/2006">
-        <mc:Choice xmlns:p14="http://schemas.microsoft.com/office/powerpoint/2010/main" Requires="p14">
+      <mc:AlternateContent xmlns:mc="http://schemas.openxmlformats.org/markup-compatibility/2006" xmlns:p14="http://schemas.microsoft.com/office/powerpoint/2010/main">
+        <mc:Choice Requires="p14">
           <p:contentPart p14:bwMode="auto" r:id="rId8">
             <p14:nvContentPartPr>
               <p14:cNvPr id="14" name="Ink 13">
@@ -5651,7 +6153,7 @@
             </p14:xfrm>
           </p:contentPart>
         </mc:Choice>
-        <mc:Fallback>
+        <mc:Fallback xmlns="">
           <p:pic>
             <p:nvPicPr>
               <p:cNvPr id="14" name="Ink 13">
@@ -5682,8 +6184,8 @@
           </p:pic>
         </mc:Fallback>
       </mc:AlternateContent>
-      <mc:AlternateContent xmlns:mc="http://schemas.openxmlformats.org/markup-compatibility/2006">
-        <mc:Choice xmlns:p14="http://schemas.microsoft.com/office/powerpoint/2010/main" Requires="p14">
+      <mc:AlternateContent xmlns:mc="http://schemas.openxmlformats.org/markup-compatibility/2006" xmlns:p14="http://schemas.microsoft.com/office/powerpoint/2010/main">
+        <mc:Choice Requires="p14">
           <p:contentPart p14:bwMode="auto" r:id="rId10">
             <p14:nvContentPartPr>
               <p14:cNvPr id="15" name="Ink 14">
@@ -5702,7 +6204,7 @@
             </p14:xfrm>
           </p:contentPart>
         </mc:Choice>
-        <mc:Fallback>
+        <mc:Fallback xmlns="">
           <p:pic>
             <p:nvPicPr>
               <p:cNvPr id="15" name="Ink 14">
@@ -5733,8 +6235,8 @@
           </p:pic>
         </mc:Fallback>
       </mc:AlternateContent>
-      <mc:AlternateContent xmlns:mc="http://schemas.openxmlformats.org/markup-compatibility/2006">
-        <mc:Choice xmlns:p14="http://schemas.microsoft.com/office/powerpoint/2010/main" Requires="p14">
+      <mc:AlternateContent xmlns:mc="http://schemas.openxmlformats.org/markup-compatibility/2006" xmlns:p14="http://schemas.microsoft.com/office/powerpoint/2010/main">
+        <mc:Choice Requires="p14">
           <p:contentPart p14:bwMode="auto" r:id="rId12">
             <p14:nvContentPartPr>
               <p14:cNvPr id="16" name="Ink 15">
@@ -5753,7 +6255,7 @@
             </p14:xfrm>
           </p:contentPart>
         </mc:Choice>
-        <mc:Fallback>
+        <mc:Fallback xmlns="">
           <p:pic>
             <p:nvPicPr>
               <p:cNvPr id="16" name="Ink 15">
@@ -5784,8 +6286,8 @@
           </p:pic>
         </mc:Fallback>
       </mc:AlternateContent>
-      <mc:AlternateContent xmlns:mc="http://schemas.openxmlformats.org/markup-compatibility/2006">
-        <mc:Choice xmlns:p14="http://schemas.microsoft.com/office/powerpoint/2010/main" Requires="p14">
+      <mc:AlternateContent xmlns:mc="http://schemas.openxmlformats.org/markup-compatibility/2006" xmlns:p14="http://schemas.microsoft.com/office/powerpoint/2010/main">
+        <mc:Choice Requires="p14">
           <p:contentPart p14:bwMode="auto" r:id="rId14">
             <p14:nvContentPartPr>
               <p14:cNvPr id="17" name="Ink 16">
@@ -5804,7 +6306,7 @@
             </p14:xfrm>
           </p:contentPart>
         </mc:Choice>
-        <mc:Fallback>
+        <mc:Fallback xmlns="">
           <p:pic>
             <p:nvPicPr>
               <p:cNvPr id="17" name="Ink 16">
@@ -5835,8 +6337,8 @@
           </p:pic>
         </mc:Fallback>
       </mc:AlternateContent>
-      <mc:AlternateContent xmlns:mc="http://schemas.openxmlformats.org/markup-compatibility/2006">
-        <mc:Choice xmlns:p14="http://schemas.microsoft.com/office/powerpoint/2010/main" Requires="p14">
+      <mc:AlternateContent xmlns:mc="http://schemas.openxmlformats.org/markup-compatibility/2006" xmlns:p14="http://schemas.microsoft.com/office/powerpoint/2010/main">
+        <mc:Choice Requires="p14">
           <p:contentPart p14:bwMode="auto" r:id="rId16">
             <p14:nvContentPartPr>
               <p14:cNvPr id="18" name="Ink 17">
@@ -5855,7 +6357,7 @@
             </p14:xfrm>
           </p:contentPart>
         </mc:Choice>
-        <mc:Fallback>
+        <mc:Fallback xmlns="">
           <p:pic>
             <p:nvPicPr>
               <p:cNvPr id="18" name="Ink 17">
@@ -5886,8 +6388,8 @@
           </p:pic>
         </mc:Fallback>
       </mc:AlternateContent>
-      <mc:AlternateContent xmlns:mc="http://schemas.openxmlformats.org/markup-compatibility/2006">
-        <mc:Choice xmlns:p14="http://schemas.microsoft.com/office/powerpoint/2010/main" Requires="p14">
+      <mc:AlternateContent xmlns:mc="http://schemas.openxmlformats.org/markup-compatibility/2006" xmlns:p14="http://schemas.microsoft.com/office/powerpoint/2010/main">
+        <mc:Choice Requires="p14">
           <p:contentPart p14:bwMode="auto" r:id="rId18">
             <p14:nvContentPartPr>
               <p14:cNvPr id="26" name="Ink 25">
@@ -5906,7 +6408,7 @@
             </p14:xfrm>
           </p:contentPart>
         </mc:Choice>
-        <mc:Fallback>
+        <mc:Fallback xmlns="">
           <p:pic>
             <p:nvPicPr>
               <p:cNvPr id="26" name="Ink 25">
@@ -5937,8 +6439,8 @@
           </p:pic>
         </mc:Fallback>
       </mc:AlternateContent>
-      <mc:AlternateContent xmlns:mc="http://schemas.openxmlformats.org/markup-compatibility/2006">
-        <mc:Choice xmlns:p14="http://schemas.microsoft.com/office/powerpoint/2010/main" Requires="p14">
+      <mc:AlternateContent xmlns:mc="http://schemas.openxmlformats.org/markup-compatibility/2006" xmlns:p14="http://schemas.microsoft.com/office/powerpoint/2010/main">
+        <mc:Choice Requires="p14">
           <p:contentPart p14:bwMode="auto" r:id="rId20">
             <p14:nvContentPartPr>
               <p14:cNvPr id="31" name="Ink 30">
@@ -5957,7 +6459,7 @@
             </p14:xfrm>
           </p:contentPart>
         </mc:Choice>
-        <mc:Fallback>
+        <mc:Fallback xmlns="">
           <p:pic>
             <p:nvPicPr>
               <p:cNvPr id="31" name="Ink 30">
@@ -6805,14 +7307,6 @@
 <file path=ppt/slides/slide8.xml><?xml version="1.0" encoding="utf-8"?>
 <p:sld xmlns:a="http://schemas.openxmlformats.org/drawingml/2006/main" xmlns:r="http://schemas.openxmlformats.org/officeDocument/2006/relationships" xmlns:p="http://schemas.openxmlformats.org/presentationml/2006/main">
   <p:cSld>
-    <p:bg>
-      <p:bgPr>
-        <a:solidFill>
-          <a:schemeClr val="bg1"/>
-        </a:solidFill>
-        <a:effectLst/>
-      </p:bgPr>
-    </p:bg>
     <p:spTree>
       <p:nvGrpSpPr>
         <p:cNvPr id="1" name=""/>
@@ -6827,249 +7321,209 @@
           <a:chExt cx="0" cy="0"/>
         </a:xfrm>
       </p:grpSpPr>
-      <p:sp>
-        <p:nvSpPr>
-          <p:cNvPr id="47" name="Rectangle 46">
-            <a:extLst>
-              <a:ext uri="{FF2B5EF4-FFF2-40B4-BE49-F238E27FC236}">
-                <a16:creationId xmlns:a16="http://schemas.microsoft.com/office/drawing/2014/main" id="{FBDCECDC-EEE3-4128-AA5E-82A8C08796E8}"/>
-              </a:ext>
-              <a:ext uri="{C183D7F6-B498-43B3-948B-1728B52AA6E4}">
-                <adec:decorative xmlns:adec="http://schemas.microsoft.com/office/drawing/2017/decorative" val="1"/>
-              </a:ext>
-            </a:extLst>
-          </p:cNvPr>
-          <p:cNvSpPr>
-            <a:spLocks noGrp="1" noRot="1" noChangeAspect="1" noMove="1" noResize="1" noEditPoints="1" noAdjustHandles="1" noChangeArrowheads="1" noChangeShapeType="1" noTextEdit="1"/>
-          </p:cNvSpPr>
-          <p:nvPr>
-            <p:extLst>
-              <p:ext uri="{386F3935-93C4-4BCD-93E2-E3B085C9AB24}">
-                <p16:designElem xmlns:p16="http://schemas.microsoft.com/office/powerpoint/2015/main" val="1"/>
-              </p:ext>
-            </p:extLst>
-          </p:nvPr>
-        </p:nvSpPr>
+      <p:pic>
+        <p:nvPicPr>
+          <p:cNvPr id="7" name="Picture 6" descr="A graph of a graph with a line and a line&#10;&#10;Description automatically generated with medium confidence">
+            <a:extLst>
+              <a:ext uri="{FF2B5EF4-FFF2-40B4-BE49-F238E27FC236}">
+                <a16:creationId xmlns:a16="http://schemas.microsoft.com/office/drawing/2014/main" id="{369A9EAA-C05B-0738-A876-38BEF64AE6F4}"/>
+              </a:ext>
+            </a:extLst>
+          </p:cNvPr>
+          <p:cNvPicPr>
+            <a:picLocks noChangeAspect="1"/>
+          </p:cNvPicPr>
+          <p:nvPr/>
+        </p:nvPicPr>
+        <p:blipFill>
+          <a:blip r:embed="rId2">
+            <a:extLst>
+              <a:ext uri="{28A0092B-C50C-407E-A947-70E740481C1C}">
+                <a14:useLocalDpi xmlns:a14="http://schemas.microsoft.com/office/drawing/2010/main" val="0"/>
+              </a:ext>
+            </a:extLst>
+          </a:blip>
+          <a:stretch>
+            <a:fillRect/>
+          </a:stretch>
+        </p:blipFill>
         <p:spPr>
           <a:xfrm>
-            <a:off x="1507" y="0"/>
-            <a:ext cx="12192000" cy="6858000"/>
+            <a:off x="15" y="673736"/>
+            <a:ext cx="12191985" cy="3230877"/>
           </a:xfrm>
           <a:prstGeom prst="rect">
             <a:avLst/>
           </a:prstGeom>
-          <a:solidFill>
-            <a:schemeClr val="accent1"/>
-          </a:solidFill>
-          <a:ln>
-            <a:noFill/>
-          </a:ln>
-        </p:spPr>
-        <p:style>
-          <a:lnRef idx="2">
-            <a:schemeClr val="accent1">
-              <a:shade val="50000"/>
-            </a:schemeClr>
-          </a:lnRef>
-          <a:fillRef idx="1">
-            <a:schemeClr val="accent1"/>
-          </a:fillRef>
-          <a:effectRef idx="0">
-            <a:schemeClr val="accent1"/>
-          </a:effectRef>
-          <a:fontRef idx="minor">
-            <a:schemeClr val="lt1"/>
-          </a:fontRef>
-        </p:style>
-        <p:txBody>
-          <a:bodyPr rtlCol="0" anchor="ctr"/>
-          <a:lstStyle/>
-          <a:p>
-            <a:pPr marL="0" marR="0" lvl="0" indent="0" algn="ctr" defTabSz="914400" rtl="0" eaLnBrk="1" fontAlgn="auto" latinLnBrk="0" hangingPunct="1">
-              <a:lnSpc>
-                <a:spcPct val="100000"/>
-              </a:lnSpc>
-              <a:spcBef>
-                <a:spcPts val="0"/>
-              </a:spcBef>
-              <a:spcAft>
-                <a:spcPts val="0"/>
-              </a:spcAft>
-              <a:buClrTx/>
-              <a:buSzTx/>
-              <a:buFontTx/>
-              <a:buNone/>
-              <a:tabLst/>
-              <a:defRPr/>
-            </a:pPr>
-            <a:endParaRPr kumimoji="0" lang="en-US" sz="1800" b="0" i="0" u="none" strike="noStrike" kern="1200" cap="none" spc="0" normalizeH="0" baseline="0" noProof="0">
-              <a:ln>
-                <a:noFill/>
-              </a:ln>
-              <a:solidFill>
-                <a:srgbClr val="FFFFFF"/>
-              </a:solidFill>
-              <a:effectLst/>
-              <a:uLnTx/>
-              <a:uFillTx/>
-              <a:latin typeface="Franklin Gothic Book" panose="020F0502020204030204"/>
-              <a:ea typeface="+mn-ea"/>
-              <a:cs typeface="+mn-cs"/>
-            </a:endParaRPr>
-          </a:p>
-        </p:txBody>
-      </p:sp>
-      <p:sp>
-        <p:nvSpPr>
-          <p:cNvPr id="2" name="Title 1">
-            <a:extLst>
-              <a:ext uri="{FF2B5EF4-FFF2-40B4-BE49-F238E27FC236}">
-                <a16:creationId xmlns:a16="http://schemas.microsoft.com/office/drawing/2014/main" id="{9AB2EA78-AEB3-469B-9025-3B17201A457B}"/>
-              </a:ext>
-            </a:extLst>
-          </p:cNvPr>
-          <p:cNvSpPr>
-            <a:spLocks noGrp="1"/>
-          </p:cNvSpPr>
-          <p:nvPr>
-            <p:ph type="ctrTitle"/>
-          </p:nvPr>
+          <a:noFill/>
+        </p:spPr>
+      </p:pic>
+      <p:sp>
+        <p:nvSpPr>
+          <p:cNvPr id="8" name="TextBox 7">
+            <a:extLst>
+              <a:ext uri="{FF2B5EF4-FFF2-40B4-BE49-F238E27FC236}">
+                <a16:creationId xmlns:a16="http://schemas.microsoft.com/office/drawing/2014/main" id="{86290F25-A76D-58A9-9FA3-374571D0D6BD}"/>
+              </a:ext>
+            </a:extLst>
+          </p:cNvPr>
+          <p:cNvSpPr txBox="1"/>
+          <p:nvPr/>
         </p:nvSpPr>
         <p:spPr>
           <a:xfrm>
-            <a:off x="467247" y="362266"/>
-            <a:ext cx="11257472" cy="4399516"/>
-          </a:xfrm>
-        </p:spPr>
-        <p:txBody>
-          <a:bodyPr anchor="ctr">
-            <a:normAutofit fontScale="90000"/>
-          </a:bodyPr>
-          <a:lstStyle/>
-          <a:p>
-            <a:pPr lvl="0"/>
-            <a:r>
-              <a:rPr lang="en-US" sz="4800" i="1" dirty="0">
-                <a:solidFill>
-                  <a:srgbClr val="FFFFFF"/>
-                </a:solidFill>
-              </a:rPr>
-              <a:t>After looking at all the data, we’ve come to conclusion that the state of California has the highest Value, and greatest Linear  Regression slope of property value increase in the last ten years, making it the ideal state to invest in Real Estate.</a:t>
-            </a:r>
-            <a:br>
-              <a:rPr lang="en-US" sz="4800" i="1" dirty="0">
-                <a:solidFill>
-                  <a:srgbClr val="FFFFFF"/>
-                </a:solidFill>
-              </a:rPr>
-            </a:br>
-            <a:r>
-              <a:rPr lang="en-US" sz="4800" i="1" dirty="0">
-                <a:solidFill>
-                  <a:srgbClr val="FFFFFF"/>
-                </a:solidFill>
-              </a:rPr>
-              <a:t> </a:t>
-            </a:r>
-          </a:p>
-        </p:txBody>
-      </p:sp>
-      <p:sp>
-        <p:nvSpPr>
-          <p:cNvPr id="49" name="Rectangle 48">
-            <a:extLst>
-              <a:ext uri="{FF2B5EF4-FFF2-40B4-BE49-F238E27FC236}">
-                <a16:creationId xmlns:a16="http://schemas.microsoft.com/office/drawing/2014/main" id="{4260EDE0-989C-4E16-AF94-F652294D828E}"/>
-              </a:ext>
-              <a:ext uri="{C183D7F6-B498-43B3-948B-1728B52AA6E4}">
-                <adec:decorative xmlns:adec="http://schemas.microsoft.com/office/drawing/2017/decorative" val="1"/>
-              </a:ext>
-            </a:extLst>
-          </p:cNvPr>
-          <p:cNvSpPr>
-            <a:spLocks noGrp="1" noRot="1" noChangeAspect="1" noMove="1" noResize="1" noEditPoints="1" noAdjustHandles="1" noChangeArrowheads="1" noChangeShapeType="1" noTextEdit="1"/>
-          </p:cNvSpPr>
-          <p:nvPr>
-            <p:extLst>
-              <p:ext uri="{386F3935-93C4-4BCD-93E2-E3B085C9AB24}">
-                <p16:designElem xmlns:p16="http://schemas.microsoft.com/office/powerpoint/2015/main" val="1"/>
-              </p:ext>
-            </p:extLst>
-          </p:nvPr>
-        </p:nvSpPr>
-        <p:spPr bwMode="white">
-          <a:xfrm>
-            <a:off x="1507" y="4953000"/>
-            <a:ext cx="12188952" cy="1905000"/>
+            <a:off x="696036" y="4790364"/>
+            <a:ext cx="11354937" cy="1200329"/>
           </a:xfrm>
           <a:prstGeom prst="rect">
             <a:avLst/>
           </a:prstGeom>
-          <a:solidFill>
-            <a:srgbClr val="262626"/>
-          </a:solidFill>
-          <a:ln>
-            <a:noFill/>
-          </a:ln>
-        </p:spPr>
-        <p:style>
-          <a:lnRef idx="2">
-            <a:schemeClr val="accent1">
-              <a:shade val="50000"/>
-            </a:schemeClr>
-          </a:lnRef>
-          <a:fillRef idx="1">
-            <a:schemeClr val="accent1"/>
-          </a:fillRef>
-          <a:effectRef idx="0">
-            <a:schemeClr val="accent1"/>
-          </a:effectRef>
-          <a:fontRef idx="minor">
-            <a:schemeClr val="lt1"/>
-          </a:fontRef>
-        </p:style>
-        <p:txBody>
-          <a:bodyPr/>
+          <a:noFill/>
+        </p:spPr>
+        <p:txBody>
+          <a:bodyPr wrap="square" rtlCol="0">
+            <a:spAutoFit/>
+          </a:bodyPr>
           <a:lstStyle/>
           <a:p>
-            <a:pPr marL="0" marR="0" lvl="0" indent="0" algn="l" defTabSz="914400" rtl="0" eaLnBrk="1" fontAlgn="auto" latinLnBrk="0" hangingPunct="1">
-              <a:lnSpc>
-                <a:spcPct val="100000"/>
-              </a:lnSpc>
-              <a:spcBef>
-                <a:spcPts val="0"/>
-              </a:spcBef>
-              <a:spcAft>
-                <a:spcPts val="0"/>
-              </a:spcAft>
-              <a:buClrTx/>
-              <a:buSzTx/>
-              <a:buFontTx/>
-              <a:buNone/>
-              <a:tabLst/>
-              <a:defRPr/>
-            </a:pPr>
-            <a:endParaRPr kumimoji="0" lang="en-CA" sz="1800" b="0" i="0" u="none" strike="noStrike" kern="1200" cap="none" spc="0" normalizeH="0" baseline="0" noProof="0">
-              <a:ln>
-                <a:noFill/>
-              </a:ln>
-              <a:solidFill>
-                <a:srgbClr val="FFFFFF"/>
-              </a:solidFill>
-              <a:effectLst/>
-              <a:uLnTx/>
-              <a:uFillTx/>
-              <a:latin typeface="Franklin Gothic Book" panose="020F0502020204030204"/>
-              <a:ea typeface="+mn-ea"/>
-              <a:cs typeface="+mn-cs"/>
-            </a:endParaRPr>
+            <a:r>
+              <a:rPr lang="en-US" dirty="0">
+                <a:solidFill>
+                  <a:schemeClr val="bg1"/>
+                </a:solidFill>
+              </a:rPr>
+              <a:t>In New Hampshire state, we analyzed 1 Bedroom house prices from 2012 to 2022, it indicates the strong R-value which shows the average price and years have strong positive relationship. </a:t>
+            </a:r>
+          </a:p>
+          <a:p>
+            <a:r>
+              <a:rPr lang="en-US" dirty="0">
+                <a:solidFill>
+                  <a:schemeClr val="bg1"/>
+                </a:solidFill>
+              </a:rPr>
+              <a:t>2012-2022, we also investigated Condos values and graph shows the R-value 0.93 which indicates it has strong positive relationship between average price and average.</a:t>
+            </a:r>
           </a:p>
         </p:txBody>
       </p:sp>
     </p:spTree>
     <p:extLst>
       <p:ext uri="{BB962C8B-B14F-4D97-AF65-F5344CB8AC3E}">
-        <p14:creationId xmlns:p14="http://schemas.microsoft.com/office/powerpoint/2010/main" val="2884537813"/>
+        <p14:creationId xmlns:p14="http://schemas.microsoft.com/office/powerpoint/2010/main" val="2461287311"/>
+      </p:ext>
+    </p:extLst>
+  </p:cSld>
+  <p:clrMapOvr>
+    <a:masterClrMapping/>
+  </p:clrMapOvr>
+</p:sld>
+</file>
+
+<file path=ppt/slides/slide9.xml><?xml version="1.0" encoding="utf-8"?>
+<p:sld xmlns:a="http://schemas.openxmlformats.org/drawingml/2006/main" xmlns:r="http://schemas.openxmlformats.org/officeDocument/2006/relationships" xmlns:p="http://schemas.openxmlformats.org/presentationml/2006/main">
+  <p:cSld>
+    <p:spTree>
+      <p:nvGrpSpPr>
+        <p:cNvPr id="1" name=""/>
+        <p:cNvGrpSpPr/>
+        <p:nvPr/>
+      </p:nvGrpSpPr>
+      <p:grpSpPr>
+        <a:xfrm>
+          <a:off x="0" y="0"/>
+          <a:ext cx="0" cy="0"/>
+          <a:chOff x="0" y="0"/>
+          <a:chExt cx="0" cy="0"/>
+        </a:xfrm>
+      </p:grpSpPr>
+      <p:pic>
+        <p:nvPicPr>
+          <p:cNvPr id="6" name="Picture Placeholder 5" descr="A graph of a graph of a graph of a graph of a graph of a graph of a graph of a graph of a graph of a graph of a graph of a graph of a graph of&#10;&#10;Description automatically generated">
+            <a:extLst>
+              <a:ext uri="{FF2B5EF4-FFF2-40B4-BE49-F238E27FC236}">
+                <a16:creationId xmlns:a16="http://schemas.microsoft.com/office/drawing/2014/main" id="{B64CFC53-DC1B-8CA4-5A21-B2CDFB2C2C0B}"/>
+              </a:ext>
+            </a:extLst>
+          </p:cNvPr>
+          <p:cNvPicPr>
+            <a:picLocks noGrp="1" noChangeAspect="1"/>
+          </p:cNvPicPr>
+          <p:nvPr>
+            <p:ph type="pic" idx="1"/>
+          </p:nvPr>
+        </p:nvPicPr>
+        <p:blipFill rotWithShape="1">
+          <a:blip r:embed="rId2">
+            <a:extLst>
+              <a:ext uri="{28A0092B-C50C-407E-A947-70E740481C1C}">
+                <a14:useLocalDpi xmlns:a14="http://schemas.microsoft.com/office/drawing/2010/main" val="0"/>
+              </a:ext>
+            </a:extLst>
+          </a:blip>
+          <a:srcRect t="-20977" b="-20977"/>
+          <a:stretch/>
+        </p:blipFill>
+        <p:spPr>
+          <a:xfrm>
+            <a:off x="0" y="0"/>
+            <a:ext cx="12191985" cy="4578350"/>
+          </a:xfrm>
+        </p:spPr>
+      </p:pic>
+      <p:sp>
+        <p:nvSpPr>
+          <p:cNvPr id="8" name="TextBox 7">
+            <a:extLst>
+              <a:ext uri="{FF2B5EF4-FFF2-40B4-BE49-F238E27FC236}">
+                <a16:creationId xmlns:a16="http://schemas.microsoft.com/office/drawing/2014/main" id="{C9E8FFAF-10D4-5647-55F5-4DBBDD32519A}"/>
+              </a:ext>
+            </a:extLst>
+          </p:cNvPr>
+          <p:cNvSpPr txBox="1"/>
+          <p:nvPr/>
+        </p:nvSpPr>
+        <p:spPr>
+          <a:xfrm>
+            <a:off x="773723" y="4839286"/>
+            <a:ext cx="10733649" cy="923330"/>
+          </a:xfrm>
+          <a:prstGeom prst="rect">
+            <a:avLst/>
+          </a:prstGeom>
+          <a:noFill/>
+        </p:spPr>
+        <p:txBody>
+          <a:bodyPr wrap="square" rtlCol="0">
+            <a:spAutoFit/>
+          </a:bodyPr>
+          <a:lstStyle/>
+          <a:p>
+            <a:r>
+              <a:rPr lang="en-US" dirty="0">
+                <a:solidFill>
+                  <a:schemeClr val="bg1"/>
+                </a:solidFill>
+              </a:rPr>
+              <a:t>3 Bedroom house, indicates the positive relationship between Average price and year as the R-value is 0.93.</a:t>
+            </a:r>
+          </a:p>
+          <a:p>
+            <a:r>
+              <a:rPr lang="en-US" dirty="0">
+                <a:solidFill>
+                  <a:schemeClr val="bg1"/>
+                </a:solidFill>
+              </a:rPr>
+              <a:t>5 Bedroom house, indicates the R-value 0.91 which represents the positive relationship between average price and year.</a:t>
+            </a:r>
+          </a:p>
+        </p:txBody>
+      </p:sp>
+    </p:spTree>
+    <p:extLst>
+      <p:ext uri="{BB962C8B-B14F-4D97-AF65-F5344CB8AC3E}">
+        <p14:creationId xmlns:p14="http://schemas.microsoft.com/office/powerpoint/2010/main" val="1677579593"/>
       </p:ext>
     </p:extLst>
   </p:cSld>
@@ -7363,15 +7817,6 @@
 </file>
 
 <file path=customXml/item1.xml><?xml version="1.0" encoding="utf-8"?>
-<?mso-contentType ?>
-<FormTemplates xmlns="http://schemas.microsoft.com/sharepoint/v3/contenttype/forms">
-  <Display>DocumentLibraryForm</Display>
-  <Edit>DocumentLibraryForm</Edit>
-  <New>DocumentLibraryForm</New>
-</FormTemplates>
-</file>
-
-<file path=customXml/item2.xml><?xml version="1.0" encoding="utf-8"?>
 <p:properties xmlns:p="http://schemas.microsoft.com/office/2006/metadata/properties" xmlns:xsi="http://www.w3.org/2001/XMLSchema-instance" xmlns:pc="http://schemas.microsoft.com/office/infopath/2007/PartnerControls">
   <documentManagement>
     <_ip_UnifiedCompliancePolicyUIAction xmlns="http://schemas.microsoft.com/sharepoint/v3" xsi:nil="true"/>
@@ -7389,6 +7834,15 @@
     <MediaServiceKeyPoints xmlns="71af3243-3dd4-4a8d-8c0d-dd76da1f02a5" xsi:nil="true"/>
   </documentManagement>
 </p:properties>
+</file>
+
+<file path=customXml/item2.xml><?xml version="1.0" encoding="utf-8"?>
+<?mso-contentType ?>
+<FormTemplates xmlns="http://schemas.microsoft.com/sharepoint/v3/contenttype/forms">
+  <Display>DocumentLibraryForm</Display>
+  <Edit>DocumentLibraryForm</Edit>
+  <New>DocumentLibraryForm</New>
+</FormTemplates>
 </file>
 
 <file path=customXml/item3.xml><?xml version="1.0" encoding="utf-8"?>
@@ -7698,14 +8152,6 @@
 </file>
 
 <file path=customXml/itemProps1.xml><?xml version="1.0" encoding="utf-8"?>
-<ds:datastoreItem xmlns:ds="http://schemas.openxmlformats.org/officeDocument/2006/customXml" ds:itemID="{19DAD249-BF80-48EF-9AFB-36A11BCDC2CE}">
-  <ds:schemaRefs>
-    <ds:schemaRef ds:uri="http://schemas.microsoft.com/sharepoint/v3/contenttype/forms"/>
-  </ds:schemaRefs>
-</ds:datastoreItem>
-</file>
-
-<file path=customXml/itemProps2.xml><?xml version="1.0" encoding="utf-8"?>
 <ds:datastoreItem xmlns:ds="http://schemas.openxmlformats.org/officeDocument/2006/customXml" ds:itemID="{6F4F4D41-822D-40F2-A7AC-E4E6CB36CA7A}">
   <ds:schemaRefs>
     <ds:schemaRef ds:uri="http://schemas.microsoft.com/office/2006/metadata/properties"/>
@@ -7713,6 +8159,14 @@
     <ds:schemaRef ds:uri="http://schemas.microsoft.com/sharepoint/v3"/>
     <ds:schemaRef ds:uri="71af3243-3dd4-4a8d-8c0d-dd76da1f02a5"/>
     <ds:schemaRef ds:uri="230e9df3-be65-4c73-a93b-d1236ebd677e"/>
+  </ds:schemaRefs>
+</ds:datastoreItem>
+</file>
+
+<file path=customXml/itemProps2.xml><?xml version="1.0" encoding="utf-8"?>
+<ds:datastoreItem xmlns:ds="http://schemas.openxmlformats.org/officeDocument/2006/customXml" ds:itemID="{19DAD249-BF80-48EF-9AFB-36A11BCDC2CE}">
+  <ds:schemaRefs>
+    <ds:schemaRef ds:uri="http://schemas.microsoft.com/sharepoint/v3/contenttype/forms"/>
   </ds:schemaRefs>
 </ds:datastoreItem>
 </file>

--- a/Main_Data/Nasdaq Real Estate Data Cleaning.pptx
+++ b/Main_Data/Nasdaq Real Estate Data Cleaning.pptx
@@ -12,10 +12,10 @@
     <p:sldId id="262" r:id="rId9"/>
     <p:sldId id="263" r:id="rId10"/>
     <p:sldId id="264" r:id="rId11"/>
-    <p:sldId id="267" r:id="rId12"/>
-    <p:sldId id="269" r:id="rId13"/>
-    <p:sldId id="270" r:id="rId14"/>
-    <p:sldId id="271" r:id="rId15"/>
+    <p:sldId id="277" r:id="rId12"/>
+    <p:sldId id="272" r:id="rId13"/>
+    <p:sldId id="273" r:id="rId14"/>
+    <p:sldId id="274" r:id="rId15"/>
     <p:sldId id="265" r:id="rId16"/>
   </p:sldIdLst>
   <p:sldSz cx="12192000" cy="6858000"/>
@@ -4428,21 +4428,19 @@
       </p:grpSpPr>
       <p:pic>
         <p:nvPicPr>
-          <p:cNvPr id="6" name="Picture Placeholder 5" descr="A graph with different colored lines&#10;&#10;Description automatically generated">
-            <a:extLst>
-              <a:ext uri="{FF2B5EF4-FFF2-40B4-BE49-F238E27FC236}">
-                <a16:creationId xmlns:a16="http://schemas.microsoft.com/office/drawing/2014/main" id="{7C8A6601-F879-F358-4448-23D2D4B80E5A}"/>
+          <p:cNvPr id="3" name="Picture 2" descr="A graph of a graph of a graph of a graph of a graph of a graph of a graph of a graph of a graph of a graph of a graph of a graph of a graph of&#10;&#10;Description automatically generated">
+            <a:extLst>
+              <a:ext uri="{FF2B5EF4-FFF2-40B4-BE49-F238E27FC236}">
+                <a16:creationId xmlns:a16="http://schemas.microsoft.com/office/drawing/2014/main" id="{6AA85570-6F99-9EBB-F75C-7A2BAF3C398D}"/>
               </a:ext>
             </a:extLst>
           </p:cNvPr>
           <p:cNvPicPr>
-            <a:picLocks noGrp="1" noChangeAspect="1"/>
+            <a:picLocks noChangeAspect="1"/>
           </p:cNvPicPr>
-          <p:nvPr>
-            <p:ph type="pic" idx="1"/>
-          </p:nvPr>
+          <p:nvPr/>
         </p:nvPicPr>
-        <p:blipFill rotWithShape="1">
+        <p:blipFill>
           <a:blip r:embed="rId2">
             <a:extLst>
               <a:ext uri="{28A0092B-C50C-407E-A947-70E740481C1C}">
@@ -4450,22 +4448,62 @@
               </a:ext>
             </a:extLst>
           </a:blip>
-          <a:srcRect t="-13485" b="-29603"/>
-          <a:stretch/>
+          <a:stretch>
+            <a:fillRect/>
+          </a:stretch>
         </p:blipFill>
         <p:spPr>
           <a:xfrm>
-            <a:off x="1" y="98474"/>
-            <a:ext cx="12192000" cy="4614910"/>
-          </a:xfrm>
+            <a:off x="379828" y="850509"/>
+            <a:ext cx="10306600" cy="2463503"/>
+          </a:xfrm>
+          <a:prstGeom prst="rect">
+            <a:avLst/>
+          </a:prstGeom>
         </p:spPr>
       </p:pic>
+      <p:pic>
+        <p:nvPicPr>
+          <p:cNvPr id="5" name="Picture 4" descr="A graph with a line and a line&#10;&#10;Description automatically generated with medium confidence">
+            <a:extLst>
+              <a:ext uri="{FF2B5EF4-FFF2-40B4-BE49-F238E27FC236}">
+                <a16:creationId xmlns:a16="http://schemas.microsoft.com/office/drawing/2014/main" id="{33F731C1-143F-3601-5C82-A70C5998CA4B}"/>
+              </a:ext>
+            </a:extLst>
+          </p:cNvPr>
+          <p:cNvPicPr>
+            <a:picLocks noChangeAspect="1"/>
+          </p:cNvPicPr>
+          <p:nvPr/>
+        </p:nvPicPr>
+        <p:blipFill>
+          <a:blip r:embed="rId3">
+            <a:extLst>
+              <a:ext uri="{28A0092B-C50C-407E-A947-70E740481C1C}">
+                <a14:useLocalDpi xmlns:a14="http://schemas.microsoft.com/office/drawing/2010/main" val="0"/>
+              </a:ext>
+            </a:extLst>
+          </a:blip>
+          <a:stretch>
+            <a:fillRect/>
+          </a:stretch>
+        </p:blipFill>
+        <p:spPr>
+          <a:xfrm>
+            <a:off x="886264" y="3713871"/>
+            <a:ext cx="9800163" cy="2602522"/>
+          </a:xfrm>
+          <a:prstGeom prst="rect">
+            <a:avLst/>
+          </a:prstGeom>
+        </p:spPr>
+      </p:pic>
       <p:sp>
         <p:nvSpPr>
           <p:cNvPr id="7" name="TextBox 6">
             <a:extLst>
               <a:ext uri="{FF2B5EF4-FFF2-40B4-BE49-F238E27FC236}">
-                <a16:creationId xmlns:a16="http://schemas.microsoft.com/office/drawing/2014/main" id="{B707FEFE-AC96-476A-AE17-6309B990E2B9}"/>
+                <a16:creationId xmlns:a16="http://schemas.microsoft.com/office/drawing/2014/main" id="{A09D85A8-77C3-8C1F-5E1B-112E23F995B5}"/>
               </a:ext>
             </a:extLst>
           </p:cNvPr>
@@ -4474,8 +4512,8 @@
         </p:nvSpPr>
         <p:spPr>
           <a:xfrm>
-            <a:off x="703385" y="5120639"/>
-            <a:ext cx="10916529" cy="923330"/>
+            <a:off x="2700997" y="204178"/>
+            <a:ext cx="5991640" cy="646331"/>
           </a:xfrm>
           <a:prstGeom prst="rect">
             <a:avLst/>
@@ -4483,6 +4521,51 @@
           <a:noFill/>
         </p:spPr>
         <p:txBody>
+          <a:bodyPr wrap="none" rtlCol="0">
+            <a:spAutoFit/>
+          </a:bodyPr>
+          <a:lstStyle/>
+          <a:p>
+            <a:r>
+              <a:rPr lang="en-US" dirty="0">
+                <a:solidFill>
+                  <a:schemeClr val="bg1"/>
+                </a:solidFill>
+                <a:highlight>
+                  <a:srgbClr val="000000"/>
+                </a:highlight>
+              </a:rPr>
+              <a:t>New Hampshire: 3 Bedroom and 5+ Bedroom (2012-2022) </a:t>
+            </a:r>
+          </a:p>
+          <a:p>
+            <a:endParaRPr lang="en-US" dirty="0"/>
+          </a:p>
+        </p:txBody>
+      </p:sp>
+      <p:sp>
+        <p:nvSpPr>
+          <p:cNvPr id="8" name="TextBox 7">
+            <a:extLst>
+              <a:ext uri="{FF2B5EF4-FFF2-40B4-BE49-F238E27FC236}">
+                <a16:creationId xmlns:a16="http://schemas.microsoft.com/office/drawing/2014/main" id="{F63743C8-852B-D1C1-62AC-3FEBE4FCE601}"/>
+              </a:ext>
+            </a:extLst>
+          </p:cNvPr>
+          <p:cNvSpPr txBox="1"/>
+          <p:nvPr/>
+        </p:nvSpPr>
+        <p:spPr>
+          <a:xfrm>
+            <a:off x="3080825" y="3314012"/>
+            <a:ext cx="5800577" cy="646331"/>
+          </a:xfrm>
+          <a:prstGeom prst="rect">
+            <a:avLst/>
+          </a:prstGeom>
+          <a:noFill/>
+        </p:spPr>
+        <p:txBody>
           <a:bodyPr wrap="square" rtlCol="0">
             <a:spAutoFit/>
           </a:bodyPr>
@@ -4493,26 +4576,22 @@
                 <a:solidFill>
                   <a:schemeClr val="bg1"/>
                 </a:solidFill>
+                <a:highlight>
+                  <a:srgbClr val="000000"/>
+                </a:highlight>
               </a:rPr>
-              <a:t>Looking at Bottom tier house over the previous 10 years also shows the positive relationship between Average price and year. </a:t>
-            </a:r>
-          </a:p>
-          <a:p>
-            <a:r>
-              <a:rPr lang="en-US" dirty="0">
-                <a:solidFill>
-                  <a:schemeClr val="bg1"/>
-                </a:solidFill>
-              </a:rPr>
-              <a:t>Top Tier, also indicates the positive relationship between Average price and Year.</a:t>
-            </a:r>
+              <a:t>Maine: 3 Bedroom and 5+ Bedroom (2012-2022) </a:t>
+            </a:r>
+          </a:p>
+          <a:p>
+            <a:endParaRPr lang="en-US" dirty="0"/>
           </a:p>
         </p:txBody>
       </p:sp>
     </p:spTree>
     <p:extLst>
       <p:ext uri="{BB962C8B-B14F-4D97-AF65-F5344CB8AC3E}">
-        <p14:creationId xmlns:p14="http://schemas.microsoft.com/office/powerpoint/2010/main" val="3925594281"/>
+        <p14:creationId xmlns:p14="http://schemas.microsoft.com/office/powerpoint/2010/main" val="3608136750"/>
       </p:ext>
     </p:extLst>
   </p:cSld>
@@ -4541,19 +4620,17 @@
       </p:grpSpPr>
       <p:pic>
         <p:nvPicPr>
-          <p:cNvPr id="6" name="Picture Placeholder 5" descr="A screenshot of a graph&#10;&#10;Description automatically generated">
-            <a:extLst>
-              <a:ext uri="{FF2B5EF4-FFF2-40B4-BE49-F238E27FC236}">
-                <a16:creationId xmlns:a16="http://schemas.microsoft.com/office/drawing/2014/main" id="{100FF1F5-B60D-D31B-5AFD-1924D52346B1}"/>
+          <p:cNvPr id="3" name="Picture 2" descr="A white background with black dots&#10;&#10;Description automatically generated">
+            <a:extLst>
+              <a:ext uri="{FF2B5EF4-FFF2-40B4-BE49-F238E27FC236}">
+                <a16:creationId xmlns:a16="http://schemas.microsoft.com/office/drawing/2014/main" id="{9033F7EF-3636-1B0F-DB5B-693582125A00}"/>
               </a:ext>
             </a:extLst>
           </p:cNvPr>
           <p:cNvPicPr>
-            <a:picLocks noGrp="1" noChangeAspect="1"/>
+            <a:picLocks noChangeAspect="1"/>
           </p:cNvPicPr>
-          <p:nvPr>
-            <p:ph type="pic" idx="1"/>
-          </p:nvPr>
+          <p:nvPr/>
         </p:nvPicPr>
         <p:blipFill rotWithShape="1">
           <a:blip r:embed="rId2">
@@ -4563,56 +4640,84 @@
               </a:ext>
             </a:extLst>
           </a:blip>
-          <a:srcRect t="-20977" b="-20977"/>
+          <a:srcRect l="935" r="55294"/>
           <a:stretch/>
         </p:blipFill>
-        <p:spPr/>
-      </p:pic>
-      <p:sp>
-        <p:nvSpPr>
-          <p:cNvPr id="7" name="TextBox 6">
-            <a:extLst>
-              <a:ext uri="{FF2B5EF4-FFF2-40B4-BE49-F238E27FC236}">
-                <a16:creationId xmlns:a16="http://schemas.microsoft.com/office/drawing/2014/main" id="{55626641-77D2-A4E5-C76A-250EE9FFE1E6}"/>
-              </a:ext>
-            </a:extLst>
-          </p:cNvPr>
-          <p:cNvSpPr txBox="1"/>
-          <p:nvPr/>
-        </p:nvSpPr>
-        <p:spPr>
-          <a:xfrm>
-            <a:off x="647114" y="5078437"/>
-            <a:ext cx="10864000" cy="646331"/>
+        <p:spPr>
+          <a:xfrm>
+            <a:off x="2194560" y="868341"/>
+            <a:ext cx="7160455" cy="3028410"/>
           </a:xfrm>
           <a:prstGeom prst="rect">
             <a:avLst/>
           </a:prstGeom>
           <a:noFill/>
         </p:spPr>
-        <p:txBody>
-          <a:bodyPr wrap="none" rtlCol="0">
-            <a:spAutoFit/>
+      </p:pic>
+      <p:sp>
+        <p:nvSpPr>
+          <p:cNvPr id="8" name="Title 2">
+            <a:extLst>
+              <a:ext uri="{FF2B5EF4-FFF2-40B4-BE49-F238E27FC236}">
+                <a16:creationId xmlns:a16="http://schemas.microsoft.com/office/drawing/2014/main" id="{2B0DFA1B-4160-6012-02F7-C054C163CBEB}"/>
+              </a:ext>
+            </a:extLst>
+          </p:cNvPr>
+          <p:cNvSpPr>
+            <a:spLocks noGrp="1"/>
+          </p:cNvSpPr>
+          <p:nvPr>
+            <p:ph type="title"/>
+          </p:nvPr>
+        </p:nvSpPr>
+        <p:spPr>
+          <a:xfrm>
+            <a:off x="1097279" y="4686820"/>
+            <a:ext cx="10113645" cy="743682"/>
+          </a:xfrm>
+        </p:spPr>
+        <p:txBody>
+          <a:bodyPr/>
+          <a:lstStyle/>
+          <a:p>
+            <a:r>
+              <a:rPr lang="en-US" sz="3200" dirty="0"/>
+              <a:t>CAGR : Maine Vs New Hampshire (2012-2022)</a:t>
+            </a:r>
+          </a:p>
+        </p:txBody>
+      </p:sp>
+      <p:sp>
+        <p:nvSpPr>
+          <p:cNvPr id="10" name="Text Placeholder 3">
+            <a:extLst>
+              <a:ext uri="{FF2B5EF4-FFF2-40B4-BE49-F238E27FC236}">
+                <a16:creationId xmlns:a16="http://schemas.microsoft.com/office/drawing/2014/main" id="{6440A4A8-62BA-CAFB-9AC5-31544D3B25A4}"/>
+              </a:ext>
+            </a:extLst>
+          </p:cNvPr>
+          <p:cNvSpPr>
+            <a:spLocks noGrp="1"/>
+          </p:cNvSpPr>
+          <p:nvPr>
+            <p:ph type="body" sz="half" idx="2"/>
+          </p:nvPr>
+        </p:nvSpPr>
+        <p:spPr>
+          <a:xfrm>
+            <a:off x="1097279" y="5715000"/>
+            <a:ext cx="10113264" cy="609600"/>
+          </a:xfrm>
+        </p:spPr>
+        <p:txBody>
+          <a:bodyPr>
+            <a:normAutofit/>
           </a:bodyPr>
           <a:lstStyle/>
           <a:p>
             <a:r>
-              <a:rPr lang="en-US" dirty="0">
-                <a:solidFill>
-                  <a:schemeClr val="bg1"/>
-                </a:solidFill>
-              </a:rPr>
-              <a:t>The above table depicts the Compound Annual Growth rate of State New Hampshire in all property types.  The </a:t>
-            </a:r>
-          </a:p>
-          <a:p>
-            <a:r>
-              <a:rPr lang="en-US" dirty="0">
-                <a:solidFill>
-                  <a:schemeClr val="bg1"/>
-                </a:solidFill>
-              </a:rPr>
-              <a:t>CAGR percentage  indicates that the highest growth was in Bottom tier followed by 1 Bedroom homes. </a:t>
+              <a:rPr lang="en-US" dirty="0"/>
+              <a:t>New Hampshire indicates the higher Compound Annual Growth Rate  when compared with Maine in all the property types in given years.</a:t>
             </a:r>
           </a:p>
         </p:txBody>
@@ -4620,7 +4725,7 @@
     </p:spTree>
     <p:extLst>
       <p:ext uri="{BB962C8B-B14F-4D97-AF65-F5344CB8AC3E}">
-        <p14:creationId xmlns:p14="http://schemas.microsoft.com/office/powerpoint/2010/main" val="203629613"/>
+        <p14:creationId xmlns:p14="http://schemas.microsoft.com/office/powerpoint/2010/main" val="1026322312"/>
       </p:ext>
     </p:extLst>
   </p:cSld>
@@ -4765,8 +4870,8 @@
         </p:nvSpPr>
         <p:spPr>
           <a:xfrm>
-            <a:off x="467247" y="362266"/>
-            <a:ext cx="11257472" cy="4399516"/>
+            <a:off x="467247" y="362265"/>
+            <a:ext cx="11257472" cy="4899051"/>
           </a:xfrm>
         </p:spPr>
         <p:txBody>
@@ -4782,7 +4887,22 @@
                   <a:srgbClr val="FFFFFF"/>
                 </a:solidFill>
               </a:rPr>
-              <a:t>After looking at all the data, we’ve come to conclusion that the state of California has the highest Value, and greatest Linear  Regression slope of property value increase in the last ten years, making it the ideal state to invest in Real Estate.</a:t>
+              <a:t>Analysis of both the States(Maine and New Hampshire), we have concluded that both the states indicated the strong positive relationship between price and year. </a:t>
+            </a:r>
+            <a:br>
+              <a:rPr lang="en-US" sz="4800" i="1" dirty="0">
+                <a:solidFill>
+                  <a:srgbClr val="FFFFFF"/>
+                </a:solidFill>
+              </a:rPr>
+            </a:br>
+            <a:r>
+              <a:rPr lang="en-US" sz="4800" i="1" dirty="0">
+                <a:solidFill>
+                  <a:srgbClr val="FFFFFF"/>
+                </a:solidFill>
+              </a:rPr>
+              <a:t>CAGR is higher for New Hampshire, when compared.</a:t>
             </a:r>
             <a:br>
               <a:rPr lang="en-US" sz="4800" i="1" dirty="0">
@@ -7307,6 +7427,14 @@
 <file path=ppt/slides/slide8.xml><?xml version="1.0" encoding="utf-8"?>
 <p:sld xmlns:a="http://schemas.openxmlformats.org/drawingml/2006/main" xmlns:r="http://schemas.openxmlformats.org/officeDocument/2006/relationships" xmlns:p="http://schemas.openxmlformats.org/presentationml/2006/main">
   <p:cSld>
+    <p:bg>
+      <p:bgPr>
+        <a:solidFill>
+          <a:schemeClr val="bg1"/>
+        </a:solidFill>
+        <a:effectLst/>
+      </p:bgPr>
+    </p:bg>
     <p:spTree>
       <p:nvGrpSpPr>
         <p:cNvPr id="1" name=""/>
@@ -7321,96 +7449,249 @@
           <a:chExt cx="0" cy="0"/>
         </a:xfrm>
       </p:grpSpPr>
-      <p:pic>
-        <p:nvPicPr>
-          <p:cNvPr id="7" name="Picture 6" descr="A graph of a graph with a line and a line&#10;&#10;Description automatically generated with medium confidence">
-            <a:extLst>
-              <a:ext uri="{FF2B5EF4-FFF2-40B4-BE49-F238E27FC236}">
-                <a16:creationId xmlns:a16="http://schemas.microsoft.com/office/drawing/2014/main" id="{369A9EAA-C05B-0738-A876-38BEF64AE6F4}"/>
-              </a:ext>
-            </a:extLst>
-          </p:cNvPr>
-          <p:cNvPicPr>
-            <a:picLocks noChangeAspect="1"/>
-          </p:cNvPicPr>
-          <p:nvPr/>
-        </p:nvPicPr>
-        <p:blipFill>
-          <a:blip r:embed="rId2">
-            <a:extLst>
-              <a:ext uri="{28A0092B-C50C-407E-A947-70E740481C1C}">
-                <a14:useLocalDpi xmlns:a14="http://schemas.microsoft.com/office/drawing/2010/main" val="0"/>
-              </a:ext>
-            </a:extLst>
-          </a:blip>
-          <a:stretch>
-            <a:fillRect/>
-          </a:stretch>
-        </p:blipFill>
-        <p:spPr>
-          <a:xfrm>
-            <a:off x="15" y="673736"/>
-            <a:ext cx="12191985" cy="3230877"/>
+      <p:sp>
+        <p:nvSpPr>
+          <p:cNvPr id="47" name="Rectangle 46">
+            <a:extLst>
+              <a:ext uri="{FF2B5EF4-FFF2-40B4-BE49-F238E27FC236}">
+                <a16:creationId xmlns:a16="http://schemas.microsoft.com/office/drawing/2014/main" id="{FBDCECDC-EEE3-4128-AA5E-82A8C08796E8}"/>
+              </a:ext>
+              <a:ext uri="{C183D7F6-B498-43B3-948B-1728B52AA6E4}">
+                <adec:decorative xmlns:adec="http://schemas.microsoft.com/office/drawing/2017/decorative" val="1"/>
+              </a:ext>
+            </a:extLst>
+          </p:cNvPr>
+          <p:cNvSpPr>
+            <a:spLocks noGrp="1" noRot="1" noChangeAspect="1" noMove="1" noResize="1" noEditPoints="1" noAdjustHandles="1" noChangeArrowheads="1" noChangeShapeType="1" noTextEdit="1"/>
+          </p:cNvSpPr>
+          <p:nvPr>
+            <p:extLst>
+              <p:ext uri="{386F3935-93C4-4BCD-93E2-E3B085C9AB24}">
+                <p16:designElem xmlns:p16="http://schemas.microsoft.com/office/powerpoint/2015/main" val="1"/>
+              </p:ext>
+            </p:extLst>
+          </p:nvPr>
+        </p:nvSpPr>
+        <p:spPr>
+          <a:xfrm>
+            <a:off x="1507" y="0"/>
+            <a:ext cx="12192000" cy="6858000"/>
           </a:xfrm>
           <a:prstGeom prst="rect">
             <a:avLst/>
           </a:prstGeom>
-          <a:noFill/>
-        </p:spPr>
-      </p:pic>
-      <p:sp>
-        <p:nvSpPr>
-          <p:cNvPr id="8" name="TextBox 7">
-            <a:extLst>
-              <a:ext uri="{FF2B5EF4-FFF2-40B4-BE49-F238E27FC236}">
-                <a16:creationId xmlns:a16="http://schemas.microsoft.com/office/drawing/2014/main" id="{86290F25-A76D-58A9-9FA3-374571D0D6BD}"/>
-              </a:ext>
-            </a:extLst>
-          </p:cNvPr>
-          <p:cNvSpPr txBox="1"/>
-          <p:nvPr/>
-        </p:nvSpPr>
-        <p:spPr>
-          <a:xfrm>
-            <a:off x="696036" y="4790364"/>
-            <a:ext cx="11354937" cy="1200329"/>
+          <a:solidFill>
+            <a:schemeClr val="accent1"/>
+          </a:solidFill>
+          <a:ln>
+            <a:noFill/>
+          </a:ln>
+        </p:spPr>
+        <p:style>
+          <a:lnRef idx="2">
+            <a:schemeClr val="accent1">
+              <a:shade val="50000"/>
+            </a:schemeClr>
+          </a:lnRef>
+          <a:fillRef idx="1">
+            <a:schemeClr val="accent1"/>
+          </a:fillRef>
+          <a:effectRef idx="0">
+            <a:schemeClr val="accent1"/>
+          </a:effectRef>
+          <a:fontRef idx="minor">
+            <a:schemeClr val="lt1"/>
+          </a:fontRef>
+        </p:style>
+        <p:txBody>
+          <a:bodyPr rtlCol="0" anchor="ctr"/>
+          <a:lstStyle/>
+          <a:p>
+            <a:pPr marL="0" marR="0" lvl="0" indent="0" algn="ctr" defTabSz="914400" rtl="0" eaLnBrk="1" fontAlgn="auto" latinLnBrk="0" hangingPunct="1">
+              <a:lnSpc>
+                <a:spcPct val="100000"/>
+              </a:lnSpc>
+              <a:spcBef>
+                <a:spcPts val="0"/>
+              </a:spcBef>
+              <a:spcAft>
+                <a:spcPts val="0"/>
+              </a:spcAft>
+              <a:buClrTx/>
+              <a:buSzTx/>
+              <a:buFontTx/>
+              <a:buNone/>
+              <a:tabLst/>
+              <a:defRPr/>
+            </a:pPr>
+            <a:endParaRPr kumimoji="0" lang="en-US" sz="1800" b="0" i="0" u="none" strike="noStrike" kern="1200" cap="none" spc="0" normalizeH="0" baseline="0" noProof="0">
+              <a:ln>
+                <a:noFill/>
+              </a:ln>
+              <a:solidFill>
+                <a:srgbClr val="FFFFFF"/>
+              </a:solidFill>
+              <a:effectLst/>
+              <a:uLnTx/>
+              <a:uFillTx/>
+              <a:latin typeface="Franklin Gothic Book" panose="020F0502020204030204"/>
+              <a:ea typeface="+mn-ea"/>
+              <a:cs typeface="+mn-cs"/>
+            </a:endParaRPr>
+          </a:p>
+        </p:txBody>
+      </p:sp>
+      <p:sp>
+        <p:nvSpPr>
+          <p:cNvPr id="2" name="Title 1">
+            <a:extLst>
+              <a:ext uri="{FF2B5EF4-FFF2-40B4-BE49-F238E27FC236}">
+                <a16:creationId xmlns:a16="http://schemas.microsoft.com/office/drawing/2014/main" id="{9AB2EA78-AEB3-469B-9025-3B17201A457B}"/>
+              </a:ext>
+            </a:extLst>
+          </p:cNvPr>
+          <p:cNvSpPr>
+            <a:spLocks noGrp="1"/>
+          </p:cNvSpPr>
+          <p:nvPr>
+            <p:ph type="ctrTitle"/>
+          </p:nvPr>
+        </p:nvSpPr>
+        <p:spPr>
+          <a:xfrm>
+            <a:off x="467247" y="362266"/>
+            <a:ext cx="11257472" cy="4399516"/>
+          </a:xfrm>
+        </p:spPr>
+        <p:txBody>
+          <a:bodyPr anchor="ctr">
+            <a:normAutofit fontScale="90000"/>
+          </a:bodyPr>
+          <a:lstStyle/>
+          <a:p>
+            <a:pPr lvl="0"/>
+            <a:r>
+              <a:rPr lang="en-US" sz="4800" i="1" dirty="0">
+                <a:solidFill>
+                  <a:srgbClr val="FFFFFF"/>
+                </a:solidFill>
+              </a:rPr>
+              <a:t>After looking at all the data, we’ve come to conclusion that the state of California has the highest Value, and greatest Linear  Regression slope of property value increase in the last ten years, making it the ideal state to invest in Real Estate.</a:t>
+            </a:r>
+            <a:br>
+              <a:rPr lang="en-US" sz="4800" i="1" dirty="0">
+                <a:solidFill>
+                  <a:srgbClr val="FFFFFF"/>
+                </a:solidFill>
+              </a:rPr>
+            </a:br>
+            <a:r>
+              <a:rPr lang="en-US" sz="4800" i="1" dirty="0">
+                <a:solidFill>
+                  <a:srgbClr val="FFFFFF"/>
+                </a:solidFill>
+              </a:rPr>
+              <a:t> </a:t>
+            </a:r>
+          </a:p>
+        </p:txBody>
+      </p:sp>
+      <p:sp>
+        <p:nvSpPr>
+          <p:cNvPr id="49" name="Rectangle 48">
+            <a:extLst>
+              <a:ext uri="{FF2B5EF4-FFF2-40B4-BE49-F238E27FC236}">
+                <a16:creationId xmlns:a16="http://schemas.microsoft.com/office/drawing/2014/main" id="{4260EDE0-989C-4E16-AF94-F652294D828E}"/>
+              </a:ext>
+              <a:ext uri="{C183D7F6-B498-43B3-948B-1728B52AA6E4}">
+                <adec:decorative xmlns:adec="http://schemas.microsoft.com/office/drawing/2017/decorative" val="1"/>
+              </a:ext>
+            </a:extLst>
+          </p:cNvPr>
+          <p:cNvSpPr>
+            <a:spLocks noGrp="1" noRot="1" noChangeAspect="1" noMove="1" noResize="1" noEditPoints="1" noAdjustHandles="1" noChangeArrowheads="1" noChangeShapeType="1" noTextEdit="1"/>
+          </p:cNvSpPr>
+          <p:nvPr>
+            <p:extLst>
+              <p:ext uri="{386F3935-93C4-4BCD-93E2-E3B085C9AB24}">
+                <p16:designElem xmlns:p16="http://schemas.microsoft.com/office/powerpoint/2015/main" val="1"/>
+              </p:ext>
+            </p:extLst>
+          </p:nvPr>
+        </p:nvSpPr>
+        <p:spPr bwMode="white">
+          <a:xfrm>
+            <a:off x="1507" y="4953000"/>
+            <a:ext cx="12188952" cy="1905000"/>
           </a:xfrm>
           <a:prstGeom prst="rect">
             <a:avLst/>
           </a:prstGeom>
-          <a:noFill/>
-        </p:spPr>
-        <p:txBody>
-          <a:bodyPr wrap="square" rtlCol="0">
-            <a:spAutoFit/>
-          </a:bodyPr>
+          <a:solidFill>
+            <a:srgbClr val="262626"/>
+          </a:solidFill>
+          <a:ln>
+            <a:noFill/>
+          </a:ln>
+        </p:spPr>
+        <p:style>
+          <a:lnRef idx="2">
+            <a:schemeClr val="accent1">
+              <a:shade val="50000"/>
+            </a:schemeClr>
+          </a:lnRef>
+          <a:fillRef idx="1">
+            <a:schemeClr val="accent1"/>
+          </a:fillRef>
+          <a:effectRef idx="0">
+            <a:schemeClr val="accent1"/>
+          </a:effectRef>
+          <a:fontRef idx="minor">
+            <a:schemeClr val="lt1"/>
+          </a:fontRef>
+        </p:style>
+        <p:txBody>
+          <a:bodyPr/>
           <a:lstStyle/>
           <a:p>
-            <a:r>
-              <a:rPr lang="en-US" dirty="0">
-                <a:solidFill>
-                  <a:schemeClr val="bg1"/>
-                </a:solidFill>
-              </a:rPr>
-              <a:t>In New Hampshire state, we analyzed 1 Bedroom house prices from 2012 to 2022, it indicates the strong R-value which shows the average price and years have strong positive relationship. </a:t>
-            </a:r>
-          </a:p>
-          <a:p>
-            <a:r>
-              <a:rPr lang="en-US" dirty="0">
-                <a:solidFill>
-                  <a:schemeClr val="bg1"/>
-                </a:solidFill>
-              </a:rPr>
-              <a:t>2012-2022, we also investigated Condos values and graph shows the R-value 0.93 which indicates it has strong positive relationship between average price and average.</a:t>
-            </a:r>
+            <a:pPr marL="0" marR="0" lvl="0" indent="0" algn="l" defTabSz="914400" rtl="0" eaLnBrk="1" fontAlgn="auto" latinLnBrk="0" hangingPunct="1">
+              <a:lnSpc>
+                <a:spcPct val="100000"/>
+              </a:lnSpc>
+              <a:spcBef>
+                <a:spcPts val="0"/>
+              </a:spcBef>
+              <a:spcAft>
+                <a:spcPts val="0"/>
+              </a:spcAft>
+              <a:buClrTx/>
+              <a:buSzTx/>
+              <a:buFontTx/>
+              <a:buNone/>
+              <a:tabLst/>
+              <a:defRPr/>
+            </a:pPr>
+            <a:endParaRPr kumimoji="0" lang="en-CA" sz="1800" b="0" i="0" u="none" strike="noStrike" kern="1200" cap="none" spc="0" normalizeH="0" baseline="0" noProof="0">
+              <a:ln>
+                <a:noFill/>
+              </a:ln>
+              <a:solidFill>
+                <a:srgbClr val="FFFFFF"/>
+              </a:solidFill>
+              <a:effectLst/>
+              <a:uLnTx/>
+              <a:uFillTx/>
+              <a:latin typeface="Franklin Gothic Book" panose="020F0502020204030204"/>
+              <a:ea typeface="+mn-ea"/>
+              <a:cs typeface="+mn-cs"/>
+            </a:endParaRPr>
           </a:p>
         </p:txBody>
       </p:sp>
     </p:spTree>
     <p:extLst>
       <p:ext uri="{BB962C8B-B14F-4D97-AF65-F5344CB8AC3E}">
-        <p14:creationId xmlns:p14="http://schemas.microsoft.com/office/powerpoint/2010/main" val="2461287311"/>
+        <p14:creationId xmlns:p14="http://schemas.microsoft.com/office/powerpoint/2010/main" val="3494091059"/>
       </p:ext>
     </p:extLst>
   </p:cSld>
@@ -7439,19 +7720,17 @@
       </p:grpSpPr>
       <p:pic>
         <p:nvPicPr>
-          <p:cNvPr id="6" name="Picture Placeholder 5" descr="A graph of a graph of a graph of a graph of a graph of a graph of a graph of a graph of a graph of a graph of a graph of a graph of a graph of&#10;&#10;Description automatically generated">
-            <a:extLst>
-              <a:ext uri="{FF2B5EF4-FFF2-40B4-BE49-F238E27FC236}">
-                <a16:creationId xmlns:a16="http://schemas.microsoft.com/office/drawing/2014/main" id="{B64CFC53-DC1B-8CA4-5A21-B2CDFB2C2C0B}"/>
+          <p:cNvPr id="3" name="Picture 2" descr="A graph of a graph with a line and a line&#10;&#10;Description automatically generated with medium confidence">
+            <a:extLst>
+              <a:ext uri="{FF2B5EF4-FFF2-40B4-BE49-F238E27FC236}">
+                <a16:creationId xmlns:a16="http://schemas.microsoft.com/office/drawing/2014/main" id="{96F6F1AA-5E58-1CC1-FF7B-57938B036C26}"/>
               </a:ext>
             </a:extLst>
           </p:cNvPr>
           <p:cNvPicPr>
-            <a:picLocks noGrp="1" noChangeAspect="1"/>
+            <a:picLocks noChangeAspect="1"/>
           </p:cNvPicPr>
-          <p:nvPr>
-            <p:ph type="pic" idx="1"/>
-          </p:nvPr>
+          <p:nvPr/>
         </p:nvPicPr>
         <p:blipFill rotWithShape="1">
           <a:blip r:embed="rId2">
@@ -7461,22 +7740,61 @@
               </a:ext>
             </a:extLst>
           </a:blip>
-          <a:srcRect t="-20977" b="-20977"/>
+          <a:srcRect t="2692"/>
           <a:stretch/>
         </p:blipFill>
         <p:spPr>
           <a:xfrm>
-            <a:off x="0" y="0"/>
-            <a:ext cx="12191985" cy="4578350"/>
-          </a:xfrm>
+            <a:off x="759655" y="886265"/>
+            <a:ext cx="9852079" cy="2542736"/>
+          </a:xfrm>
+          <a:prstGeom prst="rect">
+            <a:avLst/>
+          </a:prstGeom>
         </p:spPr>
       </p:pic>
-      <p:sp>
-        <p:nvSpPr>
-          <p:cNvPr id="8" name="TextBox 7">
-            <a:extLst>
-              <a:ext uri="{FF2B5EF4-FFF2-40B4-BE49-F238E27FC236}">
-                <a16:creationId xmlns:a16="http://schemas.microsoft.com/office/drawing/2014/main" id="{C9E8FFAF-10D4-5647-55F5-4DBBDD32519A}"/>
+      <p:pic>
+        <p:nvPicPr>
+          <p:cNvPr id="5" name="Picture 4" descr="A graph with a line and a line graph&#10;&#10;Description automatically generated with medium confidence">
+            <a:extLst>
+              <a:ext uri="{FF2B5EF4-FFF2-40B4-BE49-F238E27FC236}">
+                <a16:creationId xmlns:a16="http://schemas.microsoft.com/office/drawing/2014/main" id="{84EC855B-8725-927E-531B-85F058B8979B}"/>
+              </a:ext>
+            </a:extLst>
+          </p:cNvPr>
+          <p:cNvPicPr>
+            <a:picLocks noChangeAspect="1"/>
+          </p:cNvPicPr>
+          <p:nvPr/>
+        </p:nvPicPr>
+        <p:blipFill>
+          <a:blip r:embed="rId3">
+            <a:extLst>
+              <a:ext uri="{28A0092B-C50C-407E-A947-70E740481C1C}">
+                <a14:useLocalDpi xmlns:a14="http://schemas.microsoft.com/office/drawing/2010/main" val="0"/>
+              </a:ext>
+            </a:extLst>
+          </a:blip>
+          <a:stretch>
+            <a:fillRect/>
+          </a:stretch>
+        </p:blipFill>
+        <p:spPr>
+          <a:xfrm>
+            <a:off x="1329007" y="4058531"/>
+            <a:ext cx="9533985" cy="2310618"/>
+          </a:xfrm>
+          <a:prstGeom prst="rect">
+            <a:avLst/>
+          </a:prstGeom>
+        </p:spPr>
+      </p:pic>
+      <p:sp>
+        <p:nvSpPr>
+          <p:cNvPr id="7" name="TextBox 6">
+            <a:extLst>
+              <a:ext uri="{FF2B5EF4-FFF2-40B4-BE49-F238E27FC236}">
+                <a16:creationId xmlns:a16="http://schemas.microsoft.com/office/drawing/2014/main" id="{4F1851AE-CD42-9EFE-D816-BC8BE562FA1D}"/>
               </a:ext>
             </a:extLst>
           </p:cNvPr>
@@ -7485,8 +7803,8 @@
         </p:nvSpPr>
         <p:spPr>
           <a:xfrm>
-            <a:off x="773723" y="4839286"/>
-            <a:ext cx="10733649" cy="923330"/>
+            <a:off x="3026811" y="304185"/>
+            <a:ext cx="5511702" cy="369332"/>
           </a:xfrm>
           <a:prstGeom prst="rect">
             <a:avLst/>
@@ -7494,7 +7812,7 @@
           <a:noFill/>
         </p:spPr>
         <p:txBody>
-          <a:bodyPr wrap="square" rtlCol="0">
+          <a:bodyPr wrap="none" rtlCol="0">
             <a:spAutoFit/>
           </a:bodyPr>
           <a:lstStyle/>
@@ -7504,26 +7822,64 @@
                 <a:solidFill>
                   <a:schemeClr val="bg1"/>
                 </a:solidFill>
+                <a:highlight>
+                  <a:srgbClr val="000000"/>
+                </a:highlight>
               </a:rPr>
-              <a:t>3 Bedroom house, indicates the positive relationship between Average price and year as the R-value is 0.93.</a:t>
-            </a:r>
-          </a:p>
+              <a:t>New Hampshire: 1 Bedroom and Condos (2012-2022) </a:t>
+            </a:r>
+          </a:p>
+        </p:txBody>
+      </p:sp>
+      <p:sp>
+        <p:nvSpPr>
+          <p:cNvPr id="8" name="TextBox 7">
+            <a:extLst>
+              <a:ext uri="{FF2B5EF4-FFF2-40B4-BE49-F238E27FC236}">
+                <a16:creationId xmlns:a16="http://schemas.microsoft.com/office/drawing/2014/main" id="{5AC32F14-1364-547C-64B7-C85E72C48AC3}"/>
+              </a:ext>
+            </a:extLst>
+          </p:cNvPr>
+          <p:cNvSpPr txBox="1"/>
+          <p:nvPr/>
+        </p:nvSpPr>
+        <p:spPr>
+          <a:xfrm>
+            <a:off x="3493477" y="3611758"/>
+            <a:ext cx="4578369" cy="646331"/>
+          </a:xfrm>
+          <a:prstGeom prst="rect">
+            <a:avLst/>
+          </a:prstGeom>
+          <a:noFill/>
+        </p:spPr>
+        <p:txBody>
+          <a:bodyPr wrap="none" rtlCol="0">
+            <a:spAutoFit/>
+          </a:bodyPr>
+          <a:lstStyle/>
           <a:p>
             <a:r>
               <a:rPr lang="en-US" dirty="0">
                 <a:solidFill>
                   <a:schemeClr val="bg1"/>
                 </a:solidFill>
+                <a:highlight>
+                  <a:srgbClr val="000000"/>
+                </a:highlight>
               </a:rPr>
-              <a:t>5 Bedroom house, indicates the R-value 0.91 which represents the positive relationship between average price and year.</a:t>
-            </a:r>
+              <a:t>Maine: 1 Bedroom and Condos (2012-2022) </a:t>
+            </a:r>
+          </a:p>
+          <a:p>
+            <a:endParaRPr lang="en-US" dirty="0"/>
           </a:p>
         </p:txBody>
       </p:sp>
     </p:spTree>
     <p:extLst>
       <p:ext uri="{BB962C8B-B14F-4D97-AF65-F5344CB8AC3E}">
-        <p14:creationId xmlns:p14="http://schemas.microsoft.com/office/powerpoint/2010/main" val="1677579593"/>
+        <p14:creationId xmlns:p14="http://schemas.microsoft.com/office/powerpoint/2010/main" val="2638784750"/>
       </p:ext>
     </p:extLst>
   </p:cSld>

--- a/Main_Data/Nasdaq Real Estate Data Cleaning.pptx
+++ b/Main_Data/Nasdaq Real Estate Data Cleaning.pptx
@@ -8,15 +8,24 @@
     <p:sldId id="257" r:id="rId5"/>
     <p:sldId id="258" r:id="rId6"/>
     <p:sldId id="259" r:id="rId7"/>
-    <p:sldId id="260" r:id="rId8"/>
-    <p:sldId id="262" r:id="rId9"/>
-    <p:sldId id="263" r:id="rId10"/>
-    <p:sldId id="264" r:id="rId11"/>
-    <p:sldId id="277" r:id="rId12"/>
-    <p:sldId id="272" r:id="rId13"/>
-    <p:sldId id="273" r:id="rId14"/>
-    <p:sldId id="274" r:id="rId15"/>
-    <p:sldId id="265" r:id="rId16"/>
+    <p:sldId id="280" r:id="rId8"/>
+    <p:sldId id="278" r:id="rId9"/>
+    <p:sldId id="281" r:id="rId10"/>
+    <p:sldId id="282" r:id="rId11"/>
+    <p:sldId id="284" r:id="rId12"/>
+    <p:sldId id="285" r:id="rId13"/>
+    <p:sldId id="286" r:id="rId14"/>
+    <p:sldId id="283" r:id="rId15"/>
+    <p:sldId id="260" r:id="rId16"/>
+    <p:sldId id="262" r:id="rId17"/>
+    <p:sldId id="263" r:id="rId18"/>
+    <p:sldId id="264" r:id="rId19"/>
+    <p:sldId id="277" r:id="rId20"/>
+    <p:sldId id="287" r:id="rId21"/>
+    <p:sldId id="272" r:id="rId22"/>
+    <p:sldId id="273" r:id="rId23"/>
+    <p:sldId id="274" r:id="rId24"/>
+    <p:sldId id="265" r:id="rId25"/>
   </p:sldIdLst>
   <p:sldSz cx="12192000" cy="6858000"/>
   <p:notesSz cx="6858000" cy="9144000"/>
@@ -606,7 +615,7 @@
           <a:p>
             <a:fld id="{9184DA70-C731-4C70-880D-CCD4705E623C}" type="datetime1">
               <a:rPr lang="en-US" smtClean="0"/>
-              <a:t>10/9/23</a:t>
+              <a:t>10/10/2023</a:t>
             </a:fld>
             <a:endParaRPr lang="en-US" dirty="0"/>
           </a:p>
@@ -794,7 +803,7 @@
           <a:p>
             <a:fld id="{B612A279-0833-481D-8C56-F67FD0AC6C50}" type="datetime1">
               <a:rPr lang="en-US" smtClean="0"/>
-              <a:t>10/9/23</a:t>
+              <a:t>10/10/2023</a:t>
             </a:fld>
             <a:endParaRPr lang="en-US" dirty="0"/>
           </a:p>
@@ -1036,7 +1045,7 @@
           <a:p>
             <a:fld id="{6587DA83-5663-4C9C-B9AA-0B40A3DAFF81}" type="datetime1">
               <a:rPr lang="en-US" smtClean="0"/>
-              <a:t>10/9/23</a:t>
+              <a:t>10/10/2023</a:t>
             </a:fld>
             <a:endParaRPr lang="en-US" dirty="0"/>
           </a:p>
@@ -1224,7 +1233,7 @@
           <a:p>
             <a:fld id="{4BE1D723-8F53-4F53-90B0-1982A396982E}" type="datetime1">
               <a:rPr lang="en-US" smtClean="0"/>
-              <a:t>10/9/23</a:t>
+              <a:t>10/10/2023</a:t>
             </a:fld>
             <a:endParaRPr lang="en-US" dirty="0"/>
           </a:p>
@@ -1597,7 +1606,7 @@
           <a:p>
             <a:fld id="{97669AF7-7BEB-44E4-9852-375E34362B5B}" type="datetime1">
               <a:rPr lang="en-US" smtClean="0"/>
-              <a:t>10/9/23</a:t>
+              <a:t>10/10/2023</a:t>
             </a:fld>
             <a:endParaRPr lang="en-US" dirty="0"/>
           </a:p>
@@ -1852,7 +1861,7 @@
           <a:p>
             <a:fld id="{BAAAC38D-0552-4C82-B593-E6124DFADBE2}" type="datetime1">
               <a:rPr lang="en-US" smtClean="0"/>
-              <a:t>10/9/23</a:t>
+              <a:t>10/10/2023</a:t>
             </a:fld>
             <a:endParaRPr lang="en-US" dirty="0"/>
           </a:p>
@@ -2249,7 +2258,7 @@
           <a:p>
             <a:fld id="{D9DF0F1C-5577-4ACB-BB62-DF8F3C494C7E}" type="datetime1">
               <a:rPr lang="en-US" smtClean="0"/>
-              <a:t>10/9/23</a:t>
+              <a:t>10/10/2023</a:t>
             </a:fld>
             <a:endParaRPr lang="en-US" dirty="0"/>
           </a:p>
@@ -2385,7 +2394,7 @@
           <a:p>
             <a:fld id="{1775B394-D9F9-4F0C-B15D-605F45CB9E9F}" type="datetime1">
               <a:rPr lang="en-US" smtClean="0"/>
-              <a:t>10/9/23</a:t>
+              <a:t>10/10/2023</a:t>
             </a:fld>
             <a:endParaRPr lang="en-US" dirty="0"/>
           </a:p>
@@ -2542,7 +2551,7 @@
           <a:p>
             <a:fld id="{39667345-2558-425A-8533-9BFDBCE15005}" type="datetime1">
               <a:rPr lang="en-US" smtClean="0"/>
-              <a:t>10/9/23</a:t>
+              <a:t>10/10/2023</a:t>
             </a:fld>
             <a:endParaRPr lang="en-US" dirty="0"/>
           </a:p>
@@ -2871,7 +2880,7 @@
           <a:p>
             <a:fld id="{92BEA474-078D-4E9B-9B14-09A87B19DC46}" type="datetime1">
               <a:rPr lang="en-US" smtClean="0"/>
-              <a:t>10/9/23</a:t>
+              <a:t>10/10/2023</a:t>
             </a:fld>
             <a:endParaRPr lang="en-US" dirty="0"/>
           </a:p>
@@ -3221,7 +3230,7 @@
           <a:p>
             <a:fld id="{4907D986-8816-4272-A432-0437A28A9828}" type="datetime1">
               <a:rPr lang="en-US" smtClean="0"/>
-              <a:t>10/9/23</a:t>
+              <a:t>10/10/2023</a:t>
             </a:fld>
             <a:endParaRPr lang="en-US" dirty="0"/>
           </a:p>
@@ -3482,7 +3491,7 @@
           <a:p>
             <a:fld id="{62D6E202-B606-4609-B914-27C9371A1F6D}" type="datetime1">
               <a:rPr lang="en-US" smtClean="0"/>
-              <a:t>10/9/23</a:t>
+              <a:t>10/10/2023</a:t>
             </a:fld>
             <a:endParaRPr lang="en-US" dirty="0"/>
           </a:p>
@@ -4412,6 +4421,14 @@
 <file path=ppt/slides/slide10.xml><?xml version="1.0" encoding="utf-8"?>
 <p:sld xmlns:a="http://schemas.openxmlformats.org/drawingml/2006/main" xmlns:r="http://schemas.openxmlformats.org/officeDocument/2006/relationships" xmlns:p="http://schemas.openxmlformats.org/presentationml/2006/main">
   <p:cSld>
+    <p:bg>
+      <p:bgPr>
+        <a:solidFill>
+          <a:schemeClr val="bg1"/>
+        </a:solidFill>
+        <a:effectLst/>
+      </p:bgPr>
+    </p:bg>
     <p:spTree>
       <p:nvGrpSpPr>
         <p:cNvPr id="1" name=""/>
@@ -4426,12 +4443,182 @@
           <a:chExt cx="0" cy="0"/>
         </a:xfrm>
       </p:grpSpPr>
+      <p:sp>
+        <p:nvSpPr>
+          <p:cNvPr id="47" name="Rectangle 46">
+            <a:extLst>
+              <a:ext uri="{FF2B5EF4-FFF2-40B4-BE49-F238E27FC236}">
+                <a16:creationId xmlns:a16="http://schemas.microsoft.com/office/drawing/2014/main" id="{FBDCECDC-EEE3-4128-AA5E-82A8C08796E8}"/>
+              </a:ext>
+              <a:ext uri="{C183D7F6-B498-43B3-948B-1728B52AA6E4}">
+                <adec:decorative xmlns:adec="http://schemas.microsoft.com/office/drawing/2017/decorative" val="1"/>
+              </a:ext>
+            </a:extLst>
+          </p:cNvPr>
+          <p:cNvSpPr>
+            <a:spLocks noGrp="1" noRot="1" noChangeAspect="1" noMove="1" noResize="1" noEditPoints="1" noAdjustHandles="1" noChangeArrowheads="1" noChangeShapeType="1" noTextEdit="1"/>
+          </p:cNvSpPr>
+          <p:nvPr>
+            <p:extLst>
+              <p:ext uri="{386F3935-93C4-4BCD-93E2-E3B085C9AB24}">
+                <p16:designElem xmlns:p16="http://schemas.microsoft.com/office/powerpoint/2015/main" val="1"/>
+              </p:ext>
+            </p:extLst>
+          </p:nvPr>
+        </p:nvSpPr>
+        <p:spPr>
+          <a:xfrm>
+            <a:off x="1507" y="0"/>
+            <a:ext cx="12192000" cy="6858000"/>
+          </a:xfrm>
+          <a:prstGeom prst="rect">
+            <a:avLst/>
+          </a:prstGeom>
+          <a:solidFill>
+            <a:schemeClr val="accent1"/>
+          </a:solidFill>
+          <a:ln>
+            <a:noFill/>
+          </a:ln>
+        </p:spPr>
+        <p:style>
+          <a:lnRef idx="2">
+            <a:schemeClr val="accent1">
+              <a:shade val="50000"/>
+            </a:schemeClr>
+          </a:lnRef>
+          <a:fillRef idx="1">
+            <a:schemeClr val="accent1"/>
+          </a:fillRef>
+          <a:effectRef idx="0">
+            <a:schemeClr val="accent1"/>
+          </a:effectRef>
+          <a:fontRef idx="minor">
+            <a:schemeClr val="lt1"/>
+          </a:fontRef>
+        </p:style>
+        <p:txBody>
+          <a:bodyPr rtlCol="0" anchor="ctr"/>
+          <a:lstStyle/>
+          <a:p>
+            <a:pPr algn="ctr"/>
+            <a:endParaRPr lang="en-US"/>
+          </a:p>
+        </p:txBody>
+      </p:sp>
+      <p:sp>
+        <p:nvSpPr>
+          <p:cNvPr id="49" name="Rectangle 48">
+            <a:extLst>
+              <a:ext uri="{FF2B5EF4-FFF2-40B4-BE49-F238E27FC236}">
+                <a16:creationId xmlns:a16="http://schemas.microsoft.com/office/drawing/2014/main" id="{4260EDE0-989C-4E16-AF94-F652294D828E}"/>
+              </a:ext>
+              <a:ext uri="{C183D7F6-B498-43B3-948B-1728B52AA6E4}">
+                <adec:decorative xmlns:adec="http://schemas.microsoft.com/office/drawing/2017/decorative" val="1"/>
+              </a:ext>
+            </a:extLst>
+          </p:cNvPr>
+          <p:cNvSpPr>
+            <a:spLocks noGrp="1" noRot="1" noChangeAspect="1" noMove="1" noResize="1" noEditPoints="1" noAdjustHandles="1" noChangeArrowheads="1" noChangeShapeType="1" noTextEdit="1"/>
+          </p:cNvSpPr>
+          <p:nvPr>
+            <p:extLst>
+              <p:ext uri="{386F3935-93C4-4BCD-93E2-E3B085C9AB24}">
+                <p16:designElem xmlns:p16="http://schemas.microsoft.com/office/powerpoint/2015/main" val="1"/>
+              </p:ext>
+            </p:extLst>
+          </p:nvPr>
+        </p:nvSpPr>
+        <p:spPr bwMode="white">
+          <a:xfrm>
+            <a:off x="1507" y="4953000"/>
+            <a:ext cx="12188952" cy="1905000"/>
+          </a:xfrm>
+          <a:prstGeom prst="rect">
+            <a:avLst/>
+          </a:prstGeom>
+          <a:solidFill>
+            <a:srgbClr val="262626"/>
+          </a:solidFill>
+          <a:ln>
+            <a:noFill/>
+          </a:ln>
+        </p:spPr>
+        <p:style>
+          <a:lnRef idx="2">
+            <a:schemeClr val="accent1">
+              <a:shade val="50000"/>
+            </a:schemeClr>
+          </a:lnRef>
+          <a:fillRef idx="1">
+            <a:schemeClr val="accent1"/>
+          </a:fillRef>
+          <a:effectRef idx="0">
+            <a:schemeClr val="accent1"/>
+          </a:effectRef>
+          <a:fontRef idx="minor">
+            <a:schemeClr val="lt1"/>
+          </a:fontRef>
+        </p:style>
+        <p:txBody>
+          <a:bodyPr/>
+          <a:lstStyle/>
+          <a:p>
+            <a:endParaRPr lang="en-CA"/>
+          </a:p>
+        </p:txBody>
+      </p:sp>
+      <p:sp>
+        <p:nvSpPr>
+          <p:cNvPr id="9" name="TextBox 8">
+            <a:extLst>
+              <a:ext uri="{FF2B5EF4-FFF2-40B4-BE49-F238E27FC236}">
+                <a16:creationId xmlns:a16="http://schemas.microsoft.com/office/drawing/2014/main" id="{E9DDD0C0-D84E-2EC8-6A34-A9902F8FFCD9}"/>
+              </a:ext>
+            </a:extLst>
+          </p:cNvPr>
+          <p:cNvSpPr txBox="1"/>
+          <p:nvPr/>
+        </p:nvSpPr>
+        <p:spPr>
+          <a:xfrm>
+            <a:off x="0" y="4953000"/>
+            <a:ext cx="12188952" cy="1815882"/>
+          </a:xfrm>
+          <a:prstGeom prst="rect">
+            <a:avLst/>
+          </a:prstGeom>
+          <a:noFill/>
+        </p:spPr>
+        <p:txBody>
+          <a:bodyPr wrap="square" rtlCol="0">
+            <a:spAutoFit/>
+          </a:bodyPr>
+          <a:lstStyle/>
+          <a:p>
+            <a:r>
+              <a:rPr lang="en-CA" sz="2800" dirty="0">
+                <a:solidFill>
+                  <a:schemeClr val="bg1"/>
+                </a:solidFill>
+                <a:latin typeface="+mj-lt"/>
+              </a:rPr>
+              <a:t>With an R-squared value of .9, our data is very reliable. As you can see the prices of 4 Bedroom homes and 5+ Bedroom homes in Idaho have also more than tripled in the past ten years. </a:t>
+            </a:r>
+          </a:p>
+          <a:p>
+            <a:endParaRPr lang="en-CA" sz="2800" dirty="0">
+              <a:latin typeface="+mj-lt"/>
+            </a:endParaRPr>
+          </a:p>
+        </p:txBody>
+      </p:sp>
       <p:pic>
         <p:nvPicPr>
-          <p:cNvPr id="3" name="Picture 2" descr="A graph of a graph of a graph of a graph of a graph of a graph of a graph of a graph of a graph of a graph of a graph of a graph of a graph of&#10;&#10;Description automatically generated">
-            <a:extLst>
-              <a:ext uri="{FF2B5EF4-FFF2-40B4-BE49-F238E27FC236}">
-                <a16:creationId xmlns:a16="http://schemas.microsoft.com/office/drawing/2014/main" id="{6AA85570-6F99-9EBB-F75C-7A2BAF3C398D}"/>
+          <p:cNvPr id="4" name="Picture 3">
+            <a:extLst>
+              <a:ext uri="{FF2B5EF4-FFF2-40B4-BE49-F238E27FC236}">
+                <a16:creationId xmlns:a16="http://schemas.microsoft.com/office/drawing/2014/main" id="{52002913-A31E-DAEC-2B05-863AEFC39F38}"/>
               </a:ext>
             </a:extLst>
           </p:cNvPr>
@@ -4441,21 +4628,15 @@
           <p:nvPr/>
         </p:nvPicPr>
         <p:blipFill>
-          <a:blip r:embed="rId2">
-            <a:extLst>
-              <a:ext uri="{28A0092B-C50C-407E-A947-70E740481C1C}">
-                <a14:useLocalDpi xmlns:a14="http://schemas.microsoft.com/office/drawing/2010/main" val="0"/>
-              </a:ext>
-            </a:extLst>
-          </a:blip>
+          <a:blip r:embed="rId2"/>
           <a:stretch>
             <a:fillRect/>
           </a:stretch>
         </p:blipFill>
         <p:spPr>
           <a:xfrm>
-            <a:off x="379828" y="850509"/>
-            <a:ext cx="10306600" cy="2463503"/>
+            <a:off x="1" y="0"/>
+            <a:ext cx="6096000" cy="4953000"/>
           </a:xfrm>
           <a:prstGeom prst="rect">
             <a:avLst/>
@@ -4464,10 +4645,10 @@
       </p:pic>
       <p:pic>
         <p:nvPicPr>
-          <p:cNvPr id="5" name="Picture 4" descr="A graph with a line and a line&#10;&#10;Description automatically generated with medium confidence">
-            <a:extLst>
-              <a:ext uri="{FF2B5EF4-FFF2-40B4-BE49-F238E27FC236}">
-                <a16:creationId xmlns:a16="http://schemas.microsoft.com/office/drawing/2014/main" id="{33F731C1-143F-3601-5C82-A70C5998CA4B}"/>
+          <p:cNvPr id="7" name="Picture 6">
+            <a:extLst>
+              <a:ext uri="{FF2B5EF4-FFF2-40B4-BE49-F238E27FC236}">
+                <a16:creationId xmlns:a16="http://schemas.microsoft.com/office/drawing/2014/main" id="{1AFA020F-DCBE-F334-DD16-00BCF8DD8BFC}"/>
               </a:ext>
             </a:extLst>
           </p:cNvPr>
@@ -4477,121 +4658,25 @@
           <p:nvPr/>
         </p:nvPicPr>
         <p:blipFill>
-          <a:blip r:embed="rId3">
-            <a:extLst>
-              <a:ext uri="{28A0092B-C50C-407E-A947-70E740481C1C}">
-                <a14:useLocalDpi xmlns:a14="http://schemas.microsoft.com/office/drawing/2010/main" val="0"/>
-              </a:ext>
-            </a:extLst>
-          </a:blip>
+          <a:blip r:embed="rId3"/>
           <a:stretch>
             <a:fillRect/>
           </a:stretch>
         </p:blipFill>
         <p:spPr>
           <a:xfrm>
-            <a:off x="886264" y="3713871"/>
-            <a:ext cx="9800163" cy="2602522"/>
+            <a:off x="6096000" y="14980"/>
+            <a:ext cx="6096000" cy="4938020"/>
           </a:xfrm>
           <a:prstGeom prst="rect">
             <a:avLst/>
           </a:prstGeom>
         </p:spPr>
       </p:pic>
-      <p:sp>
-        <p:nvSpPr>
-          <p:cNvPr id="7" name="TextBox 6">
-            <a:extLst>
-              <a:ext uri="{FF2B5EF4-FFF2-40B4-BE49-F238E27FC236}">
-                <a16:creationId xmlns:a16="http://schemas.microsoft.com/office/drawing/2014/main" id="{A09D85A8-77C3-8C1F-5E1B-112E23F995B5}"/>
-              </a:ext>
-            </a:extLst>
-          </p:cNvPr>
-          <p:cNvSpPr txBox="1"/>
-          <p:nvPr/>
-        </p:nvSpPr>
-        <p:spPr>
-          <a:xfrm>
-            <a:off x="2700997" y="204178"/>
-            <a:ext cx="5991640" cy="646331"/>
-          </a:xfrm>
-          <a:prstGeom prst="rect">
-            <a:avLst/>
-          </a:prstGeom>
-          <a:noFill/>
-        </p:spPr>
-        <p:txBody>
-          <a:bodyPr wrap="none" rtlCol="0">
-            <a:spAutoFit/>
-          </a:bodyPr>
-          <a:lstStyle/>
-          <a:p>
-            <a:r>
-              <a:rPr lang="en-US" dirty="0">
-                <a:solidFill>
-                  <a:schemeClr val="bg1"/>
-                </a:solidFill>
-                <a:highlight>
-                  <a:srgbClr val="000000"/>
-                </a:highlight>
-              </a:rPr>
-              <a:t>New Hampshire: 3 Bedroom and 5+ Bedroom (2012-2022) </a:t>
-            </a:r>
-          </a:p>
-          <a:p>
-            <a:endParaRPr lang="en-US" dirty="0"/>
-          </a:p>
-        </p:txBody>
-      </p:sp>
-      <p:sp>
-        <p:nvSpPr>
-          <p:cNvPr id="8" name="TextBox 7">
-            <a:extLst>
-              <a:ext uri="{FF2B5EF4-FFF2-40B4-BE49-F238E27FC236}">
-                <a16:creationId xmlns:a16="http://schemas.microsoft.com/office/drawing/2014/main" id="{F63743C8-852B-D1C1-62AC-3FEBE4FCE601}"/>
-              </a:ext>
-            </a:extLst>
-          </p:cNvPr>
-          <p:cNvSpPr txBox="1"/>
-          <p:nvPr/>
-        </p:nvSpPr>
-        <p:spPr>
-          <a:xfrm>
-            <a:off x="3080825" y="3314012"/>
-            <a:ext cx="5800577" cy="646331"/>
-          </a:xfrm>
-          <a:prstGeom prst="rect">
-            <a:avLst/>
-          </a:prstGeom>
-          <a:noFill/>
-        </p:spPr>
-        <p:txBody>
-          <a:bodyPr wrap="square" rtlCol="0">
-            <a:spAutoFit/>
-          </a:bodyPr>
-          <a:lstStyle/>
-          <a:p>
-            <a:r>
-              <a:rPr lang="en-US" dirty="0">
-                <a:solidFill>
-                  <a:schemeClr val="bg1"/>
-                </a:solidFill>
-                <a:highlight>
-                  <a:srgbClr val="000000"/>
-                </a:highlight>
-              </a:rPr>
-              <a:t>Maine: 3 Bedroom and 5+ Bedroom (2012-2022) </a:t>
-            </a:r>
-          </a:p>
-          <a:p>
-            <a:endParaRPr lang="en-US" dirty="0"/>
-          </a:p>
-        </p:txBody>
-      </p:sp>
     </p:spTree>
     <p:extLst>
       <p:ext uri="{BB962C8B-B14F-4D97-AF65-F5344CB8AC3E}">
-        <p14:creationId xmlns:p14="http://schemas.microsoft.com/office/powerpoint/2010/main" val="3608136750"/>
+        <p14:creationId xmlns:p14="http://schemas.microsoft.com/office/powerpoint/2010/main" val="4191528134"/>
       </p:ext>
     </p:extLst>
   </p:cSld>
@@ -4604,6 +4689,14 @@
 <file path=ppt/slides/slide11.xml><?xml version="1.0" encoding="utf-8"?>
 <p:sld xmlns:a="http://schemas.openxmlformats.org/drawingml/2006/main" xmlns:r="http://schemas.openxmlformats.org/officeDocument/2006/relationships" xmlns:p="http://schemas.openxmlformats.org/presentationml/2006/main">
   <p:cSld>
+    <p:bg>
+      <p:bgPr>
+        <a:solidFill>
+          <a:schemeClr val="bg1"/>
+        </a:solidFill>
+        <a:effectLst/>
+      </p:bgPr>
+    </p:bg>
     <p:spTree>
       <p:nvGrpSpPr>
         <p:cNvPr id="1" name=""/>
@@ -4618,48 +4711,104 @@
           <a:chExt cx="0" cy="0"/>
         </a:xfrm>
       </p:grpSpPr>
-      <p:pic>
-        <p:nvPicPr>
-          <p:cNvPr id="3" name="Picture 2" descr="A white background with black dots&#10;&#10;Description automatically generated">
-            <a:extLst>
-              <a:ext uri="{FF2B5EF4-FFF2-40B4-BE49-F238E27FC236}">
-                <a16:creationId xmlns:a16="http://schemas.microsoft.com/office/drawing/2014/main" id="{9033F7EF-3636-1B0F-DB5B-693582125A00}"/>
-              </a:ext>
-            </a:extLst>
-          </p:cNvPr>
-          <p:cNvPicPr>
-            <a:picLocks noChangeAspect="1"/>
-          </p:cNvPicPr>
-          <p:nvPr/>
-        </p:nvPicPr>
-        <p:blipFill rotWithShape="1">
-          <a:blip r:embed="rId2">
-            <a:extLst>
-              <a:ext uri="{28A0092B-C50C-407E-A947-70E740481C1C}">
-                <a14:useLocalDpi xmlns:a14="http://schemas.microsoft.com/office/drawing/2010/main" val="0"/>
-              </a:ext>
-            </a:extLst>
-          </a:blip>
-          <a:srcRect l="935" r="55294"/>
-          <a:stretch/>
-        </p:blipFill>
-        <p:spPr>
-          <a:xfrm>
-            <a:off x="2194560" y="868341"/>
-            <a:ext cx="7160455" cy="3028410"/>
+      <p:sp>
+        <p:nvSpPr>
+          <p:cNvPr id="47" name="Rectangle 46">
+            <a:extLst>
+              <a:ext uri="{FF2B5EF4-FFF2-40B4-BE49-F238E27FC236}">
+                <a16:creationId xmlns:a16="http://schemas.microsoft.com/office/drawing/2014/main" id="{FBDCECDC-EEE3-4128-AA5E-82A8C08796E8}"/>
+              </a:ext>
+              <a:ext uri="{C183D7F6-B498-43B3-948B-1728B52AA6E4}">
+                <adec:decorative xmlns:adec="http://schemas.microsoft.com/office/drawing/2017/decorative" val="1"/>
+              </a:ext>
+            </a:extLst>
+          </p:cNvPr>
+          <p:cNvSpPr>
+            <a:spLocks noGrp="1" noRot="1" noChangeAspect="1" noMove="1" noResize="1" noEditPoints="1" noAdjustHandles="1" noChangeArrowheads="1" noChangeShapeType="1" noTextEdit="1"/>
+          </p:cNvSpPr>
+          <p:nvPr>
+            <p:extLst>
+              <p:ext uri="{386F3935-93C4-4BCD-93E2-E3B085C9AB24}">
+                <p16:designElem xmlns:p16="http://schemas.microsoft.com/office/powerpoint/2015/main" val="1"/>
+              </p:ext>
+            </p:extLst>
+          </p:nvPr>
+        </p:nvSpPr>
+        <p:spPr>
+          <a:xfrm>
+            <a:off x="1507" y="0"/>
+            <a:ext cx="12192000" cy="6858000"/>
           </a:xfrm>
           <a:prstGeom prst="rect">
             <a:avLst/>
           </a:prstGeom>
-          <a:noFill/>
-        </p:spPr>
-      </p:pic>
-      <p:sp>
-        <p:nvSpPr>
-          <p:cNvPr id="8" name="Title 2">
-            <a:extLst>
-              <a:ext uri="{FF2B5EF4-FFF2-40B4-BE49-F238E27FC236}">
-                <a16:creationId xmlns:a16="http://schemas.microsoft.com/office/drawing/2014/main" id="{2B0DFA1B-4160-6012-02F7-C054C163CBEB}"/>
+          <a:solidFill>
+            <a:schemeClr val="accent1"/>
+          </a:solidFill>
+          <a:ln>
+            <a:noFill/>
+          </a:ln>
+        </p:spPr>
+        <p:style>
+          <a:lnRef idx="2">
+            <a:schemeClr val="accent1">
+              <a:shade val="50000"/>
+            </a:schemeClr>
+          </a:lnRef>
+          <a:fillRef idx="1">
+            <a:schemeClr val="accent1"/>
+          </a:fillRef>
+          <a:effectRef idx="0">
+            <a:schemeClr val="accent1"/>
+          </a:effectRef>
+          <a:fontRef idx="minor">
+            <a:schemeClr val="lt1"/>
+          </a:fontRef>
+        </p:style>
+        <p:txBody>
+          <a:bodyPr rtlCol="0" anchor="ctr"/>
+          <a:lstStyle/>
+          <a:p>
+            <a:pPr marL="0" marR="0" lvl="0" indent="0" algn="ctr" defTabSz="914400" rtl="0" eaLnBrk="1" fontAlgn="auto" latinLnBrk="0" hangingPunct="1">
+              <a:lnSpc>
+                <a:spcPct val="100000"/>
+              </a:lnSpc>
+              <a:spcBef>
+                <a:spcPts val="0"/>
+              </a:spcBef>
+              <a:spcAft>
+                <a:spcPts val="0"/>
+              </a:spcAft>
+              <a:buClrTx/>
+              <a:buSzTx/>
+              <a:buFontTx/>
+              <a:buNone/>
+              <a:tabLst/>
+              <a:defRPr/>
+            </a:pPr>
+            <a:endParaRPr kumimoji="0" lang="en-US" sz="1800" b="0" i="0" u="none" strike="noStrike" kern="1200" cap="none" spc="0" normalizeH="0" baseline="0" noProof="0">
+              <a:ln>
+                <a:noFill/>
+              </a:ln>
+              <a:solidFill>
+                <a:srgbClr val="FFFFFF"/>
+              </a:solidFill>
+              <a:effectLst/>
+              <a:uLnTx/>
+              <a:uFillTx/>
+              <a:latin typeface="Franklin Gothic Book" panose="020F0502020204030204"/>
+              <a:ea typeface="+mn-ea"/>
+              <a:cs typeface="+mn-cs"/>
+            </a:endParaRPr>
+          </a:p>
+        </p:txBody>
+      </p:sp>
+      <p:sp>
+        <p:nvSpPr>
+          <p:cNvPr id="2" name="Title 1">
+            <a:extLst>
+              <a:ext uri="{FF2B5EF4-FFF2-40B4-BE49-F238E27FC236}">
+                <a16:creationId xmlns:a16="http://schemas.microsoft.com/office/drawing/2014/main" id="{9AB2EA78-AEB3-469B-9025-3B17201A457B}"/>
               </a:ext>
             </a:extLst>
           </p:cNvPr>
@@ -4667,65 +4816,129 @@
             <a:spLocks noGrp="1"/>
           </p:cNvSpPr>
           <p:nvPr>
-            <p:ph type="title"/>
+            <p:ph type="ctrTitle"/>
           </p:nvPr>
         </p:nvSpPr>
         <p:spPr>
           <a:xfrm>
-            <a:off x="1097279" y="4686820"/>
-            <a:ext cx="10113645" cy="743682"/>
-          </a:xfrm>
-        </p:spPr>
+            <a:off x="0" y="0"/>
+            <a:ext cx="12192000" cy="4953000"/>
+          </a:xfrm>
+        </p:spPr>
+        <p:txBody>
+          <a:bodyPr anchor="ctr">
+            <a:normAutofit fontScale="90000"/>
+          </a:bodyPr>
+          <a:lstStyle/>
+          <a:p>
+            <a:pPr lvl="0"/>
+            <a:r>
+              <a:rPr lang="en-US" sz="4800" i="1" dirty="0">
+                <a:solidFill>
+                  <a:schemeClr val="tx1"/>
+                </a:solidFill>
+              </a:rPr>
+              <a:t>Our Client was extremely satisfied with our data, they then explained how they were investing in a shipping company. We’ve been informed they would also like to invest in real estate connected to states which have a high impact in the shipping industry. We’ve deduced that Texas, California, Ohio and Illinois are the top 4 States in Freight Shipping.</a:t>
+            </a:r>
+          </a:p>
+        </p:txBody>
+      </p:sp>
+      <p:sp>
+        <p:nvSpPr>
+          <p:cNvPr id="49" name="Rectangle 48">
+            <a:extLst>
+              <a:ext uri="{FF2B5EF4-FFF2-40B4-BE49-F238E27FC236}">
+                <a16:creationId xmlns:a16="http://schemas.microsoft.com/office/drawing/2014/main" id="{4260EDE0-989C-4E16-AF94-F652294D828E}"/>
+              </a:ext>
+              <a:ext uri="{C183D7F6-B498-43B3-948B-1728B52AA6E4}">
+                <adec:decorative xmlns:adec="http://schemas.microsoft.com/office/drawing/2017/decorative" val="1"/>
+              </a:ext>
+            </a:extLst>
+          </p:cNvPr>
+          <p:cNvSpPr>
+            <a:spLocks noGrp="1" noRot="1" noChangeAspect="1" noMove="1" noResize="1" noEditPoints="1" noAdjustHandles="1" noChangeArrowheads="1" noChangeShapeType="1" noTextEdit="1"/>
+          </p:cNvSpPr>
+          <p:nvPr>
+            <p:extLst>
+              <p:ext uri="{386F3935-93C4-4BCD-93E2-E3B085C9AB24}">
+                <p16:designElem xmlns:p16="http://schemas.microsoft.com/office/powerpoint/2015/main" val="1"/>
+              </p:ext>
+            </p:extLst>
+          </p:nvPr>
+        </p:nvSpPr>
+        <p:spPr bwMode="white">
+          <a:xfrm>
+            <a:off x="1507" y="4953000"/>
+            <a:ext cx="12188952" cy="1905000"/>
+          </a:xfrm>
+          <a:prstGeom prst="rect">
+            <a:avLst/>
+          </a:prstGeom>
+          <a:solidFill>
+            <a:srgbClr val="262626"/>
+          </a:solidFill>
+          <a:ln>
+            <a:noFill/>
+          </a:ln>
+        </p:spPr>
+        <p:style>
+          <a:lnRef idx="2">
+            <a:schemeClr val="accent1">
+              <a:shade val="50000"/>
+            </a:schemeClr>
+          </a:lnRef>
+          <a:fillRef idx="1">
+            <a:schemeClr val="accent1"/>
+          </a:fillRef>
+          <a:effectRef idx="0">
+            <a:schemeClr val="accent1"/>
+          </a:effectRef>
+          <a:fontRef idx="minor">
+            <a:schemeClr val="lt1"/>
+          </a:fontRef>
+        </p:style>
         <p:txBody>
           <a:bodyPr/>
           <a:lstStyle/>
           <a:p>
-            <a:r>
-              <a:rPr lang="en-US" sz="3200" dirty="0"/>
-              <a:t>CAGR : Maine Vs New Hampshire (2012-2022)</a:t>
-            </a:r>
-          </a:p>
-        </p:txBody>
-      </p:sp>
-      <p:sp>
-        <p:nvSpPr>
-          <p:cNvPr id="10" name="Text Placeholder 3">
-            <a:extLst>
-              <a:ext uri="{FF2B5EF4-FFF2-40B4-BE49-F238E27FC236}">
-                <a16:creationId xmlns:a16="http://schemas.microsoft.com/office/drawing/2014/main" id="{6440A4A8-62BA-CAFB-9AC5-31544D3B25A4}"/>
-              </a:ext>
-            </a:extLst>
-          </p:cNvPr>
-          <p:cNvSpPr>
-            <a:spLocks noGrp="1"/>
-          </p:cNvSpPr>
-          <p:nvPr>
-            <p:ph type="body" sz="half" idx="2"/>
-          </p:nvPr>
-        </p:nvSpPr>
-        <p:spPr>
-          <a:xfrm>
-            <a:off x="1097279" y="5715000"/>
-            <a:ext cx="10113264" cy="609600"/>
-          </a:xfrm>
-        </p:spPr>
-        <p:txBody>
-          <a:bodyPr>
-            <a:normAutofit/>
-          </a:bodyPr>
-          <a:lstStyle/>
-          <a:p>
-            <a:r>
-              <a:rPr lang="en-US" dirty="0"/>
-              <a:t>New Hampshire indicates the higher Compound Annual Growth Rate  when compared with Maine in all the property types in given years.</a:t>
-            </a:r>
+            <a:pPr marL="0" marR="0" lvl="0" indent="0" algn="l" defTabSz="914400" rtl="0" eaLnBrk="1" fontAlgn="auto" latinLnBrk="0" hangingPunct="1">
+              <a:lnSpc>
+                <a:spcPct val="100000"/>
+              </a:lnSpc>
+              <a:spcBef>
+                <a:spcPts val="0"/>
+              </a:spcBef>
+              <a:spcAft>
+                <a:spcPts val="0"/>
+              </a:spcAft>
+              <a:buClrTx/>
+              <a:buSzTx/>
+              <a:buFontTx/>
+              <a:buNone/>
+              <a:tabLst/>
+              <a:defRPr/>
+            </a:pPr>
+            <a:endParaRPr kumimoji="0" lang="en-CA" sz="1800" b="0" i="0" u="none" strike="noStrike" kern="1200" cap="none" spc="0" normalizeH="0" baseline="0" noProof="0">
+              <a:ln>
+                <a:noFill/>
+              </a:ln>
+              <a:solidFill>
+                <a:srgbClr val="FFFFFF"/>
+              </a:solidFill>
+              <a:effectLst/>
+              <a:uLnTx/>
+              <a:uFillTx/>
+              <a:latin typeface="Franklin Gothic Book" panose="020F0502020204030204"/>
+              <a:ea typeface="+mn-ea"/>
+              <a:cs typeface="+mn-cs"/>
+            </a:endParaRPr>
           </a:p>
         </p:txBody>
       </p:sp>
     </p:spTree>
     <p:extLst>
       <p:ext uri="{BB962C8B-B14F-4D97-AF65-F5344CB8AC3E}">
-        <p14:creationId xmlns:p14="http://schemas.microsoft.com/office/powerpoint/2010/main" val="1026322312"/>
+        <p14:creationId xmlns:p14="http://schemas.microsoft.com/office/powerpoint/2010/main" val="418453940"/>
       </p:ext>
     </p:extLst>
   </p:cSld>
@@ -4854,76 +5067,6 @@
       </p:sp>
       <p:sp>
         <p:nvSpPr>
-          <p:cNvPr id="2" name="Title 1">
-            <a:extLst>
-              <a:ext uri="{FF2B5EF4-FFF2-40B4-BE49-F238E27FC236}">
-                <a16:creationId xmlns:a16="http://schemas.microsoft.com/office/drawing/2014/main" id="{9AB2EA78-AEB3-469B-9025-3B17201A457B}"/>
-              </a:ext>
-            </a:extLst>
-          </p:cNvPr>
-          <p:cNvSpPr>
-            <a:spLocks noGrp="1"/>
-          </p:cNvSpPr>
-          <p:nvPr>
-            <p:ph type="ctrTitle"/>
-          </p:nvPr>
-        </p:nvSpPr>
-        <p:spPr>
-          <a:xfrm>
-            <a:off x="467247" y="362265"/>
-            <a:ext cx="11257472" cy="4899051"/>
-          </a:xfrm>
-        </p:spPr>
-        <p:txBody>
-          <a:bodyPr anchor="ctr">
-            <a:normAutofit fontScale="90000"/>
-          </a:bodyPr>
-          <a:lstStyle/>
-          <a:p>
-            <a:pPr lvl="0"/>
-            <a:r>
-              <a:rPr lang="en-US" sz="4800" i="1" dirty="0">
-                <a:solidFill>
-                  <a:srgbClr val="FFFFFF"/>
-                </a:solidFill>
-              </a:rPr>
-              <a:t>Analysis of both the States(Maine and New Hampshire), we have concluded that both the states indicated the strong positive relationship between price and year. </a:t>
-            </a:r>
-            <a:br>
-              <a:rPr lang="en-US" sz="4800" i="1" dirty="0">
-                <a:solidFill>
-                  <a:srgbClr val="FFFFFF"/>
-                </a:solidFill>
-              </a:rPr>
-            </a:br>
-            <a:r>
-              <a:rPr lang="en-US" sz="4800" i="1" dirty="0">
-                <a:solidFill>
-                  <a:srgbClr val="FFFFFF"/>
-                </a:solidFill>
-              </a:rPr>
-              <a:t>CAGR is higher for New Hampshire, when compared.</a:t>
-            </a:r>
-            <a:br>
-              <a:rPr lang="en-US" sz="4800" i="1" dirty="0">
-                <a:solidFill>
-                  <a:srgbClr val="FFFFFF"/>
-                </a:solidFill>
-              </a:rPr>
-            </a:br>
-            <a:r>
-              <a:rPr lang="en-US" sz="4800" i="1" dirty="0">
-                <a:solidFill>
-                  <a:srgbClr val="FFFFFF"/>
-                </a:solidFill>
-              </a:rPr>
-              <a:t> </a:t>
-            </a:r>
-          </a:p>
-        </p:txBody>
-      </p:sp>
-      <p:sp>
-        <p:nvSpPr>
           <p:cNvPr id="49" name="Rectangle 48">
             <a:extLst>
               <a:ext uri="{FF2B5EF4-FFF2-40B4-BE49-F238E27FC236}">
@@ -5014,10 +5157,170 @@
           </a:p>
         </p:txBody>
       </p:sp>
+      <p:pic>
+        <p:nvPicPr>
+          <p:cNvPr id="3" name="Picture 2">
+            <a:extLst>
+              <a:ext uri="{FF2B5EF4-FFF2-40B4-BE49-F238E27FC236}">
+                <a16:creationId xmlns:a16="http://schemas.microsoft.com/office/drawing/2014/main" id="{F9BBC643-EEE2-8C46-E26B-F482482B68CE}"/>
+              </a:ext>
+            </a:extLst>
+          </p:cNvPr>
+          <p:cNvPicPr>
+            <a:picLocks noChangeAspect="1"/>
+          </p:cNvPicPr>
+          <p:nvPr/>
+        </p:nvPicPr>
+        <p:blipFill>
+          <a:blip r:embed="rId2"/>
+          <a:stretch>
+            <a:fillRect/>
+          </a:stretch>
+        </p:blipFill>
+        <p:spPr>
+          <a:xfrm>
+            <a:off x="0" y="0"/>
+            <a:ext cx="6096000" cy="4953000"/>
+          </a:xfrm>
+          <a:prstGeom prst="rect">
+            <a:avLst/>
+          </a:prstGeom>
+        </p:spPr>
+      </p:pic>
+      <p:pic>
+        <p:nvPicPr>
+          <p:cNvPr id="5" name="Picture 4">
+            <a:extLst>
+              <a:ext uri="{FF2B5EF4-FFF2-40B4-BE49-F238E27FC236}">
+                <a16:creationId xmlns:a16="http://schemas.microsoft.com/office/drawing/2014/main" id="{60BE4CFA-F040-DEB9-4925-892E209F9697}"/>
+              </a:ext>
+            </a:extLst>
+          </p:cNvPr>
+          <p:cNvPicPr>
+            <a:picLocks noChangeAspect="1"/>
+          </p:cNvPicPr>
+          <p:nvPr/>
+        </p:nvPicPr>
+        <p:blipFill>
+          <a:blip r:embed="rId3"/>
+          <a:stretch>
+            <a:fillRect/>
+          </a:stretch>
+        </p:blipFill>
+        <p:spPr>
+          <a:xfrm>
+            <a:off x="6096523" y="0"/>
+            <a:ext cx="6093936" cy="4934309"/>
+          </a:xfrm>
+          <a:prstGeom prst="rect">
+            <a:avLst/>
+          </a:prstGeom>
+        </p:spPr>
+      </p:pic>
+      <p:pic>
+        <p:nvPicPr>
+          <p:cNvPr id="8" name="Picture 7">
+            <a:extLst>
+              <a:ext uri="{FF2B5EF4-FFF2-40B4-BE49-F238E27FC236}">
+                <a16:creationId xmlns:a16="http://schemas.microsoft.com/office/drawing/2014/main" id="{13D5DD96-2D1C-3B91-3467-8E8846491AEE}"/>
+              </a:ext>
+            </a:extLst>
+          </p:cNvPr>
+          <p:cNvPicPr>
+            <a:picLocks noChangeAspect="1"/>
+          </p:cNvPicPr>
+          <p:nvPr/>
+        </p:nvPicPr>
+        <p:blipFill>
+          <a:blip r:embed="rId4"/>
+          <a:stretch>
+            <a:fillRect/>
+          </a:stretch>
+        </p:blipFill>
+        <p:spPr>
+          <a:xfrm>
+            <a:off x="4274148" y="3500417"/>
+            <a:ext cx="1781424" cy="962159"/>
+          </a:xfrm>
+          <a:prstGeom prst="rect">
+            <a:avLst/>
+          </a:prstGeom>
+        </p:spPr>
+      </p:pic>
+      <p:pic>
+        <p:nvPicPr>
+          <p:cNvPr id="12" name="Picture 11">
+            <a:extLst>
+              <a:ext uri="{FF2B5EF4-FFF2-40B4-BE49-F238E27FC236}">
+                <a16:creationId xmlns:a16="http://schemas.microsoft.com/office/drawing/2014/main" id="{11D0F09C-260C-EC7D-78BE-142D3C4965A4}"/>
+              </a:ext>
+            </a:extLst>
+          </p:cNvPr>
+          <p:cNvPicPr>
+            <a:picLocks noChangeAspect="1"/>
+          </p:cNvPicPr>
+          <p:nvPr/>
+        </p:nvPicPr>
+        <p:blipFill>
+          <a:blip r:embed="rId5"/>
+          <a:stretch>
+            <a:fillRect/>
+          </a:stretch>
+        </p:blipFill>
+        <p:spPr>
+          <a:xfrm>
+            <a:off x="10378173" y="3527690"/>
+            <a:ext cx="1752845" cy="924054"/>
+          </a:xfrm>
+          <a:prstGeom prst="rect">
+            <a:avLst/>
+          </a:prstGeom>
+        </p:spPr>
+      </p:pic>
+      <p:sp>
+        <p:nvSpPr>
+          <p:cNvPr id="15" name="TextBox 14">
+            <a:extLst>
+              <a:ext uri="{FF2B5EF4-FFF2-40B4-BE49-F238E27FC236}">
+                <a16:creationId xmlns:a16="http://schemas.microsoft.com/office/drawing/2014/main" id="{E06E38A1-3ED8-795F-41B4-72A7D780F6A9}"/>
+              </a:ext>
+            </a:extLst>
+          </p:cNvPr>
+          <p:cNvSpPr txBox="1"/>
+          <p:nvPr/>
+        </p:nvSpPr>
+        <p:spPr>
+          <a:xfrm>
+            <a:off x="0" y="4960189"/>
+            <a:ext cx="11999343" cy="1384995"/>
+          </a:xfrm>
+          <a:prstGeom prst="rect">
+            <a:avLst/>
+          </a:prstGeom>
+          <a:noFill/>
+        </p:spPr>
+        <p:txBody>
+          <a:bodyPr wrap="square" rtlCol="0">
+            <a:spAutoFit/>
+          </a:bodyPr>
+          <a:lstStyle/>
+          <a:p>
+            <a:r>
+              <a:rPr lang="en-CA" sz="2800" dirty="0">
+                <a:solidFill>
+                  <a:schemeClr val="bg1"/>
+                </a:solidFill>
+                <a:latin typeface="+mj-lt"/>
+              </a:rPr>
+              <a:t>In the state of Texas, we can see that the price of Condos and the rest of the Home types have doubled in the past ten years. With an R-squared value of .8 and .9, our data is reliable. </a:t>
+            </a:r>
+          </a:p>
+        </p:txBody>
+      </p:sp>
     </p:spTree>
     <p:extLst>
       <p:ext uri="{BB962C8B-B14F-4D97-AF65-F5344CB8AC3E}">
-        <p14:creationId xmlns:p14="http://schemas.microsoft.com/office/powerpoint/2010/main" val="2884537813"/>
+        <p14:creationId xmlns:p14="http://schemas.microsoft.com/office/powerpoint/2010/main" val="2068463321"/>
       </p:ext>
     </p:extLst>
   </p:cSld>
@@ -5027,210 +5330,7 @@
 </p:sld>
 </file>
 
-<file path=ppt/slides/slide2.xml><?xml version="1.0" encoding="utf-8"?>
-<p:sld xmlns:a="http://schemas.openxmlformats.org/drawingml/2006/main" xmlns:r="http://schemas.openxmlformats.org/officeDocument/2006/relationships" xmlns:p="http://schemas.openxmlformats.org/presentationml/2006/main">
-  <p:cSld>
-    <p:bg>
-      <p:bgPr>
-        <a:solidFill>
-          <a:schemeClr val="bg1"/>
-        </a:solidFill>
-        <a:effectLst/>
-      </p:bgPr>
-    </p:bg>
-    <p:spTree>
-      <p:nvGrpSpPr>
-        <p:cNvPr id="1" name=""/>
-        <p:cNvGrpSpPr/>
-        <p:nvPr/>
-      </p:nvGrpSpPr>
-      <p:grpSpPr>
-        <a:xfrm>
-          <a:off x="0" y="0"/>
-          <a:ext cx="0" cy="0"/>
-          <a:chOff x="0" y="0"/>
-          <a:chExt cx="0" cy="0"/>
-        </a:xfrm>
-      </p:grpSpPr>
-      <p:sp>
-        <p:nvSpPr>
-          <p:cNvPr id="47" name="Rectangle 46">
-            <a:extLst>
-              <a:ext uri="{FF2B5EF4-FFF2-40B4-BE49-F238E27FC236}">
-                <a16:creationId xmlns:a16="http://schemas.microsoft.com/office/drawing/2014/main" id="{FBDCECDC-EEE3-4128-AA5E-82A8C08796E8}"/>
-              </a:ext>
-              <a:ext uri="{C183D7F6-B498-43B3-948B-1728B52AA6E4}">
-                <adec:decorative xmlns:adec="http://schemas.microsoft.com/office/drawing/2017/decorative" val="1"/>
-              </a:ext>
-            </a:extLst>
-          </p:cNvPr>
-          <p:cNvSpPr>
-            <a:spLocks noGrp="1" noRot="1" noChangeAspect="1" noMove="1" noResize="1" noEditPoints="1" noAdjustHandles="1" noChangeArrowheads="1" noChangeShapeType="1" noTextEdit="1"/>
-          </p:cNvSpPr>
-          <p:nvPr>
-            <p:extLst>
-              <p:ext uri="{386F3935-93C4-4BCD-93E2-E3B085C9AB24}">
-                <p16:designElem xmlns:p16="http://schemas.microsoft.com/office/powerpoint/2015/main" val="1"/>
-              </p:ext>
-            </p:extLst>
-          </p:nvPr>
-        </p:nvSpPr>
-        <p:spPr>
-          <a:xfrm>
-            <a:off x="1507" y="0"/>
-            <a:ext cx="12192000" cy="6858000"/>
-          </a:xfrm>
-          <a:prstGeom prst="rect">
-            <a:avLst/>
-          </a:prstGeom>
-          <a:solidFill>
-            <a:schemeClr val="accent1"/>
-          </a:solidFill>
-          <a:ln>
-            <a:noFill/>
-          </a:ln>
-        </p:spPr>
-        <p:style>
-          <a:lnRef idx="2">
-            <a:schemeClr val="accent1">
-              <a:shade val="50000"/>
-            </a:schemeClr>
-          </a:lnRef>
-          <a:fillRef idx="1">
-            <a:schemeClr val="accent1"/>
-          </a:fillRef>
-          <a:effectRef idx="0">
-            <a:schemeClr val="accent1"/>
-          </a:effectRef>
-          <a:fontRef idx="minor">
-            <a:schemeClr val="lt1"/>
-          </a:fontRef>
-        </p:style>
-        <p:txBody>
-          <a:bodyPr rtlCol="0" anchor="ctr"/>
-          <a:lstStyle/>
-          <a:p>
-            <a:pPr algn="ctr"/>
-            <a:endParaRPr lang="en-US"/>
-          </a:p>
-        </p:txBody>
-      </p:sp>
-      <p:sp>
-        <p:nvSpPr>
-          <p:cNvPr id="2" name="Title 1">
-            <a:extLst>
-              <a:ext uri="{FF2B5EF4-FFF2-40B4-BE49-F238E27FC236}">
-                <a16:creationId xmlns:a16="http://schemas.microsoft.com/office/drawing/2014/main" id="{9AB2EA78-AEB3-469B-9025-3B17201A457B}"/>
-              </a:ext>
-            </a:extLst>
-          </p:cNvPr>
-          <p:cNvSpPr>
-            <a:spLocks noGrp="1"/>
-          </p:cNvSpPr>
-          <p:nvPr>
-            <p:ph type="ctrTitle"/>
-          </p:nvPr>
-        </p:nvSpPr>
-        <p:spPr>
-          <a:xfrm>
-            <a:off x="1097280" y="758952"/>
-            <a:ext cx="10058400" cy="3892168"/>
-          </a:xfrm>
-        </p:spPr>
-        <p:txBody>
-          <a:bodyPr anchor="ctr">
-            <a:normAutofit fontScale="90000"/>
-          </a:bodyPr>
-          <a:lstStyle/>
-          <a:p>
-            <a:pPr lvl="0"/>
-            <a:r>
-              <a:rPr lang="en-US" sz="4800" i="1" dirty="0">
-                <a:solidFill>
-                  <a:srgbClr val="FFFFFF"/>
-                </a:solidFill>
-              </a:rPr>
-              <a:t>In this project, we’ve gathered Real Estate data from Nasdaq and cleaned it to show linear regression of the Average price of all homes, and condos for a Real Estate tycoon.</a:t>
-            </a:r>
-          </a:p>
-        </p:txBody>
-      </p:sp>
-      <p:sp>
-        <p:nvSpPr>
-          <p:cNvPr id="49" name="Rectangle 48">
-            <a:extLst>
-              <a:ext uri="{FF2B5EF4-FFF2-40B4-BE49-F238E27FC236}">
-                <a16:creationId xmlns:a16="http://schemas.microsoft.com/office/drawing/2014/main" id="{4260EDE0-989C-4E16-AF94-F652294D828E}"/>
-              </a:ext>
-              <a:ext uri="{C183D7F6-B498-43B3-948B-1728B52AA6E4}">
-                <adec:decorative xmlns:adec="http://schemas.microsoft.com/office/drawing/2017/decorative" val="1"/>
-              </a:ext>
-            </a:extLst>
-          </p:cNvPr>
-          <p:cNvSpPr>
-            <a:spLocks noGrp="1" noRot="1" noChangeAspect="1" noMove="1" noResize="1" noEditPoints="1" noAdjustHandles="1" noChangeArrowheads="1" noChangeShapeType="1" noTextEdit="1"/>
-          </p:cNvSpPr>
-          <p:nvPr>
-            <p:extLst>
-              <p:ext uri="{386F3935-93C4-4BCD-93E2-E3B085C9AB24}">
-                <p16:designElem xmlns:p16="http://schemas.microsoft.com/office/powerpoint/2015/main" val="1"/>
-              </p:ext>
-            </p:extLst>
-          </p:nvPr>
-        </p:nvSpPr>
-        <p:spPr bwMode="white">
-          <a:xfrm>
-            <a:off x="1507" y="4953000"/>
-            <a:ext cx="12188952" cy="1905000"/>
-          </a:xfrm>
-          <a:prstGeom prst="rect">
-            <a:avLst/>
-          </a:prstGeom>
-          <a:solidFill>
-            <a:srgbClr val="262626"/>
-          </a:solidFill>
-          <a:ln>
-            <a:noFill/>
-          </a:ln>
-        </p:spPr>
-        <p:style>
-          <a:lnRef idx="2">
-            <a:schemeClr val="accent1">
-              <a:shade val="50000"/>
-            </a:schemeClr>
-          </a:lnRef>
-          <a:fillRef idx="1">
-            <a:schemeClr val="accent1"/>
-          </a:fillRef>
-          <a:effectRef idx="0">
-            <a:schemeClr val="accent1"/>
-          </a:effectRef>
-          <a:fontRef idx="minor">
-            <a:schemeClr val="lt1"/>
-          </a:fontRef>
-        </p:style>
-        <p:txBody>
-          <a:bodyPr/>
-          <a:lstStyle/>
-          <a:p>
-            <a:endParaRPr lang="en-CA"/>
-          </a:p>
-        </p:txBody>
-      </p:sp>
-    </p:spTree>
-    <p:extLst>
-      <p:ext uri="{BB962C8B-B14F-4D97-AF65-F5344CB8AC3E}">
-        <p14:creationId xmlns:p14="http://schemas.microsoft.com/office/powerpoint/2010/main" val="191714609"/>
-      </p:ext>
-    </p:extLst>
-  </p:cSld>
-  <p:clrMapOvr>
-    <a:masterClrMapping/>
-  </p:clrMapOvr>
-</p:sld>
-</file>
-
-<file path=ppt/slides/slide3.xml><?xml version="1.0" encoding="utf-8"?>
+<file path=ppt/slides/slide13.xml><?xml version="1.0" encoding="utf-8"?>
 <p:sld xmlns:a="http://schemas.openxmlformats.org/drawingml/2006/main" xmlns:r="http://schemas.openxmlformats.org/officeDocument/2006/relationships" xmlns:p="http://schemas.openxmlformats.org/presentationml/2006/main">
   <p:cSld>
     <p:bg>
@@ -5349,46 +5449,6 @@
       </p:sp>
       <p:sp>
         <p:nvSpPr>
-          <p:cNvPr id="2" name="Title 1">
-            <a:extLst>
-              <a:ext uri="{FF2B5EF4-FFF2-40B4-BE49-F238E27FC236}">
-                <a16:creationId xmlns:a16="http://schemas.microsoft.com/office/drawing/2014/main" id="{9AB2EA78-AEB3-469B-9025-3B17201A457B}"/>
-              </a:ext>
-            </a:extLst>
-          </p:cNvPr>
-          <p:cNvSpPr>
-            <a:spLocks noGrp="1"/>
-          </p:cNvSpPr>
-          <p:nvPr>
-            <p:ph type="ctrTitle"/>
-          </p:nvPr>
-        </p:nvSpPr>
-        <p:spPr>
-          <a:xfrm>
-            <a:off x="1097280" y="422694"/>
-            <a:ext cx="10280962" cy="4228426"/>
-          </a:xfrm>
-        </p:spPr>
-        <p:txBody>
-          <a:bodyPr anchor="ctr">
-            <a:normAutofit fontScale="90000"/>
-          </a:bodyPr>
-          <a:lstStyle/>
-          <a:p>
-            <a:pPr lvl="0"/>
-            <a:r>
-              <a:rPr lang="en-US" sz="4800" i="1" dirty="0">
-                <a:solidFill>
-                  <a:srgbClr val="FFFFFF"/>
-                </a:solidFill>
-              </a:rPr>
-              <a:t>The Real Estate tycoon has also invested in a Freight shipping company and is looking to set up near the four main coasts in the states, so we’ve provided data from Washington, New York, Florida and California.</a:t>
-            </a:r>
-          </a:p>
-        </p:txBody>
-      </p:sp>
-      <p:sp>
-        <p:nvSpPr>
           <p:cNvPr id="49" name="Rectangle 48">
             <a:extLst>
               <a:ext uri="{FF2B5EF4-FFF2-40B4-BE49-F238E27FC236}">
@@ -5479,732 +5539,9 @@
           </a:p>
         </p:txBody>
       </p:sp>
-    </p:spTree>
-    <p:extLst>
-      <p:ext uri="{BB962C8B-B14F-4D97-AF65-F5344CB8AC3E}">
-        <p14:creationId xmlns:p14="http://schemas.microsoft.com/office/powerpoint/2010/main" val="2476820038"/>
-      </p:ext>
-    </p:extLst>
-  </p:cSld>
-  <p:clrMapOvr>
-    <a:masterClrMapping/>
-  </p:clrMapOvr>
-</p:sld>
-</file>
-
-<file path=ppt/slides/slide4.xml><?xml version="1.0" encoding="utf-8"?>
-<p:sld xmlns:a="http://schemas.openxmlformats.org/drawingml/2006/main" xmlns:r="http://schemas.openxmlformats.org/officeDocument/2006/relationships" xmlns:p="http://schemas.openxmlformats.org/presentationml/2006/main">
-  <p:cSld>
-    <p:bg>
-      <p:bgPr>
-        <a:solidFill>
-          <a:schemeClr val="bg1"/>
-        </a:solidFill>
-        <a:effectLst/>
-      </p:bgPr>
-    </p:bg>
-    <p:spTree>
-      <p:nvGrpSpPr>
-        <p:cNvPr id="1" name=""/>
-        <p:cNvGrpSpPr/>
-        <p:nvPr/>
-      </p:nvGrpSpPr>
-      <p:grpSpPr>
-        <a:xfrm>
-          <a:off x="0" y="0"/>
-          <a:ext cx="0" cy="0"/>
-          <a:chOff x="0" y="0"/>
-          <a:chExt cx="0" cy="0"/>
-        </a:xfrm>
-      </p:grpSpPr>
-      <p:sp>
-        <p:nvSpPr>
-          <p:cNvPr id="47" name="Rectangle 46">
-            <a:extLst>
-              <a:ext uri="{FF2B5EF4-FFF2-40B4-BE49-F238E27FC236}">
-                <a16:creationId xmlns:a16="http://schemas.microsoft.com/office/drawing/2014/main" id="{FBDCECDC-EEE3-4128-AA5E-82A8C08796E8}"/>
-              </a:ext>
-              <a:ext uri="{C183D7F6-B498-43B3-948B-1728B52AA6E4}">
-                <adec:decorative xmlns:adec="http://schemas.microsoft.com/office/drawing/2017/decorative" val="1"/>
-              </a:ext>
-            </a:extLst>
-          </p:cNvPr>
-          <p:cNvSpPr>
-            <a:spLocks noGrp="1" noRot="1" noChangeAspect="1" noMove="1" noResize="1" noEditPoints="1" noAdjustHandles="1" noChangeArrowheads="1" noChangeShapeType="1" noTextEdit="1"/>
-          </p:cNvSpPr>
-          <p:nvPr>
-            <p:extLst>
-              <p:ext uri="{386F3935-93C4-4BCD-93E2-E3B085C9AB24}">
-                <p16:designElem xmlns:p16="http://schemas.microsoft.com/office/powerpoint/2015/main" val="1"/>
-              </p:ext>
-            </p:extLst>
-          </p:nvPr>
-        </p:nvSpPr>
-        <p:spPr>
-          <a:xfrm>
-            <a:off x="1507" y="0"/>
-            <a:ext cx="12192000" cy="6858000"/>
-          </a:xfrm>
-          <a:prstGeom prst="rect">
-            <a:avLst/>
-          </a:prstGeom>
-          <a:solidFill>
-            <a:schemeClr val="accent1"/>
-          </a:solidFill>
-          <a:ln>
-            <a:noFill/>
-          </a:ln>
-        </p:spPr>
-        <p:style>
-          <a:lnRef idx="2">
-            <a:schemeClr val="accent1">
-              <a:shade val="50000"/>
-            </a:schemeClr>
-          </a:lnRef>
-          <a:fillRef idx="1">
-            <a:schemeClr val="accent1"/>
-          </a:fillRef>
-          <a:effectRef idx="0">
-            <a:schemeClr val="accent1"/>
-          </a:effectRef>
-          <a:fontRef idx="minor">
-            <a:schemeClr val="lt1"/>
-          </a:fontRef>
-        </p:style>
-        <p:txBody>
-          <a:bodyPr rtlCol="0" anchor="ctr"/>
-          <a:lstStyle/>
-          <a:p>
-            <a:pPr marL="0" marR="0" lvl="0" indent="0" algn="ctr" defTabSz="914400" rtl="0" eaLnBrk="1" fontAlgn="auto" latinLnBrk="0" hangingPunct="1">
-              <a:lnSpc>
-                <a:spcPct val="100000"/>
-              </a:lnSpc>
-              <a:spcBef>
-                <a:spcPts val="0"/>
-              </a:spcBef>
-              <a:spcAft>
-                <a:spcPts val="0"/>
-              </a:spcAft>
-              <a:buClrTx/>
-              <a:buSzTx/>
-              <a:buFontTx/>
-              <a:buNone/>
-              <a:tabLst/>
-              <a:defRPr/>
-            </a:pPr>
-            <a:endParaRPr kumimoji="0" lang="en-US" sz="1800" b="0" i="0" u="none" strike="noStrike" kern="1200" cap="none" spc="0" normalizeH="0" baseline="0" noProof="0">
-              <a:ln>
-                <a:noFill/>
-              </a:ln>
-              <a:solidFill>
-                <a:srgbClr val="FFFFFF"/>
-              </a:solidFill>
-              <a:effectLst/>
-              <a:uLnTx/>
-              <a:uFillTx/>
-              <a:latin typeface="Franklin Gothic Book" panose="020F0502020204030204"/>
-              <a:ea typeface="+mn-ea"/>
-              <a:cs typeface="+mn-cs"/>
-            </a:endParaRPr>
-          </a:p>
-        </p:txBody>
-      </p:sp>
-      <p:sp>
-        <p:nvSpPr>
-          <p:cNvPr id="49" name="Rectangle 48">
-            <a:extLst>
-              <a:ext uri="{FF2B5EF4-FFF2-40B4-BE49-F238E27FC236}">
-                <a16:creationId xmlns:a16="http://schemas.microsoft.com/office/drawing/2014/main" id="{4260EDE0-989C-4E16-AF94-F652294D828E}"/>
-              </a:ext>
-              <a:ext uri="{C183D7F6-B498-43B3-948B-1728B52AA6E4}">
-                <adec:decorative xmlns:adec="http://schemas.microsoft.com/office/drawing/2017/decorative" val="1"/>
-              </a:ext>
-            </a:extLst>
-          </p:cNvPr>
-          <p:cNvSpPr>
-            <a:spLocks noGrp="1" noRot="1" noChangeAspect="1" noMove="1" noResize="1" noEditPoints="1" noAdjustHandles="1" noChangeArrowheads="1" noChangeShapeType="1" noTextEdit="1"/>
-          </p:cNvSpPr>
-          <p:nvPr>
-            <p:extLst>
-              <p:ext uri="{386F3935-93C4-4BCD-93E2-E3B085C9AB24}">
-                <p16:designElem xmlns:p16="http://schemas.microsoft.com/office/powerpoint/2015/main" val="1"/>
-              </p:ext>
-            </p:extLst>
-          </p:nvPr>
-        </p:nvSpPr>
-        <p:spPr bwMode="white">
-          <a:xfrm>
-            <a:off x="1507" y="4953000"/>
-            <a:ext cx="12188952" cy="1905000"/>
-          </a:xfrm>
-          <a:prstGeom prst="rect">
-            <a:avLst/>
-          </a:prstGeom>
-          <a:solidFill>
-            <a:srgbClr val="262626"/>
-          </a:solidFill>
-          <a:ln>
-            <a:noFill/>
-          </a:ln>
-        </p:spPr>
-        <p:style>
-          <a:lnRef idx="2">
-            <a:schemeClr val="accent1">
-              <a:shade val="50000"/>
-            </a:schemeClr>
-          </a:lnRef>
-          <a:fillRef idx="1">
-            <a:schemeClr val="accent1"/>
-          </a:fillRef>
-          <a:effectRef idx="0">
-            <a:schemeClr val="accent1"/>
-          </a:effectRef>
-          <a:fontRef idx="minor">
-            <a:schemeClr val="lt1"/>
-          </a:fontRef>
-        </p:style>
-        <p:txBody>
-          <a:bodyPr/>
-          <a:lstStyle/>
-          <a:p>
-            <a:pPr marL="0" marR="0" lvl="0" indent="0" algn="l" defTabSz="914400" rtl="0" eaLnBrk="1" fontAlgn="auto" latinLnBrk="0" hangingPunct="1">
-              <a:lnSpc>
-                <a:spcPct val="100000"/>
-              </a:lnSpc>
-              <a:spcBef>
-                <a:spcPts val="0"/>
-              </a:spcBef>
-              <a:spcAft>
-                <a:spcPts val="0"/>
-              </a:spcAft>
-              <a:buClrTx/>
-              <a:buSzTx/>
-              <a:buFontTx/>
-              <a:buNone/>
-              <a:tabLst/>
-              <a:defRPr/>
-            </a:pPr>
-            <a:endParaRPr kumimoji="0" lang="en-CA" sz="1800" b="0" i="0" u="none" strike="noStrike" kern="1200" cap="none" spc="0" normalizeH="0" baseline="0" noProof="0">
-              <a:ln>
-                <a:noFill/>
-              </a:ln>
-              <a:solidFill>
-                <a:srgbClr val="FFFFFF"/>
-              </a:solidFill>
-              <a:effectLst/>
-              <a:uLnTx/>
-              <a:uFillTx/>
-              <a:latin typeface="Franklin Gothic Book" panose="020F0502020204030204"/>
-              <a:ea typeface="+mn-ea"/>
-              <a:cs typeface="+mn-cs"/>
-            </a:endParaRPr>
-          </a:p>
-        </p:txBody>
-      </p:sp>
-      <p:pic>
-        <p:nvPicPr>
-          <p:cNvPr id="7" name="Picture 6">
-            <a:extLst>
-              <a:ext uri="{FF2B5EF4-FFF2-40B4-BE49-F238E27FC236}">
-                <a16:creationId xmlns:a16="http://schemas.microsoft.com/office/drawing/2014/main" id="{1121B5AB-DAB9-A27C-4B35-E8F77F641058}"/>
-              </a:ext>
-            </a:extLst>
-          </p:cNvPr>
-          <p:cNvPicPr>
-            <a:picLocks noChangeAspect="1"/>
-          </p:cNvPicPr>
-          <p:nvPr/>
-        </p:nvPicPr>
-        <p:blipFill>
-          <a:blip r:embed="rId2"/>
-          <a:stretch>
-            <a:fillRect/>
-          </a:stretch>
-        </p:blipFill>
-        <p:spPr>
-          <a:xfrm>
-            <a:off x="1" y="0"/>
-            <a:ext cx="6105264" cy="4953000"/>
-          </a:xfrm>
-          <a:prstGeom prst="rect">
-            <a:avLst/>
-          </a:prstGeom>
-        </p:spPr>
-      </p:pic>
-      <p:pic>
-        <p:nvPicPr>
-          <p:cNvPr id="9" name="Picture 8">
-            <a:extLst>
-              <a:ext uri="{FF2B5EF4-FFF2-40B4-BE49-F238E27FC236}">
-                <a16:creationId xmlns:a16="http://schemas.microsoft.com/office/drawing/2014/main" id="{2A6D7E48-3502-6C32-C322-3BC589304816}"/>
-              </a:ext>
-            </a:extLst>
-          </p:cNvPr>
-          <p:cNvPicPr>
-            <a:picLocks noChangeAspect="1"/>
-          </p:cNvPicPr>
-          <p:nvPr/>
-        </p:nvPicPr>
-        <p:blipFill>
-          <a:blip r:embed="rId3"/>
-          <a:stretch>
-            <a:fillRect/>
-          </a:stretch>
-        </p:blipFill>
-        <p:spPr>
-          <a:xfrm>
-            <a:off x="4304136" y="3586019"/>
-            <a:ext cx="1743318" cy="876422"/>
-          </a:xfrm>
-          <a:prstGeom prst="rect">
-            <a:avLst/>
-          </a:prstGeom>
-        </p:spPr>
-      </p:pic>
-      <p:pic>
-        <p:nvPicPr>
-          <p:cNvPr id="11" name="Picture 10">
-            <a:extLst>
-              <a:ext uri="{FF2B5EF4-FFF2-40B4-BE49-F238E27FC236}">
-                <a16:creationId xmlns:a16="http://schemas.microsoft.com/office/drawing/2014/main" id="{0A03B340-E731-E7DC-E8EA-5961891B2E35}"/>
-              </a:ext>
-            </a:extLst>
-          </p:cNvPr>
-          <p:cNvPicPr>
-            <a:picLocks noChangeAspect="1"/>
-          </p:cNvPicPr>
-          <p:nvPr/>
-        </p:nvPicPr>
-        <p:blipFill>
-          <a:blip r:embed="rId4"/>
-          <a:stretch>
-            <a:fillRect/>
-          </a:stretch>
-        </p:blipFill>
-        <p:spPr>
-          <a:xfrm>
-            <a:off x="6108313" y="0"/>
-            <a:ext cx="6082146" cy="4953000"/>
-          </a:xfrm>
-          <a:prstGeom prst="rect">
-            <a:avLst/>
-          </a:prstGeom>
-        </p:spPr>
-      </p:pic>
-      <p:pic>
-        <p:nvPicPr>
-          <p:cNvPr id="13" name="Picture 12">
-            <a:extLst>
-              <a:ext uri="{FF2B5EF4-FFF2-40B4-BE49-F238E27FC236}">
-                <a16:creationId xmlns:a16="http://schemas.microsoft.com/office/drawing/2014/main" id="{F01AB87D-FF16-0ABD-8A94-C73D1629FC5E}"/>
-              </a:ext>
-            </a:extLst>
-          </p:cNvPr>
-          <p:cNvPicPr>
-            <a:picLocks noChangeAspect="1"/>
-          </p:cNvPicPr>
-          <p:nvPr/>
-        </p:nvPicPr>
-        <p:blipFill>
-          <a:blip r:embed="rId5"/>
-          <a:stretch>
-            <a:fillRect/>
-          </a:stretch>
-        </p:blipFill>
-        <p:spPr>
-          <a:xfrm>
-            <a:off x="10376755" y="3673989"/>
-            <a:ext cx="1752845" cy="895475"/>
-          </a:xfrm>
-          <a:prstGeom prst="rect">
-            <a:avLst/>
-          </a:prstGeom>
-        </p:spPr>
-      </p:pic>
-      <p:sp>
-        <p:nvSpPr>
-          <p:cNvPr id="14" name="TextBox 13">
-            <a:extLst>
-              <a:ext uri="{FF2B5EF4-FFF2-40B4-BE49-F238E27FC236}">
-                <a16:creationId xmlns:a16="http://schemas.microsoft.com/office/drawing/2014/main" id="{EE1CA898-DF2E-B020-AA79-55AD1CF1411E}"/>
-              </a:ext>
-            </a:extLst>
-          </p:cNvPr>
-          <p:cNvSpPr txBox="1"/>
-          <p:nvPr/>
-        </p:nvSpPr>
-        <p:spPr>
-          <a:xfrm>
-            <a:off x="257175" y="5200650"/>
-            <a:ext cx="11801475" cy="923330"/>
-          </a:xfrm>
-          <a:prstGeom prst="rect">
-            <a:avLst/>
-          </a:prstGeom>
-          <a:noFill/>
-        </p:spPr>
-        <p:txBody>
-          <a:bodyPr wrap="square" rtlCol="0">
-            <a:spAutoFit/>
-          </a:bodyPr>
-          <a:lstStyle/>
-          <a:p>
-            <a:r>
-              <a:rPr lang="en-CA" dirty="0">
-                <a:solidFill>
-                  <a:schemeClr val="bg1"/>
-                </a:solidFill>
-              </a:rPr>
-              <a:t>Here we can see that in the state of Florida, the average prices of all homes and Condos have tripled in the past 10 years. The Linear Regression shows a steady slope making Florida a great place to invest near the coast, even though our Standard deviation is high due to discrepancies of unfavorable neighborhoods, the information is good. </a:t>
-            </a:r>
-          </a:p>
-        </p:txBody>
-      </p:sp>
-    </p:spTree>
-    <p:extLst>
-      <p:ext uri="{BB962C8B-B14F-4D97-AF65-F5344CB8AC3E}">
-        <p14:creationId xmlns:p14="http://schemas.microsoft.com/office/powerpoint/2010/main" val="2068463321"/>
-      </p:ext>
-    </p:extLst>
-  </p:cSld>
-  <p:clrMapOvr>
-    <a:masterClrMapping/>
-  </p:clrMapOvr>
-</p:sld>
-</file>
-
-<file path=ppt/slides/slide5.xml><?xml version="1.0" encoding="utf-8"?>
-<p:sld xmlns:a="http://schemas.openxmlformats.org/drawingml/2006/main" xmlns:r="http://schemas.openxmlformats.org/officeDocument/2006/relationships" xmlns:p="http://schemas.openxmlformats.org/presentationml/2006/main">
-  <p:cSld>
-    <p:bg>
-      <p:bgPr>
-        <a:solidFill>
-          <a:schemeClr val="bg1"/>
-        </a:solidFill>
-        <a:effectLst/>
-      </p:bgPr>
-    </p:bg>
-    <p:spTree>
-      <p:nvGrpSpPr>
-        <p:cNvPr id="1" name=""/>
-        <p:cNvGrpSpPr/>
-        <p:nvPr/>
-      </p:nvGrpSpPr>
-      <p:grpSpPr>
-        <a:xfrm>
-          <a:off x="0" y="0"/>
-          <a:ext cx="0" cy="0"/>
-          <a:chOff x="0" y="0"/>
-          <a:chExt cx="0" cy="0"/>
-        </a:xfrm>
-      </p:grpSpPr>
-      <p:sp>
-        <p:nvSpPr>
-          <p:cNvPr id="47" name="Rectangle 46">
-            <a:extLst>
-              <a:ext uri="{FF2B5EF4-FFF2-40B4-BE49-F238E27FC236}">
-                <a16:creationId xmlns:a16="http://schemas.microsoft.com/office/drawing/2014/main" id="{FBDCECDC-EEE3-4128-AA5E-82A8C08796E8}"/>
-              </a:ext>
-              <a:ext uri="{C183D7F6-B498-43B3-948B-1728B52AA6E4}">
-                <adec:decorative xmlns:adec="http://schemas.microsoft.com/office/drawing/2017/decorative" val="1"/>
-              </a:ext>
-            </a:extLst>
-          </p:cNvPr>
-          <p:cNvSpPr>
-            <a:spLocks noGrp="1" noRot="1" noChangeAspect="1" noMove="1" noResize="1" noEditPoints="1" noAdjustHandles="1" noChangeArrowheads="1" noChangeShapeType="1" noTextEdit="1"/>
-          </p:cNvSpPr>
-          <p:nvPr>
-            <p:extLst>
-              <p:ext uri="{386F3935-93C4-4BCD-93E2-E3B085C9AB24}">
-                <p16:designElem xmlns:p16="http://schemas.microsoft.com/office/powerpoint/2015/main" val="1"/>
-              </p:ext>
-            </p:extLst>
-          </p:nvPr>
-        </p:nvSpPr>
-        <p:spPr>
-          <a:xfrm>
-            <a:off x="1507" y="0"/>
-            <a:ext cx="12192000" cy="6858000"/>
-          </a:xfrm>
-          <a:prstGeom prst="rect">
-            <a:avLst/>
-          </a:prstGeom>
-          <a:solidFill>
-            <a:schemeClr val="accent1"/>
-          </a:solidFill>
-          <a:ln>
-            <a:noFill/>
-          </a:ln>
-        </p:spPr>
-        <p:style>
-          <a:lnRef idx="2">
-            <a:schemeClr val="accent1">
-              <a:shade val="50000"/>
-            </a:schemeClr>
-          </a:lnRef>
-          <a:fillRef idx="1">
-            <a:schemeClr val="accent1"/>
-          </a:fillRef>
-          <a:effectRef idx="0">
-            <a:schemeClr val="accent1"/>
-          </a:effectRef>
-          <a:fontRef idx="minor">
-            <a:schemeClr val="lt1"/>
-          </a:fontRef>
-        </p:style>
-        <p:txBody>
-          <a:bodyPr rtlCol="0" anchor="ctr"/>
-          <a:lstStyle/>
-          <a:p>
-            <a:pPr marL="0" marR="0" lvl="0" indent="0" algn="ctr" defTabSz="914400" rtl="0" eaLnBrk="1" fontAlgn="auto" latinLnBrk="0" hangingPunct="1">
-              <a:lnSpc>
-                <a:spcPct val="100000"/>
-              </a:lnSpc>
-              <a:spcBef>
-                <a:spcPts val="0"/>
-              </a:spcBef>
-              <a:spcAft>
-                <a:spcPts val="0"/>
-              </a:spcAft>
-              <a:buClrTx/>
-              <a:buSzTx/>
-              <a:buFontTx/>
-              <a:buNone/>
-              <a:tabLst/>
-              <a:defRPr/>
-            </a:pPr>
-            <a:endParaRPr kumimoji="0" lang="en-US" sz="1800" b="0" i="0" u="none" strike="noStrike" kern="1200" cap="none" spc="0" normalizeH="0" baseline="0" noProof="0">
-              <a:ln>
-                <a:noFill/>
-              </a:ln>
-              <a:solidFill>
-                <a:srgbClr val="FFFFFF"/>
-              </a:solidFill>
-              <a:effectLst/>
-              <a:uLnTx/>
-              <a:uFillTx/>
-              <a:latin typeface="Franklin Gothic Book" panose="020F0502020204030204"/>
-              <a:ea typeface="+mn-ea"/>
-              <a:cs typeface="+mn-cs"/>
-            </a:endParaRPr>
-          </a:p>
-        </p:txBody>
-      </p:sp>
-      <p:sp>
-        <p:nvSpPr>
-          <p:cNvPr id="49" name="Rectangle 48">
-            <a:extLst>
-              <a:ext uri="{FF2B5EF4-FFF2-40B4-BE49-F238E27FC236}">
-                <a16:creationId xmlns:a16="http://schemas.microsoft.com/office/drawing/2014/main" id="{4260EDE0-989C-4E16-AF94-F652294D828E}"/>
-              </a:ext>
-              <a:ext uri="{C183D7F6-B498-43B3-948B-1728B52AA6E4}">
-                <adec:decorative xmlns:adec="http://schemas.microsoft.com/office/drawing/2017/decorative" val="1"/>
-              </a:ext>
-            </a:extLst>
-          </p:cNvPr>
-          <p:cNvSpPr>
-            <a:spLocks noGrp="1" noRot="1" noChangeAspect="1" noMove="1" noResize="1" noEditPoints="1" noAdjustHandles="1" noChangeArrowheads="1" noChangeShapeType="1" noTextEdit="1"/>
-          </p:cNvSpPr>
-          <p:nvPr>
-            <p:extLst>
-              <p:ext uri="{386F3935-93C4-4BCD-93E2-E3B085C9AB24}">
-                <p16:designElem xmlns:p16="http://schemas.microsoft.com/office/powerpoint/2015/main" val="1"/>
-              </p:ext>
-            </p:extLst>
-          </p:nvPr>
-        </p:nvSpPr>
-        <p:spPr bwMode="white">
-          <a:xfrm>
-            <a:off x="1507" y="4953000"/>
-            <a:ext cx="12188952" cy="1905000"/>
-          </a:xfrm>
-          <a:prstGeom prst="rect">
-            <a:avLst/>
-          </a:prstGeom>
-          <a:solidFill>
-            <a:srgbClr val="262626"/>
-          </a:solidFill>
-          <a:ln>
-            <a:noFill/>
-          </a:ln>
-        </p:spPr>
-        <p:style>
-          <a:lnRef idx="2">
-            <a:schemeClr val="accent1">
-              <a:shade val="50000"/>
-            </a:schemeClr>
-          </a:lnRef>
-          <a:fillRef idx="1">
-            <a:schemeClr val="accent1"/>
-          </a:fillRef>
-          <a:effectRef idx="0">
-            <a:schemeClr val="accent1"/>
-          </a:effectRef>
-          <a:fontRef idx="minor">
-            <a:schemeClr val="lt1"/>
-          </a:fontRef>
-        </p:style>
-        <p:txBody>
-          <a:bodyPr/>
-          <a:lstStyle/>
-          <a:p>
-            <a:pPr marL="0" marR="0" lvl="0" indent="0" algn="l" defTabSz="914400" rtl="0" eaLnBrk="1" fontAlgn="auto" latinLnBrk="0" hangingPunct="1">
-              <a:lnSpc>
-                <a:spcPct val="100000"/>
-              </a:lnSpc>
-              <a:spcBef>
-                <a:spcPts val="0"/>
-              </a:spcBef>
-              <a:spcAft>
-                <a:spcPts val="0"/>
-              </a:spcAft>
-              <a:buClrTx/>
-              <a:buSzTx/>
-              <a:buFontTx/>
-              <a:buNone/>
-              <a:tabLst/>
-              <a:defRPr/>
-            </a:pPr>
-            <a:endParaRPr kumimoji="0" lang="en-CA" sz="1800" b="0" i="0" u="none" strike="noStrike" kern="1200" cap="none" spc="0" normalizeH="0" baseline="0" noProof="0">
-              <a:ln>
-                <a:noFill/>
-              </a:ln>
-              <a:solidFill>
-                <a:srgbClr val="FFFFFF"/>
-              </a:solidFill>
-              <a:effectLst/>
-              <a:uLnTx/>
-              <a:uFillTx/>
-              <a:latin typeface="Franklin Gothic Book" panose="020F0502020204030204"/>
-              <a:ea typeface="+mn-ea"/>
-              <a:cs typeface="+mn-cs"/>
-            </a:endParaRPr>
-          </a:p>
-        </p:txBody>
-      </p:sp>
-      <p:pic>
-        <p:nvPicPr>
-          <p:cNvPr id="4" name="Picture 3">
-            <a:extLst>
-              <a:ext uri="{FF2B5EF4-FFF2-40B4-BE49-F238E27FC236}">
-                <a16:creationId xmlns:a16="http://schemas.microsoft.com/office/drawing/2014/main" id="{25203EC1-2A9F-6E48-79FE-DFC472E5EA7F}"/>
-              </a:ext>
-            </a:extLst>
-          </p:cNvPr>
-          <p:cNvPicPr>
-            <a:picLocks noChangeAspect="1"/>
-          </p:cNvPicPr>
-          <p:nvPr/>
-        </p:nvPicPr>
-        <p:blipFill>
-          <a:blip r:embed="rId2"/>
-          <a:stretch>
-            <a:fillRect/>
-          </a:stretch>
-        </p:blipFill>
-        <p:spPr>
-          <a:xfrm>
-            <a:off x="1507" y="-1"/>
-            <a:ext cx="6096000" cy="4953000"/>
-          </a:xfrm>
-          <a:prstGeom prst="rect">
-            <a:avLst/>
-          </a:prstGeom>
-        </p:spPr>
-      </p:pic>
-      <p:pic>
-        <p:nvPicPr>
-          <p:cNvPr id="6" name="Picture 5">
-            <a:extLst>
-              <a:ext uri="{FF2B5EF4-FFF2-40B4-BE49-F238E27FC236}">
-                <a16:creationId xmlns:a16="http://schemas.microsoft.com/office/drawing/2014/main" id="{5F7B4F31-D363-DBB9-B4DC-1C22D23CAA9B}"/>
-              </a:ext>
-            </a:extLst>
-          </p:cNvPr>
-          <p:cNvPicPr>
-            <a:picLocks noChangeAspect="1"/>
-          </p:cNvPicPr>
-          <p:nvPr/>
-        </p:nvPicPr>
-        <p:blipFill>
-          <a:blip r:embed="rId3"/>
-          <a:stretch>
-            <a:fillRect/>
-          </a:stretch>
-        </p:blipFill>
-        <p:spPr>
-          <a:xfrm>
-            <a:off x="6093015" y="0"/>
-            <a:ext cx="6097444" cy="4932218"/>
-          </a:xfrm>
-          <a:prstGeom prst="rect">
-            <a:avLst/>
-          </a:prstGeom>
-        </p:spPr>
-      </p:pic>
-      <p:pic>
-        <p:nvPicPr>
-          <p:cNvPr id="8" name="Picture 7">
-            <a:extLst>
-              <a:ext uri="{FF2B5EF4-FFF2-40B4-BE49-F238E27FC236}">
-                <a16:creationId xmlns:a16="http://schemas.microsoft.com/office/drawing/2014/main" id="{D8F90F38-901A-97CE-0A1A-5D5B1575F054}"/>
-              </a:ext>
-            </a:extLst>
-          </p:cNvPr>
-          <p:cNvPicPr>
-            <a:picLocks noChangeAspect="1"/>
-          </p:cNvPicPr>
-          <p:nvPr/>
-        </p:nvPicPr>
-        <p:blipFill>
-          <a:blip r:embed="rId4"/>
-          <a:stretch>
-            <a:fillRect/>
-          </a:stretch>
-        </p:blipFill>
-        <p:spPr>
-          <a:xfrm>
-            <a:off x="4230707" y="3572389"/>
-            <a:ext cx="1790950" cy="895475"/>
-          </a:xfrm>
-          <a:prstGeom prst="rect">
-            <a:avLst/>
-          </a:prstGeom>
-        </p:spPr>
-      </p:pic>
-      <p:pic>
-        <p:nvPicPr>
-          <p:cNvPr id="10" name="Picture 9">
-            <a:extLst>
-              <a:ext uri="{FF2B5EF4-FFF2-40B4-BE49-F238E27FC236}">
-                <a16:creationId xmlns:a16="http://schemas.microsoft.com/office/drawing/2014/main" id="{13003DD6-379D-E7B8-9CCF-690F66B68F3E}"/>
-              </a:ext>
-            </a:extLst>
-          </p:cNvPr>
-          <p:cNvPicPr>
-            <a:picLocks noChangeAspect="1"/>
-          </p:cNvPicPr>
-          <p:nvPr/>
-        </p:nvPicPr>
-        <p:blipFill>
-          <a:blip r:embed="rId5"/>
-          <a:stretch>
-            <a:fillRect/>
-          </a:stretch>
-        </p:blipFill>
-        <p:spPr>
-          <a:xfrm>
-            <a:off x="10324838" y="3562862"/>
-            <a:ext cx="1810003" cy="914528"/>
-          </a:xfrm>
-          <a:prstGeom prst="rect">
-            <a:avLst/>
-          </a:prstGeom>
-        </p:spPr>
-      </p:pic>
       <mc:AlternateContent xmlns:mc="http://schemas.openxmlformats.org/markup-compatibility/2006" xmlns:p14="http://schemas.microsoft.com/office/powerpoint/2010/main">
         <mc:Choice Requires="p14">
-          <p:contentPart p14:bwMode="auto" r:id="rId6">
+          <p:contentPart p14:bwMode="auto" r:id="rId2">
             <p14:nvContentPartPr>
               <p14:cNvPr id="13" name="Ink 12">
                 <a:extLst>
@@ -6610,12 +5947,132 @@
           </p:pic>
         </mc:Fallback>
       </mc:AlternateContent>
-      <p:sp>
-        <p:nvSpPr>
-          <p:cNvPr id="36" name="TextBox 35">
-            <a:extLst>
-              <a:ext uri="{FF2B5EF4-FFF2-40B4-BE49-F238E27FC236}">
-                <a16:creationId xmlns:a16="http://schemas.microsoft.com/office/drawing/2014/main" id="{14189944-6252-CBEF-F970-E2A60F0C09CE}"/>
+      <p:pic>
+        <p:nvPicPr>
+          <p:cNvPr id="3" name="Picture 2">
+            <a:extLst>
+              <a:ext uri="{FF2B5EF4-FFF2-40B4-BE49-F238E27FC236}">
+                <a16:creationId xmlns:a16="http://schemas.microsoft.com/office/drawing/2014/main" id="{1A8F5267-D5AE-0568-D917-73550D1C471C}"/>
+              </a:ext>
+            </a:extLst>
+          </p:cNvPr>
+          <p:cNvPicPr>
+            <a:picLocks noChangeAspect="1"/>
+          </p:cNvPicPr>
+          <p:nvPr/>
+        </p:nvPicPr>
+        <p:blipFill>
+          <a:blip r:embed="rId22"/>
+          <a:stretch>
+            <a:fillRect/>
+          </a:stretch>
+        </p:blipFill>
+        <p:spPr>
+          <a:xfrm>
+            <a:off x="-1541" y="2551"/>
+            <a:ext cx="6093941" cy="4940386"/>
+          </a:xfrm>
+          <a:prstGeom prst="rect">
+            <a:avLst/>
+          </a:prstGeom>
+        </p:spPr>
+      </p:pic>
+      <p:pic>
+        <p:nvPicPr>
+          <p:cNvPr id="7" name="Picture 6">
+            <a:extLst>
+              <a:ext uri="{FF2B5EF4-FFF2-40B4-BE49-F238E27FC236}">
+                <a16:creationId xmlns:a16="http://schemas.microsoft.com/office/drawing/2014/main" id="{E67FF8C7-370A-39E7-2A06-0353301190D5}"/>
+              </a:ext>
+            </a:extLst>
+          </p:cNvPr>
+          <p:cNvPicPr>
+            <a:picLocks noChangeAspect="1"/>
+          </p:cNvPicPr>
+          <p:nvPr/>
+        </p:nvPicPr>
+        <p:blipFill>
+          <a:blip r:embed="rId23"/>
+          <a:stretch>
+            <a:fillRect/>
+          </a:stretch>
+        </p:blipFill>
+        <p:spPr>
+          <a:xfrm>
+            <a:off x="4198960" y="3585111"/>
+            <a:ext cx="1810003" cy="895475"/>
+          </a:xfrm>
+          <a:prstGeom prst="rect">
+            <a:avLst/>
+          </a:prstGeom>
+        </p:spPr>
+      </p:pic>
+      <p:pic>
+        <p:nvPicPr>
+          <p:cNvPr id="11" name="Picture 10">
+            <a:extLst>
+              <a:ext uri="{FF2B5EF4-FFF2-40B4-BE49-F238E27FC236}">
+                <a16:creationId xmlns:a16="http://schemas.microsoft.com/office/drawing/2014/main" id="{B78FAAF3-15F9-5A08-6FDC-94093F8F268C}"/>
+              </a:ext>
+            </a:extLst>
+          </p:cNvPr>
+          <p:cNvPicPr>
+            <a:picLocks noChangeAspect="1"/>
+          </p:cNvPicPr>
+          <p:nvPr/>
+        </p:nvPicPr>
+        <p:blipFill>
+          <a:blip r:embed="rId24"/>
+          <a:stretch>
+            <a:fillRect/>
+          </a:stretch>
+        </p:blipFill>
+        <p:spPr>
+          <a:xfrm>
+            <a:off x="6092399" y="0"/>
+            <a:ext cx="6107407" cy="4949898"/>
+          </a:xfrm>
+          <a:prstGeom prst="rect">
+            <a:avLst/>
+          </a:prstGeom>
+        </p:spPr>
+      </p:pic>
+      <p:pic>
+        <p:nvPicPr>
+          <p:cNvPr id="19" name="Picture 18">
+            <a:extLst>
+              <a:ext uri="{FF2B5EF4-FFF2-40B4-BE49-F238E27FC236}">
+                <a16:creationId xmlns:a16="http://schemas.microsoft.com/office/drawing/2014/main" id="{FF37E09F-9A12-400E-B174-1D4CD1CBA3A8}"/>
+              </a:ext>
+            </a:extLst>
+          </p:cNvPr>
+          <p:cNvPicPr>
+            <a:picLocks noChangeAspect="1"/>
+          </p:cNvPicPr>
+          <p:nvPr/>
+        </p:nvPicPr>
+        <p:blipFill>
+          <a:blip r:embed="rId25"/>
+          <a:stretch>
+            <a:fillRect/>
+          </a:stretch>
+        </p:blipFill>
+        <p:spPr>
+          <a:xfrm>
+            <a:off x="10363885" y="3544942"/>
+            <a:ext cx="1781424" cy="924054"/>
+          </a:xfrm>
+          <a:prstGeom prst="rect">
+            <a:avLst/>
+          </a:prstGeom>
+        </p:spPr>
+      </p:pic>
+      <p:sp>
+        <p:nvSpPr>
+          <p:cNvPr id="20" name="TextBox 19">
+            <a:extLst>
+              <a:ext uri="{FF2B5EF4-FFF2-40B4-BE49-F238E27FC236}">
+                <a16:creationId xmlns:a16="http://schemas.microsoft.com/office/drawing/2014/main" id="{0C1DB08E-3263-E470-5644-1C5E67A98910}"/>
               </a:ext>
             </a:extLst>
           </p:cNvPr>
@@ -6624,8 +6081,8 @@
         </p:nvSpPr>
         <p:spPr>
           <a:xfrm>
-            <a:off x="368604" y="5166836"/>
-            <a:ext cx="11585165" cy="1477328"/>
+            <a:off x="7603" y="4942937"/>
+            <a:ext cx="12188952" cy="1384995"/>
           </a:xfrm>
           <a:prstGeom prst="rect">
             <a:avLst/>
@@ -6639,12 +6096,13 @@
           <a:lstStyle/>
           <a:p>
             <a:r>
-              <a:rPr lang="en-CA" dirty="0">
+              <a:rPr lang="en-CA" sz="2800" dirty="0">
                 <a:solidFill>
                   <a:schemeClr val="bg1"/>
                 </a:solidFill>
+                <a:latin typeface="+mj-lt"/>
               </a:rPr>
-              <a:t>Here we can see that in the state of California, the average prices of all homes and Condos have more than doubled in the past 10 years. The average prices of all homes and Condos are also worth more compared to other States near the coasts of America. The Linear Regression shows a steady slope making California a great place to invest near the coast, even though our Standard deviation is high due to major discrepancies of unfavorable neighborhoods, the information is good. </a:t>
+              <a:t>In the state of California, we can see that the price of all home types, and condos, have more than doubled in the past ten years. With an R-squared value of .9, our information is reliable.</a:t>
             </a:r>
           </a:p>
         </p:txBody>
@@ -6653,6 +6111,3128 @@
     <p:extLst>
       <p:ext uri="{BB962C8B-B14F-4D97-AF65-F5344CB8AC3E}">
         <p14:creationId xmlns:p14="http://schemas.microsoft.com/office/powerpoint/2010/main" val="3798445693"/>
+      </p:ext>
+    </p:extLst>
+  </p:cSld>
+  <p:clrMapOvr>
+    <a:masterClrMapping/>
+  </p:clrMapOvr>
+</p:sld>
+</file>
+
+<file path=ppt/slides/slide14.xml><?xml version="1.0" encoding="utf-8"?>
+<p:sld xmlns:a="http://schemas.openxmlformats.org/drawingml/2006/main" xmlns:r="http://schemas.openxmlformats.org/officeDocument/2006/relationships" xmlns:p="http://schemas.openxmlformats.org/presentationml/2006/main">
+  <p:cSld>
+    <p:bg>
+      <p:bgPr>
+        <a:solidFill>
+          <a:schemeClr val="bg1"/>
+        </a:solidFill>
+        <a:effectLst/>
+      </p:bgPr>
+    </p:bg>
+    <p:spTree>
+      <p:nvGrpSpPr>
+        <p:cNvPr id="1" name=""/>
+        <p:cNvGrpSpPr/>
+        <p:nvPr/>
+      </p:nvGrpSpPr>
+      <p:grpSpPr>
+        <a:xfrm>
+          <a:off x="0" y="0"/>
+          <a:ext cx="0" cy="0"/>
+          <a:chOff x="0" y="0"/>
+          <a:chExt cx="0" cy="0"/>
+        </a:xfrm>
+      </p:grpSpPr>
+      <p:sp>
+        <p:nvSpPr>
+          <p:cNvPr id="47" name="Rectangle 46">
+            <a:extLst>
+              <a:ext uri="{FF2B5EF4-FFF2-40B4-BE49-F238E27FC236}">
+                <a16:creationId xmlns:a16="http://schemas.microsoft.com/office/drawing/2014/main" id="{FBDCECDC-EEE3-4128-AA5E-82A8C08796E8}"/>
+              </a:ext>
+              <a:ext uri="{C183D7F6-B498-43B3-948B-1728B52AA6E4}">
+                <adec:decorative xmlns:adec="http://schemas.microsoft.com/office/drawing/2017/decorative" val="1"/>
+              </a:ext>
+            </a:extLst>
+          </p:cNvPr>
+          <p:cNvSpPr>
+            <a:spLocks noGrp="1" noRot="1" noChangeAspect="1" noMove="1" noResize="1" noEditPoints="1" noAdjustHandles="1" noChangeArrowheads="1" noChangeShapeType="1" noTextEdit="1"/>
+          </p:cNvSpPr>
+          <p:nvPr>
+            <p:extLst>
+              <p:ext uri="{386F3935-93C4-4BCD-93E2-E3B085C9AB24}">
+                <p16:designElem xmlns:p16="http://schemas.microsoft.com/office/powerpoint/2015/main" val="1"/>
+              </p:ext>
+            </p:extLst>
+          </p:nvPr>
+        </p:nvSpPr>
+        <p:spPr>
+          <a:xfrm>
+            <a:off x="1507" y="0"/>
+            <a:ext cx="12192000" cy="6858000"/>
+          </a:xfrm>
+          <a:prstGeom prst="rect">
+            <a:avLst/>
+          </a:prstGeom>
+          <a:solidFill>
+            <a:schemeClr val="accent1"/>
+          </a:solidFill>
+          <a:ln>
+            <a:noFill/>
+          </a:ln>
+        </p:spPr>
+        <p:style>
+          <a:lnRef idx="2">
+            <a:schemeClr val="accent1">
+              <a:shade val="50000"/>
+            </a:schemeClr>
+          </a:lnRef>
+          <a:fillRef idx="1">
+            <a:schemeClr val="accent1"/>
+          </a:fillRef>
+          <a:effectRef idx="0">
+            <a:schemeClr val="accent1"/>
+          </a:effectRef>
+          <a:fontRef idx="minor">
+            <a:schemeClr val="lt1"/>
+          </a:fontRef>
+        </p:style>
+        <p:txBody>
+          <a:bodyPr rtlCol="0" anchor="ctr"/>
+          <a:lstStyle/>
+          <a:p>
+            <a:pPr marL="0" marR="0" lvl="0" indent="0" algn="ctr" defTabSz="914400" rtl="0" eaLnBrk="1" fontAlgn="auto" latinLnBrk="0" hangingPunct="1">
+              <a:lnSpc>
+                <a:spcPct val="100000"/>
+              </a:lnSpc>
+              <a:spcBef>
+                <a:spcPts val="0"/>
+              </a:spcBef>
+              <a:spcAft>
+                <a:spcPts val="0"/>
+              </a:spcAft>
+              <a:buClrTx/>
+              <a:buSzTx/>
+              <a:buFontTx/>
+              <a:buNone/>
+              <a:tabLst/>
+              <a:defRPr/>
+            </a:pPr>
+            <a:endParaRPr kumimoji="0" lang="en-US" sz="1800" b="0" i="0" u="none" strike="noStrike" kern="1200" cap="none" spc="0" normalizeH="0" baseline="0" noProof="0">
+              <a:ln>
+                <a:noFill/>
+              </a:ln>
+              <a:solidFill>
+                <a:srgbClr val="FFFFFF"/>
+              </a:solidFill>
+              <a:effectLst/>
+              <a:uLnTx/>
+              <a:uFillTx/>
+              <a:latin typeface="Franklin Gothic Book" panose="020F0502020204030204"/>
+              <a:ea typeface="+mn-ea"/>
+              <a:cs typeface="+mn-cs"/>
+            </a:endParaRPr>
+          </a:p>
+        </p:txBody>
+      </p:sp>
+      <p:sp>
+        <p:nvSpPr>
+          <p:cNvPr id="49" name="Rectangle 48">
+            <a:extLst>
+              <a:ext uri="{FF2B5EF4-FFF2-40B4-BE49-F238E27FC236}">
+                <a16:creationId xmlns:a16="http://schemas.microsoft.com/office/drawing/2014/main" id="{4260EDE0-989C-4E16-AF94-F652294D828E}"/>
+              </a:ext>
+              <a:ext uri="{C183D7F6-B498-43B3-948B-1728B52AA6E4}">
+                <adec:decorative xmlns:adec="http://schemas.microsoft.com/office/drawing/2017/decorative" val="1"/>
+              </a:ext>
+            </a:extLst>
+          </p:cNvPr>
+          <p:cNvSpPr>
+            <a:spLocks noGrp="1" noRot="1" noChangeAspect="1" noMove="1" noResize="1" noEditPoints="1" noAdjustHandles="1" noChangeArrowheads="1" noChangeShapeType="1" noTextEdit="1"/>
+          </p:cNvSpPr>
+          <p:nvPr>
+            <p:extLst>
+              <p:ext uri="{386F3935-93C4-4BCD-93E2-E3B085C9AB24}">
+                <p16:designElem xmlns:p16="http://schemas.microsoft.com/office/powerpoint/2015/main" val="1"/>
+              </p:ext>
+            </p:extLst>
+          </p:nvPr>
+        </p:nvSpPr>
+        <p:spPr bwMode="white">
+          <a:xfrm>
+            <a:off x="1507" y="4953000"/>
+            <a:ext cx="12188952" cy="1905000"/>
+          </a:xfrm>
+          <a:prstGeom prst="rect">
+            <a:avLst/>
+          </a:prstGeom>
+          <a:solidFill>
+            <a:srgbClr val="262626"/>
+          </a:solidFill>
+          <a:ln>
+            <a:noFill/>
+          </a:ln>
+        </p:spPr>
+        <p:style>
+          <a:lnRef idx="2">
+            <a:schemeClr val="accent1">
+              <a:shade val="50000"/>
+            </a:schemeClr>
+          </a:lnRef>
+          <a:fillRef idx="1">
+            <a:schemeClr val="accent1"/>
+          </a:fillRef>
+          <a:effectRef idx="0">
+            <a:schemeClr val="accent1"/>
+          </a:effectRef>
+          <a:fontRef idx="minor">
+            <a:schemeClr val="lt1"/>
+          </a:fontRef>
+        </p:style>
+        <p:txBody>
+          <a:bodyPr/>
+          <a:lstStyle/>
+          <a:p>
+            <a:pPr marL="0" marR="0" lvl="0" indent="0" algn="l" defTabSz="914400" rtl="0" eaLnBrk="1" fontAlgn="auto" latinLnBrk="0" hangingPunct="1">
+              <a:lnSpc>
+                <a:spcPct val="100000"/>
+              </a:lnSpc>
+              <a:spcBef>
+                <a:spcPts val="0"/>
+              </a:spcBef>
+              <a:spcAft>
+                <a:spcPts val="0"/>
+              </a:spcAft>
+              <a:buClrTx/>
+              <a:buSzTx/>
+              <a:buFontTx/>
+              <a:buNone/>
+              <a:tabLst/>
+              <a:defRPr/>
+            </a:pPr>
+            <a:endParaRPr kumimoji="0" lang="en-CA" sz="1800" b="0" i="0" u="none" strike="noStrike" kern="1200" cap="none" spc="0" normalizeH="0" baseline="0" noProof="0">
+              <a:ln>
+                <a:noFill/>
+              </a:ln>
+              <a:solidFill>
+                <a:srgbClr val="FFFFFF"/>
+              </a:solidFill>
+              <a:effectLst/>
+              <a:uLnTx/>
+              <a:uFillTx/>
+              <a:latin typeface="Franklin Gothic Book" panose="020F0502020204030204"/>
+              <a:ea typeface="+mn-ea"/>
+              <a:cs typeface="+mn-cs"/>
+            </a:endParaRPr>
+          </a:p>
+        </p:txBody>
+      </p:sp>
+      <p:pic>
+        <p:nvPicPr>
+          <p:cNvPr id="3" name="Picture 2">
+            <a:extLst>
+              <a:ext uri="{FF2B5EF4-FFF2-40B4-BE49-F238E27FC236}">
+                <a16:creationId xmlns:a16="http://schemas.microsoft.com/office/drawing/2014/main" id="{21F8232D-197A-33AC-C2CA-030BEEF6D9D5}"/>
+              </a:ext>
+            </a:extLst>
+          </p:cNvPr>
+          <p:cNvPicPr>
+            <a:picLocks noChangeAspect="1"/>
+          </p:cNvPicPr>
+          <p:nvPr/>
+        </p:nvPicPr>
+        <p:blipFill>
+          <a:blip r:embed="rId2"/>
+          <a:stretch>
+            <a:fillRect/>
+          </a:stretch>
+        </p:blipFill>
+        <p:spPr>
+          <a:xfrm>
+            <a:off x="1" y="0"/>
+            <a:ext cx="6096000" cy="4953000"/>
+          </a:xfrm>
+          <a:prstGeom prst="rect">
+            <a:avLst/>
+          </a:prstGeom>
+        </p:spPr>
+      </p:pic>
+      <p:pic>
+        <p:nvPicPr>
+          <p:cNvPr id="7" name="Picture 6">
+            <a:extLst>
+              <a:ext uri="{FF2B5EF4-FFF2-40B4-BE49-F238E27FC236}">
+                <a16:creationId xmlns:a16="http://schemas.microsoft.com/office/drawing/2014/main" id="{823FDC66-AB83-0715-4610-A845C9EA0157}"/>
+              </a:ext>
+            </a:extLst>
+          </p:cNvPr>
+          <p:cNvPicPr>
+            <a:picLocks noChangeAspect="1"/>
+          </p:cNvPicPr>
+          <p:nvPr/>
+        </p:nvPicPr>
+        <p:blipFill>
+          <a:blip r:embed="rId3"/>
+          <a:stretch>
+            <a:fillRect/>
+          </a:stretch>
+        </p:blipFill>
+        <p:spPr>
+          <a:xfrm>
+            <a:off x="6095999" y="-1"/>
+            <a:ext cx="6094459" cy="4934309"/>
+          </a:xfrm>
+          <a:prstGeom prst="rect">
+            <a:avLst/>
+          </a:prstGeom>
+        </p:spPr>
+      </p:pic>
+      <p:sp>
+        <p:nvSpPr>
+          <p:cNvPr id="9" name="TextBox 8">
+            <a:extLst>
+              <a:ext uri="{FF2B5EF4-FFF2-40B4-BE49-F238E27FC236}">
+                <a16:creationId xmlns:a16="http://schemas.microsoft.com/office/drawing/2014/main" id="{4485B2E6-036D-90AD-C84D-9C20FC17249A}"/>
+              </a:ext>
+            </a:extLst>
+          </p:cNvPr>
+          <p:cNvSpPr txBox="1"/>
+          <p:nvPr/>
+        </p:nvSpPr>
+        <p:spPr>
+          <a:xfrm>
+            <a:off x="0" y="4934308"/>
+            <a:ext cx="12188952" cy="1384995"/>
+          </a:xfrm>
+          <a:prstGeom prst="rect">
+            <a:avLst/>
+          </a:prstGeom>
+          <a:noFill/>
+        </p:spPr>
+        <p:txBody>
+          <a:bodyPr wrap="square" rtlCol="0">
+            <a:spAutoFit/>
+          </a:bodyPr>
+          <a:lstStyle/>
+          <a:p>
+            <a:r>
+              <a:rPr lang="en-CA" sz="2800" dirty="0">
+                <a:solidFill>
+                  <a:schemeClr val="bg1"/>
+                </a:solidFill>
+                <a:latin typeface="+mj-lt"/>
+              </a:rPr>
+              <a:t>In the state of Ohio, we can clearly see that the prices of All home types and Condos have nearly doubled in the last ten years. With an R-squared value of .9, our data is reliable. </a:t>
+            </a:r>
+          </a:p>
+        </p:txBody>
+      </p:sp>
+      <p:pic>
+        <p:nvPicPr>
+          <p:cNvPr id="13" name="Picture 12">
+            <a:extLst>
+              <a:ext uri="{FF2B5EF4-FFF2-40B4-BE49-F238E27FC236}">
+                <a16:creationId xmlns:a16="http://schemas.microsoft.com/office/drawing/2014/main" id="{669DBB50-00D0-C502-0881-000C2D48A57E}"/>
+              </a:ext>
+            </a:extLst>
+          </p:cNvPr>
+          <p:cNvPicPr>
+            <a:picLocks noChangeAspect="1"/>
+          </p:cNvPicPr>
+          <p:nvPr/>
+        </p:nvPicPr>
+        <p:blipFill>
+          <a:blip r:embed="rId4"/>
+          <a:stretch>
+            <a:fillRect/>
+          </a:stretch>
+        </p:blipFill>
+        <p:spPr>
+          <a:xfrm>
+            <a:off x="4228703" y="3531553"/>
+            <a:ext cx="1819529" cy="933580"/>
+          </a:xfrm>
+          <a:prstGeom prst="rect">
+            <a:avLst/>
+          </a:prstGeom>
+        </p:spPr>
+      </p:pic>
+      <p:pic>
+        <p:nvPicPr>
+          <p:cNvPr id="15" name="Picture 14">
+            <a:extLst>
+              <a:ext uri="{FF2B5EF4-FFF2-40B4-BE49-F238E27FC236}">
+                <a16:creationId xmlns:a16="http://schemas.microsoft.com/office/drawing/2014/main" id="{83E3FE0D-2FC2-8223-9AF4-82120A3DAFC4}"/>
+              </a:ext>
+            </a:extLst>
+          </p:cNvPr>
+          <p:cNvPicPr>
+            <a:picLocks noChangeAspect="1"/>
+          </p:cNvPicPr>
+          <p:nvPr/>
+        </p:nvPicPr>
+        <p:blipFill>
+          <a:blip r:embed="rId5"/>
+          <a:stretch>
+            <a:fillRect/>
+          </a:stretch>
+        </p:blipFill>
+        <p:spPr>
+          <a:xfrm>
+            <a:off x="10382938" y="3559232"/>
+            <a:ext cx="1743318" cy="895475"/>
+          </a:xfrm>
+          <a:prstGeom prst="rect">
+            <a:avLst/>
+          </a:prstGeom>
+        </p:spPr>
+      </p:pic>
+    </p:spTree>
+    <p:extLst>
+      <p:ext uri="{BB962C8B-B14F-4D97-AF65-F5344CB8AC3E}">
+        <p14:creationId xmlns:p14="http://schemas.microsoft.com/office/powerpoint/2010/main" val="3535374665"/>
+      </p:ext>
+    </p:extLst>
+  </p:cSld>
+  <p:clrMapOvr>
+    <a:masterClrMapping/>
+  </p:clrMapOvr>
+</p:sld>
+</file>
+
+<file path=ppt/slides/slide15.xml><?xml version="1.0" encoding="utf-8"?>
+<p:sld xmlns:a="http://schemas.openxmlformats.org/drawingml/2006/main" xmlns:r="http://schemas.openxmlformats.org/officeDocument/2006/relationships" xmlns:p="http://schemas.openxmlformats.org/presentationml/2006/main">
+  <p:cSld>
+    <p:bg>
+      <p:bgPr>
+        <a:solidFill>
+          <a:schemeClr val="bg1"/>
+        </a:solidFill>
+        <a:effectLst/>
+      </p:bgPr>
+    </p:bg>
+    <p:spTree>
+      <p:nvGrpSpPr>
+        <p:cNvPr id="1" name=""/>
+        <p:cNvGrpSpPr/>
+        <p:nvPr/>
+      </p:nvGrpSpPr>
+      <p:grpSpPr>
+        <a:xfrm>
+          <a:off x="0" y="0"/>
+          <a:ext cx="0" cy="0"/>
+          <a:chOff x="0" y="0"/>
+          <a:chExt cx="0" cy="0"/>
+        </a:xfrm>
+      </p:grpSpPr>
+      <p:sp>
+        <p:nvSpPr>
+          <p:cNvPr id="47" name="Rectangle 46">
+            <a:extLst>
+              <a:ext uri="{FF2B5EF4-FFF2-40B4-BE49-F238E27FC236}">
+                <a16:creationId xmlns:a16="http://schemas.microsoft.com/office/drawing/2014/main" id="{FBDCECDC-EEE3-4128-AA5E-82A8C08796E8}"/>
+              </a:ext>
+              <a:ext uri="{C183D7F6-B498-43B3-948B-1728B52AA6E4}">
+                <adec:decorative xmlns:adec="http://schemas.microsoft.com/office/drawing/2017/decorative" val="1"/>
+              </a:ext>
+            </a:extLst>
+          </p:cNvPr>
+          <p:cNvSpPr>
+            <a:spLocks noGrp="1" noRot="1" noChangeAspect="1" noMove="1" noResize="1" noEditPoints="1" noAdjustHandles="1" noChangeArrowheads="1" noChangeShapeType="1" noTextEdit="1"/>
+          </p:cNvSpPr>
+          <p:nvPr>
+            <p:extLst>
+              <p:ext uri="{386F3935-93C4-4BCD-93E2-E3B085C9AB24}">
+                <p16:designElem xmlns:p16="http://schemas.microsoft.com/office/powerpoint/2015/main" val="1"/>
+              </p:ext>
+            </p:extLst>
+          </p:nvPr>
+        </p:nvSpPr>
+        <p:spPr>
+          <a:xfrm>
+            <a:off x="1507" y="0"/>
+            <a:ext cx="12192000" cy="6858000"/>
+          </a:xfrm>
+          <a:prstGeom prst="rect">
+            <a:avLst/>
+          </a:prstGeom>
+          <a:solidFill>
+            <a:schemeClr val="accent1"/>
+          </a:solidFill>
+          <a:ln>
+            <a:noFill/>
+          </a:ln>
+        </p:spPr>
+        <p:style>
+          <a:lnRef idx="2">
+            <a:schemeClr val="accent1">
+              <a:shade val="50000"/>
+            </a:schemeClr>
+          </a:lnRef>
+          <a:fillRef idx="1">
+            <a:schemeClr val="accent1"/>
+          </a:fillRef>
+          <a:effectRef idx="0">
+            <a:schemeClr val="accent1"/>
+          </a:effectRef>
+          <a:fontRef idx="minor">
+            <a:schemeClr val="lt1"/>
+          </a:fontRef>
+        </p:style>
+        <p:txBody>
+          <a:bodyPr rtlCol="0" anchor="ctr"/>
+          <a:lstStyle/>
+          <a:p>
+            <a:pPr marL="0" marR="0" lvl="0" indent="0" algn="ctr" defTabSz="914400" rtl="0" eaLnBrk="1" fontAlgn="auto" latinLnBrk="0" hangingPunct="1">
+              <a:lnSpc>
+                <a:spcPct val="100000"/>
+              </a:lnSpc>
+              <a:spcBef>
+                <a:spcPts val="0"/>
+              </a:spcBef>
+              <a:spcAft>
+                <a:spcPts val="0"/>
+              </a:spcAft>
+              <a:buClrTx/>
+              <a:buSzTx/>
+              <a:buFontTx/>
+              <a:buNone/>
+              <a:tabLst/>
+              <a:defRPr/>
+            </a:pPr>
+            <a:endParaRPr kumimoji="0" lang="en-US" sz="1800" b="0" i="0" u="none" strike="noStrike" kern="1200" cap="none" spc="0" normalizeH="0" baseline="0" noProof="0">
+              <a:ln>
+                <a:noFill/>
+              </a:ln>
+              <a:solidFill>
+                <a:srgbClr val="FFFFFF"/>
+              </a:solidFill>
+              <a:effectLst/>
+              <a:uLnTx/>
+              <a:uFillTx/>
+              <a:latin typeface="Franklin Gothic Book" panose="020F0502020204030204"/>
+              <a:ea typeface="+mn-ea"/>
+              <a:cs typeface="+mn-cs"/>
+            </a:endParaRPr>
+          </a:p>
+        </p:txBody>
+      </p:sp>
+      <p:sp>
+        <p:nvSpPr>
+          <p:cNvPr id="49" name="Rectangle 48">
+            <a:extLst>
+              <a:ext uri="{FF2B5EF4-FFF2-40B4-BE49-F238E27FC236}">
+                <a16:creationId xmlns:a16="http://schemas.microsoft.com/office/drawing/2014/main" id="{4260EDE0-989C-4E16-AF94-F652294D828E}"/>
+              </a:ext>
+              <a:ext uri="{C183D7F6-B498-43B3-948B-1728B52AA6E4}">
+                <adec:decorative xmlns:adec="http://schemas.microsoft.com/office/drawing/2017/decorative" val="1"/>
+              </a:ext>
+            </a:extLst>
+          </p:cNvPr>
+          <p:cNvSpPr>
+            <a:spLocks noGrp="1" noRot="1" noChangeAspect="1" noMove="1" noResize="1" noEditPoints="1" noAdjustHandles="1" noChangeArrowheads="1" noChangeShapeType="1" noTextEdit="1"/>
+          </p:cNvSpPr>
+          <p:nvPr>
+            <p:extLst>
+              <p:ext uri="{386F3935-93C4-4BCD-93E2-E3B085C9AB24}">
+                <p16:designElem xmlns:p16="http://schemas.microsoft.com/office/powerpoint/2015/main" val="1"/>
+              </p:ext>
+            </p:extLst>
+          </p:nvPr>
+        </p:nvSpPr>
+        <p:spPr bwMode="white">
+          <a:xfrm>
+            <a:off x="1507" y="4953000"/>
+            <a:ext cx="12188952" cy="1905000"/>
+          </a:xfrm>
+          <a:prstGeom prst="rect">
+            <a:avLst/>
+          </a:prstGeom>
+          <a:solidFill>
+            <a:srgbClr val="262626"/>
+          </a:solidFill>
+          <a:ln>
+            <a:noFill/>
+          </a:ln>
+        </p:spPr>
+        <p:style>
+          <a:lnRef idx="2">
+            <a:schemeClr val="accent1">
+              <a:shade val="50000"/>
+            </a:schemeClr>
+          </a:lnRef>
+          <a:fillRef idx="1">
+            <a:schemeClr val="accent1"/>
+          </a:fillRef>
+          <a:effectRef idx="0">
+            <a:schemeClr val="accent1"/>
+          </a:effectRef>
+          <a:fontRef idx="minor">
+            <a:schemeClr val="lt1"/>
+          </a:fontRef>
+        </p:style>
+        <p:txBody>
+          <a:bodyPr/>
+          <a:lstStyle/>
+          <a:p>
+            <a:pPr marL="0" marR="0" lvl="0" indent="0" algn="l" defTabSz="914400" rtl="0" eaLnBrk="1" fontAlgn="auto" latinLnBrk="0" hangingPunct="1">
+              <a:lnSpc>
+                <a:spcPct val="100000"/>
+              </a:lnSpc>
+              <a:spcBef>
+                <a:spcPts val="0"/>
+              </a:spcBef>
+              <a:spcAft>
+                <a:spcPts val="0"/>
+              </a:spcAft>
+              <a:buClrTx/>
+              <a:buSzTx/>
+              <a:buFontTx/>
+              <a:buNone/>
+              <a:tabLst/>
+              <a:defRPr/>
+            </a:pPr>
+            <a:endParaRPr kumimoji="0" lang="en-CA" sz="1800" b="0" i="0" u="none" strike="noStrike" kern="1200" cap="none" spc="0" normalizeH="0" baseline="0" noProof="0">
+              <a:ln>
+                <a:noFill/>
+              </a:ln>
+              <a:solidFill>
+                <a:srgbClr val="FFFFFF"/>
+              </a:solidFill>
+              <a:effectLst/>
+              <a:uLnTx/>
+              <a:uFillTx/>
+              <a:latin typeface="Franklin Gothic Book" panose="020F0502020204030204"/>
+              <a:ea typeface="+mn-ea"/>
+              <a:cs typeface="+mn-cs"/>
+            </a:endParaRPr>
+          </a:p>
+        </p:txBody>
+      </p:sp>
+      <p:pic>
+        <p:nvPicPr>
+          <p:cNvPr id="3" name="Picture 2">
+            <a:extLst>
+              <a:ext uri="{FF2B5EF4-FFF2-40B4-BE49-F238E27FC236}">
+                <a16:creationId xmlns:a16="http://schemas.microsoft.com/office/drawing/2014/main" id="{DCDAC923-CA1D-E165-F10E-3E4CD9DCB7B1}"/>
+              </a:ext>
+            </a:extLst>
+          </p:cNvPr>
+          <p:cNvPicPr>
+            <a:picLocks noChangeAspect="1"/>
+          </p:cNvPicPr>
+          <p:nvPr/>
+        </p:nvPicPr>
+        <p:blipFill>
+          <a:blip r:embed="rId2"/>
+          <a:stretch>
+            <a:fillRect/>
+          </a:stretch>
+        </p:blipFill>
+        <p:spPr>
+          <a:xfrm>
+            <a:off x="1" y="0"/>
+            <a:ext cx="6096000" cy="4953000"/>
+          </a:xfrm>
+          <a:prstGeom prst="rect">
+            <a:avLst/>
+          </a:prstGeom>
+        </p:spPr>
+      </p:pic>
+      <p:pic>
+        <p:nvPicPr>
+          <p:cNvPr id="7" name="Picture 6">
+            <a:extLst>
+              <a:ext uri="{FF2B5EF4-FFF2-40B4-BE49-F238E27FC236}">
+                <a16:creationId xmlns:a16="http://schemas.microsoft.com/office/drawing/2014/main" id="{FE73A1D0-F5E4-7F42-C031-668CEC64802D}"/>
+              </a:ext>
+            </a:extLst>
+          </p:cNvPr>
+          <p:cNvPicPr>
+            <a:picLocks noChangeAspect="1"/>
+          </p:cNvPicPr>
+          <p:nvPr/>
+        </p:nvPicPr>
+        <p:blipFill>
+          <a:blip r:embed="rId3"/>
+          <a:stretch>
+            <a:fillRect/>
+          </a:stretch>
+        </p:blipFill>
+        <p:spPr>
+          <a:xfrm>
+            <a:off x="4269772" y="3611890"/>
+            <a:ext cx="1771897" cy="876422"/>
+          </a:xfrm>
+          <a:prstGeom prst="rect">
+            <a:avLst/>
+          </a:prstGeom>
+        </p:spPr>
+      </p:pic>
+      <p:pic>
+        <p:nvPicPr>
+          <p:cNvPr id="12" name="Picture 11">
+            <a:extLst>
+              <a:ext uri="{FF2B5EF4-FFF2-40B4-BE49-F238E27FC236}">
+                <a16:creationId xmlns:a16="http://schemas.microsoft.com/office/drawing/2014/main" id="{1CC672DE-0185-872D-BF2F-FE3B7F2CF751}"/>
+              </a:ext>
+            </a:extLst>
+          </p:cNvPr>
+          <p:cNvPicPr>
+            <a:picLocks noChangeAspect="1"/>
+          </p:cNvPicPr>
+          <p:nvPr/>
+        </p:nvPicPr>
+        <p:blipFill>
+          <a:blip r:embed="rId4"/>
+          <a:stretch>
+            <a:fillRect/>
+          </a:stretch>
+        </p:blipFill>
+        <p:spPr>
+          <a:xfrm>
+            <a:off x="6096000" y="0"/>
+            <a:ext cx="6096000" cy="4968815"/>
+          </a:xfrm>
+          <a:prstGeom prst="rect">
+            <a:avLst/>
+          </a:prstGeom>
+        </p:spPr>
+      </p:pic>
+      <p:pic>
+        <p:nvPicPr>
+          <p:cNvPr id="14" name="Picture 13">
+            <a:extLst>
+              <a:ext uri="{FF2B5EF4-FFF2-40B4-BE49-F238E27FC236}">
+                <a16:creationId xmlns:a16="http://schemas.microsoft.com/office/drawing/2014/main" id="{B6363FE7-4362-F599-7FDF-AA9F3B6742CF}"/>
+              </a:ext>
+            </a:extLst>
+          </p:cNvPr>
+          <p:cNvPicPr>
+            <a:picLocks noChangeAspect="1"/>
+          </p:cNvPicPr>
+          <p:nvPr/>
+        </p:nvPicPr>
+        <p:blipFill>
+          <a:blip r:embed="rId5"/>
+          <a:stretch>
+            <a:fillRect/>
+          </a:stretch>
+        </p:blipFill>
+        <p:spPr>
+          <a:xfrm>
+            <a:off x="10396327" y="3571721"/>
+            <a:ext cx="1733792" cy="905001"/>
+          </a:xfrm>
+          <a:prstGeom prst="rect">
+            <a:avLst/>
+          </a:prstGeom>
+        </p:spPr>
+      </p:pic>
+      <p:sp>
+        <p:nvSpPr>
+          <p:cNvPr id="15" name="TextBox 14">
+            <a:extLst>
+              <a:ext uri="{FF2B5EF4-FFF2-40B4-BE49-F238E27FC236}">
+                <a16:creationId xmlns:a16="http://schemas.microsoft.com/office/drawing/2014/main" id="{8B6B066B-C4C7-8300-03C4-6DE18727E73D}"/>
+              </a:ext>
+            </a:extLst>
+          </p:cNvPr>
+          <p:cNvSpPr txBox="1"/>
+          <p:nvPr/>
+        </p:nvSpPr>
+        <p:spPr>
+          <a:xfrm>
+            <a:off x="0" y="4953000"/>
+            <a:ext cx="12188952" cy="1384995"/>
+          </a:xfrm>
+          <a:prstGeom prst="rect">
+            <a:avLst/>
+          </a:prstGeom>
+          <a:noFill/>
+        </p:spPr>
+        <p:txBody>
+          <a:bodyPr wrap="square" rtlCol="0">
+            <a:spAutoFit/>
+          </a:bodyPr>
+          <a:lstStyle/>
+          <a:p>
+            <a:r>
+              <a:rPr lang="en-CA" sz="2800" dirty="0">
+                <a:solidFill>
+                  <a:schemeClr val="bg1"/>
+                </a:solidFill>
+                <a:latin typeface="+mj-lt"/>
+              </a:rPr>
+              <a:t>In the state of Illinois, we can clearly observe that the prices of All home types and Condos have nearly doubled in the past ten years. With an R-squared value of .9, we know our data is reliable. </a:t>
+            </a:r>
+          </a:p>
+        </p:txBody>
+      </p:sp>
+    </p:spTree>
+    <p:extLst>
+      <p:ext uri="{BB962C8B-B14F-4D97-AF65-F5344CB8AC3E}">
+        <p14:creationId xmlns:p14="http://schemas.microsoft.com/office/powerpoint/2010/main" val="20729905"/>
+      </p:ext>
+    </p:extLst>
+  </p:cSld>
+  <p:clrMapOvr>
+    <a:masterClrMapping/>
+  </p:clrMapOvr>
+</p:sld>
+</file>
+
+<file path=ppt/slides/slide16.xml><?xml version="1.0" encoding="utf-8"?>
+<p:sld xmlns:a="http://schemas.openxmlformats.org/drawingml/2006/main" xmlns:r="http://schemas.openxmlformats.org/officeDocument/2006/relationships" xmlns:p="http://schemas.openxmlformats.org/presentationml/2006/main">
+  <p:cSld>
+    <p:bg>
+      <p:bgPr>
+        <a:solidFill>
+          <a:schemeClr val="bg1"/>
+        </a:solidFill>
+        <a:effectLst/>
+      </p:bgPr>
+    </p:bg>
+    <p:spTree>
+      <p:nvGrpSpPr>
+        <p:cNvPr id="1" name=""/>
+        <p:cNvGrpSpPr/>
+        <p:nvPr/>
+      </p:nvGrpSpPr>
+      <p:grpSpPr>
+        <a:xfrm>
+          <a:off x="0" y="0"/>
+          <a:ext cx="0" cy="0"/>
+          <a:chOff x="0" y="0"/>
+          <a:chExt cx="0" cy="0"/>
+        </a:xfrm>
+      </p:grpSpPr>
+      <p:sp>
+        <p:nvSpPr>
+          <p:cNvPr id="47" name="Rectangle 46">
+            <a:extLst>
+              <a:ext uri="{FF2B5EF4-FFF2-40B4-BE49-F238E27FC236}">
+                <a16:creationId xmlns:a16="http://schemas.microsoft.com/office/drawing/2014/main" id="{FBDCECDC-EEE3-4128-AA5E-82A8C08796E8}"/>
+              </a:ext>
+              <a:ext uri="{C183D7F6-B498-43B3-948B-1728B52AA6E4}">
+                <adec:decorative xmlns:adec="http://schemas.microsoft.com/office/drawing/2017/decorative" val="1"/>
+              </a:ext>
+            </a:extLst>
+          </p:cNvPr>
+          <p:cNvSpPr>
+            <a:spLocks noGrp="1" noRot="1" noChangeAspect="1" noMove="1" noResize="1" noEditPoints="1" noAdjustHandles="1" noChangeArrowheads="1" noChangeShapeType="1" noTextEdit="1"/>
+          </p:cNvSpPr>
+          <p:nvPr>
+            <p:extLst>
+              <p:ext uri="{386F3935-93C4-4BCD-93E2-E3B085C9AB24}">
+                <p16:designElem xmlns:p16="http://schemas.microsoft.com/office/powerpoint/2015/main" val="1"/>
+              </p:ext>
+            </p:extLst>
+          </p:nvPr>
+        </p:nvSpPr>
+        <p:spPr>
+          <a:xfrm>
+            <a:off x="1507" y="0"/>
+            <a:ext cx="12192000" cy="6858000"/>
+          </a:xfrm>
+          <a:prstGeom prst="rect">
+            <a:avLst/>
+          </a:prstGeom>
+          <a:solidFill>
+            <a:schemeClr val="accent1"/>
+          </a:solidFill>
+          <a:ln>
+            <a:noFill/>
+          </a:ln>
+        </p:spPr>
+        <p:style>
+          <a:lnRef idx="2">
+            <a:schemeClr val="accent1">
+              <a:shade val="50000"/>
+            </a:schemeClr>
+          </a:lnRef>
+          <a:fillRef idx="1">
+            <a:schemeClr val="accent1"/>
+          </a:fillRef>
+          <a:effectRef idx="0">
+            <a:schemeClr val="accent1"/>
+          </a:effectRef>
+          <a:fontRef idx="minor">
+            <a:schemeClr val="lt1"/>
+          </a:fontRef>
+        </p:style>
+        <p:txBody>
+          <a:bodyPr rtlCol="0" anchor="ctr"/>
+          <a:lstStyle/>
+          <a:p>
+            <a:pPr marL="0" marR="0" lvl="0" indent="0" algn="ctr" defTabSz="914400" rtl="0" eaLnBrk="1" fontAlgn="auto" latinLnBrk="0" hangingPunct="1">
+              <a:lnSpc>
+                <a:spcPct val="100000"/>
+              </a:lnSpc>
+              <a:spcBef>
+                <a:spcPts val="0"/>
+              </a:spcBef>
+              <a:spcAft>
+                <a:spcPts val="0"/>
+              </a:spcAft>
+              <a:buClrTx/>
+              <a:buSzTx/>
+              <a:buFontTx/>
+              <a:buNone/>
+              <a:tabLst/>
+              <a:defRPr/>
+            </a:pPr>
+            <a:endParaRPr kumimoji="0" lang="en-US" sz="1800" b="0" i="0" u="none" strike="noStrike" kern="1200" cap="none" spc="0" normalizeH="0" baseline="0" noProof="0">
+              <a:ln>
+                <a:noFill/>
+              </a:ln>
+              <a:solidFill>
+                <a:srgbClr val="FFFFFF"/>
+              </a:solidFill>
+              <a:effectLst/>
+              <a:uLnTx/>
+              <a:uFillTx/>
+              <a:latin typeface="Franklin Gothic Book" panose="020F0502020204030204"/>
+              <a:ea typeface="+mn-ea"/>
+              <a:cs typeface="+mn-cs"/>
+            </a:endParaRPr>
+          </a:p>
+        </p:txBody>
+      </p:sp>
+      <p:sp>
+        <p:nvSpPr>
+          <p:cNvPr id="2" name="Title 1">
+            <a:extLst>
+              <a:ext uri="{FF2B5EF4-FFF2-40B4-BE49-F238E27FC236}">
+                <a16:creationId xmlns:a16="http://schemas.microsoft.com/office/drawing/2014/main" id="{9AB2EA78-AEB3-469B-9025-3B17201A457B}"/>
+              </a:ext>
+            </a:extLst>
+          </p:cNvPr>
+          <p:cNvSpPr>
+            <a:spLocks noGrp="1"/>
+          </p:cNvSpPr>
+          <p:nvPr>
+            <p:ph type="ctrTitle"/>
+          </p:nvPr>
+        </p:nvSpPr>
+        <p:spPr>
+          <a:xfrm>
+            <a:off x="467247" y="362266"/>
+            <a:ext cx="11257472" cy="4399516"/>
+          </a:xfrm>
+        </p:spPr>
+        <p:txBody>
+          <a:bodyPr anchor="ctr">
+            <a:normAutofit fontScale="90000"/>
+          </a:bodyPr>
+          <a:lstStyle/>
+          <a:p>
+            <a:pPr lvl="0"/>
+            <a:r>
+              <a:rPr lang="en-US" sz="4800" i="1" dirty="0">
+                <a:solidFill>
+                  <a:schemeClr val="tx1"/>
+                </a:solidFill>
+              </a:rPr>
+              <a:t>After looking at all the data, we’ve come to the conclusion that the state of California has the highest Value, and greatest Linear  Regression slope of property value increase in the last ten years, making it the ideal state to invest in Real Estate for our clients Freight Shipping interests. </a:t>
+            </a:r>
+            <a:br>
+              <a:rPr lang="en-US" sz="4800" i="1" dirty="0">
+                <a:solidFill>
+                  <a:srgbClr val="FFFFFF"/>
+                </a:solidFill>
+              </a:rPr>
+            </a:br>
+            <a:r>
+              <a:rPr lang="en-US" sz="4800" i="1" dirty="0">
+                <a:solidFill>
+                  <a:srgbClr val="FFFFFF"/>
+                </a:solidFill>
+              </a:rPr>
+              <a:t> </a:t>
+            </a:r>
+          </a:p>
+        </p:txBody>
+      </p:sp>
+      <p:sp>
+        <p:nvSpPr>
+          <p:cNvPr id="49" name="Rectangle 48">
+            <a:extLst>
+              <a:ext uri="{FF2B5EF4-FFF2-40B4-BE49-F238E27FC236}">
+                <a16:creationId xmlns:a16="http://schemas.microsoft.com/office/drawing/2014/main" id="{4260EDE0-989C-4E16-AF94-F652294D828E}"/>
+              </a:ext>
+              <a:ext uri="{C183D7F6-B498-43B3-948B-1728B52AA6E4}">
+                <adec:decorative xmlns:adec="http://schemas.microsoft.com/office/drawing/2017/decorative" val="1"/>
+              </a:ext>
+            </a:extLst>
+          </p:cNvPr>
+          <p:cNvSpPr>
+            <a:spLocks noGrp="1" noRot="1" noChangeAspect="1" noMove="1" noResize="1" noEditPoints="1" noAdjustHandles="1" noChangeArrowheads="1" noChangeShapeType="1" noTextEdit="1"/>
+          </p:cNvSpPr>
+          <p:nvPr>
+            <p:extLst>
+              <p:ext uri="{386F3935-93C4-4BCD-93E2-E3B085C9AB24}">
+                <p16:designElem xmlns:p16="http://schemas.microsoft.com/office/powerpoint/2015/main" val="1"/>
+              </p:ext>
+            </p:extLst>
+          </p:nvPr>
+        </p:nvSpPr>
+        <p:spPr bwMode="white">
+          <a:xfrm>
+            <a:off x="1507" y="4953000"/>
+            <a:ext cx="12188952" cy="1905000"/>
+          </a:xfrm>
+          <a:prstGeom prst="rect">
+            <a:avLst/>
+          </a:prstGeom>
+          <a:solidFill>
+            <a:srgbClr val="262626"/>
+          </a:solidFill>
+          <a:ln>
+            <a:noFill/>
+          </a:ln>
+        </p:spPr>
+        <p:style>
+          <a:lnRef idx="2">
+            <a:schemeClr val="accent1">
+              <a:shade val="50000"/>
+            </a:schemeClr>
+          </a:lnRef>
+          <a:fillRef idx="1">
+            <a:schemeClr val="accent1"/>
+          </a:fillRef>
+          <a:effectRef idx="0">
+            <a:schemeClr val="accent1"/>
+          </a:effectRef>
+          <a:fontRef idx="minor">
+            <a:schemeClr val="lt1"/>
+          </a:fontRef>
+        </p:style>
+        <p:txBody>
+          <a:bodyPr/>
+          <a:lstStyle/>
+          <a:p>
+            <a:pPr marL="0" marR="0" lvl="0" indent="0" algn="l" defTabSz="914400" rtl="0" eaLnBrk="1" fontAlgn="auto" latinLnBrk="0" hangingPunct="1">
+              <a:lnSpc>
+                <a:spcPct val="100000"/>
+              </a:lnSpc>
+              <a:spcBef>
+                <a:spcPts val="0"/>
+              </a:spcBef>
+              <a:spcAft>
+                <a:spcPts val="0"/>
+              </a:spcAft>
+              <a:buClrTx/>
+              <a:buSzTx/>
+              <a:buFontTx/>
+              <a:buNone/>
+              <a:tabLst/>
+              <a:defRPr/>
+            </a:pPr>
+            <a:endParaRPr kumimoji="0" lang="en-CA" sz="1800" b="0" i="0" u="none" strike="noStrike" kern="1200" cap="none" spc="0" normalizeH="0" baseline="0" noProof="0">
+              <a:ln>
+                <a:noFill/>
+              </a:ln>
+              <a:solidFill>
+                <a:srgbClr val="FFFFFF"/>
+              </a:solidFill>
+              <a:effectLst/>
+              <a:uLnTx/>
+              <a:uFillTx/>
+              <a:latin typeface="Franklin Gothic Book" panose="020F0502020204030204"/>
+              <a:ea typeface="+mn-ea"/>
+              <a:cs typeface="+mn-cs"/>
+            </a:endParaRPr>
+          </a:p>
+        </p:txBody>
+      </p:sp>
+    </p:spTree>
+    <p:extLst>
+      <p:ext uri="{BB962C8B-B14F-4D97-AF65-F5344CB8AC3E}">
+        <p14:creationId xmlns:p14="http://schemas.microsoft.com/office/powerpoint/2010/main" val="3494091059"/>
+      </p:ext>
+    </p:extLst>
+  </p:cSld>
+  <p:clrMapOvr>
+    <a:masterClrMapping/>
+  </p:clrMapOvr>
+</p:sld>
+</file>
+
+<file path=ppt/slides/slide17.xml><?xml version="1.0" encoding="utf-8"?>
+<p:sld xmlns:a="http://schemas.openxmlformats.org/drawingml/2006/main" xmlns:r="http://schemas.openxmlformats.org/officeDocument/2006/relationships" xmlns:p="http://schemas.openxmlformats.org/presentationml/2006/main">
+  <p:cSld>
+    <p:bg>
+      <p:bgPr>
+        <a:solidFill>
+          <a:schemeClr val="bg1"/>
+        </a:solidFill>
+        <a:effectLst/>
+      </p:bgPr>
+    </p:bg>
+    <p:spTree>
+      <p:nvGrpSpPr>
+        <p:cNvPr id="1" name=""/>
+        <p:cNvGrpSpPr/>
+        <p:nvPr/>
+      </p:nvGrpSpPr>
+      <p:grpSpPr>
+        <a:xfrm>
+          <a:off x="0" y="0"/>
+          <a:ext cx="0" cy="0"/>
+          <a:chOff x="0" y="0"/>
+          <a:chExt cx="0" cy="0"/>
+        </a:xfrm>
+      </p:grpSpPr>
+      <p:sp>
+        <p:nvSpPr>
+          <p:cNvPr id="47" name="Rectangle 46">
+            <a:extLst>
+              <a:ext uri="{FF2B5EF4-FFF2-40B4-BE49-F238E27FC236}">
+                <a16:creationId xmlns:a16="http://schemas.microsoft.com/office/drawing/2014/main" id="{FBDCECDC-EEE3-4128-AA5E-82A8C08796E8}"/>
+              </a:ext>
+              <a:ext uri="{C183D7F6-B498-43B3-948B-1728B52AA6E4}">
+                <adec:decorative xmlns:adec="http://schemas.microsoft.com/office/drawing/2017/decorative" val="1"/>
+              </a:ext>
+            </a:extLst>
+          </p:cNvPr>
+          <p:cNvSpPr>
+            <a:spLocks noGrp="1" noRot="1" noChangeAspect="1" noMove="1" noResize="1" noEditPoints="1" noAdjustHandles="1" noChangeArrowheads="1" noChangeShapeType="1" noTextEdit="1"/>
+          </p:cNvSpPr>
+          <p:nvPr>
+            <p:extLst>
+              <p:ext uri="{386F3935-93C4-4BCD-93E2-E3B085C9AB24}">
+                <p16:designElem xmlns:p16="http://schemas.microsoft.com/office/powerpoint/2015/main" val="1"/>
+              </p:ext>
+            </p:extLst>
+          </p:nvPr>
+        </p:nvSpPr>
+        <p:spPr>
+          <a:xfrm>
+            <a:off x="1507" y="0"/>
+            <a:ext cx="12192000" cy="6858000"/>
+          </a:xfrm>
+          <a:prstGeom prst="rect">
+            <a:avLst/>
+          </a:prstGeom>
+          <a:solidFill>
+            <a:schemeClr val="accent1"/>
+          </a:solidFill>
+          <a:ln>
+            <a:noFill/>
+          </a:ln>
+        </p:spPr>
+        <p:style>
+          <a:lnRef idx="2">
+            <a:schemeClr val="accent1">
+              <a:shade val="50000"/>
+            </a:schemeClr>
+          </a:lnRef>
+          <a:fillRef idx="1">
+            <a:schemeClr val="accent1"/>
+          </a:fillRef>
+          <a:effectRef idx="0">
+            <a:schemeClr val="accent1"/>
+          </a:effectRef>
+          <a:fontRef idx="minor">
+            <a:schemeClr val="lt1"/>
+          </a:fontRef>
+        </p:style>
+        <p:txBody>
+          <a:bodyPr rtlCol="0" anchor="ctr"/>
+          <a:lstStyle/>
+          <a:p>
+            <a:pPr marL="0" marR="0" lvl="0" indent="0" algn="ctr" defTabSz="914400" rtl="0" eaLnBrk="1" fontAlgn="auto" latinLnBrk="0" hangingPunct="1">
+              <a:lnSpc>
+                <a:spcPct val="100000"/>
+              </a:lnSpc>
+              <a:spcBef>
+                <a:spcPts val="0"/>
+              </a:spcBef>
+              <a:spcAft>
+                <a:spcPts val="0"/>
+              </a:spcAft>
+              <a:buClrTx/>
+              <a:buSzTx/>
+              <a:buFontTx/>
+              <a:buNone/>
+              <a:tabLst/>
+              <a:defRPr/>
+            </a:pPr>
+            <a:endParaRPr kumimoji="0" lang="en-US" sz="1800" b="0" i="0" u="none" strike="noStrike" kern="1200" cap="none" spc="0" normalizeH="0" baseline="0" noProof="0">
+              <a:ln>
+                <a:noFill/>
+              </a:ln>
+              <a:solidFill>
+                <a:srgbClr val="FFFFFF"/>
+              </a:solidFill>
+              <a:effectLst/>
+              <a:uLnTx/>
+              <a:uFillTx/>
+              <a:latin typeface="Franklin Gothic Book" panose="020F0502020204030204"/>
+              <a:ea typeface="+mn-ea"/>
+              <a:cs typeface="+mn-cs"/>
+            </a:endParaRPr>
+          </a:p>
+        </p:txBody>
+      </p:sp>
+      <p:sp>
+        <p:nvSpPr>
+          <p:cNvPr id="2" name="Title 1">
+            <a:extLst>
+              <a:ext uri="{FF2B5EF4-FFF2-40B4-BE49-F238E27FC236}">
+                <a16:creationId xmlns:a16="http://schemas.microsoft.com/office/drawing/2014/main" id="{9AB2EA78-AEB3-469B-9025-3B17201A457B}"/>
+              </a:ext>
+            </a:extLst>
+          </p:cNvPr>
+          <p:cNvSpPr>
+            <a:spLocks noGrp="1"/>
+          </p:cNvSpPr>
+          <p:nvPr>
+            <p:ph type="ctrTitle"/>
+          </p:nvPr>
+        </p:nvSpPr>
+        <p:spPr>
+          <a:xfrm>
+            <a:off x="467247" y="553484"/>
+            <a:ext cx="11257472" cy="4399516"/>
+          </a:xfrm>
+        </p:spPr>
+        <p:txBody>
+          <a:bodyPr anchor="ctr">
+            <a:normAutofit fontScale="90000"/>
+          </a:bodyPr>
+          <a:lstStyle/>
+          <a:p>
+            <a:pPr lvl="0"/>
+            <a:r>
+              <a:rPr lang="en-US" sz="4800" i="1" dirty="0">
+                <a:solidFill>
+                  <a:schemeClr val="tx1"/>
+                </a:solidFill>
+              </a:rPr>
+              <a:t>Our client has never been happier, so much so that they have stated they would like to move their family to the States. They have asked us to explore the top two safest States and inform them which would be the better investment. We’ve deduced that Maine and New Hampshire are the top two safest States.</a:t>
+            </a:r>
+            <a:br>
+              <a:rPr lang="en-US" sz="4800" i="1" dirty="0">
+                <a:solidFill>
+                  <a:srgbClr val="FFFFFF"/>
+                </a:solidFill>
+              </a:rPr>
+            </a:br>
+            <a:r>
+              <a:rPr lang="en-US" sz="4800" i="1" dirty="0">
+                <a:solidFill>
+                  <a:srgbClr val="FFFFFF"/>
+                </a:solidFill>
+              </a:rPr>
+              <a:t> </a:t>
+            </a:r>
+          </a:p>
+        </p:txBody>
+      </p:sp>
+      <p:sp>
+        <p:nvSpPr>
+          <p:cNvPr id="49" name="Rectangle 48">
+            <a:extLst>
+              <a:ext uri="{FF2B5EF4-FFF2-40B4-BE49-F238E27FC236}">
+                <a16:creationId xmlns:a16="http://schemas.microsoft.com/office/drawing/2014/main" id="{4260EDE0-989C-4E16-AF94-F652294D828E}"/>
+              </a:ext>
+              <a:ext uri="{C183D7F6-B498-43B3-948B-1728B52AA6E4}">
+                <adec:decorative xmlns:adec="http://schemas.microsoft.com/office/drawing/2017/decorative" val="1"/>
+              </a:ext>
+            </a:extLst>
+          </p:cNvPr>
+          <p:cNvSpPr>
+            <a:spLocks noGrp="1" noRot="1" noChangeAspect="1" noMove="1" noResize="1" noEditPoints="1" noAdjustHandles="1" noChangeArrowheads="1" noChangeShapeType="1" noTextEdit="1"/>
+          </p:cNvSpPr>
+          <p:nvPr>
+            <p:extLst>
+              <p:ext uri="{386F3935-93C4-4BCD-93E2-E3B085C9AB24}">
+                <p16:designElem xmlns:p16="http://schemas.microsoft.com/office/powerpoint/2015/main" val="1"/>
+              </p:ext>
+            </p:extLst>
+          </p:nvPr>
+        </p:nvSpPr>
+        <p:spPr bwMode="white">
+          <a:xfrm>
+            <a:off x="1507" y="4953000"/>
+            <a:ext cx="12188952" cy="1905000"/>
+          </a:xfrm>
+          <a:prstGeom prst="rect">
+            <a:avLst/>
+          </a:prstGeom>
+          <a:solidFill>
+            <a:srgbClr val="262626"/>
+          </a:solidFill>
+          <a:ln>
+            <a:noFill/>
+          </a:ln>
+        </p:spPr>
+        <p:style>
+          <a:lnRef idx="2">
+            <a:schemeClr val="accent1">
+              <a:shade val="50000"/>
+            </a:schemeClr>
+          </a:lnRef>
+          <a:fillRef idx="1">
+            <a:schemeClr val="accent1"/>
+          </a:fillRef>
+          <a:effectRef idx="0">
+            <a:schemeClr val="accent1"/>
+          </a:effectRef>
+          <a:fontRef idx="minor">
+            <a:schemeClr val="lt1"/>
+          </a:fontRef>
+        </p:style>
+        <p:txBody>
+          <a:bodyPr/>
+          <a:lstStyle/>
+          <a:p>
+            <a:pPr marL="0" marR="0" lvl="0" indent="0" algn="l" defTabSz="914400" rtl="0" eaLnBrk="1" fontAlgn="auto" latinLnBrk="0" hangingPunct="1">
+              <a:lnSpc>
+                <a:spcPct val="100000"/>
+              </a:lnSpc>
+              <a:spcBef>
+                <a:spcPts val="0"/>
+              </a:spcBef>
+              <a:spcAft>
+                <a:spcPts val="0"/>
+              </a:spcAft>
+              <a:buClrTx/>
+              <a:buSzTx/>
+              <a:buFontTx/>
+              <a:buNone/>
+              <a:tabLst/>
+              <a:defRPr/>
+            </a:pPr>
+            <a:endParaRPr kumimoji="0" lang="en-CA" sz="1800" b="0" i="0" u="none" strike="noStrike" kern="1200" cap="none" spc="0" normalizeH="0" baseline="0" noProof="0">
+              <a:ln>
+                <a:noFill/>
+              </a:ln>
+              <a:solidFill>
+                <a:srgbClr val="FFFFFF"/>
+              </a:solidFill>
+              <a:effectLst/>
+              <a:uLnTx/>
+              <a:uFillTx/>
+              <a:latin typeface="Franklin Gothic Book" panose="020F0502020204030204"/>
+              <a:ea typeface="+mn-ea"/>
+              <a:cs typeface="+mn-cs"/>
+            </a:endParaRPr>
+          </a:p>
+        </p:txBody>
+      </p:sp>
+    </p:spTree>
+    <p:extLst>
+      <p:ext uri="{BB962C8B-B14F-4D97-AF65-F5344CB8AC3E}">
+        <p14:creationId xmlns:p14="http://schemas.microsoft.com/office/powerpoint/2010/main" val="1476756502"/>
+      </p:ext>
+    </p:extLst>
+  </p:cSld>
+  <p:clrMapOvr>
+    <a:masterClrMapping/>
+  </p:clrMapOvr>
+</p:sld>
+</file>
+
+<file path=ppt/slides/slide18.xml><?xml version="1.0" encoding="utf-8"?>
+<p:sld xmlns:a="http://schemas.openxmlformats.org/drawingml/2006/main" xmlns:r="http://schemas.openxmlformats.org/officeDocument/2006/relationships" xmlns:p="http://schemas.openxmlformats.org/presentationml/2006/main">
+  <p:cSld>
+    <p:spTree>
+      <p:nvGrpSpPr>
+        <p:cNvPr id="1" name=""/>
+        <p:cNvGrpSpPr/>
+        <p:nvPr/>
+      </p:nvGrpSpPr>
+      <p:grpSpPr>
+        <a:xfrm>
+          <a:off x="0" y="0"/>
+          <a:ext cx="0" cy="0"/>
+          <a:chOff x="0" y="0"/>
+          <a:chExt cx="0" cy="0"/>
+        </a:xfrm>
+      </p:grpSpPr>
+      <p:pic>
+        <p:nvPicPr>
+          <p:cNvPr id="3" name="Picture 2" descr="A graph of a graph with a line and a line&#10;&#10;Description automatically generated with medium confidence">
+            <a:extLst>
+              <a:ext uri="{FF2B5EF4-FFF2-40B4-BE49-F238E27FC236}">
+                <a16:creationId xmlns:a16="http://schemas.microsoft.com/office/drawing/2014/main" id="{96F6F1AA-5E58-1CC1-FF7B-57938B036C26}"/>
+              </a:ext>
+            </a:extLst>
+          </p:cNvPr>
+          <p:cNvPicPr>
+            <a:picLocks noChangeAspect="1"/>
+          </p:cNvPicPr>
+          <p:nvPr/>
+        </p:nvPicPr>
+        <p:blipFill rotWithShape="1">
+          <a:blip r:embed="rId2">
+            <a:extLst>
+              <a:ext uri="{28A0092B-C50C-407E-A947-70E740481C1C}">
+                <a14:useLocalDpi xmlns:a14="http://schemas.microsoft.com/office/drawing/2010/main" val="0"/>
+              </a:ext>
+            </a:extLst>
+          </a:blip>
+          <a:srcRect t="2692"/>
+          <a:stretch/>
+        </p:blipFill>
+        <p:spPr>
+          <a:xfrm>
+            <a:off x="759655" y="886265"/>
+            <a:ext cx="9852079" cy="2542736"/>
+          </a:xfrm>
+          <a:prstGeom prst="rect">
+            <a:avLst/>
+          </a:prstGeom>
+        </p:spPr>
+      </p:pic>
+      <p:pic>
+        <p:nvPicPr>
+          <p:cNvPr id="5" name="Picture 4" descr="A graph with a line and a line graph&#10;&#10;Description automatically generated with medium confidence">
+            <a:extLst>
+              <a:ext uri="{FF2B5EF4-FFF2-40B4-BE49-F238E27FC236}">
+                <a16:creationId xmlns:a16="http://schemas.microsoft.com/office/drawing/2014/main" id="{84EC855B-8725-927E-531B-85F058B8979B}"/>
+              </a:ext>
+            </a:extLst>
+          </p:cNvPr>
+          <p:cNvPicPr>
+            <a:picLocks noChangeAspect="1"/>
+          </p:cNvPicPr>
+          <p:nvPr/>
+        </p:nvPicPr>
+        <p:blipFill>
+          <a:blip r:embed="rId3">
+            <a:extLst>
+              <a:ext uri="{28A0092B-C50C-407E-A947-70E740481C1C}">
+                <a14:useLocalDpi xmlns:a14="http://schemas.microsoft.com/office/drawing/2010/main" val="0"/>
+              </a:ext>
+            </a:extLst>
+          </a:blip>
+          <a:stretch>
+            <a:fillRect/>
+          </a:stretch>
+        </p:blipFill>
+        <p:spPr>
+          <a:xfrm>
+            <a:off x="1329007" y="4058531"/>
+            <a:ext cx="9533985" cy="2310618"/>
+          </a:xfrm>
+          <a:prstGeom prst="rect">
+            <a:avLst/>
+          </a:prstGeom>
+        </p:spPr>
+      </p:pic>
+      <p:sp>
+        <p:nvSpPr>
+          <p:cNvPr id="7" name="TextBox 6">
+            <a:extLst>
+              <a:ext uri="{FF2B5EF4-FFF2-40B4-BE49-F238E27FC236}">
+                <a16:creationId xmlns:a16="http://schemas.microsoft.com/office/drawing/2014/main" id="{4F1851AE-CD42-9EFE-D816-BC8BE562FA1D}"/>
+              </a:ext>
+            </a:extLst>
+          </p:cNvPr>
+          <p:cNvSpPr txBox="1"/>
+          <p:nvPr/>
+        </p:nvSpPr>
+        <p:spPr>
+          <a:xfrm>
+            <a:off x="3026811" y="304185"/>
+            <a:ext cx="5511702" cy="369332"/>
+          </a:xfrm>
+          <a:prstGeom prst="rect">
+            <a:avLst/>
+          </a:prstGeom>
+          <a:noFill/>
+        </p:spPr>
+        <p:txBody>
+          <a:bodyPr wrap="none" rtlCol="0">
+            <a:spAutoFit/>
+          </a:bodyPr>
+          <a:lstStyle/>
+          <a:p>
+            <a:r>
+              <a:rPr lang="en-US" dirty="0">
+                <a:solidFill>
+                  <a:schemeClr val="bg1"/>
+                </a:solidFill>
+                <a:highlight>
+                  <a:srgbClr val="000000"/>
+                </a:highlight>
+              </a:rPr>
+              <a:t>New Hampshire: 1 Bedroom and Condos (2012-2022) </a:t>
+            </a:r>
+          </a:p>
+        </p:txBody>
+      </p:sp>
+      <p:sp>
+        <p:nvSpPr>
+          <p:cNvPr id="8" name="TextBox 7">
+            <a:extLst>
+              <a:ext uri="{FF2B5EF4-FFF2-40B4-BE49-F238E27FC236}">
+                <a16:creationId xmlns:a16="http://schemas.microsoft.com/office/drawing/2014/main" id="{5AC32F14-1364-547C-64B7-C85E72C48AC3}"/>
+              </a:ext>
+            </a:extLst>
+          </p:cNvPr>
+          <p:cNvSpPr txBox="1"/>
+          <p:nvPr/>
+        </p:nvSpPr>
+        <p:spPr>
+          <a:xfrm>
+            <a:off x="3493477" y="3611758"/>
+            <a:ext cx="4578369" cy="646331"/>
+          </a:xfrm>
+          <a:prstGeom prst="rect">
+            <a:avLst/>
+          </a:prstGeom>
+          <a:noFill/>
+        </p:spPr>
+        <p:txBody>
+          <a:bodyPr wrap="none" rtlCol="0">
+            <a:spAutoFit/>
+          </a:bodyPr>
+          <a:lstStyle/>
+          <a:p>
+            <a:r>
+              <a:rPr lang="en-US" dirty="0">
+                <a:solidFill>
+                  <a:schemeClr val="bg1"/>
+                </a:solidFill>
+                <a:highlight>
+                  <a:srgbClr val="000000"/>
+                </a:highlight>
+              </a:rPr>
+              <a:t>Maine: 1 Bedroom and Condos (2012-2022) </a:t>
+            </a:r>
+          </a:p>
+          <a:p>
+            <a:endParaRPr lang="en-US" dirty="0"/>
+          </a:p>
+        </p:txBody>
+      </p:sp>
+    </p:spTree>
+    <p:extLst>
+      <p:ext uri="{BB962C8B-B14F-4D97-AF65-F5344CB8AC3E}">
+        <p14:creationId xmlns:p14="http://schemas.microsoft.com/office/powerpoint/2010/main" val="2638784750"/>
+      </p:ext>
+    </p:extLst>
+  </p:cSld>
+  <p:clrMapOvr>
+    <a:masterClrMapping/>
+  </p:clrMapOvr>
+</p:sld>
+</file>
+
+<file path=ppt/slides/slide19.xml><?xml version="1.0" encoding="utf-8"?>
+<p:sld xmlns:a="http://schemas.openxmlformats.org/drawingml/2006/main" xmlns:r="http://schemas.openxmlformats.org/officeDocument/2006/relationships" xmlns:p="http://schemas.openxmlformats.org/presentationml/2006/main">
+  <p:cSld>
+    <p:spTree>
+      <p:nvGrpSpPr>
+        <p:cNvPr id="1" name=""/>
+        <p:cNvGrpSpPr/>
+        <p:nvPr/>
+      </p:nvGrpSpPr>
+      <p:grpSpPr>
+        <a:xfrm>
+          <a:off x="0" y="0"/>
+          <a:ext cx="0" cy="0"/>
+          <a:chOff x="0" y="0"/>
+          <a:chExt cx="0" cy="0"/>
+        </a:xfrm>
+      </p:grpSpPr>
+      <p:pic>
+        <p:nvPicPr>
+          <p:cNvPr id="3" name="Picture 2" descr="A graph of a graph of a graph of a graph of a graph of a graph of a graph of a graph of a graph of a graph of a graph of a graph of a graph of&#10;&#10;Description automatically generated">
+            <a:extLst>
+              <a:ext uri="{FF2B5EF4-FFF2-40B4-BE49-F238E27FC236}">
+                <a16:creationId xmlns:a16="http://schemas.microsoft.com/office/drawing/2014/main" id="{6AA85570-6F99-9EBB-F75C-7A2BAF3C398D}"/>
+              </a:ext>
+            </a:extLst>
+          </p:cNvPr>
+          <p:cNvPicPr>
+            <a:picLocks noChangeAspect="1"/>
+          </p:cNvPicPr>
+          <p:nvPr/>
+        </p:nvPicPr>
+        <p:blipFill>
+          <a:blip r:embed="rId2">
+            <a:extLst>
+              <a:ext uri="{28A0092B-C50C-407E-A947-70E740481C1C}">
+                <a14:useLocalDpi xmlns:a14="http://schemas.microsoft.com/office/drawing/2010/main" val="0"/>
+              </a:ext>
+            </a:extLst>
+          </a:blip>
+          <a:stretch>
+            <a:fillRect/>
+          </a:stretch>
+        </p:blipFill>
+        <p:spPr>
+          <a:xfrm>
+            <a:off x="379828" y="850509"/>
+            <a:ext cx="10306600" cy="2463503"/>
+          </a:xfrm>
+          <a:prstGeom prst="rect">
+            <a:avLst/>
+          </a:prstGeom>
+        </p:spPr>
+      </p:pic>
+      <p:pic>
+        <p:nvPicPr>
+          <p:cNvPr id="5" name="Picture 4" descr="A graph with a line and a line&#10;&#10;Description automatically generated with medium confidence">
+            <a:extLst>
+              <a:ext uri="{FF2B5EF4-FFF2-40B4-BE49-F238E27FC236}">
+                <a16:creationId xmlns:a16="http://schemas.microsoft.com/office/drawing/2014/main" id="{33F731C1-143F-3601-5C82-A70C5998CA4B}"/>
+              </a:ext>
+            </a:extLst>
+          </p:cNvPr>
+          <p:cNvPicPr>
+            <a:picLocks noChangeAspect="1"/>
+          </p:cNvPicPr>
+          <p:nvPr/>
+        </p:nvPicPr>
+        <p:blipFill>
+          <a:blip r:embed="rId3">
+            <a:extLst>
+              <a:ext uri="{28A0092B-C50C-407E-A947-70E740481C1C}">
+                <a14:useLocalDpi xmlns:a14="http://schemas.microsoft.com/office/drawing/2010/main" val="0"/>
+              </a:ext>
+            </a:extLst>
+          </a:blip>
+          <a:stretch>
+            <a:fillRect/>
+          </a:stretch>
+        </p:blipFill>
+        <p:spPr>
+          <a:xfrm>
+            <a:off x="886264" y="3713871"/>
+            <a:ext cx="9800163" cy="2602522"/>
+          </a:xfrm>
+          <a:prstGeom prst="rect">
+            <a:avLst/>
+          </a:prstGeom>
+        </p:spPr>
+      </p:pic>
+      <p:sp>
+        <p:nvSpPr>
+          <p:cNvPr id="7" name="TextBox 6">
+            <a:extLst>
+              <a:ext uri="{FF2B5EF4-FFF2-40B4-BE49-F238E27FC236}">
+                <a16:creationId xmlns:a16="http://schemas.microsoft.com/office/drawing/2014/main" id="{A09D85A8-77C3-8C1F-5E1B-112E23F995B5}"/>
+              </a:ext>
+            </a:extLst>
+          </p:cNvPr>
+          <p:cNvSpPr txBox="1"/>
+          <p:nvPr/>
+        </p:nvSpPr>
+        <p:spPr>
+          <a:xfrm>
+            <a:off x="2700997" y="204178"/>
+            <a:ext cx="5991640" cy="646331"/>
+          </a:xfrm>
+          <a:prstGeom prst="rect">
+            <a:avLst/>
+          </a:prstGeom>
+          <a:noFill/>
+        </p:spPr>
+        <p:txBody>
+          <a:bodyPr wrap="none" rtlCol="0">
+            <a:spAutoFit/>
+          </a:bodyPr>
+          <a:lstStyle/>
+          <a:p>
+            <a:r>
+              <a:rPr lang="en-US" dirty="0">
+                <a:solidFill>
+                  <a:schemeClr val="bg1"/>
+                </a:solidFill>
+                <a:highlight>
+                  <a:srgbClr val="000000"/>
+                </a:highlight>
+              </a:rPr>
+              <a:t>New Hampshire: 3 Bedroom and 5+ Bedroom (2012-2022) </a:t>
+            </a:r>
+          </a:p>
+          <a:p>
+            <a:endParaRPr lang="en-US" dirty="0"/>
+          </a:p>
+        </p:txBody>
+      </p:sp>
+      <p:sp>
+        <p:nvSpPr>
+          <p:cNvPr id="8" name="TextBox 7">
+            <a:extLst>
+              <a:ext uri="{FF2B5EF4-FFF2-40B4-BE49-F238E27FC236}">
+                <a16:creationId xmlns:a16="http://schemas.microsoft.com/office/drawing/2014/main" id="{F63743C8-852B-D1C1-62AC-3FEBE4FCE601}"/>
+              </a:ext>
+            </a:extLst>
+          </p:cNvPr>
+          <p:cNvSpPr txBox="1"/>
+          <p:nvPr/>
+        </p:nvSpPr>
+        <p:spPr>
+          <a:xfrm>
+            <a:off x="3080825" y="3314012"/>
+            <a:ext cx="5800577" cy="646331"/>
+          </a:xfrm>
+          <a:prstGeom prst="rect">
+            <a:avLst/>
+          </a:prstGeom>
+          <a:noFill/>
+        </p:spPr>
+        <p:txBody>
+          <a:bodyPr wrap="square" rtlCol="0">
+            <a:spAutoFit/>
+          </a:bodyPr>
+          <a:lstStyle/>
+          <a:p>
+            <a:r>
+              <a:rPr lang="en-US" dirty="0">
+                <a:solidFill>
+                  <a:schemeClr val="bg1"/>
+                </a:solidFill>
+                <a:highlight>
+                  <a:srgbClr val="000000"/>
+                </a:highlight>
+              </a:rPr>
+              <a:t>Maine: 3 Bedroom and 5+ Bedroom (2012-2022) </a:t>
+            </a:r>
+          </a:p>
+          <a:p>
+            <a:endParaRPr lang="en-US" dirty="0"/>
+          </a:p>
+        </p:txBody>
+      </p:sp>
+    </p:spTree>
+    <p:extLst>
+      <p:ext uri="{BB962C8B-B14F-4D97-AF65-F5344CB8AC3E}">
+        <p14:creationId xmlns:p14="http://schemas.microsoft.com/office/powerpoint/2010/main" val="3608136750"/>
+      </p:ext>
+    </p:extLst>
+  </p:cSld>
+  <p:clrMapOvr>
+    <a:masterClrMapping/>
+  </p:clrMapOvr>
+</p:sld>
+</file>
+
+<file path=ppt/slides/slide2.xml><?xml version="1.0" encoding="utf-8"?>
+<p:sld xmlns:a="http://schemas.openxmlformats.org/drawingml/2006/main" xmlns:r="http://schemas.openxmlformats.org/officeDocument/2006/relationships" xmlns:p="http://schemas.openxmlformats.org/presentationml/2006/main">
+  <p:cSld>
+    <p:bg>
+      <p:bgPr>
+        <a:solidFill>
+          <a:schemeClr val="bg1"/>
+        </a:solidFill>
+        <a:effectLst/>
+      </p:bgPr>
+    </p:bg>
+    <p:spTree>
+      <p:nvGrpSpPr>
+        <p:cNvPr id="1" name=""/>
+        <p:cNvGrpSpPr/>
+        <p:nvPr/>
+      </p:nvGrpSpPr>
+      <p:grpSpPr>
+        <a:xfrm>
+          <a:off x="0" y="0"/>
+          <a:ext cx="0" cy="0"/>
+          <a:chOff x="0" y="0"/>
+          <a:chExt cx="0" cy="0"/>
+        </a:xfrm>
+      </p:grpSpPr>
+      <p:sp>
+        <p:nvSpPr>
+          <p:cNvPr id="47" name="Rectangle 46">
+            <a:extLst>
+              <a:ext uri="{FF2B5EF4-FFF2-40B4-BE49-F238E27FC236}">
+                <a16:creationId xmlns:a16="http://schemas.microsoft.com/office/drawing/2014/main" id="{FBDCECDC-EEE3-4128-AA5E-82A8C08796E8}"/>
+              </a:ext>
+              <a:ext uri="{C183D7F6-B498-43B3-948B-1728B52AA6E4}">
+                <adec:decorative xmlns:adec="http://schemas.microsoft.com/office/drawing/2017/decorative" val="1"/>
+              </a:ext>
+            </a:extLst>
+          </p:cNvPr>
+          <p:cNvSpPr>
+            <a:spLocks noGrp="1" noRot="1" noChangeAspect="1" noMove="1" noResize="1" noEditPoints="1" noAdjustHandles="1" noChangeArrowheads="1" noChangeShapeType="1" noTextEdit="1"/>
+          </p:cNvSpPr>
+          <p:nvPr>
+            <p:extLst>
+              <p:ext uri="{386F3935-93C4-4BCD-93E2-E3B085C9AB24}">
+                <p16:designElem xmlns:p16="http://schemas.microsoft.com/office/powerpoint/2015/main" val="1"/>
+              </p:ext>
+            </p:extLst>
+          </p:nvPr>
+        </p:nvSpPr>
+        <p:spPr>
+          <a:xfrm>
+            <a:off x="1507" y="0"/>
+            <a:ext cx="12192000" cy="6858000"/>
+          </a:xfrm>
+          <a:prstGeom prst="rect">
+            <a:avLst/>
+          </a:prstGeom>
+          <a:solidFill>
+            <a:schemeClr val="accent1"/>
+          </a:solidFill>
+          <a:ln>
+            <a:noFill/>
+          </a:ln>
+        </p:spPr>
+        <p:style>
+          <a:lnRef idx="2">
+            <a:schemeClr val="accent1">
+              <a:shade val="50000"/>
+            </a:schemeClr>
+          </a:lnRef>
+          <a:fillRef idx="1">
+            <a:schemeClr val="accent1"/>
+          </a:fillRef>
+          <a:effectRef idx="0">
+            <a:schemeClr val="accent1"/>
+          </a:effectRef>
+          <a:fontRef idx="minor">
+            <a:schemeClr val="lt1"/>
+          </a:fontRef>
+        </p:style>
+        <p:txBody>
+          <a:bodyPr rtlCol="0" anchor="ctr"/>
+          <a:lstStyle/>
+          <a:p>
+            <a:pPr algn="ctr"/>
+            <a:endParaRPr lang="en-US"/>
+          </a:p>
+        </p:txBody>
+      </p:sp>
+      <p:sp>
+        <p:nvSpPr>
+          <p:cNvPr id="2" name="Title 1">
+            <a:extLst>
+              <a:ext uri="{FF2B5EF4-FFF2-40B4-BE49-F238E27FC236}">
+                <a16:creationId xmlns:a16="http://schemas.microsoft.com/office/drawing/2014/main" id="{9AB2EA78-AEB3-469B-9025-3B17201A457B}"/>
+              </a:ext>
+            </a:extLst>
+          </p:cNvPr>
+          <p:cNvSpPr>
+            <a:spLocks noGrp="1"/>
+          </p:cNvSpPr>
+          <p:nvPr>
+            <p:ph type="ctrTitle"/>
+          </p:nvPr>
+        </p:nvSpPr>
+        <p:spPr>
+          <a:xfrm>
+            <a:off x="-1" y="0"/>
+            <a:ext cx="12188951" cy="4953000"/>
+          </a:xfrm>
+        </p:spPr>
+        <p:txBody>
+          <a:bodyPr anchor="ctr">
+            <a:normAutofit/>
+          </a:bodyPr>
+          <a:lstStyle/>
+          <a:p>
+            <a:pPr lvl="0"/>
+            <a:r>
+              <a:rPr lang="en-US" sz="4800" i="1" dirty="0">
+                <a:solidFill>
+                  <a:schemeClr val="tx1"/>
+                </a:solidFill>
+              </a:rPr>
+              <a:t>Our client is a real estate Tycoon, they have asked us to look up housing prices in the States over the past decade, so they can then use our data to invest in the housing market.</a:t>
+            </a:r>
+          </a:p>
+        </p:txBody>
+      </p:sp>
+      <p:sp>
+        <p:nvSpPr>
+          <p:cNvPr id="49" name="Rectangle 48">
+            <a:extLst>
+              <a:ext uri="{FF2B5EF4-FFF2-40B4-BE49-F238E27FC236}">
+                <a16:creationId xmlns:a16="http://schemas.microsoft.com/office/drawing/2014/main" id="{4260EDE0-989C-4E16-AF94-F652294D828E}"/>
+              </a:ext>
+              <a:ext uri="{C183D7F6-B498-43B3-948B-1728B52AA6E4}">
+                <adec:decorative xmlns:adec="http://schemas.microsoft.com/office/drawing/2017/decorative" val="1"/>
+              </a:ext>
+            </a:extLst>
+          </p:cNvPr>
+          <p:cNvSpPr>
+            <a:spLocks noGrp="1" noRot="1" noChangeAspect="1" noMove="1" noResize="1" noEditPoints="1" noAdjustHandles="1" noChangeArrowheads="1" noChangeShapeType="1" noTextEdit="1"/>
+          </p:cNvSpPr>
+          <p:nvPr>
+            <p:extLst>
+              <p:ext uri="{386F3935-93C4-4BCD-93E2-E3B085C9AB24}">
+                <p16:designElem xmlns:p16="http://schemas.microsoft.com/office/powerpoint/2015/main" val="1"/>
+              </p:ext>
+            </p:extLst>
+          </p:nvPr>
+        </p:nvSpPr>
+        <p:spPr bwMode="white">
+          <a:xfrm>
+            <a:off x="1507" y="4953000"/>
+            <a:ext cx="12188952" cy="1905000"/>
+          </a:xfrm>
+          <a:prstGeom prst="rect">
+            <a:avLst/>
+          </a:prstGeom>
+          <a:solidFill>
+            <a:srgbClr val="262626"/>
+          </a:solidFill>
+          <a:ln>
+            <a:noFill/>
+          </a:ln>
+        </p:spPr>
+        <p:style>
+          <a:lnRef idx="2">
+            <a:schemeClr val="accent1">
+              <a:shade val="50000"/>
+            </a:schemeClr>
+          </a:lnRef>
+          <a:fillRef idx="1">
+            <a:schemeClr val="accent1"/>
+          </a:fillRef>
+          <a:effectRef idx="0">
+            <a:schemeClr val="accent1"/>
+          </a:effectRef>
+          <a:fontRef idx="minor">
+            <a:schemeClr val="lt1"/>
+          </a:fontRef>
+        </p:style>
+        <p:txBody>
+          <a:bodyPr/>
+          <a:lstStyle/>
+          <a:p>
+            <a:endParaRPr lang="en-CA"/>
+          </a:p>
+        </p:txBody>
+      </p:sp>
+    </p:spTree>
+    <p:extLst>
+      <p:ext uri="{BB962C8B-B14F-4D97-AF65-F5344CB8AC3E}">
+        <p14:creationId xmlns:p14="http://schemas.microsoft.com/office/powerpoint/2010/main" val="191714609"/>
+      </p:ext>
+    </p:extLst>
+  </p:cSld>
+  <p:clrMapOvr>
+    <a:masterClrMapping/>
+  </p:clrMapOvr>
+</p:sld>
+</file>
+
+<file path=ppt/slides/slide20.xml><?xml version="1.0" encoding="utf-8"?>
+<p:sld xmlns:a="http://schemas.openxmlformats.org/drawingml/2006/main" xmlns:r="http://schemas.openxmlformats.org/officeDocument/2006/relationships" xmlns:p="http://schemas.openxmlformats.org/presentationml/2006/main">
+  <p:cSld>
+    <p:spTree>
+      <p:nvGrpSpPr>
+        <p:cNvPr id="1" name=""/>
+        <p:cNvGrpSpPr/>
+        <p:nvPr/>
+      </p:nvGrpSpPr>
+      <p:grpSpPr>
+        <a:xfrm>
+          <a:off x="0" y="0"/>
+          <a:ext cx="0" cy="0"/>
+          <a:chOff x="0" y="0"/>
+          <a:chExt cx="0" cy="0"/>
+        </a:xfrm>
+      </p:grpSpPr>
+      <p:pic>
+        <p:nvPicPr>
+          <p:cNvPr id="3" name="Picture 2" descr="A white background with black dots&#10;&#10;Description automatically generated">
+            <a:extLst>
+              <a:ext uri="{FF2B5EF4-FFF2-40B4-BE49-F238E27FC236}">
+                <a16:creationId xmlns:a16="http://schemas.microsoft.com/office/drawing/2014/main" id="{9033F7EF-3636-1B0F-DB5B-693582125A00}"/>
+              </a:ext>
+            </a:extLst>
+          </p:cNvPr>
+          <p:cNvPicPr>
+            <a:picLocks noChangeAspect="1"/>
+          </p:cNvPicPr>
+          <p:nvPr/>
+        </p:nvPicPr>
+        <p:blipFill rotWithShape="1">
+          <a:blip r:embed="rId2">
+            <a:extLst>
+              <a:ext uri="{28A0092B-C50C-407E-A947-70E740481C1C}">
+                <a14:useLocalDpi xmlns:a14="http://schemas.microsoft.com/office/drawing/2010/main" val="0"/>
+              </a:ext>
+            </a:extLst>
+          </a:blip>
+          <a:srcRect l="935" r="55294"/>
+          <a:stretch/>
+        </p:blipFill>
+        <p:spPr>
+          <a:xfrm>
+            <a:off x="2194560" y="868341"/>
+            <a:ext cx="7160455" cy="3028410"/>
+          </a:xfrm>
+          <a:prstGeom prst="rect">
+            <a:avLst/>
+          </a:prstGeom>
+          <a:noFill/>
+        </p:spPr>
+      </p:pic>
+      <p:sp>
+        <p:nvSpPr>
+          <p:cNvPr id="8" name="Title 2">
+            <a:extLst>
+              <a:ext uri="{FF2B5EF4-FFF2-40B4-BE49-F238E27FC236}">
+                <a16:creationId xmlns:a16="http://schemas.microsoft.com/office/drawing/2014/main" id="{2B0DFA1B-4160-6012-02F7-C054C163CBEB}"/>
+              </a:ext>
+            </a:extLst>
+          </p:cNvPr>
+          <p:cNvSpPr>
+            <a:spLocks noGrp="1"/>
+          </p:cNvSpPr>
+          <p:nvPr>
+            <p:ph type="title"/>
+          </p:nvPr>
+        </p:nvSpPr>
+        <p:spPr>
+          <a:xfrm>
+            <a:off x="1097279" y="4686820"/>
+            <a:ext cx="10113645" cy="743682"/>
+          </a:xfrm>
+        </p:spPr>
+        <p:txBody>
+          <a:bodyPr/>
+          <a:lstStyle/>
+          <a:p>
+            <a:r>
+              <a:rPr lang="en-US" sz="3200" dirty="0"/>
+              <a:t>CAGR : Maine Vs New Hampshire (2012-2022)</a:t>
+            </a:r>
+          </a:p>
+        </p:txBody>
+      </p:sp>
+      <p:sp>
+        <p:nvSpPr>
+          <p:cNvPr id="10" name="Text Placeholder 3">
+            <a:extLst>
+              <a:ext uri="{FF2B5EF4-FFF2-40B4-BE49-F238E27FC236}">
+                <a16:creationId xmlns:a16="http://schemas.microsoft.com/office/drawing/2014/main" id="{6440A4A8-62BA-CAFB-9AC5-31544D3B25A4}"/>
+              </a:ext>
+            </a:extLst>
+          </p:cNvPr>
+          <p:cNvSpPr>
+            <a:spLocks noGrp="1"/>
+          </p:cNvSpPr>
+          <p:nvPr>
+            <p:ph type="body" sz="half" idx="2"/>
+          </p:nvPr>
+        </p:nvSpPr>
+        <p:spPr>
+          <a:xfrm>
+            <a:off x="1097279" y="5715000"/>
+            <a:ext cx="10113264" cy="609600"/>
+          </a:xfrm>
+        </p:spPr>
+        <p:txBody>
+          <a:bodyPr>
+            <a:normAutofit/>
+          </a:bodyPr>
+          <a:lstStyle/>
+          <a:p>
+            <a:r>
+              <a:rPr lang="en-US" dirty="0">
+                <a:latin typeface="+mj-lt"/>
+              </a:rPr>
+              <a:t>New Hampshire indicates a higher Compound Annual Growth Rate when compared with Maine in all the property types in given years.</a:t>
+            </a:r>
+          </a:p>
+        </p:txBody>
+      </p:sp>
+    </p:spTree>
+    <p:extLst>
+      <p:ext uri="{BB962C8B-B14F-4D97-AF65-F5344CB8AC3E}">
+        <p14:creationId xmlns:p14="http://schemas.microsoft.com/office/powerpoint/2010/main" val="1026322312"/>
+      </p:ext>
+    </p:extLst>
+  </p:cSld>
+  <p:clrMapOvr>
+    <a:masterClrMapping/>
+  </p:clrMapOvr>
+</p:sld>
+</file>
+
+<file path=ppt/slides/slide21.xml><?xml version="1.0" encoding="utf-8"?>
+<p:sld xmlns:a="http://schemas.openxmlformats.org/drawingml/2006/main" xmlns:r="http://schemas.openxmlformats.org/officeDocument/2006/relationships" xmlns:p="http://schemas.openxmlformats.org/presentationml/2006/main">
+  <p:cSld>
+    <p:bg>
+      <p:bgPr>
+        <a:solidFill>
+          <a:schemeClr val="bg1"/>
+        </a:solidFill>
+        <a:effectLst/>
+      </p:bgPr>
+    </p:bg>
+    <p:spTree>
+      <p:nvGrpSpPr>
+        <p:cNvPr id="1" name=""/>
+        <p:cNvGrpSpPr/>
+        <p:nvPr/>
+      </p:nvGrpSpPr>
+      <p:grpSpPr>
+        <a:xfrm>
+          <a:off x="0" y="0"/>
+          <a:ext cx="0" cy="0"/>
+          <a:chOff x="0" y="0"/>
+          <a:chExt cx="0" cy="0"/>
+        </a:xfrm>
+      </p:grpSpPr>
+      <p:sp>
+        <p:nvSpPr>
+          <p:cNvPr id="47" name="Rectangle 46">
+            <a:extLst>
+              <a:ext uri="{FF2B5EF4-FFF2-40B4-BE49-F238E27FC236}">
+                <a16:creationId xmlns:a16="http://schemas.microsoft.com/office/drawing/2014/main" id="{FBDCECDC-EEE3-4128-AA5E-82A8C08796E8}"/>
+              </a:ext>
+              <a:ext uri="{C183D7F6-B498-43B3-948B-1728B52AA6E4}">
+                <adec:decorative xmlns:adec="http://schemas.microsoft.com/office/drawing/2017/decorative" val="1"/>
+              </a:ext>
+            </a:extLst>
+          </p:cNvPr>
+          <p:cNvSpPr>
+            <a:spLocks noGrp="1" noRot="1" noChangeAspect="1" noMove="1" noResize="1" noEditPoints="1" noAdjustHandles="1" noChangeArrowheads="1" noChangeShapeType="1" noTextEdit="1"/>
+          </p:cNvSpPr>
+          <p:nvPr>
+            <p:extLst>
+              <p:ext uri="{386F3935-93C4-4BCD-93E2-E3B085C9AB24}">
+                <p16:designElem xmlns:p16="http://schemas.microsoft.com/office/powerpoint/2015/main" val="1"/>
+              </p:ext>
+            </p:extLst>
+          </p:nvPr>
+        </p:nvSpPr>
+        <p:spPr>
+          <a:xfrm>
+            <a:off x="1507" y="0"/>
+            <a:ext cx="12192000" cy="6858000"/>
+          </a:xfrm>
+          <a:prstGeom prst="rect">
+            <a:avLst/>
+          </a:prstGeom>
+          <a:solidFill>
+            <a:schemeClr val="accent1"/>
+          </a:solidFill>
+          <a:ln>
+            <a:noFill/>
+          </a:ln>
+        </p:spPr>
+        <p:style>
+          <a:lnRef idx="2">
+            <a:schemeClr val="accent1">
+              <a:shade val="50000"/>
+            </a:schemeClr>
+          </a:lnRef>
+          <a:fillRef idx="1">
+            <a:schemeClr val="accent1"/>
+          </a:fillRef>
+          <a:effectRef idx="0">
+            <a:schemeClr val="accent1"/>
+          </a:effectRef>
+          <a:fontRef idx="minor">
+            <a:schemeClr val="lt1"/>
+          </a:fontRef>
+        </p:style>
+        <p:txBody>
+          <a:bodyPr rtlCol="0" anchor="ctr"/>
+          <a:lstStyle/>
+          <a:p>
+            <a:pPr marL="0" marR="0" lvl="0" indent="0" algn="ctr" defTabSz="914400" rtl="0" eaLnBrk="1" fontAlgn="auto" latinLnBrk="0" hangingPunct="1">
+              <a:lnSpc>
+                <a:spcPct val="100000"/>
+              </a:lnSpc>
+              <a:spcBef>
+                <a:spcPts val="0"/>
+              </a:spcBef>
+              <a:spcAft>
+                <a:spcPts val="0"/>
+              </a:spcAft>
+              <a:buClrTx/>
+              <a:buSzTx/>
+              <a:buFontTx/>
+              <a:buNone/>
+              <a:tabLst/>
+              <a:defRPr/>
+            </a:pPr>
+            <a:endParaRPr kumimoji="0" lang="en-US" sz="1800" b="0" i="0" u="none" strike="noStrike" kern="1200" cap="none" spc="0" normalizeH="0" baseline="0" noProof="0">
+              <a:ln>
+                <a:noFill/>
+              </a:ln>
+              <a:solidFill>
+                <a:srgbClr val="FFFFFF"/>
+              </a:solidFill>
+              <a:effectLst/>
+              <a:uLnTx/>
+              <a:uFillTx/>
+              <a:latin typeface="Franklin Gothic Book" panose="020F0502020204030204"/>
+              <a:ea typeface="+mn-ea"/>
+              <a:cs typeface="+mn-cs"/>
+            </a:endParaRPr>
+          </a:p>
+        </p:txBody>
+      </p:sp>
+      <p:sp>
+        <p:nvSpPr>
+          <p:cNvPr id="2" name="Title 1">
+            <a:extLst>
+              <a:ext uri="{FF2B5EF4-FFF2-40B4-BE49-F238E27FC236}">
+                <a16:creationId xmlns:a16="http://schemas.microsoft.com/office/drawing/2014/main" id="{9AB2EA78-AEB3-469B-9025-3B17201A457B}"/>
+              </a:ext>
+            </a:extLst>
+          </p:cNvPr>
+          <p:cNvSpPr>
+            <a:spLocks noGrp="1"/>
+          </p:cNvSpPr>
+          <p:nvPr>
+            <p:ph type="ctrTitle"/>
+          </p:nvPr>
+        </p:nvSpPr>
+        <p:spPr>
+          <a:xfrm>
+            <a:off x="467247" y="362265"/>
+            <a:ext cx="11257472" cy="4899051"/>
+          </a:xfrm>
+        </p:spPr>
+        <p:txBody>
+          <a:bodyPr anchor="ctr">
+            <a:normAutofit fontScale="90000"/>
+          </a:bodyPr>
+          <a:lstStyle/>
+          <a:p>
+            <a:pPr lvl="0"/>
+            <a:r>
+              <a:rPr lang="en-US" sz="4800" i="1" dirty="0">
+                <a:solidFill>
+                  <a:schemeClr val="tx1"/>
+                </a:solidFill>
+              </a:rPr>
+              <a:t>We have analyzed both the States(Maine and New Hampshire) and concluded that both states indicated a strong positive relationship between price and year. </a:t>
+            </a:r>
+            <a:br>
+              <a:rPr lang="en-US" sz="4800" i="1" dirty="0">
+                <a:solidFill>
+                  <a:schemeClr val="tx1"/>
+                </a:solidFill>
+              </a:rPr>
+            </a:br>
+            <a:r>
+              <a:rPr lang="en-US" sz="4800" i="1" dirty="0">
+                <a:solidFill>
+                  <a:schemeClr val="tx1"/>
+                </a:solidFill>
+              </a:rPr>
+              <a:t>CAGR is higher for New Hampshire, therefore New Hampshire would be a wiser state to invest in.</a:t>
+            </a:r>
+            <a:br>
+              <a:rPr lang="en-US" sz="4800" i="1" dirty="0">
+                <a:solidFill>
+                  <a:srgbClr val="FFFFFF"/>
+                </a:solidFill>
+              </a:rPr>
+            </a:br>
+            <a:r>
+              <a:rPr lang="en-US" sz="4800" i="1" dirty="0">
+                <a:solidFill>
+                  <a:srgbClr val="FFFFFF"/>
+                </a:solidFill>
+              </a:rPr>
+              <a:t> </a:t>
+            </a:r>
+          </a:p>
+        </p:txBody>
+      </p:sp>
+      <p:sp>
+        <p:nvSpPr>
+          <p:cNvPr id="49" name="Rectangle 48">
+            <a:extLst>
+              <a:ext uri="{FF2B5EF4-FFF2-40B4-BE49-F238E27FC236}">
+                <a16:creationId xmlns:a16="http://schemas.microsoft.com/office/drawing/2014/main" id="{4260EDE0-989C-4E16-AF94-F652294D828E}"/>
+              </a:ext>
+              <a:ext uri="{C183D7F6-B498-43B3-948B-1728B52AA6E4}">
+                <adec:decorative xmlns:adec="http://schemas.microsoft.com/office/drawing/2017/decorative" val="1"/>
+              </a:ext>
+            </a:extLst>
+          </p:cNvPr>
+          <p:cNvSpPr>
+            <a:spLocks noGrp="1" noRot="1" noChangeAspect="1" noMove="1" noResize="1" noEditPoints="1" noAdjustHandles="1" noChangeArrowheads="1" noChangeShapeType="1" noTextEdit="1"/>
+          </p:cNvSpPr>
+          <p:nvPr>
+            <p:extLst>
+              <p:ext uri="{386F3935-93C4-4BCD-93E2-E3B085C9AB24}">
+                <p16:designElem xmlns:p16="http://schemas.microsoft.com/office/powerpoint/2015/main" val="1"/>
+              </p:ext>
+            </p:extLst>
+          </p:nvPr>
+        </p:nvSpPr>
+        <p:spPr bwMode="white">
+          <a:xfrm>
+            <a:off x="1507" y="4953000"/>
+            <a:ext cx="12188952" cy="1905000"/>
+          </a:xfrm>
+          <a:prstGeom prst="rect">
+            <a:avLst/>
+          </a:prstGeom>
+          <a:solidFill>
+            <a:srgbClr val="262626"/>
+          </a:solidFill>
+          <a:ln>
+            <a:noFill/>
+          </a:ln>
+        </p:spPr>
+        <p:style>
+          <a:lnRef idx="2">
+            <a:schemeClr val="accent1">
+              <a:shade val="50000"/>
+            </a:schemeClr>
+          </a:lnRef>
+          <a:fillRef idx="1">
+            <a:schemeClr val="accent1"/>
+          </a:fillRef>
+          <a:effectRef idx="0">
+            <a:schemeClr val="accent1"/>
+          </a:effectRef>
+          <a:fontRef idx="minor">
+            <a:schemeClr val="lt1"/>
+          </a:fontRef>
+        </p:style>
+        <p:txBody>
+          <a:bodyPr/>
+          <a:lstStyle/>
+          <a:p>
+            <a:pPr marL="0" marR="0" lvl="0" indent="0" algn="l" defTabSz="914400" rtl="0" eaLnBrk="1" fontAlgn="auto" latinLnBrk="0" hangingPunct="1">
+              <a:lnSpc>
+                <a:spcPct val="100000"/>
+              </a:lnSpc>
+              <a:spcBef>
+                <a:spcPts val="0"/>
+              </a:spcBef>
+              <a:spcAft>
+                <a:spcPts val="0"/>
+              </a:spcAft>
+              <a:buClrTx/>
+              <a:buSzTx/>
+              <a:buFontTx/>
+              <a:buNone/>
+              <a:tabLst/>
+              <a:defRPr/>
+            </a:pPr>
+            <a:endParaRPr kumimoji="0" lang="en-CA" sz="1800" b="0" i="0" u="none" strike="noStrike" kern="1200" cap="none" spc="0" normalizeH="0" baseline="0" noProof="0">
+              <a:ln>
+                <a:noFill/>
+              </a:ln>
+              <a:solidFill>
+                <a:srgbClr val="FFFFFF"/>
+              </a:solidFill>
+              <a:effectLst/>
+              <a:uLnTx/>
+              <a:uFillTx/>
+              <a:latin typeface="Franklin Gothic Book" panose="020F0502020204030204"/>
+              <a:ea typeface="+mn-ea"/>
+              <a:cs typeface="+mn-cs"/>
+            </a:endParaRPr>
+          </a:p>
+        </p:txBody>
+      </p:sp>
+    </p:spTree>
+    <p:extLst>
+      <p:ext uri="{BB962C8B-B14F-4D97-AF65-F5344CB8AC3E}">
+        <p14:creationId xmlns:p14="http://schemas.microsoft.com/office/powerpoint/2010/main" val="2884537813"/>
+      </p:ext>
+    </p:extLst>
+  </p:cSld>
+  <p:clrMapOvr>
+    <a:masterClrMapping/>
+  </p:clrMapOvr>
+</p:sld>
+</file>
+
+<file path=ppt/slides/slide3.xml><?xml version="1.0" encoding="utf-8"?>
+<p:sld xmlns:a="http://schemas.openxmlformats.org/drawingml/2006/main" xmlns:r="http://schemas.openxmlformats.org/officeDocument/2006/relationships" xmlns:p="http://schemas.openxmlformats.org/presentationml/2006/main">
+  <p:cSld>
+    <p:bg>
+      <p:bgPr>
+        <a:solidFill>
+          <a:schemeClr val="bg1"/>
+        </a:solidFill>
+        <a:effectLst/>
+      </p:bgPr>
+    </p:bg>
+    <p:spTree>
+      <p:nvGrpSpPr>
+        <p:cNvPr id="1" name=""/>
+        <p:cNvGrpSpPr/>
+        <p:nvPr/>
+      </p:nvGrpSpPr>
+      <p:grpSpPr>
+        <a:xfrm>
+          <a:off x="0" y="0"/>
+          <a:ext cx="0" cy="0"/>
+          <a:chOff x="0" y="0"/>
+          <a:chExt cx="0" cy="0"/>
+        </a:xfrm>
+      </p:grpSpPr>
+      <p:sp>
+        <p:nvSpPr>
+          <p:cNvPr id="47" name="Rectangle 46">
+            <a:extLst>
+              <a:ext uri="{FF2B5EF4-FFF2-40B4-BE49-F238E27FC236}">
+                <a16:creationId xmlns:a16="http://schemas.microsoft.com/office/drawing/2014/main" id="{FBDCECDC-EEE3-4128-AA5E-82A8C08796E8}"/>
+              </a:ext>
+              <a:ext uri="{C183D7F6-B498-43B3-948B-1728B52AA6E4}">
+                <adec:decorative xmlns:adec="http://schemas.microsoft.com/office/drawing/2017/decorative" val="1"/>
+              </a:ext>
+            </a:extLst>
+          </p:cNvPr>
+          <p:cNvSpPr>
+            <a:spLocks noGrp="1" noRot="1" noChangeAspect="1" noMove="1" noResize="1" noEditPoints="1" noAdjustHandles="1" noChangeArrowheads="1" noChangeShapeType="1" noTextEdit="1"/>
+          </p:cNvSpPr>
+          <p:nvPr>
+            <p:extLst>
+              <p:ext uri="{386F3935-93C4-4BCD-93E2-E3B085C9AB24}">
+                <p16:designElem xmlns:p16="http://schemas.microsoft.com/office/powerpoint/2015/main" val="1"/>
+              </p:ext>
+            </p:extLst>
+          </p:nvPr>
+        </p:nvSpPr>
+        <p:spPr>
+          <a:xfrm>
+            <a:off x="1507" y="0"/>
+            <a:ext cx="12192000" cy="6858000"/>
+          </a:xfrm>
+          <a:prstGeom prst="rect">
+            <a:avLst/>
+          </a:prstGeom>
+          <a:solidFill>
+            <a:schemeClr val="accent1"/>
+          </a:solidFill>
+          <a:ln>
+            <a:noFill/>
+          </a:ln>
+        </p:spPr>
+        <p:style>
+          <a:lnRef idx="2">
+            <a:schemeClr val="accent1">
+              <a:shade val="50000"/>
+            </a:schemeClr>
+          </a:lnRef>
+          <a:fillRef idx="1">
+            <a:schemeClr val="accent1"/>
+          </a:fillRef>
+          <a:effectRef idx="0">
+            <a:schemeClr val="accent1"/>
+          </a:effectRef>
+          <a:fontRef idx="minor">
+            <a:schemeClr val="lt1"/>
+          </a:fontRef>
+        </p:style>
+        <p:txBody>
+          <a:bodyPr rtlCol="0" anchor="ctr"/>
+          <a:lstStyle/>
+          <a:p>
+            <a:pPr marL="0" marR="0" lvl="0" indent="0" algn="ctr" defTabSz="914400" rtl="0" eaLnBrk="1" fontAlgn="auto" latinLnBrk="0" hangingPunct="1">
+              <a:lnSpc>
+                <a:spcPct val="100000"/>
+              </a:lnSpc>
+              <a:spcBef>
+                <a:spcPts val="0"/>
+              </a:spcBef>
+              <a:spcAft>
+                <a:spcPts val="0"/>
+              </a:spcAft>
+              <a:buClrTx/>
+              <a:buSzTx/>
+              <a:buFontTx/>
+              <a:buNone/>
+              <a:tabLst/>
+              <a:defRPr/>
+            </a:pPr>
+            <a:endParaRPr kumimoji="0" lang="en-US" sz="1800" b="0" i="0" u="none" strike="noStrike" kern="1200" cap="none" spc="0" normalizeH="0" baseline="0" noProof="0">
+              <a:ln>
+                <a:noFill/>
+              </a:ln>
+              <a:solidFill>
+                <a:srgbClr val="FFFFFF"/>
+              </a:solidFill>
+              <a:effectLst/>
+              <a:uLnTx/>
+              <a:uFillTx/>
+              <a:latin typeface="Franklin Gothic Book" panose="020F0502020204030204"/>
+              <a:ea typeface="+mn-ea"/>
+              <a:cs typeface="+mn-cs"/>
+            </a:endParaRPr>
+          </a:p>
+        </p:txBody>
+      </p:sp>
+      <p:sp>
+        <p:nvSpPr>
+          <p:cNvPr id="2" name="Title 1">
+            <a:extLst>
+              <a:ext uri="{FF2B5EF4-FFF2-40B4-BE49-F238E27FC236}">
+                <a16:creationId xmlns:a16="http://schemas.microsoft.com/office/drawing/2014/main" id="{9AB2EA78-AEB3-469B-9025-3B17201A457B}"/>
+              </a:ext>
+            </a:extLst>
+          </p:cNvPr>
+          <p:cNvSpPr>
+            <a:spLocks noGrp="1"/>
+          </p:cNvSpPr>
+          <p:nvPr>
+            <p:ph type="ctrTitle"/>
+          </p:nvPr>
+        </p:nvSpPr>
+        <p:spPr>
+          <a:xfrm>
+            <a:off x="0" y="0"/>
+            <a:ext cx="12192000" cy="4953000"/>
+          </a:xfrm>
+        </p:spPr>
+        <p:txBody>
+          <a:bodyPr anchor="ctr">
+            <a:normAutofit fontScale="90000"/>
+          </a:bodyPr>
+          <a:lstStyle/>
+          <a:p>
+            <a:pPr lvl="0"/>
+            <a:r>
+              <a:rPr lang="en-US" sz="4800" i="1" dirty="0">
+                <a:solidFill>
+                  <a:schemeClr val="tx1"/>
+                </a:solidFill>
+              </a:rPr>
+              <a:t>Initially, we organized the data by property type, creating categories that needed observation. We grouped information by both year and state to calculate the average housing price. Following this, we determined the annual change rate for each year. We then aggregated the yearly change rate while computing their average. </a:t>
+            </a:r>
+          </a:p>
+        </p:txBody>
+      </p:sp>
+      <p:sp>
+        <p:nvSpPr>
+          <p:cNvPr id="49" name="Rectangle 48">
+            <a:extLst>
+              <a:ext uri="{FF2B5EF4-FFF2-40B4-BE49-F238E27FC236}">
+                <a16:creationId xmlns:a16="http://schemas.microsoft.com/office/drawing/2014/main" id="{4260EDE0-989C-4E16-AF94-F652294D828E}"/>
+              </a:ext>
+              <a:ext uri="{C183D7F6-B498-43B3-948B-1728B52AA6E4}">
+                <adec:decorative xmlns:adec="http://schemas.microsoft.com/office/drawing/2017/decorative" val="1"/>
+              </a:ext>
+            </a:extLst>
+          </p:cNvPr>
+          <p:cNvSpPr>
+            <a:spLocks noGrp="1" noRot="1" noChangeAspect="1" noMove="1" noResize="1" noEditPoints="1" noAdjustHandles="1" noChangeArrowheads="1" noChangeShapeType="1" noTextEdit="1"/>
+          </p:cNvSpPr>
+          <p:nvPr>
+            <p:extLst>
+              <p:ext uri="{386F3935-93C4-4BCD-93E2-E3B085C9AB24}">
+                <p16:designElem xmlns:p16="http://schemas.microsoft.com/office/powerpoint/2015/main" val="1"/>
+              </p:ext>
+            </p:extLst>
+          </p:nvPr>
+        </p:nvSpPr>
+        <p:spPr bwMode="white">
+          <a:xfrm>
+            <a:off x="1507" y="4953000"/>
+            <a:ext cx="12188952" cy="1905000"/>
+          </a:xfrm>
+          <a:prstGeom prst="rect">
+            <a:avLst/>
+          </a:prstGeom>
+          <a:solidFill>
+            <a:srgbClr val="262626"/>
+          </a:solidFill>
+          <a:ln>
+            <a:noFill/>
+          </a:ln>
+        </p:spPr>
+        <p:style>
+          <a:lnRef idx="2">
+            <a:schemeClr val="accent1">
+              <a:shade val="50000"/>
+            </a:schemeClr>
+          </a:lnRef>
+          <a:fillRef idx="1">
+            <a:schemeClr val="accent1"/>
+          </a:fillRef>
+          <a:effectRef idx="0">
+            <a:schemeClr val="accent1"/>
+          </a:effectRef>
+          <a:fontRef idx="minor">
+            <a:schemeClr val="lt1"/>
+          </a:fontRef>
+        </p:style>
+        <p:txBody>
+          <a:bodyPr/>
+          <a:lstStyle/>
+          <a:p>
+            <a:pPr marL="0" marR="0" lvl="0" indent="0" algn="l" defTabSz="914400" rtl="0" eaLnBrk="1" fontAlgn="auto" latinLnBrk="0" hangingPunct="1">
+              <a:lnSpc>
+                <a:spcPct val="100000"/>
+              </a:lnSpc>
+              <a:spcBef>
+                <a:spcPts val="0"/>
+              </a:spcBef>
+              <a:spcAft>
+                <a:spcPts val="0"/>
+              </a:spcAft>
+              <a:buClrTx/>
+              <a:buSzTx/>
+              <a:buFontTx/>
+              <a:buNone/>
+              <a:tabLst/>
+              <a:defRPr/>
+            </a:pPr>
+            <a:endParaRPr kumimoji="0" lang="en-CA" sz="1800" b="0" i="0" u="none" strike="noStrike" kern="1200" cap="none" spc="0" normalizeH="0" baseline="0" noProof="0">
+              <a:ln>
+                <a:noFill/>
+              </a:ln>
+              <a:solidFill>
+                <a:srgbClr val="FFFFFF"/>
+              </a:solidFill>
+              <a:effectLst/>
+              <a:uLnTx/>
+              <a:uFillTx/>
+              <a:latin typeface="Franklin Gothic Book" panose="020F0502020204030204"/>
+              <a:ea typeface="+mn-ea"/>
+              <a:cs typeface="+mn-cs"/>
+            </a:endParaRPr>
+          </a:p>
+        </p:txBody>
+      </p:sp>
+    </p:spTree>
+    <p:extLst>
+      <p:ext uri="{BB962C8B-B14F-4D97-AF65-F5344CB8AC3E}">
+        <p14:creationId xmlns:p14="http://schemas.microsoft.com/office/powerpoint/2010/main" val="2476820038"/>
+      </p:ext>
+    </p:extLst>
+  </p:cSld>
+  <p:clrMapOvr>
+    <a:masterClrMapping/>
+  </p:clrMapOvr>
+</p:sld>
+</file>
+
+<file path=ppt/slides/slide4.xml><?xml version="1.0" encoding="utf-8"?>
+<p:sld xmlns:a="http://schemas.openxmlformats.org/drawingml/2006/main" xmlns:r="http://schemas.openxmlformats.org/officeDocument/2006/relationships" xmlns:p="http://schemas.openxmlformats.org/presentationml/2006/main">
+  <p:cSld>
+    <p:bg>
+      <p:bgPr>
+        <a:solidFill>
+          <a:schemeClr val="bg1"/>
+        </a:solidFill>
+        <a:effectLst/>
+      </p:bgPr>
+    </p:bg>
+    <p:spTree>
+      <p:nvGrpSpPr>
+        <p:cNvPr id="1" name=""/>
+        <p:cNvGrpSpPr/>
+        <p:nvPr/>
+      </p:nvGrpSpPr>
+      <p:grpSpPr>
+        <a:xfrm>
+          <a:off x="0" y="0"/>
+          <a:ext cx="0" cy="0"/>
+          <a:chOff x="0" y="0"/>
+          <a:chExt cx="0" cy="0"/>
+        </a:xfrm>
+      </p:grpSpPr>
+      <p:sp>
+        <p:nvSpPr>
+          <p:cNvPr id="47" name="Rectangle 46">
+            <a:extLst>
+              <a:ext uri="{FF2B5EF4-FFF2-40B4-BE49-F238E27FC236}">
+                <a16:creationId xmlns:a16="http://schemas.microsoft.com/office/drawing/2014/main" id="{FBDCECDC-EEE3-4128-AA5E-82A8C08796E8}"/>
+              </a:ext>
+              <a:ext uri="{C183D7F6-B498-43B3-948B-1728B52AA6E4}">
+                <adec:decorative xmlns:adec="http://schemas.microsoft.com/office/drawing/2017/decorative" val="1"/>
+              </a:ext>
+            </a:extLst>
+          </p:cNvPr>
+          <p:cNvSpPr>
+            <a:spLocks noGrp="1" noRot="1" noChangeAspect="1" noMove="1" noResize="1" noEditPoints="1" noAdjustHandles="1" noChangeArrowheads="1" noChangeShapeType="1" noTextEdit="1"/>
+          </p:cNvSpPr>
+          <p:nvPr>
+            <p:extLst>
+              <p:ext uri="{386F3935-93C4-4BCD-93E2-E3B085C9AB24}">
+                <p16:designElem xmlns:p16="http://schemas.microsoft.com/office/powerpoint/2015/main" val="1"/>
+              </p:ext>
+            </p:extLst>
+          </p:nvPr>
+        </p:nvSpPr>
+        <p:spPr>
+          <a:xfrm>
+            <a:off x="1507" y="0"/>
+            <a:ext cx="12192000" cy="6858000"/>
+          </a:xfrm>
+          <a:prstGeom prst="rect">
+            <a:avLst/>
+          </a:prstGeom>
+          <a:solidFill>
+            <a:schemeClr val="accent1"/>
+          </a:solidFill>
+          <a:ln>
+            <a:noFill/>
+          </a:ln>
+        </p:spPr>
+        <p:style>
+          <a:lnRef idx="2">
+            <a:schemeClr val="accent1">
+              <a:shade val="50000"/>
+            </a:schemeClr>
+          </a:lnRef>
+          <a:fillRef idx="1">
+            <a:schemeClr val="accent1"/>
+          </a:fillRef>
+          <a:effectRef idx="0">
+            <a:schemeClr val="accent1"/>
+          </a:effectRef>
+          <a:fontRef idx="minor">
+            <a:schemeClr val="lt1"/>
+          </a:fontRef>
+        </p:style>
+        <p:txBody>
+          <a:bodyPr rtlCol="0" anchor="ctr"/>
+          <a:lstStyle/>
+          <a:p>
+            <a:pPr algn="ctr"/>
+            <a:endParaRPr lang="en-US"/>
+          </a:p>
+        </p:txBody>
+      </p:sp>
+      <p:sp>
+        <p:nvSpPr>
+          <p:cNvPr id="49" name="Rectangle 48">
+            <a:extLst>
+              <a:ext uri="{FF2B5EF4-FFF2-40B4-BE49-F238E27FC236}">
+                <a16:creationId xmlns:a16="http://schemas.microsoft.com/office/drawing/2014/main" id="{4260EDE0-989C-4E16-AF94-F652294D828E}"/>
+              </a:ext>
+              <a:ext uri="{C183D7F6-B498-43B3-948B-1728B52AA6E4}">
+                <adec:decorative xmlns:adec="http://schemas.microsoft.com/office/drawing/2017/decorative" val="1"/>
+              </a:ext>
+            </a:extLst>
+          </p:cNvPr>
+          <p:cNvSpPr>
+            <a:spLocks noGrp="1" noRot="1" noChangeAspect="1" noMove="1" noResize="1" noEditPoints="1" noAdjustHandles="1" noChangeArrowheads="1" noChangeShapeType="1" noTextEdit="1"/>
+          </p:cNvSpPr>
+          <p:nvPr>
+            <p:extLst>
+              <p:ext uri="{386F3935-93C4-4BCD-93E2-E3B085C9AB24}">
+                <p16:designElem xmlns:p16="http://schemas.microsoft.com/office/powerpoint/2015/main" val="1"/>
+              </p:ext>
+            </p:extLst>
+          </p:nvPr>
+        </p:nvSpPr>
+        <p:spPr bwMode="white">
+          <a:xfrm>
+            <a:off x="1507" y="4953000"/>
+            <a:ext cx="12188952" cy="1905000"/>
+          </a:xfrm>
+          <a:prstGeom prst="rect">
+            <a:avLst/>
+          </a:prstGeom>
+          <a:solidFill>
+            <a:srgbClr val="262626"/>
+          </a:solidFill>
+          <a:ln>
+            <a:noFill/>
+          </a:ln>
+        </p:spPr>
+        <p:style>
+          <a:lnRef idx="2">
+            <a:schemeClr val="accent1">
+              <a:shade val="50000"/>
+            </a:schemeClr>
+          </a:lnRef>
+          <a:fillRef idx="1">
+            <a:schemeClr val="accent1"/>
+          </a:fillRef>
+          <a:effectRef idx="0">
+            <a:schemeClr val="accent1"/>
+          </a:effectRef>
+          <a:fontRef idx="minor">
+            <a:schemeClr val="lt1"/>
+          </a:fontRef>
+        </p:style>
+        <p:txBody>
+          <a:bodyPr/>
+          <a:lstStyle/>
+          <a:p>
+            <a:endParaRPr lang="en-CA"/>
+          </a:p>
+        </p:txBody>
+      </p:sp>
+      <p:pic>
+        <p:nvPicPr>
+          <p:cNvPr id="3" name="Picture 2">
+            <a:extLst>
+              <a:ext uri="{FF2B5EF4-FFF2-40B4-BE49-F238E27FC236}">
+                <a16:creationId xmlns:a16="http://schemas.microsoft.com/office/drawing/2014/main" id="{176324A7-9F5C-5F1C-C27C-43A83CC3A5CD}"/>
+              </a:ext>
+            </a:extLst>
+          </p:cNvPr>
+          <p:cNvPicPr>
+            <a:picLocks noChangeAspect="1"/>
+          </p:cNvPicPr>
+          <p:nvPr/>
+        </p:nvPicPr>
+        <p:blipFill>
+          <a:blip r:embed="rId2"/>
+          <a:stretch>
+            <a:fillRect/>
+          </a:stretch>
+        </p:blipFill>
+        <p:spPr>
+          <a:xfrm>
+            <a:off x="0" y="0"/>
+            <a:ext cx="6096000" cy="4953000"/>
+          </a:xfrm>
+          <a:prstGeom prst="rect">
+            <a:avLst/>
+          </a:prstGeom>
+        </p:spPr>
+      </p:pic>
+      <p:pic>
+        <p:nvPicPr>
+          <p:cNvPr id="5" name="Picture 4">
+            <a:extLst>
+              <a:ext uri="{FF2B5EF4-FFF2-40B4-BE49-F238E27FC236}">
+                <a16:creationId xmlns:a16="http://schemas.microsoft.com/office/drawing/2014/main" id="{E42C2FF1-D3EF-A64F-96B6-768EBCC2775B}"/>
+              </a:ext>
+            </a:extLst>
+          </p:cNvPr>
+          <p:cNvPicPr>
+            <a:picLocks noChangeAspect="1"/>
+          </p:cNvPicPr>
+          <p:nvPr/>
+        </p:nvPicPr>
+        <p:blipFill>
+          <a:blip r:embed="rId3"/>
+          <a:stretch>
+            <a:fillRect/>
+          </a:stretch>
+        </p:blipFill>
+        <p:spPr>
+          <a:xfrm>
+            <a:off x="6096000" y="0"/>
+            <a:ext cx="6094459" cy="4953000"/>
+          </a:xfrm>
+          <a:prstGeom prst="rect">
+            <a:avLst/>
+          </a:prstGeom>
+        </p:spPr>
+      </p:pic>
+      <p:sp>
+        <p:nvSpPr>
+          <p:cNvPr id="6" name="TextBox 5">
+            <a:extLst>
+              <a:ext uri="{FF2B5EF4-FFF2-40B4-BE49-F238E27FC236}">
+                <a16:creationId xmlns:a16="http://schemas.microsoft.com/office/drawing/2014/main" id="{066D3C73-C1C6-389D-BE56-2DB500588576}"/>
+              </a:ext>
+            </a:extLst>
+          </p:cNvPr>
+          <p:cNvSpPr txBox="1"/>
+          <p:nvPr/>
+        </p:nvSpPr>
+        <p:spPr>
+          <a:xfrm>
+            <a:off x="0" y="4953000"/>
+            <a:ext cx="12188952" cy="1815882"/>
+          </a:xfrm>
+          <a:prstGeom prst="rect">
+            <a:avLst/>
+          </a:prstGeom>
+          <a:noFill/>
+        </p:spPr>
+        <p:txBody>
+          <a:bodyPr wrap="square" rtlCol="0">
+            <a:spAutoFit/>
+          </a:bodyPr>
+          <a:lstStyle/>
+          <a:p>
+            <a:r>
+              <a:rPr lang="en-CA" sz="2800" dirty="0">
+                <a:solidFill>
+                  <a:schemeClr val="bg1"/>
+                </a:solidFill>
+                <a:latin typeface="+mj-lt"/>
+              </a:rPr>
+              <a:t>The top three states with the highest Annual Price Change Rate percentage for 1-bedroom and 2-bedroom homes in the past ten years are Nevada, Idaho, and Arizona. Nevada has the highest Annual Price Change Rate.</a:t>
+            </a:r>
+          </a:p>
+        </p:txBody>
+      </p:sp>
+    </p:spTree>
+    <p:extLst>
+      <p:ext uri="{BB962C8B-B14F-4D97-AF65-F5344CB8AC3E}">
+        <p14:creationId xmlns:p14="http://schemas.microsoft.com/office/powerpoint/2010/main" val="1217207103"/>
+      </p:ext>
+    </p:extLst>
+  </p:cSld>
+  <p:clrMapOvr>
+    <a:masterClrMapping/>
+  </p:clrMapOvr>
+</p:sld>
+</file>
+
+<file path=ppt/slides/slide5.xml><?xml version="1.0" encoding="utf-8"?>
+<p:sld xmlns:a="http://schemas.openxmlformats.org/drawingml/2006/main" xmlns:r="http://schemas.openxmlformats.org/officeDocument/2006/relationships" xmlns:p="http://schemas.openxmlformats.org/presentationml/2006/main">
+  <p:cSld>
+    <p:bg>
+      <p:bgPr>
+        <a:solidFill>
+          <a:schemeClr val="bg1"/>
+        </a:solidFill>
+        <a:effectLst/>
+      </p:bgPr>
+    </p:bg>
+    <p:spTree>
+      <p:nvGrpSpPr>
+        <p:cNvPr id="1" name=""/>
+        <p:cNvGrpSpPr/>
+        <p:nvPr/>
+      </p:nvGrpSpPr>
+      <p:grpSpPr>
+        <a:xfrm>
+          <a:off x="0" y="0"/>
+          <a:ext cx="0" cy="0"/>
+          <a:chOff x="0" y="0"/>
+          <a:chExt cx="0" cy="0"/>
+        </a:xfrm>
+      </p:grpSpPr>
+      <p:sp>
+        <p:nvSpPr>
+          <p:cNvPr id="47" name="Rectangle 46">
+            <a:extLst>
+              <a:ext uri="{FF2B5EF4-FFF2-40B4-BE49-F238E27FC236}">
+                <a16:creationId xmlns:a16="http://schemas.microsoft.com/office/drawing/2014/main" id="{FBDCECDC-EEE3-4128-AA5E-82A8C08796E8}"/>
+              </a:ext>
+              <a:ext uri="{C183D7F6-B498-43B3-948B-1728B52AA6E4}">
+                <adec:decorative xmlns:adec="http://schemas.microsoft.com/office/drawing/2017/decorative" val="1"/>
+              </a:ext>
+            </a:extLst>
+          </p:cNvPr>
+          <p:cNvSpPr>
+            <a:spLocks noGrp="1" noRot="1" noChangeAspect="1" noMove="1" noResize="1" noEditPoints="1" noAdjustHandles="1" noChangeArrowheads="1" noChangeShapeType="1" noTextEdit="1"/>
+          </p:cNvSpPr>
+          <p:nvPr>
+            <p:extLst>
+              <p:ext uri="{386F3935-93C4-4BCD-93E2-E3B085C9AB24}">
+                <p16:designElem xmlns:p16="http://schemas.microsoft.com/office/powerpoint/2015/main" val="1"/>
+              </p:ext>
+            </p:extLst>
+          </p:nvPr>
+        </p:nvSpPr>
+        <p:spPr>
+          <a:xfrm>
+            <a:off x="1507" y="0"/>
+            <a:ext cx="12192000" cy="6858000"/>
+          </a:xfrm>
+          <a:prstGeom prst="rect">
+            <a:avLst/>
+          </a:prstGeom>
+          <a:solidFill>
+            <a:schemeClr val="accent1"/>
+          </a:solidFill>
+          <a:ln>
+            <a:noFill/>
+          </a:ln>
+        </p:spPr>
+        <p:style>
+          <a:lnRef idx="2">
+            <a:schemeClr val="accent1">
+              <a:shade val="50000"/>
+            </a:schemeClr>
+          </a:lnRef>
+          <a:fillRef idx="1">
+            <a:schemeClr val="accent1"/>
+          </a:fillRef>
+          <a:effectRef idx="0">
+            <a:schemeClr val="accent1"/>
+          </a:effectRef>
+          <a:fontRef idx="minor">
+            <a:schemeClr val="lt1"/>
+          </a:fontRef>
+        </p:style>
+        <p:txBody>
+          <a:bodyPr rtlCol="0" anchor="ctr"/>
+          <a:lstStyle/>
+          <a:p>
+            <a:pPr algn="ctr"/>
+            <a:endParaRPr lang="en-US"/>
+          </a:p>
+        </p:txBody>
+      </p:sp>
+      <p:sp>
+        <p:nvSpPr>
+          <p:cNvPr id="49" name="Rectangle 48">
+            <a:extLst>
+              <a:ext uri="{FF2B5EF4-FFF2-40B4-BE49-F238E27FC236}">
+                <a16:creationId xmlns:a16="http://schemas.microsoft.com/office/drawing/2014/main" id="{4260EDE0-989C-4E16-AF94-F652294D828E}"/>
+              </a:ext>
+              <a:ext uri="{C183D7F6-B498-43B3-948B-1728B52AA6E4}">
+                <adec:decorative xmlns:adec="http://schemas.microsoft.com/office/drawing/2017/decorative" val="1"/>
+              </a:ext>
+            </a:extLst>
+          </p:cNvPr>
+          <p:cNvSpPr>
+            <a:spLocks noGrp="1" noRot="1" noChangeAspect="1" noMove="1" noResize="1" noEditPoints="1" noAdjustHandles="1" noChangeArrowheads="1" noChangeShapeType="1" noTextEdit="1"/>
+          </p:cNvSpPr>
+          <p:nvPr>
+            <p:extLst>
+              <p:ext uri="{386F3935-93C4-4BCD-93E2-E3B085C9AB24}">
+                <p16:designElem xmlns:p16="http://schemas.microsoft.com/office/powerpoint/2015/main" val="1"/>
+              </p:ext>
+            </p:extLst>
+          </p:nvPr>
+        </p:nvSpPr>
+        <p:spPr bwMode="white">
+          <a:xfrm>
+            <a:off x="1507" y="4953000"/>
+            <a:ext cx="12188952" cy="1905000"/>
+          </a:xfrm>
+          <a:prstGeom prst="rect">
+            <a:avLst/>
+          </a:prstGeom>
+          <a:solidFill>
+            <a:srgbClr val="262626"/>
+          </a:solidFill>
+          <a:ln>
+            <a:noFill/>
+          </a:ln>
+        </p:spPr>
+        <p:style>
+          <a:lnRef idx="2">
+            <a:schemeClr val="accent1">
+              <a:shade val="50000"/>
+            </a:schemeClr>
+          </a:lnRef>
+          <a:fillRef idx="1">
+            <a:schemeClr val="accent1"/>
+          </a:fillRef>
+          <a:effectRef idx="0">
+            <a:schemeClr val="accent1"/>
+          </a:effectRef>
+          <a:fontRef idx="minor">
+            <a:schemeClr val="lt1"/>
+          </a:fontRef>
+        </p:style>
+        <p:txBody>
+          <a:bodyPr/>
+          <a:lstStyle/>
+          <a:p>
+            <a:endParaRPr lang="en-CA"/>
+          </a:p>
+        </p:txBody>
+      </p:sp>
+      <p:pic>
+        <p:nvPicPr>
+          <p:cNvPr id="5" name="Picture 4">
+            <a:extLst>
+              <a:ext uri="{FF2B5EF4-FFF2-40B4-BE49-F238E27FC236}">
+                <a16:creationId xmlns:a16="http://schemas.microsoft.com/office/drawing/2014/main" id="{060BA457-17C1-E437-7F76-C9EB755FD374}"/>
+              </a:ext>
+            </a:extLst>
+          </p:cNvPr>
+          <p:cNvPicPr>
+            <a:picLocks noChangeAspect="1"/>
+          </p:cNvPicPr>
+          <p:nvPr/>
+        </p:nvPicPr>
+        <p:blipFill>
+          <a:blip r:embed="rId2"/>
+          <a:stretch>
+            <a:fillRect/>
+          </a:stretch>
+        </p:blipFill>
+        <p:spPr>
+          <a:xfrm>
+            <a:off x="0" y="0"/>
+            <a:ext cx="6096000" cy="4953000"/>
+          </a:xfrm>
+          <a:prstGeom prst="rect">
+            <a:avLst/>
+          </a:prstGeom>
+        </p:spPr>
+      </p:pic>
+      <p:pic>
+        <p:nvPicPr>
+          <p:cNvPr id="7" name="Picture 6">
+            <a:extLst>
+              <a:ext uri="{FF2B5EF4-FFF2-40B4-BE49-F238E27FC236}">
+                <a16:creationId xmlns:a16="http://schemas.microsoft.com/office/drawing/2014/main" id="{036204F0-4259-5637-2E3C-A199E201262B}"/>
+              </a:ext>
+            </a:extLst>
+          </p:cNvPr>
+          <p:cNvPicPr>
+            <a:picLocks noChangeAspect="1"/>
+          </p:cNvPicPr>
+          <p:nvPr/>
+        </p:nvPicPr>
+        <p:blipFill>
+          <a:blip r:embed="rId3"/>
+          <a:stretch>
+            <a:fillRect/>
+          </a:stretch>
+        </p:blipFill>
+        <p:spPr>
+          <a:xfrm>
+            <a:off x="6096000" y="0"/>
+            <a:ext cx="6094459" cy="4953000"/>
+          </a:xfrm>
+          <a:prstGeom prst="rect">
+            <a:avLst/>
+          </a:prstGeom>
+        </p:spPr>
+      </p:pic>
+      <p:sp>
+        <p:nvSpPr>
+          <p:cNvPr id="9" name="TextBox 8">
+            <a:extLst>
+              <a:ext uri="{FF2B5EF4-FFF2-40B4-BE49-F238E27FC236}">
+                <a16:creationId xmlns:a16="http://schemas.microsoft.com/office/drawing/2014/main" id="{E9DDD0C0-D84E-2EC8-6A34-A9902F8FFCD9}"/>
+              </a:ext>
+            </a:extLst>
+          </p:cNvPr>
+          <p:cNvSpPr txBox="1"/>
+          <p:nvPr/>
+        </p:nvSpPr>
+        <p:spPr>
+          <a:xfrm>
+            <a:off x="0" y="4953000"/>
+            <a:ext cx="12188952" cy="2246769"/>
+          </a:xfrm>
+          <a:prstGeom prst="rect">
+            <a:avLst/>
+          </a:prstGeom>
+          <a:noFill/>
+        </p:spPr>
+        <p:txBody>
+          <a:bodyPr wrap="square" rtlCol="0">
+            <a:spAutoFit/>
+          </a:bodyPr>
+          <a:lstStyle/>
+          <a:p>
+            <a:r>
+              <a:rPr lang="en-CA" sz="2800" dirty="0">
+                <a:solidFill>
+                  <a:schemeClr val="bg1"/>
+                </a:solidFill>
+                <a:latin typeface="+mj-lt"/>
+              </a:rPr>
+              <a:t>The top three states with the highest Annual Price Change Rate percentage for 3-bedroom homes and Condos in the past ten years are Nevada, Idaho, and Arizona. Nevada has the highest Annual Price Change Rate.</a:t>
+            </a:r>
+          </a:p>
+          <a:p>
+            <a:endParaRPr lang="en-CA" sz="2800" dirty="0">
+              <a:latin typeface="+mj-lt"/>
+            </a:endParaRPr>
+          </a:p>
+        </p:txBody>
+      </p:sp>
+    </p:spTree>
+    <p:extLst>
+      <p:ext uri="{BB962C8B-B14F-4D97-AF65-F5344CB8AC3E}">
+        <p14:creationId xmlns:p14="http://schemas.microsoft.com/office/powerpoint/2010/main" val="117639698"/>
       </p:ext>
     </p:extLst>
   </p:cSld>
@@ -6745,37 +9325,8 @@
           <a:bodyPr rtlCol="0" anchor="ctr"/>
           <a:lstStyle/>
           <a:p>
-            <a:pPr marL="0" marR="0" lvl="0" indent="0" algn="ctr" defTabSz="914400" rtl="0" eaLnBrk="1" fontAlgn="auto" latinLnBrk="0" hangingPunct="1">
-              <a:lnSpc>
-                <a:spcPct val="100000"/>
-              </a:lnSpc>
-              <a:spcBef>
-                <a:spcPts val="0"/>
-              </a:spcBef>
-              <a:spcAft>
-                <a:spcPts val="0"/>
-              </a:spcAft>
-              <a:buClrTx/>
-              <a:buSzTx/>
-              <a:buFontTx/>
-              <a:buNone/>
-              <a:tabLst/>
-              <a:defRPr/>
-            </a:pPr>
-            <a:endParaRPr kumimoji="0" lang="en-US" sz="1800" b="0" i="0" u="none" strike="noStrike" kern="1200" cap="none" spc="0" normalizeH="0" baseline="0" noProof="0">
-              <a:ln>
-                <a:noFill/>
-              </a:ln>
-              <a:solidFill>
-                <a:srgbClr val="FFFFFF"/>
-              </a:solidFill>
-              <a:effectLst/>
-              <a:uLnTx/>
-              <a:uFillTx/>
-              <a:latin typeface="Franklin Gothic Book" panose="020F0502020204030204"/>
-              <a:ea typeface="+mn-ea"/>
-              <a:cs typeface="+mn-cs"/>
-            </a:endParaRPr>
+            <a:pPr algn="ctr"/>
+            <a:endParaRPr lang="en-US"/>
           </a:p>
         </p:txBody>
       </p:sp>
@@ -6837,46 +9388,61 @@
           <a:bodyPr/>
           <a:lstStyle/>
           <a:p>
-            <a:pPr marL="0" marR="0" lvl="0" indent="0" algn="l" defTabSz="914400" rtl="0" eaLnBrk="1" fontAlgn="auto" latinLnBrk="0" hangingPunct="1">
-              <a:lnSpc>
-                <a:spcPct val="100000"/>
-              </a:lnSpc>
-              <a:spcBef>
-                <a:spcPts val="0"/>
-              </a:spcBef>
-              <a:spcAft>
-                <a:spcPts val="0"/>
-              </a:spcAft>
-              <a:buClrTx/>
-              <a:buSzTx/>
-              <a:buFontTx/>
-              <a:buNone/>
-              <a:tabLst/>
-              <a:defRPr/>
-            </a:pPr>
-            <a:endParaRPr kumimoji="0" lang="en-CA" sz="1800" b="0" i="0" u="none" strike="noStrike" kern="1200" cap="none" spc="0" normalizeH="0" baseline="0" noProof="0">
-              <a:ln>
-                <a:noFill/>
-              </a:ln>
-              <a:solidFill>
-                <a:srgbClr val="FFFFFF"/>
-              </a:solidFill>
-              <a:effectLst/>
-              <a:uLnTx/>
-              <a:uFillTx/>
-              <a:latin typeface="Franklin Gothic Book" panose="020F0502020204030204"/>
-              <a:ea typeface="+mn-ea"/>
-              <a:cs typeface="+mn-cs"/>
+            <a:endParaRPr lang="en-CA"/>
+          </a:p>
+        </p:txBody>
+      </p:sp>
+      <p:sp>
+        <p:nvSpPr>
+          <p:cNvPr id="9" name="TextBox 8">
+            <a:extLst>
+              <a:ext uri="{FF2B5EF4-FFF2-40B4-BE49-F238E27FC236}">
+                <a16:creationId xmlns:a16="http://schemas.microsoft.com/office/drawing/2014/main" id="{E9DDD0C0-D84E-2EC8-6A34-A9902F8FFCD9}"/>
+              </a:ext>
+            </a:extLst>
+          </p:cNvPr>
+          <p:cNvSpPr txBox="1"/>
+          <p:nvPr/>
+        </p:nvSpPr>
+        <p:spPr>
+          <a:xfrm>
+            <a:off x="0" y="4953000"/>
+            <a:ext cx="12188952" cy="2246769"/>
+          </a:xfrm>
+          <a:prstGeom prst="rect">
+            <a:avLst/>
+          </a:prstGeom>
+          <a:noFill/>
+        </p:spPr>
+        <p:txBody>
+          <a:bodyPr wrap="square" rtlCol="0">
+            <a:spAutoFit/>
+          </a:bodyPr>
+          <a:lstStyle/>
+          <a:p>
+            <a:r>
+              <a:rPr lang="en-CA" sz="2800" dirty="0">
+                <a:solidFill>
+                  <a:schemeClr val="bg1"/>
+                </a:solidFill>
+                <a:latin typeface="+mj-lt"/>
+              </a:rPr>
+              <a:t>The top three states with the highest Annual Price Change Rate percentage for 4-bedroom homes and 5+-bedroom homes in the past ten years are Nevada, Idaho, and Arizona. Idaho has the highest Annual Price Change Rate.</a:t>
+            </a:r>
+          </a:p>
+          <a:p>
+            <a:endParaRPr lang="en-CA" sz="2800" dirty="0">
+              <a:latin typeface="+mj-lt"/>
             </a:endParaRPr>
           </a:p>
         </p:txBody>
       </p:sp>
       <p:pic>
         <p:nvPicPr>
-          <p:cNvPr id="4" name="Picture 3">
-            <a:extLst>
-              <a:ext uri="{FF2B5EF4-FFF2-40B4-BE49-F238E27FC236}">
-                <a16:creationId xmlns:a16="http://schemas.microsoft.com/office/drawing/2014/main" id="{F9A22F1A-622E-6B58-D337-F8C6B630CF01}"/>
+          <p:cNvPr id="3" name="Picture 2">
+            <a:extLst>
+              <a:ext uri="{FF2B5EF4-FFF2-40B4-BE49-F238E27FC236}">
+                <a16:creationId xmlns:a16="http://schemas.microsoft.com/office/drawing/2014/main" id="{3EE214A1-846D-061B-0190-337CC7FB7FF6}"/>
               </a:ext>
             </a:extLst>
           </p:cNvPr>
@@ -6893,8 +9459,8 @@
         </p:blipFill>
         <p:spPr>
           <a:xfrm>
-            <a:off x="-1541" y="1"/>
-            <a:ext cx="6097541" cy="4953000"/>
+            <a:off x="3048" y="1"/>
+            <a:ext cx="6092951" cy="4953000"/>
           </a:xfrm>
           <a:prstGeom prst="rect">
             <a:avLst/>
@@ -6906,7 +9472,7 @@
           <p:cNvPr id="6" name="Picture 5">
             <a:extLst>
               <a:ext uri="{FF2B5EF4-FFF2-40B4-BE49-F238E27FC236}">
-                <a16:creationId xmlns:a16="http://schemas.microsoft.com/office/drawing/2014/main" id="{B9FEF114-00F9-0795-9FDF-654075C70D54}"/>
+                <a16:creationId xmlns:a16="http://schemas.microsoft.com/office/drawing/2014/main" id="{B2B38E34-EB01-A0F5-F6FD-2D7D6B86A871}"/>
               </a:ext>
             </a:extLst>
           </p:cNvPr>
@@ -6923,117 +9489,18 @@
         </p:blipFill>
         <p:spPr>
           <a:xfrm>
-            <a:off x="4278483" y="3615711"/>
-            <a:ext cx="1752845" cy="866896"/>
+            <a:off x="6096910" y="1"/>
+            <a:ext cx="6092042" cy="4952998"/>
           </a:xfrm>
           <a:prstGeom prst="rect">
             <a:avLst/>
           </a:prstGeom>
         </p:spPr>
       </p:pic>
-      <p:pic>
-        <p:nvPicPr>
-          <p:cNvPr id="8" name="Picture 7">
-            <a:extLst>
-              <a:ext uri="{FF2B5EF4-FFF2-40B4-BE49-F238E27FC236}">
-                <a16:creationId xmlns:a16="http://schemas.microsoft.com/office/drawing/2014/main" id="{0A051310-D115-EFB3-E19E-201FA37A0925}"/>
-              </a:ext>
-            </a:extLst>
-          </p:cNvPr>
-          <p:cNvPicPr>
-            <a:picLocks noChangeAspect="1"/>
-          </p:cNvPicPr>
-          <p:nvPr/>
-        </p:nvPicPr>
-        <p:blipFill>
-          <a:blip r:embed="rId4"/>
-          <a:stretch>
-            <a:fillRect/>
-          </a:stretch>
-        </p:blipFill>
-        <p:spPr>
-          <a:xfrm>
-            <a:off x="6103611" y="1"/>
-            <a:ext cx="6086848" cy="4932218"/>
-          </a:xfrm>
-          <a:prstGeom prst="rect">
-            <a:avLst/>
-          </a:prstGeom>
-        </p:spPr>
-      </p:pic>
-      <p:pic>
-        <p:nvPicPr>
-          <p:cNvPr id="10" name="Picture 9">
-            <a:extLst>
-              <a:ext uri="{FF2B5EF4-FFF2-40B4-BE49-F238E27FC236}">
-                <a16:creationId xmlns:a16="http://schemas.microsoft.com/office/drawing/2014/main" id="{CB13F86B-1F41-1D77-37D2-A8B442A0216A}"/>
-              </a:ext>
-            </a:extLst>
-          </p:cNvPr>
-          <p:cNvPicPr>
-            <a:picLocks noChangeAspect="1"/>
-          </p:cNvPicPr>
-          <p:nvPr/>
-        </p:nvPicPr>
-        <p:blipFill>
-          <a:blip r:embed="rId5"/>
-          <a:stretch>
-            <a:fillRect/>
-          </a:stretch>
-        </p:blipFill>
-        <p:spPr>
-          <a:xfrm>
-            <a:off x="10372976" y="3579050"/>
-            <a:ext cx="1743318" cy="885949"/>
-          </a:xfrm>
-          <a:prstGeom prst="rect">
-            <a:avLst/>
-          </a:prstGeom>
-        </p:spPr>
-      </p:pic>
-      <p:sp>
-        <p:nvSpPr>
-          <p:cNvPr id="11" name="TextBox 10">
-            <a:extLst>
-              <a:ext uri="{FF2B5EF4-FFF2-40B4-BE49-F238E27FC236}">
-                <a16:creationId xmlns:a16="http://schemas.microsoft.com/office/drawing/2014/main" id="{049202AE-AB0C-5F19-F2E4-6DEFD1E29965}"/>
-              </a:ext>
-            </a:extLst>
-          </p:cNvPr>
-          <p:cNvSpPr txBox="1"/>
-          <p:nvPr/>
-        </p:nvSpPr>
-        <p:spPr>
-          <a:xfrm>
-            <a:off x="385271" y="5082875"/>
-            <a:ext cx="11397672" cy="1477328"/>
-          </a:xfrm>
-          <a:prstGeom prst="rect">
-            <a:avLst/>
-          </a:prstGeom>
-          <a:noFill/>
-        </p:spPr>
-        <p:txBody>
-          <a:bodyPr wrap="square" rtlCol="0">
-            <a:spAutoFit/>
-          </a:bodyPr>
-          <a:lstStyle/>
-          <a:p>
-            <a:r>
-              <a:rPr lang="en-CA" dirty="0">
-                <a:solidFill>
-                  <a:schemeClr val="bg1"/>
-                </a:solidFill>
-              </a:rPr>
-              <a:t>Here we can see that in the state of Washington, the average prices of all homes and Condos have almost tripled in the past 10 years. The average prices of all homes are also worth more compared to other States near the coasts of America. The Linear Regression shows a steady slope making Washington a great place to invest near the coast, even though our Standard deviation is high due to minor discrepancies of unfavorable neighborhoods, the information is good. </a:t>
-            </a:r>
-          </a:p>
-        </p:txBody>
-      </p:sp>
     </p:spTree>
     <p:extLst>
       <p:ext uri="{BB962C8B-B14F-4D97-AF65-F5344CB8AC3E}">
-        <p14:creationId xmlns:p14="http://schemas.microsoft.com/office/powerpoint/2010/main" val="3535374665"/>
+        <p14:creationId xmlns:p14="http://schemas.microsoft.com/office/powerpoint/2010/main" val="1382801144"/>
       </p:ext>
     </p:extLst>
   </p:cSld>
@@ -7162,6 +9629,46 @@
       </p:sp>
       <p:sp>
         <p:nvSpPr>
+          <p:cNvPr id="2" name="Title 1">
+            <a:extLst>
+              <a:ext uri="{FF2B5EF4-FFF2-40B4-BE49-F238E27FC236}">
+                <a16:creationId xmlns:a16="http://schemas.microsoft.com/office/drawing/2014/main" id="{9AB2EA78-AEB3-469B-9025-3B17201A457B}"/>
+              </a:ext>
+            </a:extLst>
+          </p:cNvPr>
+          <p:cNvSpPr>
+            <a:spLocks noGrp="1"/>
+          </p:cNvSpPr>
+          <p:nvPr>
+            <p:ph type="ctrTitle"/>
+          </p:nvPr>
+        </p:nvSpPr>
+        <p:spPr>
+          <a:xfrm>
+            <a:off x="0" y="0"/>
+            <a:ext cx="12192000" cy="4953000"/>
+          </a:xfrm>
+        </p:spPr>
+        <p:txBody>
+          <a:bodyPr anchor="ctr">
+            <a:normAutofit/>
+          </a:bodyPr>
+          <a:lstStyle/>
+          <a:p>
+            <a:pPr lvl="0"/>
+            <a:r>
+              <a:rPr lang="en-US" sz="4800" i="1" dirty="0">
+                <a:solidFill>
+                  <a:schemeClr val="tx1"/>
+                </a:solidFill>
+              </a:rPr>
+              <a:t>After accumulating our data, we presented it to our client. Enthusiastically, they asked for linear regression plots on all the states with the highest Annual Price Change Rates…</a:t>
+            </a:r>
+          </a:p>
+        </p:txBody>
+      </p:sp>
+      <p:sp>
+        <p:nvSpPr>
           <p:cNvPr id="49" name="Rectangle 48">
             <a:extLst>
               <a:ext uri="{FF2B5EF4-FFF2-40B4-BE49-F238E27FC236}">
@@ -7252,169 +9759,10 @@
           </a:p>
         </p:txBody>
       </p:sp>
-      <p:pic>
-        <p:nvPicPr>
-          <p:cNvPr id="4" name="Picture 3">
-            <a:extLst>
-              <a:ext uri="{FF2B5EF4-FFF2-40B4-BE49-F238E27FC236}">
-                <a16:creationId xmlns:a16="http://schemas.microsoft.com/office/drawing/2014/main" id="{A112669C-0523-8161-4945-D94658FE38C7}"/>
-              </a:ext>
-            </a:extLst>
-          </p:cNvPr>
-          <p:cNvPicPr>
-            <a:picLocks noChangeAspect="1"/>
-          </p:cNvPicPr>
-          <p:nvPr/>
-        </p:nvPicPr>
-        <p:blipFill>
-          <a:blip r:embed="rId2"/>
-          <a:stretch>
-            <a:fillRect/>
-          </a:stretch>
-        </p:blipFill>
-        <p:spPr>
-          <a:xfrm>
-            <a:off x="-1540" y="0"/>
-            <a:ext cx="6097540" cy="4953000"/>
-          </a:xfrm>
-          <a:prstGeom prst="rect">
-            <a:avLst/>
-          </a:prstGeom>
-        </p:spPr>
-      </p:pic>
-      <p:pic>
-        <p:nvPicPr>
-          <p:cNvPr id="6" name="Picture 5">
-            <a:extLst>
-              <a:ext uri="{FF2B5EF4-FFF2-40B4-BE49-F238E27FC236}">
-                <a16:creationId xmlns:a16="http://schemas.microsoft.com/office/drawing/2014/main" id="{F3BCACD4-77F3-9EEE-7F7E-EEE41E4B95F4}"/>
-              </a:ext>
-            </a:extLst>
-          </p:cNvPr>
-          <p:cNvPicPr>
-            <a:picLocks noChangeAspect="1"/>
-          </p:cNvPicPr>
-          <p:nvPr/>
-        </p:nvPicPr>
-        <p:blipFill>
-          <a:blip r:embed="rId3"/>
-          <a:stretch>
-            <a:fillRect/>
-          </a:stretch>
-        </p:blipFill>
-        <p:spPr>
-          <a:xfrm>
-            <a:off x="4287924" y="3549706"/>
-            <a:ext cx="1752845" cy="914528"/>
-          </a:xfrm>
-          <a:prstGeom prst="rect">
-            <a:avLst/>
-          </a:prstGeom>
-        </p:spPr>
-      </p:pic>
-      <p:pic>
-        <p:nvPicPr>
-          <p:cNvPr id="8" name="Picture 7">
-            <a:extLst>
-              <a:ext uri="{FF2B5EF4-FFF2-40B4-BE49-F238E27FC236}">
-                <a16:creationId xmlns:a16="http://schemas.microsoft.com/office/drawing/2014/main" id="{FE70EEE3-8390-2E50-4D86-F114E1B9F48C}"/>
-              </a:ext>
-            </a:extLst>
-          </p:cNvPr>
-          <p:cNvPicPr>
-            <a:picLocks noChangeAspect="1"/>
-          </p:cNvPicPr>
-          <p:nvPr/>
-        </p:nvPicPr>
-        <p:blipFill>
-          <a:blip r:embed="rId4"/>
-          <a:stretch>
-            <a:fillRect/>
-          </a:stretch>
-        </p:blipFill>
-        <p:spPr>
-          <a:xfrm>
-            <a:off x="6071491" y="0"/>
-            <a:ext cx="6118967" cy="4953000"/>
-          </a:xfrm>
-          <a:prstGeom prst="rect">
-            <a:avLst/>
-          </a:prstGeom>
-        </p:spPr>
-      </p:pic>
-      <p:pic>
-        <p:nvPicPr>
-          <p:cNvPr id="10" name="Picture 9">
-            <a:extLst>
-              <a:ext uri="{FF2B5EF4-FFF2-40B4-BE49-F238E27FC236}">
-                <a16:creationId xmlns:a16="http://schemas.microsoft.com/office/drawing/2014/main" id="{B453DE97-3710-8863-276C-3B143CBBDF42}"/>
-              </a:ext>
-            </a:extLst>
-          </p:cNvPr>
-          <p:cNvPicPr>
-            <a:picLocks noChangeAspect="1"/>
-          </p:cNvPicPr>
-          <p:nvPr/>
-        </p:nvPicPr>
-        <p:blipFill>
-          <a:blip r:embed="rId5"/>
-          <a:stretch>
-            <a:fillRect/>
-          </a:stretch>
-        </p:blipFill>
-        <p:spPr>
-          <a:xfrm>
-            <a:off x="10378173" y="3558333"/>
-            <a:ext cx="1752845" cy="914528"/>
-          </a:xfrm>
-          <a:prstGeom prst="rect">
-            <a:avLst/>
-          </a:prstGeom>
-        </p:spPr>
-      </p:pic>
-      <p:sp>
-        <p:nvSpPr>
-          <p:cNvPr id="11" name="TextBox 10">
-            <a:extLst>
-              <a:ext uri="{FF2B5EF4-FFF2-40B4-BE49-F238E27FC236}">
-                <a16:creationId xmlns:a16="http://schemas.microsoft.com/office/drawing/2014/main" id="{29E26F9C-253A-D2E3-FB0B-CCFDB8358461}"/>
-              </a:ext>
-            </a:extLst>
-          </p:cNvPr>
-          <p:cNvSpPr txBox="1"/>
-          <p:nvPr/>
-        </p:nvSpPr>
-        <p:spPr>
-          <a:xfrm>
-            <a:off x="278853" y="5180881"/>
-            <a:ext cx="11585276" cy="1200329"/>
-          </a:xfrm>
-          <a:prstGeom prst="rect">
-            <a:avLst/>
-          </a:prstGeom>
-          <a:noFill/>
-        </p:spPr>
-        <p:txBody>
-          <a:bodyPr wrap="square" rtlCol="0">
-            <a:spAutoFit/>
-          </a:bodyPr>
-          <a:lstStyle/>
-          <a:p>
-            <a:r>
-              <a:rPr lang="en-CA" dirty="0">
-                <a:solidFill>
-                  <a:schemeClr val="bg1"/>
-                </a:solidFill>
-              </a:rPr>
-              <a:t>Here we can see that in the state of New York, the average prices of all homes and Condos have almost doubled in the past 10 years. The average prices of all homes are within the average compared to other States on the coasts of America. The Linear Regression shows a steady slope making Washington a great place to invest near the coast, even though our Standard deviation is high due to discrepancies of unfavorable neighborhoods, the information is good. </a:t>
-            </a:r>
-          </a:p>
-        </p:txBody>
-      </p:sp>
     </p:spTree>
     <p:extLst>
       <p:ext uri="{BB962C8B-B14F-4D97-AF65-F5344CB8AC3E}">
-        <p14:creationId xmlns:p14="http://schemas.microsoft.com/office/powerpoint/2010/main" val="20729905"/>
+        <p14:creationId xmlns:p14="http://schemas.microsoft.com/office/powerpoint/2010/main" val="2976903514"/>
       </p:ext>
     </p:extLst>
   </p:cSld>
@@ -7507,92 +9855,8 @@
           <a:bodyPr rtlCol="0" anchor="ctr"/>
           <a:lstStyle/>
           <a:p>
-            <a:pPr marL="0" marR="0" lvl="0" indent="0" algn="ctr" defTabSz="914400" rtl="0" eaLnBrk="1" fontAlgn="auto" latinLnBrk="0" hangingPunct="1">
-              <a:lnSpc>
-                <a:spcPct val="100000"/>
-              </a:lnSpc>
-              <a:spcBef>
-                <a:spcPts val="0"/>
-              </a:spcBef>
-              <a:spcAft>
-                <a:spcPts val="0"/>
-              </a:spcAft>
-              <a:buClrTx/>
-              <a:buSzTx/>
-              <a:buFontTx/>
-              <a:buNone/>
-              <a:tabLst/>
-              <a:defRPr/>
-            </a:pPr>
-            <a:endParaRPr kumimoji="0" lang="en-US" sz="1800" b="0" i="0" u="none" strike="noStrike" kern="1200" cap="none" spc="0" normalizeH="0" baseline="0" noProof="0">
-              <a:ln>
-                <a:noFill/>
-              </a:ln>
-              <a:solidFill>
-                <a:srgbClr val="FFFFFF"/>
-              </a:solidFill>
-              <a:effectLst/>
-              <a:uLnTx/>
-              <a:uFillTx/>
-              <a:latin typeface="Franklin Gothic Book" panose="020F0502020204030204"/>
-              <a:ea typeface="+mn-ea"/>
-              <a:cs typeface="+mn-cs"/>
-            </a:endParaRPr>
-          </a:p>
-        </p:txBody>
-      </p:sp>
-      <p:sp>
-        <p:nvSpPr>
-          <p:cNvPr id="2" name="Title 1">
-            <a:extLst>
-              <a:ext uri="{FF2B5EF4-FFF2-40B4-BE49-F238E27FC236}">
-                <a16:creationId xmlns:a16="http://schemas.microsoft.com/office/drawing/2014/main" id="{9AB2EA78-AEB3-469B-9025-3B17201A457B}"/>
-              </a:ext>
-            </a:extLst>
-          </p:cNvPr>
-          <p:cNvSpPr>
-            <a:spLocks noGrp="1"/>
-          </p:cNvSpPr>
-          <p:nvPr>
-            <p:ph type="ctrTitle"/>
-          </p:nvPr>
-        </p:nvSpPr>
-        <p:spPr>
-          <a:xfrm>
-            <a:off x="467247" y="362266"/>
-            <a:ext cx="11257472" cy="4399516"/>
-          </a:xfrm>
-        </p:spPr>
-        <p:txBody>
-          <a:bodyPr anchor="ctr">
-            <a:normAutofit fontScale="90000"/>
-          </a:bodyPr>
-          <a:lstStyle/>
-          <a:p>
-            <a:pPr lvl="0"/>
-            <a:r>
-              <a:rPr lang="en-US" sz="4800" i="1" dirty="0">
-                <a:solidFill>
-                  <a:srgbClr val="FFFFFF"/>
-                </a:solidFill>
-              </a:rPr>
-              <a:t>After looking at all the data, we’ve come to conclusion that the state of California has the highest Value, and greatest Linear  Regression slope of property value increase in the last ten years, making it the ideal state to invest in Real Estate.</a:t>
-            </a:r>
-            <a:br>
-              <a:rPr lang="en-US" sz="4800" i="1" dirty="0">
-                <a:solidFill>
-                  <a:srgbClr val="FFFFFF"/>
-                </a:solidFill>
-              </a:rPr>
-            </a:br>
-            <a:r>
-              <a:rPr lang="en-US" sz="4800" i="1" dirty="0">
-                <a:solidFill>
-                  <a:srgbClr val="FFFFFF"/>
-                </a:solidFill>
-              </a:rPr>
-              <a:t> </a:t>
-            </a:r>
+            <a:pPr algn="ctr"/>
+            <a:endParaRPr lang="en-US"/>
           </a:p>
         </p:txBody>
       </p:sp>
@@ -7654,44 +9918,119 @@
           <a:bodyPr/>
           <a:lstStyle/>
           <a:p>
-            <a:pPr marL="0" marR="0" lvl="0" indent="0" algn="l" defTabSz="914400" rtl="0" eaLnBrk="1" fontAlgn="auto" latinLnBrk="0" hangingPunct="1">
-              <a:lnSpc>
-                <a:spcPct val="100000"/>
-              </a:lnSpc>
-              <a:spcBef>
-                <a:spcPts val="0"/>
-              </a:spcBef>
-              <a:spcAft>
-                <a:spcPts val="0"/>
-              </a:spcAft>
-              <a:buClrTx/>
-              <a:buSzTx/>
-              <a:buFontTx/>
-              <a:buNone/>
-              <a:tabLst/>
-              <a:defRPr/>
-            </a:pPr>
-            <a:endParaRPr kumimoji="0" lang="en-CA" sz="1800" b="0" i="0" u="none" strike="noStrike" kern="1200" cap="none" spc="0" normalizeH="0" baseline="0" noProof="0">
-              <a:ln>
-                <a:noFill/>
-              </a:ln>
-              <a:solidFill>
-                <a:srgbClr val="FFFFFF"/>
-              </a:solidFill>
-              <a:effectLst/>
-              <a:uLnTx/>
-              <a:uFillTx/>
-              <a:latin typeface="Franklin Gothic Book" panose="020F0502020204030204"/>
-              <a:ea typeface="+mn-ea"/>
-              <a:cs typeface="+mn-cs"/>
+            <a:endParaRPr lang="en-CA"/>
+          </a:p>
+        </p:txBody>
+      </p:sp>
+      <p:sp>
+        <p:nvSpPr>
+          <p:cNvPr id="9" name="TextBox 8">
+            <a:extLst>
+              <a:ext uri="{FF2B5EF4-FFF2-40B4-BE49-F238E27FC236}">
+                <a16:creationId xmlns:a16="http://schemas.microsoft.com/office/drawing/2014/main" id="{E9DDD0C0-D84E-2EC8-6A34-A9902F8FFCD9}"/>
+              </a:ext>
+            </a:extLst>
+          </p:cNvPr>
+          <p:cNvSpPr txBox="1"/>
+          <p:nvPr/>
+        </p:nvSpPr>
+        <p:spPr>
+          <a:xfrm>
+            <a:off x="0" y="4953000"/>
+            <a:ext cx="12188952" cy="1815882"/>
+          </a:xfrm>
+          <a:prstGeom prst="rect">
+            <a:avLst/>
+          </a:prstGeom>
+          <a:noFill/>
+        </p:spPr>
+        <p:txBody>
+          <a:bodyPr wrap="square" rtlCol="0">
+            <a:spAutoFit/>
+          </a:bodyPr>
+          <a:lstStyle/>
+          <a:p>
+            <a:r>
+              <a:rPr lang="en-CA" sz="2800" dirty="0">
+                <a:solidFill>
+                  <a:schemeClr val="bg1"/>
+                </a:solidFill>
+                <a:latin typeface="+mj-lt"/>
+              </a:rPr>
+              <a:t>With an R-squared value of .9, our data is very reliable. As you can see the prices of 1 Bedroom and 2 Bedroom homes in Nevada have more than tripled in the past ten years. </a:t>
+            </a:r>
+          </a:p>
+          <a:p>
+            <a:endParaRPr lang="en-CA" sz="2800" dirty="0">
+              <a:latin typeface="+mj-lt"/>
             </a:endParaRPr>
           </a:p>
         </p:txBody>
       </p:sp>
+      <p:pic>
+        <p:nvPicPr>
+          <p:cNvPr id="4" name="Picture 3">
+            <a:extLst>
+              <a:ext uri="{FF2B5EF4-FFF2-40B4-BE49-F238E27FC236}">
+                <a16:creationId xmlns:a16="http://schemas.microsoft.com/office/drawing/2014/main" id="{AD635B1D-AC55-9831-7936-80F1840CE154}"/>
+              </a:ext>
+            </a:extLst>
+          </p:cNvPr>
+          <p:cNvPicPr>
+            <a:picLocks noChangeAspect="1"/>
+          </p:cNvPicPr>
+          <p:nvPr/>
+        </p:nvPicPr>
+        <p:blipFill>
+          <a:blip r:embed="rId2"/>
+          <a:stretch>
+            <a:fillRect/>
+          </a:stretch>
+        </p:blipFill>
+        <p:spPr>
+          <a:xfrm>
+            <a:off x="1" y="0"/>
+            <a:ext cx="6096000" cy="4953000"/>
+          </a:xfrm>
+          <a:prstGeom prst="rect">
+            <a:avLst/>
+          </a:prstGeom>
+        </p:spPr>
+      </p:pic>
+      <p:pic>
+        <p:nvPicPr>
+          <p:cNvPr id="7" name="Picture 6">
+            <a:extLst>
+              <a:ext uri="{FF2B5EF4-FFF2-40B4-BE49-F238E27FC236}">
+                <a16:creationId xmlns:a16="http://schemas.microsoft.com/office/drawing/2014/main" id="{D30BC818-4BF4-92D8-2892-B03CB8842115}"/>
+              </a:ext>
+            </a:extLst>
+          </p:cNvPr>
+          <p:cNvPicPr>
+            <a:picLocks noChangeAspect="1"/>
+          </p:cNvPicPr>
+          <p:nvPr/>
+        </p:nvPicPr>
+        <p:blipFill>
+          <a:blip r:embed="rId3"/>
+          <a:stretch>
+            <a:fillRect/>
+          </a:stretch>
+        </p:blipFill>
+        <p:spPr>
+          <a:xfrm>
+            <a:off x="6092952" y="0"/>
+            <a:ext cx="6096000" cy="4953000"/>
+          </a:xfrm>
+          <a:prstGeom prst="rect">
+            <a:avLst/>
+          </a:prstGeom>
+        </p:spPr>
+      </p:pic>
     </p:spTree>
     <p:extLst>
       <p:ext uri="{BB962C8B-B14F-4D97-AF65-F5344CB8AC3E}">
-        <p14:creationId xmlns:p14="http://schemas.microsoft.com/office/powerpoint/2010/main" val="3494091059"/>
+        <p14:creationId xmlns:p14="http://schemas.microsoft.com/office/powerpoint/2010/main" val="2568263072"/>
       </p:ext>
     </p:extLst>
   </p:cSld>
@@ -7704,6 +10043,14 @@
 <file path=ppt/slides/slide9.xml><?xml version="1.0" encoding="utf-8"?>
 <p:sld xmlns:a="http://schemas.openxmlformats.org/drawingml/2006/main" xmlns:r="http://schemas.openxmlformats.org/officeDocument/2006/relationships" xmlns:p="http://schemas.openxmlformats.org/presentationml/2006/main">
   <p:cSld>
+    <p:bg>
+      <p:bgPr>
+        <a:solidFill>
+          <a:schemeClr val="bg1"/>
+        </a:solidFill>
+        <a:effectLst/>
+      </p:bgPr>
+    </p:bg>
     <p:spTree>
       <p:nvGrpSpPr>
         <p:cNvPr id="1" name=""/>
@@ -7718,47 +10065,182 @@
           <a:chExt cx="0" cy="0"/>
         </a:xfrm>
       </p:grpSpPr>
-      <p:pic>
-        <p:nvPicPr>
-          <p:cNvPr id="3" name="Picture 2" descr="A graph of a graph with a line and a line&#10;&#10;Description automatically generated with medium confidence">
-            <a:extLst>
-              <a:ext uri="{FF2B5EF4-FFF2-40B4-BE49-F238E27FC236}">
-                <a16:creationId xmlns:a16="http://schemas.microsoft.com/office/drawing/2014/main" id="{96F6F1AA-5E58-1CC1-FF7B-57938B036C26}"/>
-              </a:ext>
-            </a:extLst>
-          </p:cNvPr>
-          <p:cNvPicPr>
-            <a:picLocks noChangeAspect="1"/>
-          </p:cNvPicPr>
-          <p:nvPr/>
-        </p:nvPicPr>
-        <p:blipFill rotWithShape="1">
-          <a:blip r:embed="rId2">
-            <a:extLst>
-              <a:ext uri="{28A0092B-C50C-407E-A947-70E740481C1C}">
-                <a14:useLocalDpi xmlns:a14="http://schemas.microsoft.com/office/drawing/2010/main" val="0"/>
-              </a:ext>
-            </a:extLst>
-          </a:blip>
-          <a:srcRect t="2692"/>
-          <a:stretch/>
-        </p:blipFill>
-        <p:spPr>
-          <a:xfrm>
-            <a:off x="759655" y="886265"/>
-            <a:ext cx="9852079" cy="2542736"/>
+      <p:sp>
+        <p:nvSpPr>
+          <p:cNvPr id="47" name="Rectangle 46">
+            <a:extLst>
+              <a:ext uri="{FF2B5EF4-FFF2-40B4-BE49-F238E27FC236}">
+                <a16:creationId xmlns:a16="http://schemas.microsoft.com/office/drawing/2014/main" id="{FBDCECDC-EEE3-4128-AA5E-82A8C08796E8}"/>
+              </a:ext>
+              <a:ext uri="{C183D7F6-B498-43B3-948B-1728B52AA6E4}">
+                <adec:decorative xmlns:adec="http://schemas.microsoft.com/office/drawing/2017/decorative" val="1"/>
+              </a:ext>
+            </a:extLst>
+          </p:cNvPr>
+          <p:cNvSpPr>
+            <a:spLocks noGrp="1" noRot="1" noChangeAspect="1" noMove="1" noResize="1" noEditPoints="1" noAdjustHandles="1" noChangeArrowheads="1" noChangeShapeType="1" noTextEdit="1"/>
+          </p:cNvSpPr>
+          <p:nvPr>
+            <p:extLst>
+              <p:ext uri="{386F3935-93C4-4BCD-93E2-E3B085C9AB24}">
+                <p16:designElem xmlns:p16="http://schemas.microsoft.com/office/powerpoint/2015/main" val="1"/>
+              </p:ext>
+            </p:extLst>
+          </p:nvPr>
+        </p:nvSpPr>
+        <p:spPr>
+          <a:xfrm>
+            <a:off x="1507" y="0"/>
+            <a:ext cx="12192000" cy="6858000"/>
           </a:xfrm>
           <a:prstGeom prst="rect">
             <a:avLst/>
           </a:prstGeom>
-        </p:spPr>
-      </p:pic>
+          <a:solidFill>
+            <a:schemeClr val="accent1"/>
+          </a:solidFill>
+          <a:ln>
+            <a:noFill/>
+          </a:ln>
+        </p:spPr>
+        <p:style>
+          <a:lnRef idx="2">
+            <a:schemeClr val="accent1">
+              <a:shade val="50000"/>
+            </a:schemeClr>
+          </a:lnRef>
+          <a:fillRef idx="1">
+            <a:schemeClr val="accent1"/>
+          </a:fillRef>
+          <a:effectRef idx="0">
+            <a:schemeClr val="accent1"/>
+          </a:effectRef>
+          <a:fontRef idx="minor">
+            <a:schemeClr val="lt1"/>
+          </a:fontRef>
+        </p:style>
+        <p:txBody>
+          <a:bodyPr rtlCol="0" anchor="ctr"/>
+          <a:lstStyle/>
+          <a:p>
+            <a:pPr algn="ctr"/>
+            <a:endParaRPr lang="en-US"/>
+          </a:p>
+        </p:txBody>
+      </p:sp>
+      <p:sp>
+        <p:nvSpPr>
+          <p:cNvPr id="49" name="Rectangle 48">
+            <a:extLst>
+              <a:ext uri="{FF2B5EF4-FFF2-40B4-BE49-F238E27FC236}">
+                <a16:creationId xmlns:a16="http://schemas.microsoft.com/office/drawing/2014/main" id="{4260EDE0-989C-4E16-AF94-F652294D828E}"/>
+              </a:ext>
+              <a:ext uri="{C183D7F6-B498-43B3-948B-1728B52AA6E4}">
+                <adec:decorative xmlns:adec="http://schemas.microsoft.com/office/drawing/2017/decorative" val="1"/>
+              </a:ext>
+            </a:extLst>
+          </p:cNvPr>
+          <p:cNvSpPr>
+            <a:spLocks noGrp="1" noRot="1" noChangeAspect="1" noMove="1" noResize="1" noEditPoints="1" noAdjustHandles="1" noChangeArrowheads="1" noChangeShapeType="1" noTextEdit="1"/>
+          </p:cNvSpPr>
+          <p:nvPr>
+            <p:extLst>
+              <p:ext uri="{386F3935-93C4-4BCD-93E2-E3B085C9AB24}">
+                <p16:designElem xmlns:p16="http://schemas.microsoft.com/office/powerpoint/2015/main" val="1"/>
+              </p:ext>
+            </p:extLst>
+          </p:nvPr>
+        </p:nvSpPr>
+        <p:spPr bwMode="white">
+          <a:xfrm>
+            <a:off x="1507" y="4953000"/>
+            <a:ext cx="12188952" cy="1905000"/>
+          </a:xfrm>
+          <a:prstGeom prst="rect">
+            <a:avLst/>
+          </a:prstGeom>
+          <a:solidFill>
+            <a:srgbClr val="262626"/>
+          </a:solidFill>
+          <a:ln>
+            <a:noFill/>
+          </a:ln>
+        </p:spPr>
+        <p:style>
+          <a:lnRef idx="2">
+            <a:schemeClr val="accent1">
+              <a:shade val="50000"/>
+            </a:schemeClr>
+          </a:lnRef>
+          <a:fillRef idx="1">
+            <a:schemeClr val="accent1"/>
+          </a:fillRef>
+          <a:effectRef idx="0">
+            <a:schemeClr val="accent1"/>
+          </a:effectRef>
+          <a:fontRef idx="minor">
+            <a:schemeClr val="lt1"/>
+          </a:fontRef>
+        </p:style>
+        <p:txBody>
+          <a:bodyPr/>
+          <a:lstStyle/>
+          <a:p>
+            <a:endParaRPr lang="en-CA"/>
+          </a:p>
+        </p:txBody>
+      </p:sp>
+      <p:sp>
+        <p:nvSpPr>
+          <p:cNvPr id="9" name="TextBox 8">
+            <a:extLst>
+              <a:ext uri="{FF2B5EF4-FFF2-40B4-BE49-F238E27FC236}">
+                <a16:creationId xmlns:a16="http://schemas.microsoft.com/office/drawing/2014/main" id="{E9DDD0C0-D84E-2EC8-6A34-A9902F8FFCD9}"/>
+              </a:ext>
+            </a:extLst>
+          </p:cNvPr>
+          <p:cNvSpPr txBox="1"/>
+          <p:nvPr/>
+        </p:nvSpPr>
+        <p:spPr>
+          <a:xfrm>
+            <a:off x="0" y="4953000"/>
+            <a:ext cx="12188952" cy="1815882"/>
+          </a:xfrm>
+          <a:prstGeom prst="rect">
+            <a:avLst/>
+          </a:prstGeom>
+          <a:noFill/>
+        </p:spPr>
+        <p:txBody>
+          <a:bodyPr wrap="square" rtlCol="0">
+            <a:spAutoFit/>
+          </a:bodyPr>
+          <a:lstStyle/>
+          <a:p>
+            <a:r>
+              <a:rPr lang="en-CA" sz="2800" dirty="0">
+                <a:solidFill>
+                  <a:schemeClr val="bg1"/>
+                </a:solidFill>
+                <a:latin typeface="+mj-lt"/>
+              </a:rPr>
+              <a:t>With an R-squared value of .9, our data is very reliable. As you can see the prices of 3 Bedroom homes and Condos in Nevada have more than quadrupled in the past ten years. </a:t>
+            </a:r>
+          </a:p>
+          <a:p>
+            <a:endParaRPr lang="en-CA" sz="2800" dirty="0">
+              <a:latin typeface="+mj-lt"/>
+            </a:endParaRPr>
+          </a:p>
+        </p:txBody>
+      </p:sp>
       <p:pic>
         <p:nvPicPr>
-          <p:cNvPr id="5" name="Picture 4" descr="A graph with a line and a line graph&#10;&#10;Description automatically generated with medium confidence">
-            <a:extLst>
-              <a:ext uri="{FF2B5EF4-FFF2-40B4-BE49-F238E27FC236}">
-                <a16:creationId xmlns:a16="http://schemas.microsoft.com/office/drawing/2014/main" id="{84EC855B-8725-927E-531B-85F058B8979B}"/>
+          <p:cNvPr id="3" name="Picture 2">
+            <a:extLst>
+              <a:ext uri="{FF2B5EF4-FFF2-40B4-BE49-F238E27FC236}">
+                <a16:creationId xmlns:a16="http://schemas.microsoft.com/office/drawing/2014/main" id="{7B282588-76C2-D62A-5EB6-765D468CF33C}"/>
               </a:ext>
             </a:extLst>
           </p:cNvPr>
@@ -7768,118 +10250,55 @@
           <p:nvPr/>
         </p:nvPicPr>
         <p:blipFill>
-          <a:blip r:embed="rId3">
-            <a:extLst>
-              <a:ext uri="{28A0092B-C50C-407E-A947-70E740481C1C}">
-                <a14:useLocalDpi xmlns:a14="http://schemas.microsoft.com/office/drawing/2010/main" val="0"/>
-              </a:ext>
-            </a:extLst>
-          </a:blip>
+          <a:blip r:embed="rId2"/>
           <a:stretch>
             <a:fillRect/>
           </a:stretch>
         </p:blipFill>
         <p:spPr>
           <a:xfrm>
-            <a:off x="1329007" y="4058531"/>
-            <a:ext cx="9533985" cy="2310618"/>
+            <a:off x="1" y="0"/>
+            <a:ext cx="6096000" cy="4953000"/>
           </a:xfrm>
           <a:prstGeom prst="rect">
             <a:avLst/>
           </a:prstGeom>
         </p:spPr>
       </p:pic>
-      <p:sp>
-        <p:nvSpPr>
-          <p:cNvPr id="7" name="TextBox 6">
-            <a:extLst>
-              <a:ext uri="{FF2B5EF4-FFF2-40B4-BE49-F238E27FC236}">
-                <a16:creationId xmlns:a16="http://schemas.microsoft.com/office/drawing/2014/main" id="{4F1851AE-CD42-9EFE-D816-BC8BE562FA1D}"/>
-              </a:ext>
-            </a:extLst>
-          </p:cNvPr>
-          <p:cNvSpPr txBox="1"/>
+      <p:pic>
+        <p:nvPicPr>
+          <p:cNvPr id="6" name="Picture 5">
+            <a:extLst>
+              <a:ext uri="{FF2B5EF4-FFF2-40B4-BE49-F238E27FC236}">
+                <a16:creationId xmlns:a16="http://schemas.microsoft.com/office/drawing/2014/main" id="{ADD66F90-E012-3F50-A2F0-9302E302B955}"/>
+              </a:ext>
+            </a:extLst>
+          </p:cNvPr>
+          <p:cNvPicPr>
+            <a:picLocks noChangeAspect="1"/>
+          </p:cNvPicPr>
           <p:nvPr/>
-        </p:nvSpPr>
-        <p:spPr>
-          <a:xfrm>
-            <a:off x="3026811" y="304185"/>
-            <a:ext cx="5511702" cy="369332"/>
+        </p:nvPicPr>
+        <p:blipFill>
+          <a:blip r:embed="rId3"/>
+          <a:stretch>
+            <a:fillRect/>
+          </a:stretch>
+        </p:blipFill>
+        <p:spPr>
+          <a:xfrm>
+            <a:off x="6096000" y="0"/>
+            <a:ext cx="6092952" cy="4934309"/>
           </a:xfrm>
           <a:prstGeom prst="rect">
             <a:avLst/>
           </a:prstGeom>
-          <a:noFill/>
-        </p:spPr>
-        <p:txBody>
-          <a:bodyPr wrap="none" rtlCol="0">
-            <a:spAutoFit/>
-          </a:bodyPr>
-          <a:lstStyle/>
-          <a:p>
-            <a:r>
-              <a:rPr lang="en-US" dirty="0">
-                <a:solidFill>
-                  <a:schemeClr val="bg1"/>
-                </a:solidFill>
-                <a:highlight>
-                  <a:srgbClr val="000000"/>
-                </a:highlight>
-              </a:rPr>
-              <a:t>New Hampshire: 1 Bedroom and Condos (2012-2022) </a:t>
-            </a:r>
-          </a:p>
-        </p:txBody>
-      </p:sp>
-      <p:sp>
-        <p:nvSpPr>
-          <p:cNvPr id="8" name="TextBox 7">
-            <a:extLst>
-              <a:ext uri="{FF2B5EF4-FFF2-40B4-BE49-F238E27FC236}">
-                <a16:creationId xmlns:a16="http://schemas.microsoft.com/office/drawing/2014/main" id="{5AC32F14-1364-547C-64B7-C85E72C48AC3}"/>
-              </a:ext>
-            </a:extLst>
-          </p:cNvPr>
-          <p:cNvSpPr txBox="1"/>
-          <p:nvPr/>
-        </p:nvSpPr>
-        <p:spPr>
-          <a:xfrm>
-            <a:off x="3493477" y="3611758"/>
-            <a:ext cx="4578369" cy="646331"/>
-          </a:xfrm>
-          <a:prstGeom prst="rect">
-            <a:avLst/>
-          </a:prstGeom>
-          <a:noFill/>
-        </p:spPr>
-        <p:txBody>
-          <a:bodyPr wrap="none" rtlCol="0">
-            <a:spAutoFit/>
-          </a:bodyPr>
-          <a:lstStyle/>
-          <a:p>
-            <a:r>
-              <a:rPr lang="en-US" dirty="0">
-                <a:solidFill>
-                  <a:schemeClr val="bg1"/>
-                </a:solidFill>
-                <a:highlight>
-                  <a:srgbClr val="000000"/>
-                </a:highlight>
-              </a:rPr>
-              <a:t>Maine: 1 Bedroom and Condos (2012-2022) </a:t>
-            </a:r>
-          </a:p>
-          <a:p>
-            <a:endParaRPr lang="en-US" dirty="0"/>
-          </a:p>
-        </p:txBody>
-      </p:sp>
+        </p:spPr>
+      </p:pic>
     </p:spTree>
     <p:extLst>
       <p:ext uri="{BB962C8B-B14F-4D97-AF65-F5344CB8AC3E}">
-        <p14:creationId xmlns:p14="http://schemas.microsoft.com/office/powerpoint/2010/main" val="2638784750"/>
+        <p14:creationId xmlns:p14="http://schemas.microsoft.com/office/powerpoint/2010/main" val="869800242"/>
       </p:ext>
     </p:extLst>
   </p:cSld>
@@ -8173,6 +10592,15 @@
 </file>
 
 <file path=customXml/item1.xml><?xml version="1.0" encoding="utf-8"?>
+<?mso-contentType ?>
+<FormTemplates xmlns="http://schemas.microsoft.com/sharepoint/v3/contenttype/forms">
+  <Display>DocumentLibraryForm</Display>
+  <Edit>DocumentLibraryForm</Edit>
+  <New>DocumentLibraryForm</New>
+</FormTemplates>
+</file>
+
+<file path=customXml/item2.xml><?xml version="1.0" encoding="utf-8"?>
 <p:properties xmlns:p="http://schemas.microsoft.com/office/2006/metadata/properties" xmlns:xsi="http://www.w3.org/2001/XMLSchema-instance" xmlns:pc="http://schemas.microsoft.com/office/infopath/2007/PartnerControls">
   <documentManagement>
     <_ip_UnifiedCompliancePolicyUIAction xmlns="http://schemas.microsoft.com/sharepoint/v3" xsi:nil="true"/>
@@ -8190,15 +10618,6 @@
     <MediaServiceKeyPoints xmlns="71af3243-3dd4-4a8d-8c0d-dd76da1f02a5" xsi:nil="true"/>
   </documentManagement>
 </p:properties>
-</file>
-
-<file path=customXml/item2.xml><?xml version="1.0" encoding="utf-8"?>
-<?mso-contentType ?>
-<FormTemplates xmlns="http://schemas.microsoft.com/sharepoint/v3/contenttype/forms">
-  <Display>DocumentLibraryForm</Display>
-  <Edit>DocumentLibraryForm</Edit>
-  <New>DocumentLibraryForm</New>
-</FormTemplates>
 </file>
 
 <file path=customXml/item3.xml><?xml version="1.0" encoding="utf-8"?>
@@ -8508,6 +10927,14 @@
 </file>
 
 <file path=customXml/itemProps1.xml><?xml version="1.0" encoding="utf-8"?>
+<ds:datastoreItem xmlns:ds="http://schemas.openxmlformats.org/officeDocument/2006/customXml" ds:itemID="{19DAD249-BF80-48EF-9AFB-36A11BCDC2CE}">
+  <ds:schemaRefs>
+    <ds:schemaRef ds:uri="http://schemas.microsoft.com/sharepoint/v3/contenttype/forms"/>
+  </ds:schemaRefs>
+</ds:datastoreItem>
+</file>
+
+<file path=customXml/itemProps2.xml><?xml version="1.0" encoding="utf-8"?>
 <ds:datastoreItem xmlns:ds="http://schemas.openxmlformats.org/officeDocument/2006/customXml" ds:itemID="{6F4F4D41-822D-40F2-A7AC-E4E6CB36CA7A}">
   <ds:schemaRefs>
     <ds:schemaRef ds:uri="http://schemas.microsoft.com/office/2006/metadata/properties"/>
@@ -8515,14 +10942,6 @@
     <ds:schemaRef ds:uri="http://schemas.microsoft.com/sharepoint/v3"/>
     <ds:schemaRef ds:uri="71af3243-3dd4-4a8d-8c0d-dd76da1f02a5"/>
     <ds:schemaRef ds:uri="230e9df3-be65-4c73-a93b-d1236ebd677e"/>
-  </ds:schemaRefs>
-</ds:datastoreItem>
-</file>
-
-<file path=customXml/itemProps2.xml><?xml version="1.0" encoding="utf-8"?>
-<ds:datastoreItem xmlns:ds="http://schemas.openxmlformats.org/officeDocument/2006/customXml" ds:itemID="{19DAD249-BF80-48EF-9AFB-36A11BCDC2CE}">
-  <ds:schemaRefs>
-    <ds:schemaRef ds:uri="http://schemas.microsoft.com/sharepoint/v3/contenttype/forms"/>
   </ds:schemaRefs>
 </ds:datastoreItem>
 </file>

--- a/Main_Data/Nasdaq Real Estate Data Cleaning.pptx
+++ b/Main_Data/Nasdaq Real Estate Data Cleaning.pptx
@@ -8,24 +8,25 @@
     <p:sldId id="257" r:id="rId5"/>
     <p:sldId id="258" r:id="rId6"/>
     <p:sldId id="259" r:id="rId7"/>
-    <p:sldId id="280" r:id="rId8"/>
-    <p:sldId id="278" r:id="rId9"/>
-    <p:sldId id="281" r:id="rId10"/>
-    <p:sldId id="282" r:id="rId11"/>
-    <p:sldId id="284" r:id="rId12"/>
-    <p:sldId id="285" r:id="rId13"/>
-    <p:sldId id="286" r:id="rId14"/>
-    <p:sldId id="283" r:id="rId15"/>
-    <p:sldId id="260" r:id="rId16"/>
-    <p:sldId id="262" r:id="rId17"/>
-    <p:sldId id="263" r:id="rId18"/>
-    <p:sldId id="264" r:id="rId19"/>
-    <p:sldId id="277" r:id="rId20"/>
-    <p:sldId id="287" r:id="rId21"/>
-    <p:sldId id="272" r:id="rId22"/>
-    <p:sldId id="273" r:id="rId23"/>
-    <p:sldId id="274" r:id="rId24"/>
-    <p:sldId id="265" r:id="rId25"/>
+    <p:sldId id="288" r:id="rId8"/>
+    <p:sldId id="280" r:id="rId9"/>
+    <p:sldId id="278" r:id="rId10"/>
+    <p:sldId id="281" r:id="rId11"/>
+    <p:sldId id="282" r:id="rId12"/>
+    <p:sldId id="284" r:id="rId13"/>
+    <p:sldId id="285" r:id="rId14"/>
+    <p:sldId id="286" r:id="rId15"/>
+    <p:sldId id="283" r:id="rId16"/>
+    <p:sldId id="260" r:id="rId17"/>
+    <p:sldId id="262" r:id="rId18"/>
+    <p:sldId id="263" r:id="rId19"/>
+    <p:sldId id="264" r:id="rId20"/>
+    <p:sldId id="277" r:id="rId21"/>
+    <p:sldId id="287" r:id="rId22"/>
+    <p:sldId id="272" r:id="rId23"/>
+    <p:sldId id="273" r:id="rId24"/>
+    <p:sldId id="274" r:id="rId25"/>
+    <p:sldId id="265" r:id="rId26"/>
   </p:sldIdLst>
   <p:sldSz cx="12192000" cy="6858000"/>
   <p:notesSz cx="6858000" cy="9144000"/>
@@ -4603,7 +4604,7 @@
                 </a:solidFill>
                 <a:latin typeface="+mj-lt"/>
               </a:rPr>
-              <a:t>With an R-squared value of .9, our data is very reliable. As you can see the prices of 4 Bedroom homes and 5+ Bedroom homes in Idaho have also more than tripled in the past ten years. </a:t>
+              <a:t>With an R-squared value of .9, our data is very reliable. As you can see the prices of 3 Bedroom homes and Condos in Nevada have more than quadrupled in the past ten years. </a:t>
             </a:r>
           </a:p>
           <a:p>
@@ -4615,10 +4616,10 @@
       </p:sp>
       <p:pic>
         <p:nvPicPr>
-          <p:cNvPr id="4" name="Picture 3">
-            <a:extLst>
-              <a:ext uri="{FF2B5EF4-FFF2-40B4-BE49-F238E27FC236}">
-                <a16:creationId xmlns:a16="http://schemas.microsoft.com/office/drawing/2014/main" id="{52002913-A31E-DAEC-2B05-863AEFC39F38}"/>
+          <p:cNvPr id="3" name="Picture 2">
+            <a:extLst>
+              <a:ext uri="{FF2B5EF4-FFF2-40B4-BE49-F238E27FC236}">
+                <a16:creationId xmlns:a16="http://schemas.microsoft.com/office/drawing/2014/main" id="{7B282588-76C2-D62A-5EB6-765D468CF33C}"/>
               </a:ext>
             </a:extLst>
           </p:cNvPr>
@@ -4645,10 +4646,10 @@
       </p:pic>
       <p:pic>
         <p:nvPicPr>
-          <p:cNvPr id="7" name="Picture 6">
-            <a:extLst>
-              <a:ext uri="{FF2B5EF4-FFF2-40B4-BE49-F238E27FC236}">
-                <a16:creationId xmlns:a16="http://schemas.microsoft.com/office/drawing/2014/main" id="{1AFA020F-DCBE-F334-DD16-00BCF8DD8BFC}"/>
+          <p:cNvPr id="6" name="Picture 5">
+            <a:extLst>
+              <a:ext uri="{FF2B5EF4-FFF2-40B4-BE49-F238E27FC236}">
+                <a16:creationId xmlns:a16="http://schemas.microsoft.com/office/drawing/2014/main" id="{ADD66F90-E012-3F50-A2F0-9302E302B955}"/>
               </a:ext>
             </a:extLst>
           </p:cNvPr>
@@ -4665,8 +4666,8 @@
         </p:blipFill>
         <p:spPr>
           <a:xfrm>
-            <a:off x="6096000" y="14980"/>
-            <a:ext cx="6096000" cy="4938020"/>
+            <a:off x="6096000" y="0"/>
+            <a:ext cx="6092952" cy="4934309"/>
           </a:xfrm>
           <a:prstGeom prst="rect">
             <a:avLst/>
@@ -4676,7 +4677,7 @@
     </p:spTree>
     <p:extLst>
       <p:ext uri="{BB962C8B-B14F-4D97-AF65-F5344CB8AC3E}">
-        <p14:creationId xmlns:p14="http://schemas.microsoft.com/office/powerpoint/2010/main" val="4191528134"/>
+        <p14:creationId xmlns:p14="http://schemas.microsoft.com/office/powerpoint/2010/main" val="869800242"/>
       </p:ext>
     </p:extLst>
   </p:cSld>
@@ -4769,77 +4770,8 @@
           <a:bodyPr rtlCol="0" anchor="ctr"/>
           <a:lstStyle/>
           <a:p>
-            <a:pPr marL="0" marR="0" lvl="0" indent="0" algn="ctr" defTabSz="914400" rtl="0" eaLnBrk="1" fontAlgn="auto" latinLnBrk="0" hangingPunct="1">
-              <a:lnSpc>
-                <a:spcPct val="100000"/>
-              </a:lnSpc>
-              <a:spcBef>
-                <a:spcPts val="0"/>
-              </a:spcBef>
-              <a:spcAft>
-                <a:spcPts val="0"/>
-              </a:spcAft>
-              <a:buClrTx/>
-              <a:buSzTx/>
-              <a:buFontTx/>
-              <a:buNone/>
-              <a:tabLst/>
-              <a:defRPr/>
-            </a:pPr>
-            <a:endParaRPr kumimoji="0" lang="en-US" sz="1800" b="0" i="0" u="none" strike="noStrike" kern="1200" cap="none" spc="0" normalizeH="0" baseline="0" noProof="0">
-              <a:ln>
-                <a:noFill/>
-              </a:ln>
-              <a:solidFill>
-                <a:srgbClr val="FFFFFF"/>
-              </a:solidFill>
-              <a:effectLst/>
-              <a:uLnTx/>
-              <a:uFillTx/>
-              <a:latin typeface="Franklin Gothic Book" panose="020F0502020204030204"/>
-              <a:ea typeface="+mn-ea"/>
-              <a:cs typeface="+mn-cs"/>
-            </a:endParaRPr>
-          </a:p>
-        </p:txBody>
-      </p:sp>
-      <p:sp>
-        <p:nvSpPr>
-          <p:cNvPr id="2" name="Title 1">
-            <a:extLst>
-              <a:ext uri="{FF2B5EF4-FFF2-40B4-BE49-F238E27FC236}">
-                <a16:creationId xmlns:a16="http://schemas.microsoft.com/office/drawing/2014/main" id="{9AB2EA78-AEB3-469B-9025-3B17201A457B}"/>
-              </a:ext>
-            </a:extLst>
-          </p:cNvPr>
-          <p:cNvSpPr>
-            <a:spLocks noGrp="1"/>
-          </p:cNvSpPr>
-          <p:nvPr>
-            <p:ph type="ctrTitle"/>
-          </p:nvPr>
-        </p:nvSpPr>
-        <p:spPr>
-          <a:xfrm>
-            <a:off x="0" y="0"/>
-            <a:ext cx="12192000" cy="4953000"/>
-          </a:xfrm>
-        </p:spPr>
-        <p:txBody>
-          <a:bodyPr anchor="ctr">
-            <a:normAutofit fontScale="90000"/>
-          </a:bodyPr>
-          <a:lstStyle/>
-          <a:p>
-            <a:pPr lvl="0"/>
-            <a:r>
-              <a:rPr lang="en-US" sz="4800" i="1" dirty="0">
-                <a:solidFill>
-                  <a:schemeClr val="tx1"/>
-                </a:solidFill>
-              </a:rPr>
-              <a:t>Our Client was extremely satisfied with our data, they then explained how they were investing in a shipping company. We’ve been informed they would also like to invest in real estate connected to states which have a high impact in the shipping industry. We’ve deduced that Texas, California, Ohio and Illinois are the top 4 States in Freight Shipping.</a:t>
-            </a:r>
+            <a:pPr algn="ctr"/>
+            <a:endParaRPr lang="en-US"/>
           </a:p>
         </p:txBody>
       </p:sp>
@@ -4901,44 +4833,119 @@
           <a:bodyPr/>
           <a:lstStyle/>
           <a:p>
-            <a:pPr marL="0" marR="0" lvl="0" indent="0" algn="l" defTabSz="914400" rtl="0" eaLnBrk="1" fontAlgn="auto" latinLnBrk="0" hangingPunct="1">
-              <a:lnSpc>
-                <a:spcPct val="100000"/>
-              </a:lnSpc>
-              <a:spcBef>
-                <a:spcPts val="0"/>
-              </a:spcBef>
-              <a:spcAft>
-                <a:spcPts val="0"/>
-              </a:spcAft>
-              <a:buClrTx/>
-              <a:buSzTx/>
-              <a:buFontTx/>
-              <a:buNone/>
-              <a:tabLst/>
-              <a:defRPr/>
-            </a:pPr>
-            <a:endParaRPr kumimoji="0" lang="en-CA" sz="1800" b="0" i="0" u="none" strike="noStrike" kern="1200" cap="none" spc="0" normalizeH="0" baseline="0" noProof="0">
-              <a:ln>
-                <a:noFill/>
-              </a:ln>
-              <a:solidFill>
-                <a:srgbClr val="FFFFFF"/>
-              </a:solidFill>
-              <a:effectLst/>
-              <a:uLnTx/>
-              <a:uFillTx/>
-              <a:latin typeface="Franklin Gothic Book" panose="020F0502020204030204"/>
-              <a:ea typeface="+mn-ea"/>
-              <a:cs typeface="+mn-cs"/>
+            <a:endParaRPr lang="en-CA"/>
+          </a:p>
+        </p:txBody>
+      </p:sp>
+      <p:sp>
+        <p:nvSpPr>
+          <p:cNvPr id="9" name="TextBox 8">
+            <a:extLst>
+              <a:ext uri="{FF2B5EF4-FFF2-40B4-BE49-F238E27FC236}">
+                <a16:creationId xmlns:a16="http://schemas.microsoft.com/office/drawing/2014/main" id="{E9DDD0C0-D84E-2EC8-6A34-A9902F8FFCD9}"/>
+              </a:ext>
+            </a:extLst>
+          </p:cNvPr>
+          <p:cNvSpPr txBox="1"/>
+          <p:nvPr/>
+        </p:nvSpPr>
+        <p:spPr>
+          <a:xfrm>
+            <a:off x="0" y="4953000"/>
+            <a:ext cx="12188952" cy="1815882"/>
+          </a:xfrm>
+          <a:prstGeom prst="rect">
+            <a:avLst/>
+          </a:prstGeom>
+          <a:noFill/>
+        </p:spPr>
+        <p:txBody>
+          <a:bodyPr wrap="square" rtlCol="0">
+            <a:spAutoFit/>
+          </a:bodyPr>
+          <a:lstStyle/>
+          <a:p>
+            <a:r>
+              <a:rPr lang="en-CA" sz="2800" dirty="0">
+                <a:solidFill>
+                  <a:schemeClr val="bg1"/>
+                </a:solidFill>
+                <a:latin typeface="+mj-lt"/>
+              </a:rPr>
+              <a:t>With an R-squared value of .9, our data is very reliable. As you can see the prices of 4 Bedroom homes and 5+ Bedroom homes in Idaho have also more than tripled in the past ten years. </a:t>
+            </a:r>
+          </a:p>
+          <a:p>
+            <a:endParaRPr lang="en-CA" sz="2800" dirty="0">
+              <a:latin typeface="+mj-lt"/>
             </a:endParaRPr>
           </a:p>
         </p:txBody>
       </p:sp>
+      <p:pic>
+        <p:nvPicPr>
+          <p:cNvPr id="4" name="Picture 3">
+            <a:extLst>
+              <a:ext uri="{FF2B5EF4-FFF2-40B4-BE49-F238E27FC236}">
+                <a16:creationId xmlns:a16="http://schemas.microsoft.com/office/drawing/2014/main" id="{52002913-A31E-DAEC-2B05-863AEFC39F38}"/>
+              </a:ext>
+            </a:extLst>
+          </p:cNvPr>
+          <p:cNvPicPr>
+            <a:picLocks noChangeAspect="1"/>
+          </p:cNvPicPr>
+          <p:nvPr/>
+        </p:nvPicPr>
+        <p:blipFill>
+          <a:blip r:embed="rId2"/>
+          <a:stretch>
+            <a:fillRect/>
+          </a:stretch>
+        </p:blipFill>
+        <p:spPr>
+          <a:xfrm>
+            <a:off x="1" y="0"/>
+            <a:ext cx="6096000" cy="4953000"/>
+          </a:xfrm>
+          <a:prstGeom prst="rect">
+            <a:avLst/>
+          </a:prstGeom>
+        </p:spPr>
+      </p:pic>
+      <p:pic>
+        <p:nvPicPr>
+          <p:cNvPr id="7" name="Picture 6">
+            <a:extLst>
+              <a:ext uri="{FF2B5EF4-FFF2-40B4-BE49-F238E27FC236}">
+                <a16:creationId xmlns:a16="http://schemas.microsoft.com/office/drawing/2014/main" id="{1AFA020F-DCBE-F334-DD16-00BCF8DD8BFC}"/>
+              </a:ext>
+            </a:extLst>
+          </p:cNvPr>
+          <p:cNvPicPr>
+            <a:picLocks noChangeAspect="1"/>
+          </p:cNvPicPr>
+          <p:nvPr/>
+        </p:nvPicPr>
+        <p:blipFill>
+          <a:blip r:embed="rId3"/>
+          <a:stretch>
+            <a:fillRect/>
+          </a:stretch>
+        </p:blipFill>
+        <p:spPr>
+          <a:xfrm>
+            <a:off x="6096000" y="14980"/>
+            <a:ext cx="6096000" cy="4938020"/>
+          </a:xfrm>
+          <a:prstGeom prst="rect">
+            <a:avLst/>
+          </a:prstGeom>
+        </p:spPr>
+      </p:pic>
     </p:spTree>
     <p:extLst>
       <p:ext uri="{BB962C8B-B14F-4D97-AF65-F5344CB8AC3E}">
-        <p14:creationId xmlns:p14="http://schemas.microsoft.com/office/powerpoint/2010/main" val="418453940"/>
+        <p14:creationId xmlns:p14="http://schemas.microsoft.com/office/powerpoint/2010/main" val="4191528134"/>
       </p:ext>
     </p:extLst>
   </p:cSld>
@@ -5067,6 +5074,46 @@
       </p:sp>
       <p:sp>
         <p:nvSpPr>
+          <p:cNvPr id="2" name="Title 1">
+            <a:extLst>
+              <a:ext uri="{FF2B5EF4-FFF2-40B4-BE49-F238E27FC236}">
+                <a16:creationId xmlns:a16="http://schemas.microsoft.com/office/drawing/2014/main" id="{9AB2EA78-AEB3-469B-9025-3B17201A457B}"/>
+              </a:ext>
+            </a:extLst>
+          </p:cNvPr>
+          <p:cNvSpPr>
+            <a:spLocks noGrp="1"/>
+          </p:cNvSpPr>
+          <p:nvPr>
+            <p:ph type="ctrTitle"/>
+          </p:nvPr>
+        </p:nvSpPr>
+        <p:spPr>
+          <a:xfrm>
+            <a:off x="0" y="0"/>
+            <a:ext cx="12192000" cy="4953000"/>
+          </a:xfrm>
+        </p:spPr>
+        <p:txBody>
+          <a:bodyPr anchor="ctr">
+            <a:normAutofit fontScale="90000"/>
+          </a:bodyPr>
+          <a:lstStyle/>
+          <a:p>
+            <a:pPr lvl="0"/>
+            <a:r>
+              <a:rPr lang="en-US" sz="4800" i="1" dirty="0">
+                <a:solidFill>
+                  <a:schemeClr val="tx1"/>
+                </a:solidFill>
+              </a:rPr>
+              <a:t>Our Client was extremely satisfied with our data, they then explained how they were investing in a shipping company. We’ve been informed they would also like to invest in real estate connected to states which have a high impact in the shipping industry. We’ve deduced that Texas, California, Ohio and Illinois are the top 4 States in Freight Shipping.</a:t>
+            </a:r>
+          </a:p>
+        </p:txBody>
+      </p:sp>
+      <p:sp>
+        <p:nvSpPr>
           <p:cNvPr id="49" name="Rectangle 48">
             <a:extLst>
               <a:ext uri="{FF2B5EF4-FFF2-40B4-BE49-F238E27FC236}">
@@ -5157,6 +5204,228 @@
           </a:p>
         </p:txBody>
       </p:sp>
+    </p:spTree>
+    <p:extLst>
+      <p:ext uri="{BB962C8B-B14F-4D97-AF65-F5344CB8AC3E}">
+        <p14:creationId xmlns:p14="http://schemas.microsoft.com/office/powerpoint/2010/main" val="418453940"/>
+      </p:ext>
+    </p:extLst>
+  </p:cSld>
+  <p:clrMapOvr>
+    <a:masterClrMapping/>
+  </p:clrMapOvr>
+</p:sld>
+</file>
+
+<file path=ppt/slides/slide13.xml><?xml version="1.0" encoding="utf-8"?>
+<p:sld xmlns:a="http://schemas.openxmlformats.org/drawingml/2006/main" xmlns:r="http://schemas.openxmlformats.org/officeDocument/2006/relationships" xmlns:p="http://schemas.openxmlformats.org/presentationml/2006/main">
+  <p:cSld>
+    <p:bg>
+      <p:bgPr>
+        <a:solidFill>
+          <a:schemeClr val="bg1"/>
+        </a:solidFill>
+        <a:effectLst/>
+      </p:bgPr>
+    </p:bg>
+    <p:spTree>
+      <p:nvGrpSpPr>
+        <p:cNvPr id="1" name=""/>
+        <p:cNvGrpSpPr/>
+        <p:nvPr/>
+      </p:nvGrpSpPr>
+      <p:grpSpPr>
+        <a:xfrm>
+          <a:off x="0" y="0"/>
+          <a:ext cx="0" cy="0"/>
+          <a:chOff x="0" y="0"/>
+          <a:chExt cx="0" cy="0"/>
+        </a:xfrm>
+      </p:grpSpPr>
+      <p:sp>
+        <p:nvSpPr>
+          <p:cNvPr id="47" name="Rectangle 46">
+            <a:extLst>
+              <a:ext uri="{FF2B5EF4-FFF2-40B4-BE49-F238E27FC236}">
+                <a16:creationId xmlns:a16="http://schemas.microsoft.com/office/drawing/2014/main" id="{FBDCECDC-EEE3-4128-AA5E-82A8C08796E8}"/>
+              </a:ext>
+              <a:ext uri="{C183D7F6-B498-43B3-948B-1728B52AA6E4}">
+                <adec:decorative xmlns:adec="http://schemas.microsoft.com/office/drawing/2017/decorative" val="1"/>
+              </a:ext>
+            </a:extLst>
+          </p:cNvPr>
+          <p:cNvSpPr>
+            <a:spLocks noGrp="1" noRot="1" noChangeAspect="1" noMove="1" noResize="1" noEditPoints="1" noAdjustHandles="1" noChangeArrowheads="1" noChangeShapeType="1" noTextEdit="1"/>
+          </p:cNvSpPr>
+          <p:nvPr>
+            <p:extLst>
+              <p:ext uri="{386F3935-93C4-4BCD-93E2-E3B085C9AB24}">
+                <p16:designElem xmlns:p16="http://schemas.microsoft.com/office/powerpoint/2015/main" val="1"/>
+              </p:ext>
+            </p:extLst>
+          </p:nvPr>
+        </p:nvSpPr>
+        <p:spPr>
+          <a:xfrm>
+            <a:off x="1507" y="0"/>
+            <a:ext cx="12192000" cy="6858000"/>
+          </a:xfrm>
+          <a:prstGeom prst="rect">
+            <a:avLst/>
+          </a:prstGeom>
+          <a:solidFill>
+            <a:schemeClr val="accent1"/>
+          </a:solidFill>
+          <a:ln>
+            <a:noFill/>
+          </a:ln>
+        </p:spPr>
+        <p:style>
+          <a:lnRef idx="2">
+            <a:schemeClr val="accent1">
+              <a:shade val="50000"/>
+            </a:schemeClr>
+          </a:lnRef>
+          <a:fillRef idx="1">
+            <a:schemeClr val="accent1"/>
+          </a:fillRef>
+          <a:effectRef idx="0">
+            <a:schemeClr val="accent1"/>
+          </a:effectRef>
+          <a:fontRef idx="minor">
+            <a:schemeClr val="lt1"/>
+          </a:fontRef>
+        </p:style>
+        <p:txBody>
+          <a:bodyPr rtlCol="0" anchor="ctr"/>
+          <a:lstStyle/>
+          <a:p>
+            <a:pPr marL="0" marR="0" lvl="0" indent="0" algn="ctr" defTabSz="914400" rtl="0" eaLnBrk="1" fontAlgn="auto" latinLnBrk="0" hangingPunct="1">
+              <a:lnSpc>
+                <a:spcPct val="100000"/>
+              </a:lnSpc>
+              <a:spcBef>
+                <a:spcPts val="0"/>
+              </a:spcBef>
+              <a:spcAft>
+                <a:spcPts val="0"/>
+              </a:spcAft>
+              <a:buClrTx/>
+              <a:buSzTx/>
+              <a:buFontTx/>
+              <a:buNone/>
+              <a:tabLst/>
+              <a:defRPr/>
+            </a:pPr>
+            <a:endParaRPr kumimoji="0" lang="en-US" sz="1800" b="0" i="0" u="none" strike="noStrike" kern="1200" cap="none" spc="0" normalizeH="0" baseline="0" noProof="0">
+              <a:ln>
+                <a:noFill/>
+              </a:ln>
+              <a:solidFill>
+                <a:srgbClr val="FFFFFF"/>
+              </a:solidFill>
+              <a:effectLst/>
+              <a:uLnTx/>
+              <a:uFillTx/>
+              <a:latin typeface="Franklin Gothic Book" panose="020F0502020204030204"/>
+              <a:ea typeface="+mn-ea"/>
+              <a:cs typeface="+mn-cs"/>
+            </a:endParaRPr>
+          </a:p>
+        </p:txBody>
+      </p:sp>
+      <p:sp>
+        <p:nvSpPr>
+          <p:cNvPr id="49" name="Rectangle 48">
+            <a:extLst>
+              <a:ext uri="{FF2B5EF4-FFF2-40B4-BE49-F238E27FC236}">
+                <a16:creationId xmlns:a16="http://schemas.microsoft.com/office/drawing/2014/main" id="{4260EDE0-989C-4E16-AF94-F652294D828E}"/>
+              </a:ext>
+              <a:ext uri="{C183D7F6-B498-43B3-948B-1728B52AA6E4}">
+                <adec:decorative xmlns:adec="http://schemas.microsoft.com/office/drawing/2017/decorative" val="1"/>
+              </a:ext>
+            </a:extLst>
+          </p:cNvPr>
+          <p:cNvSpPr>
+            <a:spLocks noGrp="1" noRot="1" noChangeAspect="1" noMove="1" noResize="1" noEditPoints="1" noAdjustHandles="1" noChangeArrowheads="1" noChangeShapeType="1" noTextEdit="1"/>
+          </p:cNvSpPr>
+          <p:nvPr>
+            <p:extLst>
+              <p:ext uri="{386F3935-93C4-4BCD-93E2-E3B085C9AB24}">
+                <p16:designElem xmlns:p16="http://schemas.microsoft.com/office/powerpoint/2015/main" val="1"/>
+              </p:ext>
+            </p:extLst>
+          </p:nvPr>
+        </p:nvSpPr>
+        <p:spPr bwMode="white">
+          <a:xfrm>
+            <a:off x="1507" y="4953000"/>
+            <a:ext cx="12188952" cy="1905000"/>
+          </a:xfrm>
+          <a:prstGeom prst="rect">
+            <a:avLst/>
+          </a:prstGeom>
+          <a:solidFill>
+            <a:srgbClr val="262626"/>
+          </a:solidFill>
+          <a:ln>
+            <a:noFill/>
+          </a:ln>
+        </p:spPr>
+        <p:style>
+          <a:lnRef idx="2">
+            <a:schemeClr val="accent1">
+              <a:shade val="50000"/>
+            </a:schemeClr>
+          </a:lnRef>
+          <a:fillRef idx="1">
+            <a:schemeClr val="accent1"/>
+          </a:fillRef>
+          <a:effectRef idx="0">
+            <a:schemeClr val="accent1"/>
+          </a:effectRef>
+          <a:fontRef idx="minor">
+            <a:schemeClr val="lt1"/>
+          </a:fontRef>
+        </p:style>
+        <p:txBody>
+          <a:bodyPr/>
+          <a:lstStyle/>
+          <a:p>
+            <a:pPr marL="0" marR="0" lvl="0" indent="0" algn="l" defTabSz="914400" rtl="0" eaLnBrk="1" fontAlgn="auto" latinLnBrk="0" hangingPunct="1">
+              <a:lnSpc>
+                <a:spcPct val="100000"/>
+              </a:lnSpc>
+              <a:spcBef>
+                <a:spcPts val="0"/>
+              </a:spcBef>
+              <a:spcAft>
+                <a:spcPts val="0"/>
+              </a:spcAft>
+              <a:buClrTx/>
+              <a:buSzTx/>
+              <a:buFontTx/>
+              <a:buNone/>
+              <a:tabLst/>
+              <a:defRPr/>
+            </a:pPr>
+            <a:endParaRPr kumimoji="0" lang="en-CA" sz="1800" b="0" i="0" u="none" strike="noStrike" kern="1200" cap="none" spc="0" normalizeH="0" baseline="0" noProof="0">
+              <a:ln>
+                <a:noFill/>
+              </a:ln>
+              <a:solidFill>
+                <a:srgbClr val="FFFFFF"/>
+              </a:solidFill>
+              <a:effectLst/>
+              <a:uLnTx/>
+              <a:uFillTx/>
+              <a:latin typeface="Franklin Gothic Book" panose="020F0502020204030204"/>
+              <a:ea typeface="+mn-ea"/>
+              <a:cs typeface="+mn-cs"/>
+            </a:endParaRPr>
+          </a:p>
+        </p:txBody>
+      </p:sp>
       <p:pic>
         <p:nvPicPr>
           <p:cNvPr id="3" name="Picture 2">
@@ -5330,7 +5599,7 @@
 </p:sld>
 </file>
 
-<file path=ppt/slides/slide13.xml><?xml version="1.0" encoding="utf-8"?>
+<file path=ppt/slides/slide14.xml><?xml version="1.0" encoding="utf-8"?>
 <p:sld xmlns:a="http://schemas.openxmlformats.org/drawingml/2006/main" xmlns:r="http://schemas.openxmlformats.org/officeDocument/2006/relationships" xmlns:p="http://schemas.openxmlformats.org/presentationml/2006/main">
   <p:cSld>
     <p:bg>
@@ -6120,7 +6389,7 @@
 </p:sld>
 </file>
 
-<file path=ppt/slides/slide14.xml><?xml version="1.0" encoding="utf-8"?>
+<file path=ppt/slides/slide15.xml><?xml version="1.0" encoding="utf-8"?>
 <p:sld xmlns:a="http://schemas.openxmlformats.org/drawingml/2006/main" xmlns:r="http://schemas.openxmlformats.org/officeDocument/2006/relationships" xmlns:p="http://schemas.openxmlformats.org/presentationml/2006/main">
   <p:cSld>
     <p:bg>
@@ -6493,388 +6762,6 @@
     <p:extLst>
       <p:ext uri="{BB962C8B-B14F-4D97-AF65-F5344CB8AC3E}">
         <p14:creationId xmlns:p14="http://schemas.microsoft.com/office/powerpoint/2010/main" val="3535374665"/>
-      </p:ext>
-    </p:extLst>
-  </p:cSld>
-  <p:clrMapOvr>
-    <a:masterClrMapping/>
-  </p:clrMapOvr>
-</p:sld>
-</file>
-
-<file path=ppt/slides/slide15.xml><?xml version="1.0" encoding="utf-8"?>
-<p:sld xmlns:a="http://schemas.openxmlformats.org/drawingml/2006/main" xmlns:r="http://schemas.openxmlformats.org/officeDocument/2006/relationships" xmlns:p="http://schemas.openxmlformats.org/presentationml/2006/main">
-  <p:cSld>
-    <p:bg>
-      <p:bgPr>
-        <a:solidFill>
-          <a:schemeClr val="bg1"/>
-        </a:solidFill>
-        <a:effectLst/>
-      </p:bgPr>
-    </p:bg>
-    <p:spTree>
-      <p:nvGrpSpPr>
-        <p:cNvPr id="1" name=""/>
-        <p:cNvGrpSpPr/>
-        <p:nvPr/>
-      </p:nvGrpSpPr>
-      <p:grpSpPr>
-        <a:xfrm>
-          <a:off x="0" y="0"/>
-          <a:ext cx="0" cy="0"/>
-          <a:chOff x="0" y="0"/>
-          <a:chExt cx="0" cy="0"/>
-        </a:xfrm>
-      </p:grpSpPr>
-      <p:sp>
-        <p:nvSpPr>
-          <p:cNvPr id="47" name="Rectangle 46">
-            <a:extLst>
-              <a:ext uri="{FF2B5EF4-FFF2-40B4-BE49-F238E27FC236}">
-                <a16:creationId xmlns:a16="http://schemas.microsoft.com/office/drawing/2014/main" id="{FBDCECDC-EEE3-4128-AA5E-82A8C08796E8}"/>
-              </a:ext>
-              <a:ext uri="{C183D7F6-B498-43B3-948B-1728B52AA6E4}">
-                <adec:decorative xmlns:adec="http://schemas.microsoft.com/office/drawing/2017/decorative" val="1"/>
-              </a:ext>
-            </a:extLst>
-          </p:cNvPr>
-          <p:cNvSpPr>
-            <a:spLocks noGrp="1" noRot="1" noChangeAspect="1" noMove="1" noResize="1" noEditPoints="1" noAdjustHandles="1" noChangeArrowheads="1" noChangeShapeType="1" noTextEdit="1"/>
-          </p:cNvSpPr>
-          <p:nvPr>
-            <p:extLst>
-              <p:ext uri="{386F3935-93C4-4BCD-93E2-E3B085C9AB24}">
-                <p16:designElem xmlns:p16="http://schemas.microsoft.com/office/powerpoint/2015/main" val="1"/>
-              </p:ext>
-            </p:extLst>
-          </p:nvPr>
-        </p:nvSpPr>
-        <p:spPr>
-          <a:xfrm>
-            <a:off x="1507" y="0"/>
-            <a:ext cx="12192000" cy="6858000"/>
-          </a:xfrm>
-          <a:prstGeom prst="rect">
-            <a:avLst/>
-          </a:prstGeom>
-          <a:solidFill>
-            <a:schemeClr val="accent1"/>
-          </a:solidFill>
-          <a:ln>
-            <a:noFill/>
-          </a:ln>
-        </p:spPr>
-        <p:style>
-          <a:lnRef idx="2">
-            <a:schemeClr val="accent1">
-              <a:shade val="50000"/>
-            </a:schemeClr>
-          </a:lnRef>
-          <a:fillRef idx="1">
-            <a:schemeClr val="accent1"/>
-          </a:fillRef>
-          <a:effectRef idx="0">
-            <a:schemeClr val="accent1"/>
-          </a:effectRef>
-          <a:fontRef idx="minor">
-            <a:schemeClr val="lt1"/>
-          </a:fontRef>
-        </p:style>
-        <p:txBody>
-          <a:bodyPr rtlCol="0" anchor="ctr"/>
-          <a:lstStyle/>
-          <a:p>
-            <a:pPr marL="0" marR="0" lvl="0" indent="0" algn="ctr" defTabSz="914400" rtl="0" eaLnBrk="1" fontAlgn="auto" latinLnBrk="0" hangingPunct="1">
-              <a:lnSpc>
-                <a:spcPct val="100000"/>
-              </a:lnSpc>
-              <a:spcBef>
-                <a:spcPts val="0"/>
-              </a:spcBef>
-              <a:spcAft>
-                <a:spcPts val="0"/>
-              </a:spcAft>
-              <a:buClrTx/>
-              <a:buSzTx/>
-              <a:buFontTx/>
-              <a:buNone/>
-              <a:tabLst/>
-              <a:defRPr/>
-            </a:pPr>
-            <a:endParaRPr kumimoji="0" lang="en-US" sz="1800" b="0" i="0" u="none" strike="noStrike" kern="1200" cap="none" spc="0" normalizeH="0" baseline="0" noProof="0">
-              <a:ln>
-                <a:noFill/>
-              </a:ln>
-              <a:solidFill>
-                <a:srgbClr val="FFFFFF"/>
-              </a:solidFill>
-              <a:effectLst/>
-              <a:uLnTx/>
-              <a:uFillTx/>
-              <a:latin typeface="Franklin Gothic Book" panose="020F0502020204030204"/>
-              <a:ea typeface="+mn-ea"/>
-              <a:cs typeface="+mn-cs"/>
-            </a:endParaRPr>
-          </a:p>
-        </p:txBody>
-      </p:sp>
-      <p:sp>
-        <p:nvSpPr>
-          <p:cNvPr id="49" name="Rectangle 48">
-            <a:extLst>
-              <a:ext uri="{FF2B5EF4-FFF2-40B4-BE49-F238E27FC236}">
-                <a16:creationId xmlns:a16="http://schemas.microsoft.com/office/drawing/2014/main" id="{4260EDE0-989C-4E16-AF94-F652294D828E}"/>
-              </a:ext>
-              <a:ext uri="{C183D7F6-B498-43B3-948B-1728B52AA6E4}">
-                <adec:decorative xmlns:adec="http://schemas.microsoft.com/office/drawing/2017/decorative" val="1"/>
-              </a:ext>
-            </a:extLst>
-          </p:cNvPr>
-          <p:cNvSpPr>
-            <a:spLocks noGrp="1" noRot="1" noChangeAspect="1" noMove="1" noResize="1" noEditPoints="1" noAdjustHandles="1" noChangeArrowheads="1" noChangeShapeType="1" noTextEdit="1"/>
-          </p:cNvSpPr>
-          <p:nvPr>
-            <p:extLst>
-              <p:ext uri="{386F3935-93C4-4BCD-93E2-E3B085C9AB24}">
-                <p16:designElem xmlns:p16="http://schemas.microsoft.com/office/powerpoint/2015/main" val="1"/>
-              </p:ext>
-            </p:extLst>
-          </p:nvPr>
-        </p:nvSpPr>
-        <p:spPr bwMode="white">
-          <a:xfrm>
-            <a:off x="1507" y="4953000"/>
-            <a:ext cx="12188952" cy="1905000"/>
-          </a:xfrm>
-          <a:prstGeom prst="rect">
-            <a:avLst/>
-          </a:prstGeom>
-          <a:solidFill>
-            <a:srgbClr val="262626"/>
-          </a:solidFill>
-          <a:ln>
-            <a:noFill/>
-          </a:ln>
-        </p:spPr>
-        <p:style>
-          <a:lnRef idx="2">
-            <a:schemeClr val="accent1">
-              <a:shade val="50000"/>
-            </a:schemeClr>
-          </a:lnRef>
-          <a:fillRef idx="1">
-            <a:schemeClr val="accent1"/>
-          </a:fillRef>
-          <a:effectRef idx="0">
-            <a:schemeClr val="accent1"/>
-          </a:effectRef>
-          <a:fontRef idx="minor">
-            <a:schemeClr val="lt1"/>
-          </a:fontRef>
-        </p:style>
-        <p:txBody>
-          <a:bodyPr/>
-          <a:lstStyle/>
-          <a:p>
-            <a:pPr marL="0" marR="0" lvl="0" indent="0" algn="l" defTabSz="914400" rtl="0" eaLnBrk="1" fontAlgn="auto" latinLnBrk="0" hangingPunct="1">
-              <a:lnSpc>
-                <a:spcPct val="100000"/>
-              </a:lnSpc>
-              <a:spcBef>
-                <a:spcPts val="0"/>
-              </a:spcBef>
-              <a:spcAft>
-                <a:spcPts val="0"/>
-              </a:spcAft>
-              <a:buClrTx/>
-              <a:buSzTx/>
-              <a:buFontTx/>
-              <a:buNone/>
-              <a:tabLst/>
-              <a:defRPr/>
-            </a:pPr>
-            <a:endParaRPr kumimoji="0" lang="en-CA" sz="1800" b="0" i="0" u="none" strike="noStrike" kern="1200" cap="none" spc="0" normalizeH="0" baseline="0" noProof="0">
-              <a:ln>
-                <a:noFill/>
-              </a:ln>
-              <a:solidFill>
-                <a:srgbClr val="FFFFFF"/>
-              </a:solidFill>
-              <a:effectLst/>
-              <a:uLnTx/>
-              <a:uFillTx/>
-              <a:latin typeface="Franklin Gothic Book" panose="020F0502020204030204"/>
-              <a:ea typeface="+mn-ea"/>
-              <a:cs typeface="+mn-cs"/>
-            </a:endParaRPr>
-          </a:p>
-        </p:txBody>
-      </p:sp>
-      <p:pic>
-        <p:nvPicPr>
-          <p:cNvPr id="3" name="Picture 2">
-            <a:extLst>
-              <a:ext uri="{FF2B5EF4-FFF2-40B4-BE49-F238E27FC236}">
-                <a16:creationId xmlns:a16="http://schemas.microsoft.com/office/drawing/2014/main" id="{DCDAC923-CA1D-E165-F10E-3E4CD9DCB7B1}"/>
-              </a:ext>
-            </a:extLst>
-          </p:cNvPr>
-          <p:cNvPicPr>
-            <a:picLocks noChangeAspect="1"/>
-          </p:cNvPicPr>
-          <p:nvPr/>
-        </p:nvPicPr>
-        <p:blipFill>
-          <a:blip r:embed="rId2"/>
-          <a:stretch>
-            <a:fillRect/>
-          </a:stretch>
-        </p:blipFill>
-        <p:spPr>
-          <a:xfrm>
-            <a:off x="1" y="0"/>
-            <a:ext cx="6096000" cy="4953000"/>
-          </a:xfrm>
-          <a:prstGeom prst="rect">
-            <a:avLst/>
-          </a:prstGeom>
-        </p:spPr>
-      </p:pic>
-      <p:pic>
-        <p:nvPicPr>
-          <p:cNvPr id="7" name="Picture 6">
-            <a:extLst>
-              <a:ext uri="{FF2B5EF4-FFF2-40B4-BE49-F238E27FC236}">
-                <a16:creationId xmlns:a16="http://schemas.microsoft.com/office/drawing/2014/main" id="{FE73A1D0-F5E4-7F42-C031-668CEC64802D}"/>
-              </a:ext>
-            </a:extLst>
-          </p:cNvPr>
-          <p:cNvPicPr>
-            <a:picLocks noChangeAspect="1"/>
-          </p:cNvPicPr>
-          <p:nvPr/>
-        </p:nvPicPr>
-        <p:blipFill>
-          <a:blip r:embed="rId3"/>
-          <a:stretch>
-            <a:fillRect/>
-          </a:stretch>
-        </p:blipFill>
-        <p:spPr>
-          <a:xfrm>
-            <a:off x="4269772" y="3611890"/>
-            <a:ext cx="1771897" cy="876422"/>
-          </a:xfrm>
-          <a:prstGeom prst="rect">
-            <a:avLst/>
-          </a:prstGeom>
-        </p:spPr>
-      </p:pic>
-      <p:pic>
-        <p:nvPicPr>
-          <p:cNvPr id="12" name="Picture 11">
-            <a:extLst>
-              <a:ext uri="{FF2B5EF4-FFF2-40B4-BE49-F238E27FC236}">
-                <a16:creationId xmlns:a16="http://schemas.microsoft.com/office/drawing/2014/main" id="{1CC672DE-0185-872D-BF2F-FE3B7F2CF751}"/>
-              </a:ext>
-            </a:extLst>
-          </p:cNvPr>
-          <p:cNvPicPr>
-            <a:picLocks noChangeAspect="1"/>
-          </p:cNvPicPr>
-          <p:nvPr/>
-        </p:nvPicPr>
-        <p:blipFill>
-          <a:blip r:embed="rId4"/>
-          <a:stretch>
-            <a:fillRect/>
-          </a:stretch>
-        </p:blipFill>
-        <p:spPr>
-          <a:xfrm>
-            <a:off x="6096000" y="0"/>
-            <a:ext cx="6096000" cy="4968815"/>
-          </a:xfrm>
-          <a:prstGeom prst="rect">
-            <a:avLst/>
-          </a:prstGeom>
-        </p:spPr>
-      </p:pic>
-      <p:pic>
-        <p:nvPicPr>
-          <p:cNvPr id="14" name="Picture 13">
-            <a:extLst>
-              <a:ext uri="{FF2B5EF4-FFF2-40B4-BE49-F238E27FC236}">
-                <a16:creationId xmlns:a16="http://schemas.microsoft.com/office/drawing/2014/main" id="{B6363FE7-4362-F599-7FDF-AA9F3B6742CF}"/>
-              </a:ext>
-            </a:extLst>
-          </p:cNvPr>
-          <p:cNvPicPr>
-            <a:picLocks noChangeAspect="1"/>
-          </p:cNvPicPr>
-          <p:nvPr/>
-        </p:nvPicPr>
-        <p:blipFill>
-          <a:blip r:embed="rId5"/>
-          <a:stretch>
-            <a:fillRect/>
-          </a:stretch>
-        </p:blipFill>
-        <p:spPr>
-          <a:xfrm>
-            <a:off x="10396327" y="3571721"/>
-            <a:ext cx="1733792" cy="905001"/>
-          </a:xfrm>
-          <a:prstGeom prst="rect">
-            <a:avLst/>
-          </a:prstGeom>
-        </p:spPr>
-      </p:pic>
-      <p:sp>
-        <p:nvSpPr>
-          <p:cNvPr id="15" name="TextBox 14">
-            <a:extLst>
-              <a:ext uri="{FF2B5EF4-FFF2-40B4-BE49-F238E27FC236}">
-                <a16:creationId xmlns:a16="http://schemas.microsoft.com/office/drawing/2014/main" id="{8B6B066B-C4C7-8300-03C4-6DE18727E73D}"/>
-              </a:ext>
-            </a:extLst>
-          </p:cNvPr>
-          <p:cNvSpPr txBox="1"/>
-          <p:nvPr/>
-        </p:nvSpPr>
-        <p:spPr>
-          <a:xfrm>
-            <a:off x="0" y="4953000"/>
-            <a:ext cx="12188952" cy="1384995"/>
-          </a:xfrm>
-          <a:prstGeom prst="rect">
-            <a:avLst/>
-          </a:prstGeom>
-          <a:noFill/>
-        </p:spPr>
-        <p:txBody>
-          <a:bodyPr wrap="square" rtlCol="0">
-            <a:spAutoFit/>
-          </a:bodyPr>
-          <a:lstStyle/>
-          <a:p>
-            <a:r>
-              <a:rPr lang="en-CA" sz="2800" dirty="0">
-                <a:solidFill>
-                  <a:schemeClr val="bg1"/>
-                </a:solidFill>
-                <a:latin typeface="+mj-lt"/>
-              </a:rPr>
-              <a:t>In the state of Illinois, we can clearly observe that the prices of All home types and Condos have nearly doubled in the past ten years. With an R-squared value of .9, we know our data is reliable. </a:t>
-            </a:r>
-          </a:p>
-        </p:txBody>
-      </p:sp>
-    </p:spTree>
-    <p:extLst>
-      <p:ext uri="{BB962C8B-B14F-4D97-AF65-F5344CB8AC3E}">
-        <p14:creationId xmlns:p14="http://schemas.microsoft.com/office/powerpoint/2010/main" val="20729905"/>
       </p:ext>
     </p:extLst>
   </p:cSld>
@@ -7003,61 +6890,6 @@
       </p:sp>
       <p:sp>
         <p:nvSpPr>
-          <p:cNvPr id="2" name="Title 1">
-            <a:extLst>
-              <a:ext uri="{FF2B5EF4-FFF2-40B4-BE49-F238E27FC236}">
-                <a16:creationId xmlns:a16="http://schemas.microsoft.com/office/drawing/2014/main" id="{9AB2EA78-AEB3-469B-9025-3B17201A457B}"/>
-              </a:ext>
-            </a:extLst>
-          </p:cNvPr>
-          <p:cNvSpPr>
-            <a:spLocks noGrp="1"/>
-          </p:cNvSpPr>
-          <p:nvPr>
-            <p:ph type="ctrTitle"/>
-          </p:nvPr>
-        </p:nvSpPr>
-        <p:spPr>
-          <a:xfrm>
-            <a:off x="467247" y="362266"/>
-            <a:ext cx="11257472" cy="4399516"/>
-          </a:xfrm>
-        </p:spPr>
-        <p:txBody>
-          <a:bodyPr anchor="ctr">
-            <a:normAutofit fontScale="90000"/>
-          </a:bodyPr>
-          <a:lstStyle/>
-          <a:p>
-            <a:pPr lvl="0"/>
-            <a:r>
-              <a:rPr lang="en-US" sz="4800" i="1" dirty="0">
-                <a:solidFill>
-                  <a:schemeClr val="tx1"/>
-                </a:solidFill>
-              </a:rPr>
-              <a:t>After looking at all the data, we’ve come to the conclusion that the state of California has the highest Value, and greatest Linear  Regression slope of property value increase in the last ten years, making it the ideal state to invest in Real Estate for our clients Freight Shipping interests. </a:t>
-            </a:r>
-            <a:br>
-              <a:rPr lang="en-US" sz="4800" i="1" dirty="0">
-                <a:solidFill>
-                  <a:srgbClr val="FFFFFF"/>
-                </a:solidFill>
-              </a:rPr>
-            </a:br>
-            <a:r>
-              <a:rPr lang="en-US" sz="4800" i="1" dirty="0">
-                <a:solidFill>
-                  <a:srgbClr val="FFFFFF"/>
-                </a:solidFill>
-              </a:rPr>
-              <a:t> </a:t>
-            </a:r>
-          </a:p>
-        </p:txBody>
-      </p:sp>
-      <p:sp>
-        <p:nvSpPr>
           <p:cNvPr id="49" name="Rectangle 48">
             <a:extLst>
               <a:ext uri="{FF2B5EF4-FFF2-40B4-BE49-F238E27FC236}">
@@ -7148,10 +6980,170 @@
           </a:p>
         </p:txBody>
       </p:sp>
+      <p:pic>
+        <p:nvPicPr>
+          <p:cNvPr id="3" name="Picture 2">
+            <a:extLst>
+              <a:ext uri="{FF2B5EF4-FFF2-40B4-BE49-F238E27FC236}">
+                <a16:creationId xmlns:a16="http://schemas.microsoft.com/office/drawing/2014/main" id="{DCDAC923-CA1D-E165-F10E-3E4CD9DCB7B1}"/>
+              </a:ext>
+            </a:extLst>
+          </p:cNvPr>
+          <p:cNvPicPr>
+            <a:picLocks noChangeAspect="1"/>
+          </p:cNvPicPr>
+          <p:nvPr/>
+        </p:nvPicPr>
+        <p:blipFill>
+          <a:blip r:embed="rId2"/>
+          <a:stretch>
+            <a:fillRect/>
+          </a:stretch>
+        </p:blipFill>
+        <p:spPr>
+          <a:xfrm>
+            <a:off x="1" y="0"/>
+            <a:ext cx="6096000" cy="4953000"/>
+          </a:xfrm>
+          <a:prstGeom prst="rect">
+            <a:avLst/>
+          </a:prstGeom>
+        </p:spPr>
+      </p:pic>
+      <p:pic>
+        <p:nvPicPr>
+          <p:cNvPr id="7" name="Picture 6">
+            <a:extLst>
+              <a:ext uri="{FF2B5EF4-FFF2-40B4-BE49-F238E27FC236}">
+                <a16:creationId xmlns:a16="http://schemas.microsoft.com/office/drawing/2014/main" id="{FE73A1D0-F5E4-7F42-C031-668CEC64802D}"/>
+              </a:ext>
+            </a:extLst>
+          </p:cNvPr>
+          <p:cNvPicPr>
+            <a:picLocks noChangeAspect="1"/>
+          </p:cNvPicPr>
+          <p:nvPr/>
+        </p:nvPicPr>
+        <p:blipFill>
+          <a:blip r:embed="rId3"/>
+          <a:stretch>
+            <a:fillRect/>
+          </a:stretch>
+        </p:blipFill>
+        <p:spPr>
+          <a:xfrm>
+            <a:off x="4269772" y="3611890"/>
+            <a:ext cx="1771897" cy="876422"/>
+          </a:xfrm>
+          <a:prstGeom prst="rect">
+            <a:avLst/>
+          </a:prstGeom>
+        </p:spPr>
+      </p:pic>
+      <p:pic>
+        <p:nvPicPr>
+          <p:cNvPr id="12" name="Picture 11">
+            <a:extLst>
+              <a:ext uri="{FF2B5EF4-FFF2-40B4-BE49-F238E27FC236}">
+                <a16:creationId xmlns:a16="http://schemas.microsoft.com/office/drawing/2014/main" id="{1CC672DE-0185-872D-BF2F-FE3B7F2CF751}"/>
+              </a:ext>
+            </a:extLst>
+          </p:cNvPr>
+          <p:cNvPicPr>
+            <a:picLocks noChangeAspect="1"/>
+          </p:cNvPicPr>
+          <p:nvPr/>
+        </p:nvPicPr>
+        <p:blipFill>
+          <a:blip r:embed="rId4"/>
+          <a:stretch>
+            <a:fillRect/>
+          </a:stretch>
+        </p:blipFill>
+        <p:spPr>
+          <a:xfrm>
+            <a:off x="6096000" y="0"/>
+            <a:ext cx="6096000" cy="4968815"/>
+          </a:xfrm>
+          <a:prstGeom prst="rect">
+            <a:avLst/>
+          </a:prstGeom>
+        </p:spPr>
+      </p:pic>
+      <p:pic>
+        <p:nvPicPr>
+          <p:cNvPr id="14" name="Picture 13">
+            <a:extLst>
+              <a:ext uri="{FF2B5EF4-FFF2-40B4-BE49-F238E27FC236}">
+                <a16:creationId xmlns:a16="http://schemas.microsoft.com/office/drawing/2014/main" id="{B6363FE7-4362-F599-7FDF-AA9F3B6742CF}"/>
+              </a:ext>
+            </a:extLst>
+          </p:cNvPr>
+          <p:cNvPicPr>
+            <a:picLocks noChangeAspect="1"/>
+          </p:cNvPicPr>
+          <p:nvPr/>
+        </p:nvPicPr>
+        <p:blipFill>
+          <a:blip r:embed="rId5"/>
+          <a:stretch>
+            <a:fillRect/>
+          </a:stretch>
+        </p:blipFill>
+        <p:spPr>
+          <a:xfrm>
+            <a:off x="10396327" y="3571721"/>
+            <a:ext cx="1733792" cy="905001"/>
+          </a:xfrm>
+          <a:prstGeom prst="rect">
+            <a:avLst/>
+          </a:prstGeom>
+        </p:spPr>
+      </p:pic>
+      <p:sp>
+        <p:nvSpPr>
+          <p:cNvPr id="15" name="TextBox 14">
+            <a:extLst>
+              <a:ext uri="{FF2B5EF4-FFF2-40B4-BE49-F238E27FC236}">
+                <a16:creationId xmlns:a16="http://schemas.microsoft.com/office/drawing/2014/main" id="{8B6B066B-C4C7-8300-03C4-6DE18727E73D}"/>
+              </a:ext>
+            </a:extLst>
+          </p:cNvPr>
+          <p:cNvSpPr txBox="1"/>
+          <p:nvPr/>
+        </p:nvSpPr>
+        <p:spPr>
+          <a:xfrm>
+            <a:off x="0" y="4953000"/>
+            <a:ext cx="12188952" cy="1384995"/>
+          </a:xfrm>
+          <a:prstGeom prst="rect">
+            <a:avLst/>
+          </a:prstGeom>
+          <a:noFill/>
+        </p:spPr>
+        <p:txBody>
+          <a:bodyPr wrap="square" rtlCol="0">
+            <a:spAutoFit/>
+          </a:bodyPr>
+          <a:lstStyle/>
+          <a:p>
+            <a:r>
+              <a:rPr lang="en-CA" sz="2800" dirty="0">
+                <a:solidFill>
+                  <a:schemeClr val="bg1"/>
+                </a:solidFill>
+                <a:latin typeface="+mj-lt"/>
+              </a:rPr>
+              <a:t>In the state of Illinois, we can clearly observe that the prices of All home types and Condos have nearly doubled in the past ten years. With an R-squared value of .9, we know our data is reliable. </a:t>
+            </a:r>
+          </a:p>
+        </p:txBody>
+      </p:sp>
     </p:spTree>
     <p:extLst>
       <p:ext uri="{BB962C8B-B14F-4D97-AF65-F5344CB8AC3E}">
-        <p14:creationId xmlns:p14="http://schemas.microsoft.com/office/powerpoint/2010/main" val="3494091059"/>
+        <p14:creationId xmlns:p14="http://schemas.microsoft.com/office/powerpoint/2010/main" val="20729905"/>
       </p:ext>
     </p:extLst>
   </p:cSld>
@@ -7296,7 +7288,7 @@
         </p:nvSpPr>
         <p:spPr>
           <a:xfrm>
-            <a:off x="467247" y="553484"/>
+            <a:off x="467247" y="362266"/>
             <a:ext cx="11257472" cy="4399516"/>
           </a:xfrm>
         </p:spPr>
@@ -7313,7 +7305,7 @@
                   <a:schemeClr val="tx1"/>
                 </a:solidFill>
               </a:rPr>
-              <a:t>Our client has never been happier, so much so that they have stated they would like to move their family to the States. They have asked us to explore the top two safest States and inform them which would be the better investment. We’ve deduced that Maine and New Hampshire are the top two safest States.</a:t>
+              <a:t>After looking at all the data, we’ve come to the conclusion that the state of California has the highest Value, and greatest Linear  Regression slope of property value increase in the last ten years, making it the ideal state to invest in Real Estate for our clients Freight Shipping interests. </a:t>
             </a:r>
             <a:br>
               <a:rPr lang="en-US" sz="4800" i="1" dirty="0">
@@ -7428,7 +7420,7 @@
     </p:spTree>
     <p:extLst>
       <p:ext uri="{BB962C8B-B14F-4D97-AF65-F5344CB8AC3E}">
-        <p14:creationId xmlns:p14="http://schemas.microsoft.com/office/powerpoint/2010/main" val="1476756502"/>
+        <p14:creationId xmlns:p14="http://schemas.microsoft.com/office/powerpoint/2010/main" val="3494091059"/>
       </p:ext>
     </p:extLst>
   </p:cSld>
@@ -7441,6 +7433,14 @@
 <file path=ppt/slides/slide18.xml><?xml version="1.0" encoding="utf-8"?>
 <p:sld xmlns:a="http://schemas.openxmlformats.org/drawingml/2006/main" xmlns:r="http://schemas.openxmlformats.org/officeDocument/2006/relationships" xmlns:p="http://schemas.openxmlformats.org/presentationml/2006/main">
   <p:cSld>
+    <p:bg>
+      <p:bgPr>
+        <a:solidFill>
+          <a:schemeClr val="bg1"/>
+        </a:solidFill>
+        <a:effectLst/>
+      </p:bgPr>
+    </p:bg>
     <p:spTree>
       <p:nvGrpSpPr>
         <p:cNvPr id="1" name=""/>
@@ -7455,168 +7455,249 @@
           <a:chExt cx="0" cy="0"/>
         </a:xfrm>
       </p:grpSpPr>
-      <p:pic>
-        <p:nvPicPr>
-          <p:cNvPr id="3" name="Picture 2" descr="A graph of a graph with a line and a line&#10;&#10;Description automatically generated with medium confidence">
-            <a:extLst>
-              <a:ext uri="{FF2B5EF4-FFF2-40B4-BE49-F238E27FC236}">
-                <a16:creationId xmlns:a16="http://schemas.microsoft.com/office/drawing/2014/main" id="{96F6F1AA-5E58-1CC1-FF7B-57938B036C26}"/>
-              </a:ext>
-            </a:extLst>
-          </p:cNvPr>
-          <p:cNvPicPr>
-            <a:picLocks noChangeAspect="1"/>
-          </p:cNvPicPr>
-          <p:nvPr/>
-        </p:nvPicPr>
-        <p:blipFill rotWithShape="1">
-          <a:blip r:embed="rId2">
-            <a:extLst>
-              <a:ext uri="{28A0092B-C50C-407E-A947-70E740481C1C}">
-                <a14:useLocalDpi xmlns:a14="http://schemas.microsoft.com/office/drawing/2010/main" val="0"/>
-              </a:ext>
-            </a:extLst>
-          </a:blip>
-          <a:srcRect t="2692"/>
-          <a:stretch/>
-        </p:blipFill>
-        <p:spPr>
-          <a:xfrm>
-            <a:off x="759655" y="886265"/>
-            <a:ext cx="9852079" cy="2542736"/>
+      <p:sp>
+        <p:nvSpPr>
+          <p:cNvPr id="47" name="Rectangle 46">
+            <a:extLst>
+              <a:ext uri="{FF2B5EF4-FFF2-40B4-BE49-F238E27FC236}">
+                <a16:creationId xmlns:a16="http://schemas.microsoft.com/office/drawing/2014/main" id="{FBDCECDC-EEE3-4128-AA5E-82A8C08796E8}"/>
+              </a:ext>
+              <a:ext uri="{C183D7F6-B498-43B3-948B-1728B52AA6E4}">
+                <adec:decorative xmlns:adec="http://schemas.microsoft.com/office/drawing/2017/decorative" val="1"/>
+              </a:ext>
+            </a:extLst>
+          </p:cNvPr>
+          <p:cNvSpPr>
+            <a:spLocks noGrp="1" noRot="1" noChangeAspect="1" noMove="1" noResize="1" noEditPoints="1" noAdjustHandles="1" noChangeArrowheads="1" noChangeShapeType="1" noTextEdit="1"/>
+          </p:cNvSpPr>
+          <p:nvPr>
+            <p:extLst>
+              <p:ext uri="{386F3935-93C4-4BCD-93E2-E3B085C9AB24}">
+                <p16:designElem xmlns:p16="http://schemas.microsoft.com/office/powerpoint/2015/main" val="1"/>
+              </p:ext>
+            </p:extLst>
+          </p:nvPr>
+        </p:nvSpPr>
+        <p:spPr>
+          <a:xfrm>
+            <a:off x="1507" y="0"/>
+            <a:ext cx="12192000" cy="6858000"/>
           </a:xfrm>
           <a:prstGeom prst="rect">
             <a:avLst/>
           </a:prstGeom>
-        </p:spPr>
-      </p:pic>
-      <p:pic>
-        <p:nvPicPr>
-          <p:cNvPr id="5" name="Picture 4" descr="A graph with a line and a line graph&#10;&#10;Description automatically generated with medium confidence">
-            <a:extLst>
-              <a:ext uri="{FF2B5EF4-FFF2-40B4-BE49-F238E27FC236}">
-                <a16:creationId xmlns:a16="http://schemas.microsoft.com/office/drawing/2014/main" id="{84EC855B-8725-927E-531B-85F058B8979B}"/>
-              </a:ext>
-            </a:extLst>
-          </p:cNvPr>
-          <p:cNvPicPr>
-            <a:picLocks noChangeAspect="1"/>
-          </p:cNvPicPr>
-          <p:nvPr/>
-        </p:nvPicPr>
-        <p:blipFill>
-          <a:blip r:embed="rId3">
-            <a:extLst>
-              <a:ext uri="{28A0092B-C50C-407E-A947-70E740481C1C}">
-                <a14:useLocalDpi xmlns:a14="http://schemas.microsoft.com/office/drawing/2010/main" val="0"/>
-              </a:ext>
-            </a:extLst>
-          </a:blip>
-          <a:stretch>
-            <a:fillRect/>
-          </a:stretch>
-        </p:blipFill>
-        <p:spPr>
-          <a:xfrm>
-            <a:off x="1329007" y="4058531"/>
-            <a:ext cx="9533985" cy="2310618"/>
+          <a:solidFill>
+            <a:schemeClr val="accent1"/>
+          </a:solidFill>
+          <a:ln>
+            <a:noFill/>
+          </a:ln>
+        </p:spPr>
+        <p:style>
+          <a:lnRef idx="2">
+            <a:schemeClr val="accent1">
+              <a:shade val="50000"/>
+            </a:schemeClr>
+          </a:lnRef>
+          <a:fillRef idx="1">
+            <a:schemeClr val="accent1"/>
+          </a:fillRef>
+          <a:effectRef idx="0">
+            <a:schemeClr val="accent1"/>
+          </a:effectRef>
+          <a:fontRef idx="minor">
+            <a:schemeClr val="lt1"/>
+          </a:fontRef>
+        </p:style>
+        <p:txBody>
+          <a:bodyPr rtlCol="0" anchor="ctr"/>
+          <a:lstStyle/>
+          <a:p>
+            <a:pPr marL="0" marR="0" lvl="0" indent="0" algn="ctr" defTabSz="914400" rtl="0" eaLnBrk="1" fontAlgn="auto" latinLnBrk="0" hangingPunct="1">
+              <a:lnSpc>
+                <a:spcPct val="100000"/>
+              </a:lnSpc>
+              <a:spcBef>
+                <a:spcPts val="0"/>
+              </a:spcBef>
+              <a:spcAft>
+                <a:spcPts val="0"/>
+              </a:spcAft>
+              <a:buClrTx/>
+              <a:buSzTx/>
+              <a:buFontTx/>
+              <a:buNone/>
+              <a:tabLst/>
+              <a:defRPr/>
+            </a:pPr>
+            <a:endParaRPr kumimoji="0" lang="en-US" sz="1800" b="0" i="0" u="none" strike="noStrike" kern="1200" cap="none" spc="0" normalizeH="0" baseline="0" noProof="0">
+              <a:ln>
+                <a:noFill/>
+              </a:ln>
+              <a:solidFill>
+                <a:srgbClr val="FFFFFF"/>
+              </a:solidFill>
+              <a:effectLst/>
+              <a:uLnTx/>
+              <a:uFillTx/>
+              <a:latin typeface="Franklin Gothic Book" panose="020F0502020204030204"/>
+              <a:ea typeface="+mn-ea"/>
+              <a:cs typeface="+mn-cs"/>
+            </a:endParaRPr>
+          </a:p>
+        </p:txBody>
+      </p:sp>
+      <p:sp>
+        <p:nvSpPr>
+          <p:cNvPr id="2" name="Title 1">
+            <a:extLst>
+              <a:ext uri="{FF2B5EF4-FFF2-40B4-BE49-F238E27FC236}">
+                <a16:creationId xmlns:a16="http://schemas.microsoft.com/office/drawing/2014/main" id="{9AB2EA78-AEB3-469B-9025-3B17201A457B}"/>
+              </a:ext>
+            </a:extLst>
+          </p:cNvPr>
+          <p:cNvSpPr>
+            <a:spLocks noGrp="1"/>
+          </p:cNvSpPr>
+          <p:nvPr>
+            <p:ph type="ctrTitle"/>
+          </p:nvPr>
+        </p:nvSpPr>
+        <p:spPr>
+          <a:xfrm>
+            <a:off x="467247" y="553484"/>
+            <a:ext cx="11257472" cy="4399516"/>
+          </a:xfrm>
+        </p:spPr>
+        <p:txBody>
+          <a:bodyPr anchor="ctr">
+            <a:normAutofit fontScale="90000"/>
+          </a:bodyPr>
+          <a:lstStyle/>
+          <a:p>
+            <a:pPr lvl="0"/>
+            <a:r>
+              <a:rPr lang="en-US" sz="4800" i="1" dirty="0">
+                <a:solidFill>
+                  <a:schemeClr val="tx1"/>
+                </a:solidFill>
+              </a:rPr>
+              <a:t>Our client has never been happier, so much so that they have stated they would like to move their family to the States. They have asked us to explore the top two safest States and inform them which would be the better investment. We’ve deduced that Maine and New Hampshire are the top two safest States.</a:t>
+            </a:r>
+            <a:br>
+              <a:rPr lang="en-US" sz="4800" i="1" dirty="0">
+                <a:solidFill>
+                  <a:srgbClr val="FFFFFF"/>
+                </a:solidFill>
+              </a:rPr>
+            </a:br>
+            <a:r>
+              <a:rPr lang="en-US" sz="4800" i="1" dirty="0">
+                <a:solidFill>
+                  <a:srgbClr val="FFFFFF"/>
+                </a:solidFill>
+              </a:rPr>
+              <a:t> </a:t>
+            </a:r>
+          </a:p>
+        </p:txBody>
+      </p:sp>
+      <p:sp>
+        <p:nvSpPr>
+          <p:cNvPr id="49" name="Rectangle 48">
+            <a:extLst>
+              <a:ext uri="{FF2B5EF4-FFF2-40B4-BE49-F238E27FC236}">
+                <a16:creationId xmlns:a16="http://schemas.microsoft.com/office/drawing/2014/main" id="{4260EDE0-989C-4E16-AF94-F652294D828E}"/>
+              </a:ext>
+              <a:ext uri="{C183D7F6-B498-43B3-948B-1728B52AA6E4}">
+                <adec:decorative xmlns:adec="http://schemas.microsoft.com/office/drawing/2017/decorative" val="1"/>
+              </a:ext>
+            </a:extLst>
+          </p:cNvPr>
+          <p:cNvSpPr>
+            <a:spLocks noGrp="1" noRot="1" noChangeAspect="1" noMove="1" noResize="1" noEditPoints="1" noAdjustHandles="1" noChangeArrowheads="1" noChangeShapeType="1" noTextEdit="1"/>
+          </p:cNvSpPr>
+          <p:nvPr>
+            <p:extLst>
+              <p:ext uri="{386F3935-93C4-4BCD-93E2-E3B085C9AB24}">
+                <p16:designElem xmlns:p16="http://schemas.microsoft.com/office/powerpoint/2015/main" val="1"/>
+              </p:ext>
+            </p:extLst>
+          </p:nvPr>
+        </p:nvSpPr>
+        <p:spPr bwMode="white">
+          <a:xfrm>
+            <a:off x="1507" y="4953000"/>
+            <a:ext cx="12188952" cy="1905000"/>
           </a:xfrm>
           <a:prstGeom prst="rect">
             <a:avLst/>
           </a:prstGeom>
-        </p:spPr>
-      </p:pic>
-      <p:sp>
-        <p:nvSpPr>
-          <p:cNvPr id="7" name="TextBox 6">
-            <a:extLst>
-              <a:ext uri="{FF2B5EF4-FFF2-40B4-BE49-F238E27FC236}">
-                <a16:creationId xmlns:a16="http://schemas.microsoft.com/office/drawing/2014/main" id="{4F1851AE-CD42-9EFE-D816-BC8BE562FA1D}"/>
-              </a:ext>
-            </a:extLst>
-          </p:cNvPr>
-          <p:cNvSpPr txBox="1"/>
-          <p:nvPr/>
-        </p:nvSpPr>
-        <p:spPr>
-          <a:xfrm>
-            <a:off x="3026811" y="304185"/>
-            <a:ext cx="5511702" cy="369332"/>
-          </a:xfrm>
-          <a:prstGeom prst="rect">
-            <a:avLst/>
-          </a:prstGeom>
-          <a:noFill/>
-        </p:spPr>
-        <p:txBody>
-          <a:bodyPr wrap="none" rtlCol="0">
-            <a:spAutoFit/>
-          </a:bodyPr>
+          <a:solidFill>
+            <a:srgbClr val="262626"/>
+          </a:solidFill>
+          <a:ln>
+            <a:noFill/>
+          </a:ln>
+        </p:spPr>
+        <p:style>
+          <a:lnRef idx="2">
+            <a:schemeClr val="accent1">
+              <a:shade val="50000"/>
+            </a:schemeClr>
+          </a:lnRef>
+          <a:fillRef idx="1">
+            <a:schemeClr val="accent1"/>
+          </a:fillRef>
+          <a:effectRef idx="0">
+            <a:schemeClr val="accent1"/>
+          </a:effectRef>
+          <a:fontRef idx="minor">
+            <a:schemeClr val="lt1"/>
+          </a:fontRef>
+        </p:style>
+        <p:txBody>
+          <a:bodyPr/>
           <a:lstStyle/>
           <a:p>
-            <a:r>
-              <a:rPr lang="en-US" dirty="0">
-                <a:solidFill>
-                  <a:schemeClr val="bg1"/>
-                </a:solidFill>
-                <a:highlight>
-                  <a:srgbClr val="000000"/>
-                </a:highlight>
-              </a:rPr>
-              <a:t>New Hampshire: 1 Bedroom and Condos (2012-2022) </a:t>
-            </a:r>
-          </a:p>
-        </p:txBody>
-      </p:sp>
-      <p:sp>
-        <p:nvSpPr>
-          <p:cNvPr id="8" name="TextBox 7">
-            <a:extLst>
-              <a:ext uri="{FF2B5EF4-FFF2-40B4-BE49-F238E27FC236}">
-                <a16:creationId xmlns:a16="http://schemas.microsoft.com/office/drawing/2014/main" id="{5AC32F14-1364-547C-64B7-C85E72C48AC3}"/>
-              </a:ext>
-            </a:extLst>
-          </p:cNvPr>
-          <p:cNvSpPr txBox="1"/>
-          <p:nvPr/>
-        </p:nvSpPr>
-        <p:spPr>
-          <a:xfrm>
-            <a:off x="3493477" y="3611758"/>
-            <a:ext cx="4578369" cy="646331"/>
-          </a:xfrm>
-          <a:prstGeom prst="rect">
-            <a:avLst/>
-          </a:prstGeom>
-          <a:noFill/>
-        </p:spPr>
-        <p:txBody>
-          <a:bodyPr wrap="none" rtlCol="0">
-            <a:spAutoFit/>
-          </a:bodyPr>
-          <a:lstStyle/>
-          <a:p>
-            <a:r>
-              <a:rPr lang="en-US" dirty="0">
-                <a:solidFill>
-                  <a:schemeClr val="bg1"/>
-                </a:solidFill>
-                <a:highlight>
-                  <a:srgbClr val="000000"/>
-                </a:highlight>
-              </a:rPr>
-              <a:t>Maine: 1 Bedroom and Condos (2012-2022) </a:t>
-            </a:r>
-          </a:p>
-          <a:p>
-            <a:endParaRPr lang="en-US" dirty="0"/>
+            <a:pPr marL="0" marR="0" lvl="0" indent="0" algn="l" defTabSz="914400" rtl="0" eaLnBrk="1" fontAlgn="auto" latinLnBrk="0" hangingPunct="1">
+              <a:lnSpc>
+                <a:spcPct val="100000"/>
+              </a:lnSpc>
+              <a:spcBef>
+                <a:spcPts val="0"/>
+              </a:spcBef>
+              <a:spcAft>
+                <a:spcPts val="0"/>
+              </a:spcAft>
+              <a:buClrTx/>
+              <a:buSzTx/>
+              <a:buFontTx/>
+              <a:buNone/>
+              <a:tabLst/>
+              <a:defRPr/>
+            </a:pPr>
+            <a:endParaRPr kumimoji="0" lang="en-CA" sz="1800" b="0" i="0" u="none" strike="noStrike" kern="1200" cap="none" spc="0" normalizeH="0" baseline="0" noProof="0">
+              <a:ln>
+                <a:noFill/>
+              </a:ln>
+              <a:solidFill>
+                <a:srgbClr val="FFFFFF"/>
+              </a:solidFill>
+              <a:effectLst/>
+              <a:uLnTx/>
+              <a:uFillTx/>
+              <a:latin typeface="Franklin Gothic Book" panose="020F0502020204030204"/>
+              <a:ea typeface="+mn-ea"/>
+              <a:cs typeface="+mn-cs"/>
+            </a:endParaRPr>
           </a:p>
         </p:txBody>
       </p:sp>
     </p:spTree>
     <p:extLst>
       <p:ext uri="{BB962C8B-B14F-4D97-AF65-F5344CB8AC3E}">
-        <p14:creationId xmlns:p14="http://schemas.microsoft.com/office/powerpoint/2010/main" val="2638784750"/>
+        <p14:creationId xmlns:p14="http://schemas.microsoft.com/office/powerpoint/2010/main" val="1476756502"/>
       </p:ext>
     </p:extLst>
   </p:cSld>
@@ -7645,10 +7726,10 @@
       </p:grpSpPr>
       <p:pic>
         <p:nvPicPr>
-          <p:cNvPr id="3" name="Picture 2" descr="A graph of a graph of a graph of a graph of a graph of a graph of a graph of a graph of a graph of a graph of a graph of a graph of a graph of&#10;&#10;Description automatically generated">
-            <a:extLst>
-              <a:ext uri="{FF2B5EF4-FFF2-40B4-BE49-F238E27FC236}">
-                <a16:creationId xmlns:a16="http://schemas.microsoft.com/office/drawing/2014/main" id="{6AA85570-6F99-9EBB-F75C-7A2BAF3C398D}"/>
+          <p:cNvPr id="3" name="Picture 2" descr="A graph of a graph with a line and a line&#10;&#10;Description automatically generated with medium confidence">
+            <a:extLst>
+              <a:ext uri="{FF2B5EF4-FFF2-40B4-BE49-F238E27FC236}">
+                <a16:creationId xmlns:a16="http://schemas.microsoft.com/office/drawing/2014/main" id="{96F6F1AA-5E58-1CC1-FF7B-57938B036C26}"/>
               </a:ext>
             </a:extLst>
           </p:cNvPr>
@@ -7657,7 +7738,7 @@
           </p:cNvPicPr>
           <p:nvPr/>
         </p:nvPicPr>
-        <p:blipFill>
+        <p:blipFill rotWithShape="1">
           <a:blip r:embed="rId2">
             <a:extLst>
               <a:ext uri="{28A0092B-C50C-407E-A947-70E740481C1C}">
@@ -7665,14 +7746,13 @@
               </a:ext>
             </a:extLst>
           </a:blip>
-          <a:stretch>
-            <a:fillRect/>
-          </a:stretch>
+          <a:srcRect t="2692"/>
+          <a:stretch/>
         </p:blipFill>
         <p:spPr>
           <a:xfrm>
-            <a:off x="379828" y="850509"/>
-            <a:ext cx="10306600" cy="2463503"/>
+            <a:off x="759655" y="886265"/>
+            <a:ext cx="9852079" cy="2542736"/>
           </a:xfrm>
           <a:prstGeom prst="rect">
             <a:avLst/>
@@ -7681,10 +7761,10 @@
       </p:pic>
       <p:pic>
         <p:nvPicPr>
-          <p:cNvPr id="5" name="Picture 4" descr="A graph with a line and a line&#10;&#10;Description automatically generated with medium confidence">
-            <a:extLst>
-              <a:ext uri="{FF2B5EF4-FFF2-40B4-BE49-F238E27FC236}">
-                <a16:creationId xmlns:a16="http://schemas.microsoft.com/office/drawing/2014/main" id="{33F731C1-143F-3601-5C82-A70C5998CA4B}"/>
+          <p:cNvPr id="5" name="Picture 4" descr="A graph with a line and a line graph&#10;&#10;Description automatically generated with medium confidence">
+            <a:extLst>
+              <a:ext uri="{FF2B5EF4-FFF2-40B4-BE49-F238E27FC236}">
+                <a16:creationId xmlns:a16="http://schemas.microsoft.com/office/drawing/2014/main" id="{84EC855B-8725-927E-531B-85F058B8979B}"/>
               </a:ext>
             </a:extLst>
           </p:cNvPr>
@@ -7707,8 +7787,8 @@
         </p:blipFill>
         <p:spPr>
           <a:xfrm>
-            <a:off x="886264" y="3713871"/>
-            <a:ext cx="9800163" cy="2602522"/>
+            <a:off x="1329007" y="4058531"/>
+            <a:ext cx="9533985" cy="2310618"/>
           </a:xfrm>
           <a:prstGeom prst="rect">
             <a:avLst/>
@@ -7720,7 +7800,7 @@
           <p:cNvPr id="7" name="TextBox 6">
             <a:extLst>
               <a:ext uri="{FF2B5EF4-FFF2-40B4-BE49-F238E27FC236}">
-                <a16:creationId xmlns:a16="http://schemas.microsoft.com/office/drawing/2014/main" id="{A09D85A8-77C3-8C1F-5E1B-112E23F995B5}"/>
+                <a16:creationId xmlns:a16="http://schemas.microsoft.com/office/drawing/2014/main" id="{4F1851AE-CD42-9EFE-D816-BC8BE562FA1D}"/>
               </a:ext>
             </a:extLst>
           </p:cNvPr>
@@ -7729,8 +7809,8 @@
         </p:nvSpPr>
         <p:spPr>
           <a:xfrm>
-            <a:off x="2700997" y="204178"/>
-            <a:ext cx="5991640" cy="646331"/>
+            <a:off x="3026811" y="304185"/>
+            <a:ext cx="5511702" cy="369332"/>
           </a:xfrm>
           <a:prstGeom prst="rect">
             <a:avLst/>
@@ -7752,12 +7832,9 @@
                   <a:srgbClr val="000000"/>
                 </a:highlight>
               </a:rPr>
-              <a:t>New Hampshire: 3 Bedroom and 5+ Bedroom (2012-2022) </a:t>
+              <a:t>New Hampshire: 1 Bedroom and Condos (2012-2022) </a:t>
             </a:r>
           </a:p>
-          <a:p>
-            <a:endParaRPr lang="en-US" dirty="0"/>
-          </a:p>
         </p:txBody>
       </p:sp>
       <p:sp>
@@ -7765,7 +7842,7 @@
           <p:cNvPr id="8" name="TextBox 7">
             <a:extLst>
               <a:ext uri="{FF2B5EF4-FFF2-40B4-BE49-F238E27FC236}">
-                <a16:creationId xmlns:a16="http://schemas.microsoft.com/office/drawing/2014/main" id="{F63743C8-852B-D1C1-62AC-3FEBE4FCE601}"/>
+                <a16:creationId xmlns:a16="http://schemas.microsoft.com/office/drawing/2014/main" id="{5AC32F14-1364-547C-64B7-C85E72C48AC3}"/>
               </a:ext>
             </a:extLst>
           </p:cNvPr>
@@ -7774,8 +7851,8 @@
         </p:nvSpPr>
         <p:spPr>
           <a:xfrm>
-            <a:off x="3080825" y="3314012"/>
-            <a:ext cx="5800577" cy="646331"/>
+            <a:off x="3493477" y="3611758"/>
+            <a:ext cx="4578369" cy="646331"/>
           </a:xfrm>
           <a:prstGeom prst="rect">
             <a:avLst/>
@@ -7783,7 +7860,7 @@
           <a:noFill/>
         </p:spPr>
         <p:txBody>
-          <a:bodyPr wrap="square" rtlCol="0">
+          <a:bodyPr wrap="none" rtlCol="0">
             <a:spAutoFit/>
           </a:bodyPr>
           <a:lstStyle/>
@@ -7797,7 +7874,7 @@
                   <a:srgbClr val="000000"/>
                 </a:highlight>
               </a:rPr>
-              <a:t>Maine: 3 Bedroom and 5+ Bedroom (2012-2022) </a:t>
+              <a:t>Maine: 1 Bedroom and Condos (2012-2022) </a:t>
             </a:r>
           </a:p>
           <a:p>
@@ -7808,7 +7885,7 @@
     </p:spTree>
     <p:extLst>
       <p:ext uri="{BB962C8B-B14F-4D97-AF65-F5344CB8AC3E}">
-        <p14:creationId xmlns:p14="http://schemas.microsoft.com/office/powerpoint/2010/main" val="3608136750"/>
+        <p14:creationId xmlns:p14="http://schemas.microsoft.com/office/powerpoint/2010/main" val="2638784750"/>
       </p:ext>
     </p:extLst>
   </p:cSld>
@@ -8040,6 +8117,198 @@
       </p:grpSpPr>
       <p:pic>
         <p:nvPicPr>
+          <p:cNvPr id="3" name="Picture 2" descr="A graph of a graph of a graph of a graph of a graph of a graph of a graph of a graph of a graph of a graph of a graph of a graph of a graph of&#10;&#10;Description automatically generated">
+            <a:extLst>
+              <a:ext uri="{FF2B5EF4-FFF2-40B4-BE49-F238E27FC236}">
+                <a16:creationId xmlns:a16="http://schemas.microsoft.com/office/drawing/2014/main" id="{6AA85570-6F99-9EBB-F75C-7A2BAF3C398D}"/>
+              </a:ext>
+            </a:extLst>
+          </p:cNvPr>
+          <p:cNvPicPr>
+            <a:picLocks noChangeAspect="1"/>
+          </p:cNvPicPr>
+          <p:nvPr/>
+        </p:nvPicPr>
+        <p:blipFill>
+          <a:blip r:embed="rId2">
+            <a:extLst>
+              <a:ext uri="{28A0092B-C50C-407E-A947-70E740481C1C}">
+                <a14:useLocalDpi xmlns:a14="http://schemas.microsoft.com/office/drawing/2010/main" val="0"/>
+              </a:ext>
+            </a:extLst>
+          </a:blip>
+          <a:stretch>
+            <a:fillRect/>
+          </a:stretch>
+        </p:blipFill>
+        <p:spPr>
+          <a:xfrm>
+            <a:off x="379828" y="850509"/>
+            <a:ext cx="10306600" cy="2463503"/>
+          </a:xfrm>
+          <a:prstGeom prst="rect">
+            <a:avLst/>
+          </a:prstGeom>
+        </p:spPr>
+      </p:pic>
+      <p:pic>
+        <p:nvPicPr>
+          <p:cNvPr id="5" name="Picture 4" descr="A graph with a line and a line&#10;&#10;Description automatically generated with medium confidence">
+            <a:extLst>
+              <a:ext uri="{FF2B5EF4-FFF2-40B4-BE49-F238E27FC236}">
+                <a16:creationId xmlns:a16="http://schemas.microsoft.com/office/drawing/2014/main" id="{33F731C1-143F-3601-5C82-A70C5998CA4B}"/>
+              </a:ext>
+            </a:extLst>
+          </p:cNvPr>
+          <p:cNvPicPr>
+            <a:picLocks noChangeAspect="1"/>
+          </p:cNvPicPr>
+          <p:nvPr/>
+        </p:nvPicPr>
+        <p:blipFill>
+          <a:blip r:embed="rId3">
+            <a:extLst>
+              <a:ext uri="{28A0092B-C50C-407E-A947-70E740481C1C}">
+                <a14:useLocalDpi xmlns:a14="http://schemas.microsoft.com/office/drawing/2010/main" val="0"/>
+              </a:ext>
+            </a:extLst>
+          </a:blip>
+          <a:stretch>
+            <a:fillRect/>
+          </a:stretch>
+        </p:blipFill>
+        <p:spPr>
+          <a:xfrm>
+            <a:off x="886264" y="3713871"/>
+            <a:ext cx="9800163" cy="2602522"/>
+          </a:xfrm>
+          <a:prstGeom prst="rect">
+            <a:avLst/>
+          </a:prstGeom>
+        </p:spPr>
+      </p:pic>
+      <p:sp>
+        <p:nvSpPr>
+          <p:cNvPr id="7" name="TextBox 6">
+            <a:extLst>
+              <a:ext uri="{FF2B5EF4-FFF2-40B4-BE49-F238E27FC236}">
+                <a16:creationId xmlns:a16="http://schemas.microsoft.com/office/drawing/2014/main" id="{A09D85A8-77C3-8C1F-5E1B-112E23F995B5}"/>
+              </a:ext>
+            </a:extLst>
+          </p:cNvPr>
+          <p:cNvSpPr txBox="1"/>
+          <p:nvPr/>
+        </p:nvSpPr>
+        <p:spPr>
+          <a:xfrm>
+            <a:off x="2700997" y="204178"/>
+            <a:ext cx="5991640" cy="646331"/>
+          </a:xfrm>
+          <a:prstGeom prst="rect">
+            <a:avLst/>
+          </a:prstGeom>
+          <a:noFill/>
+        </p:spPr>
+        <p:txBody>
+          <a:bodyPr wrap="none" rtlCol="0">
+            <a:spAutoFit/>
+          </a:bodyPr>
+          <a:lstStyle/>
+          <a:p>
+            <a:r>
+              <a:rPr lang="en-US" dirty="0">
+                <a:solidFill>
+                  <a:schemeClr val="bg1"/>
+                </a:solidFill>
+                <a:highlight>
+                  <a:srgbClr val="000000"/>
+                </a:highlight>
+              </a:rPr>
+              <a:t>New Hampshire: 3 Bedroom and 5+ Bedroom (2012-2022) </a:t>
+            </a:r>
+          </a:p>
+          <a:p>
+            <a:endParaRPr lang="en-US" dirty="0"/>
+          </a:p>
+        </p:txBody>
+      </p:sp>
+      <p:sp>
+        <p:nvSpPr>
+          <p:cNvPr id="8" name="TextBox 7">
+            <a:extLst>
+              <a:ext uri="{FF2B5EF4-FFF2-40B4-BE49-F238E27FC236}">
+                <a16:creationId xmlns:a16="http://schemas.microsoft.com/office/drawing/2014/main" id="{F63743C8-852B-D1C1-62AC-3FEBE4FCE601}"/>
+              </a:ext>
+            </a:extLst>
+          </p:cNvPr>
+          <p:cNvSpPr txBox="1"/>
+          <p:nvPr/>
+        </p:nvSpPr>
+        <p:spPr>
+          <a:xfrm>
+            <a:off x="3080825" y="3314012"/>
+            <a:ext cx="5800577" cy="646331"/>
+          </a:xfrm>
+          <a:prstGeom prst="rect">
+            <a:avLst/>
+          </a:prstGeom>
+          <a:noFill/>
+        </p:spPr>
+        <p:txBody>
+          <a:bodyPr wrap="square" rtlCol="0">
+            <a:spAutoFit/>
+          </a:bodyPr>
+          <a:lstStyle/>
+          <a:p>
+            <a:r>
+              <a:rPr lang="en-US" dirty="0">
+                <a:solidFill>
+                  <a:schemeClr val="bg1"/>
+                </a:solidFill>
+                <a:highlight>
+                  <a:srgbClr val="000000"/>
+                </a:highlight>
+              </a:rPr>
+              <a:t>Maine: 3 Bedroom and 5+ Bedroom (2012-2022) </a:t>
+            </a:r>
+          </a:p>
+          <a:p>
+            <a:endParaRPr lang="en-US" dirty="0"/>
+          </a:p>
+        </p:txBody>
+      </p:sp>
+    </p:spTree>
+    <p:extLst>
+      <p:ext uri="{BB962C8B-B14F-4D97-AF65-F5344CB8AC3E}">
+        <p14:creationId xmlns:p14="http://schemas.microsoft.com/office/powerpoint/2010/main" val="3608136750"/>
+      </p:ext>
+    </p:extLst>
+  </p:cSld>
+  <p:clrMapOvr>
+    <a:masterClrMapping/>
+  </p:clrMapOvr>
+</p:sld>
+</file>
+
+<file path=ppt/slides/slide21.xml><?xml version="1.0" encoding="utf-8"?>
+<p:sld xmlns:a="http://schemas.openxmlformats.org/drawingml/2006/main" xmlns:r="http://schemas.openxmlformats.org/officeDocument/2006/relationships" xmlns:p="http://schemas.openxmlformats.org/presentationml/2006/main">
+  <p:cSld>
+    <p:spTree>
+      <p:nvGrpSpPr>
+        <p:cNvPr id="1" name=""/>
+        <p:cNvGrpSpPr/>
+        <p:nvPr/>
+      </p:nvGrpSpPr>
+      <p:grpSpPr>
+        <a:xfrm>
+          <a:off x="0" y="0"/>
+          <a:ext cx="0" cy="0"/>
+          <a:chOff x="0" y="0"/>
+          <a:chExt cx="0" cy="0"/>
+        </a:xfrm>
+      </p:grpSpPr>
+      <p:pic>
+        <p:nvPicPr>
           <p:cNvPr id="3" name="Picture 2" descr="A white background with black dots&#10;&#10;Description automatically generated">
             <a:extLst>
               <a:ext uri="{FF2B5EF4-FFF2-40B4-BE49-F238E27FC236}">
@@ -8157,7 +8426,7 @@
 </p:sld>
 </file>
 
-<file path=ppt/slides/slide21.xml><?xml version="1.0" encoding="utf-8"?>
+<file path=ppt/slides/slide22.xml><?xml version="1.0" encoding="utf-8"?>
 <p:sld xmlns:a="http://schemas.openxmlformats.org/drawingml/2006/main" xmlns:r="http://schemas.openxmlformats.org/officeDocument/2006/relationships" xmlns:p="http://schemas.openxmlformats.org/presentationml/2006/main">
   <p:cSld>
     <p:bg>
@@ -8568,46 +8837,6 @@
       </p:sp>
       <p:sp>
         <p:nvSpPr>
-          <p:cNvPr id="2" name="Title 1">
-            <a:extLst>
-              <a:ext uri="{FF2B5EF4-FFF2-40B4-BE49-F238E27FC236}">
-                <a16:creationId xmlns:a16="http://schemas.microsoft.com/office/drawing/2014/main" id="{9AB2EA78-AEB3-469B-9025-3B17201A457B}"/>
-              </a:ext>
-            </a:extLst>
-          </p:cNvPr>
-          <p:cNvSpPr>
-            <a:spLocks noGrp="1"/>
-          </p:cNvSpPr>
-          <p:nvPr>
-            <p:ph type="ctrTitle"/>
-          </p:nvPr>
-        </p:nvSpPr>
-        <p:spPr>
-          <a:xfrm>
-            <a:off x="0" y="0"/>
-            <a:ext cx="12192000" cy="4953000"/>
-          </a:xfrm>
-        </p:spPr>
-        <p:txBody>
-          <a:bodyPr anchor="ctr">
-            <a:normAutofit fontScale="90000"/>
-          </a:bodyPr>
-          <a:lstStyle/>
-          <a:p>
-            <a:pPr lvl="0"/>
-            <a:r>
-              <a:rPr lang="en-US" sz="4800" i="1" dirty="0">
-                <a:solidFill>
-                  <a:schemeClr val="tx1"/>
-                </a:solidFill>
-              </a:rPr>
-              <a:t>Initially, we organized the data by property type, creating categories that needed observation. We grouped information by both year and state to calculate the average housing price. Following this, we determined the annual change rate for each year. We then aggregated the yearly change rate while computing their average. </a:t>
-            </a:r>
-          </a:p>
-        </p:txBody>
-      </p:sp>
-      <p:sp>
-        <p:nvSpPr>
           <p:cNvPr id="49" name="Rectangle 48">
             <a:extLst>
               <a:ext uri="{FF2B5EF4-FFF2-40B4-BE49-F238E27FC236}">
@@ -8695,6 +8924,112 @@
               <a:ea typeface="+mn-ea"/>
               <a:cs typeface="+mn-cs"/>
             </a:endParaRPr>
+          </a:p>
+        </p:txBody>
+      </p:sp>
+      <p:sp>
+        <p:nvSpPr>
+          <p:cNvPr id="5" name="TextBox 4">
+            <a:extLst>
+              <a:ext uri="{FF2B5EF4-FFF2-40B4-BE49-F238E27FC236}">
+                <a16:creationId xmlns:a16="http://schemas.microsoft.com/office/drawing/2014/main" id="{A1268DD1-7E08-19D0-0156-33A834E4469C}"/>
+              </a:ext>
+            </a:extLst>
+          </p:cNvPr>
+          <p:cNvSpPr txBox="1"/>
+          <p:nvPr/>
+        </p:nvSpPr>
+        <p:spPr>
+          <a:xfrm>
+            <a:off x="4597166" y="393366"/>
+            <a:ext cx="3607267" cy="369332"/>
+          </a:xfrm>
+          <a:prstGeom prst="rect">
+            <a:avLst/>
+          </a:prstGeom>
+          <a:noFill/>
+        </p:spPr>
+        <p:txBody>
+          <a:bodyPr wrap="square" rtlCol="0">
+            <a:spAutoFit/>
+          </a:bodyPr>
+          <a:lstStyle/>
+          <a:p>
+            <a:r>
+              <a:rPr lang="en-US" b="1" u="sng" dirty="0"/>
+              <a:t>Original Data Frame</a:t>
+            </a:r>
+            <a:endParaRPr lang="en-CA" b="1" u="sng" dirty="0"/>
+          </a:p>
+        </p:txBody>
+      </p:sp>
+      <p:pic>
+        <p:nvPicPr>
+          <p:cNvPr id="7" name="Picture 6">
+            <a:extLst>
+              <a:ext uri="{FF2B5EF4-FFF2-40B4-BE49-F238E27FC236}">
+                <a16:creationId xmlns:a16="http://schemas.microsoft.com/office/drawing/2014/main" id="{A2A5D59B-E348-617F-6390-22E19F6193C2}"/>
+              </a:ext>
+            </a:extLst>
+          </p:cNvPr>
+          <p:cNvPicPr>
+            <a:picLocks noChangeAspect="1"/>
+          </p:cNvPicPr>
+          <p:nvPr/>
+        </p:nvPicPr>
+        <p:blipFill>
+          <a:blip r:embed="rId2"/>
+          <a:stretch>
+            <a:fillRect/>
+          </a:stretch>
+        </p:blipFill>
+        <p:spPr>
+          <a:xfrm>
+            <a:off x="3288720" y="931178"/>
+            <a:ext cx="4714377" cy="3484010"/>
+          </a:xfrm>
+          <a:prstGeom prst="rect">
+            <a:avLst/>
+          </a:prstGeom>
+        </p:spPr>
+      </p:pic>
+      <p:sp>
+        <p:nvSpPr>
+          <p:cNvPr id="8" name="TextBox 7">
+            <a:extLst>
+              <a:ext uri="{FF2B5EF4-FFF2-40B4-BE49-F238E27FC236}">
+                <a16:creationId xmlns:a16="http://schemas.microsoft.com/office/drawing/2014/main" id="{7577A0F9-5D0C-9C7E-42D8-CDDCB74D9C3D}"/>
+              </a:ext>
+            </a:extLst>
+          </p:cNvPr>
+          <p:cNvSpPr txBox="1"/>
+          <p:nvPr/>
+        </p:nvSpPr>
+        <p:spPr>
+          <a:xfrm>
+            <a:off x="310393" y="5234730"/>
+            <a:ext cx="11501306" cy="954107"/>
+          </a:xfrm>
+          <a:prstGeom prst="rect">
+            <a:avLst/>
+          </a:prstGeom>
+          <a:noFill/>
+        </p:spPr>
+        <p:txBody>
+          <a:bodyPr wrap="square" rtlCol="0">
+            <a:spAutoFit/>
+          </a:bodyPr>
+          <a:lstStyle/>
+          <a:p>
+            <a:r>
+              <a:rPr lang="en-US" sz="2800" dirty="0">
+                <a:solidFill>
+                  <a:schemeClr val="bg1"/>
+                </a:solidFill>
+                <a:latin typeface="+mj-lt"/>
+              </a:rPr>
+              <a:t>This Data Frame displayed the average monthly price of homes per property type and state</a:t>
+            </a:r>
           </a:p>
         </p:txBody>
       </p:sp>
@@ -8794,8 +9129,37 @@
           <a:bodyPr rtlCol="0" anchor="ctr"/>
           <a:lstStyle/>
           <a:p>
-            <a:pPr algn="ctr"/>
-            <a:endParaRPr lang="en-US"/>
+            <a:pPr marL="0" marR="0" lvl="0" indent="0" algn="ctr" defTabSz="914400" rtl="0" eaLnBrk="1" fontAlgn="auto" latinLnBrk="0" hangingPunct="1">
+              <a:lnSpc>
+                <a:spcPct val="100000"/>
+              </a:lnSpc>
+              <a:spcBef>
+                <a:spcPts val="0"/>
+              </a:spcBef>
+              <a:spcAft>
+                <a:spcPts val="0"/>
+              </a:spcAft>
+              <a:buClrTx/>
+              <a:buSzTx/>
+              <a:buFontTx/>
+              <a:buNone/>
+              <a:tabLst/>
+              <a:defRPr/>
+            </a:pPr>
+            <a:endParaRPr kumimoji="0" lang="en-US" sz="1800" b="0" i="0" u="none" strike="noStrike" kern="1200" cap="none" spc="0" normalizeH="0" baseline="0" noProof="0">
+              <a:ln>
+                <a:noFill/>
+              </a:ln>
+              <a:solidFill>
+                <a:srgbClr val="FFFFFF"/>
+              </a:solidFill>
+              <a:effectLst/>
+              <a:uLnTx/>
+              <a:uFillTx/>
+              <a:latin typeface="Franklin Gothic Book" panose="020F0502020204030204"/>
+              <a:ea typeface="+mn-ea"/>
+              <a:cs typeface="+mn-cs"/>
+            </a:endParaRPr>
           </a:p>
         </p:txBody>
       </p:sp>
@@ -8857,16 +9221,46 @@
           <a:bodyPr/>
           <a:lstStyle/>
           <a:p>
-            <a:endParaRPr lang="en-CA"/>
+            <a:pPr marL="0" marR="0" lvl="0" indent="0" algn="l" defTabSz="914400" rtl="0" eaLnBrk="1" fontAlgn="auto" latinLnBrk="0" hangingPunct="1">
+              <a:lnSpc>
+                <a:spcPct val="100000"/>
+              </a:lnSpc>
+              <a:spcBef>
+                <a:spcPts val="0"/>
+              </a:spcBef>
+              <a:spcAft>
+                <a:spcPts val="0"/>
+              </a:spcAft>
+              <a:buClrTx/>
+              <a:buSzTx/>
+              <a:buFontTx/>
+              <a:buNone/>
+              <a:tabLst/>
+              <a:defRPr/>
+            </a:pPr>
+            <a:endParaRPr kumimoji="0" lang="en-CA" sz="1800" b="0" i="0" u="none" strike="noStrike" kern="1200" cap="none" spc="0" normalizeH="0" baseline="0" noProof="0">
+              <a:ln>
+                <a:noFill/>
+              </a:ln>
+              <a:solidFill>
+                <a:srgbClr val="FFFFFF"/>
+              </a:solidFill>
+              <a:effectLst/>
+              <a:uLnTx/>
+              <a:uFillTx/>
+              <a:latin typeface="Franklin Gothic Book" panose="020F0502020204030204"/>
+              <a:ea typeface="+mn-ea"/>
+              <a:cs typeface="+mn-cs"/>
+            </a:endParaRPr>
           </a:p>
         </p:txBody>
       </p:sp>
       <p:pic>
         <p:nvPicPr>
-          <p:cNvPr id="3" name="Picture 2">
-            <a:extLst>
-              <a:ext uri="{FF2B5EF4-FFF2-40B4-BE49-F238E27FC236}">
-                <a16:creationId xmlns:a16="http://schemas.microsoft.com/office/drawing/2014/main" id="{176324A7-9F5C-5F1C-C27C-43A83CC3A5CD}"/>
+          <p:cNvPr id="3" name="Picture 2" descr="A table with numbers and text&#10;&#10;Description automatically generated">
+            <a:extLst>
+              <a:ext uri="{FF2B5EF4-FFF2-40B4-BE49-F238E27FC236}">
+                <a16:creationId xmlns:a16="http://schemas.microsoft.com/office/drawing/2014/main" id="{BFC345DC-E111-14F8-134F-065DAB6510C3}"/>
               </a:ext>
             </a:extLst>
           </p:cNvPr>
@@ -8876,57 +9270,33 @@
           <p:nvPr/>
         </p:nvPicPr>
         <p:blipFill>
-          <a:blip r:embed="rId2"/>
+          <a:blip r:embed="rId2">
+            <a:extLst>
+              <a:ext uri="{28A0092B-C50C-407E-A947-70E740481C1C}">
+                <a14:useLocalDpi xmlns:a14="http://schemas.microsoft.com/office/drawing/2010/main" val="0"/>
+              </a:ext>
+            </a:extLst>
+          </a:blip>
           <a:stretch>
             <a:fillRect/>
           </a:stretch>
         </p:blipFill>
         <p:spPr>
           <a:xfrm>
-            <a:off x="0" y="0"/>
-            <a:ext cx="6096000" cy="4953000"/>
+            <a:off x="395748" y="1272580"/>
+            <a:ext cx="11400504" cy="2156420"/>
           </a:xfrm>
           <a:prstGeom prst="rect">
             <a:avLst/>
           </a:prstGeom>
         </p:spPr>
       </p:pic>
-      <p:pic>
-        <p:nvPicPr>
-          <p:cNvPr id="5" name="Picture 4">
-            <a:extLst>
-              <a:ext uri="{FF2B5EF4-FFF2-40B4-BE49-F238E27FC236}">
-                <a16:creationId xmlns:a16="http://schemas.microsoft.com/office/drawing/2014/main" id="{E42C2FF1-D3EF-A64F-96B6-768EBCC2775B}"/>
-              </a:ext>
-            </a:extLst>
-          </p:cNvPr>
-          <p:cNvPicPr>
-            <a:picLocks noChangeAspect="1"/>
-          </p:cNvPicPr>
-          <p:nvPr/>
-        </p:nvPicPr>
-        <p:blipFill>
-          <a:blip r:embed="rId3"/>
-          <a:stretch>
-            <a:fillRect/>
-          </a:stretch>
-        </p:blipFill>
-        <p:spPr>
-          <a:xfrm>
-            <a:off x="6096000" y="0"/>
-            <a:ext cx="6094459" cy="4953000"/>
-          </a:xfrm>
-          <a:prstGeom prst="rect">
-            <a:avLst/>
-          </a:prstGeom>
-        </p:spPr>
-      </p:pic>
-      <p:sp>
-        <p:nvSpPr>
-          <p:cNvPr id="6" name="TextBox 5">
-            <a:extLst>
-              <a:ext uri="{FF2B5EF4-FFF2-40B4-BE49-F238E27FC236}">
-                <a16:creationId xmlns:a16="http://schemas.microsoft.com/office/drawing/2014/main" id="{066D3C73-C1C6-389D-BE56-2DB500588576}"/>
+      <p:sp>
+        <p:nvSpPr>
+          <p:cNvPr id="5" name="TextBox 4">
+            <a:extLst>
+              <a:ext uri="{FF2B5EF4-FFF2-40B4-BE49-F238E27FC236}">
+                <a16:creationId xmlns:a16="http://schemas.microsoft.com/office/drawing/2014/main" id="{A1268DD1-7E08-19D0-0156-33A834E4469C}"/>
               </a:ext>
             </a:extLst>
           </p:cNvPr>
@@ -8935,8 +9305,8 @@
         </p:nvSpPr>
         <p:spPr>
           <a:xfrm>
-            <a:off x="0" y="4953000"/>
-            <a:ext cx="12188952" cy="1815882"/>
+            <a:off x="4194494" y="679509"/>
+            <a:ext cx="3607267" cy="369332"/>
           </a:xfrm>
           <a:prstGeom prst="rect">
             <a:avLst/>
@@ -8950,13 +9320,49 @@
           <a:lstStyle/>
           <a:p>
             <a:r>
-              <a:rPr lang="en-CA" sz="2800" dirty="0">
+              <a:rPr lang="en-US" b="1" u="sng" dirty="0"/>
+              <a:t>Annual Growth Rates Data Frame</a:t>
+            </a:r>
+            <a:endParaRPr lang="en-CA" b="1" u="sng" dirty="0"/>
+          </a:p>
+        </p:txBody>
+      </p:sp>
+      <p:sp>
+        <p:nvSpPr>
+          <p:cNvPr id="2" name="TextBox 1">
+            <a:extLst>
+              <a:ext uri="{FF2B5EF4-FFF2-40B4-BE49-F238E27FC236}">
+                <a16:creationId xmlns:a16="http://schemas.microsoft.com/office/drawing/2014/main" id="{EC53E828-EF4C-B2F3-6FDE-D8E63276A601}"/>
+              </a:ext>
+            </a:extLst>
+          </p:cNvPr>
+          <p:cNvSpPr txBox="1"/>
+          <p:nvPr/>
+        </p:nvSpPr>
+        <p:spPr>
+          <a:xfrm>
+            <a:off x="310393" y="5234730"/>
+            <a:ext cx="11501306" cy="523220"/>
+          </a:xfrm>
+          <a:prstGeom prst="rect">
+            <a:avLst/>
+          </a:prstGeom>
+          <a:noFill/>
+        </p:spPr>
+        <p:txBody>
+          <a:bodyPr wrap="square" rtlCol="0">
+            <a:spAutoFit/>
+          </a:bodyPr>
+          <a:lstStyle/>
+          <a:p>
+            <a:r>
+              <a:rPr lang="en-US" sz="2800" dirty="0">
                 <a:solidFill>
                   <a:schemeClr val="bg1"/>
                 </a:solidFill>
                 <a:latin typeface="+mj-lt"/>
               </a:rPr>
-              <a:t>The top three states with the highest Annual Price Change Rate percentage for 1-bedroom and 2-bedroom homes in the past ten years are Nevada, Idaho, and Arizona. Nevada has the highest Annual Price Change Rate.</a:t>
+              <a:t>Displayed the Average annual growth rate per State</a:t>
             </a:r>
           </a:p>
         </p:txBody>
@@ -8964,7 +9370,7 @@
     </p:spTree>
     <p:extLst>
       <p:ext uri="{BB962C8B-B14F-4D97-AF65-F5344CB8AC3E}">
-        <p14:creationId xmlns:p14="http://schemas.microsoft.com/office/powerpoint/2010/main" val="1217207103"/>
+        <p14:creationId xmlns:p14="http://schemas.microsoft.com/office/powerpoint/2010/main" val="2734986763"/>
       </p:ext>
     </p:extLst>
   </p:cSld>
@@ -9126,10 +9532,10 @@
       </p:sp>
       <p:pic>
         <p:nvPicPr>
-          <p:cNvPr id="5" name="Picture 4">
-            <a:extLst>
-              <a:ext uri="{FF2B5EF4-FFF2-40B4-BE49-F238E27FC236}">
-                <a16:creationId xmlns:a16="http://schemas.microsoft.com/office/drawing/2014/main" id="{060BA457-17C1-E437-7F76-C9EB755FD374}"/>
+          <p:cNvPr id="3" name="Picture 2">
+            <a:extLst>
+              <a:ext uri="{FF2B5EF4-FFF2-40B4-BE49-F238E27FC236}">
+                <a16:creationId xmlns:a16="http://schemas.microsoft.com/office/drawing/2014/main" id="{176324A7-9F5C-5F1C-C27C-43A83CC3A5CD}"/>
               </a:ext>
             </a:extLst>
           </p:cNvPr>
@@ -9156,10 +9562,10 @@
       </p:pic>
       <p:pic>
         <p:nvPicPr>
-          <p:cNvPr id="7" name="Picture 6">
-            <a:extLst>
-              <a:ext uri="{FF2B5EF4-FFF2-40B4-BE49-F238E27FC236}">
-                <a16:creationId xmlns:a16="http://schemas.microsoft.com/office/drawing/2014/main" id="{036204F0-4259-5637-2E3C-A199E201262B}"/>
+          <p:cNvPr id="5" name="Picture 4">
+            <a:extLst>
+              <a:ext uri="{FF2B5EF4-FFF2-40B4-BE49-F238E27FC236}">
+                <a16:creationId xmlns:a16="http://schemas.microsoft.com/office/drawing/2014/main" id="{E42C2FF1-D3EF-A64F-96B6-768EBCC2775B}"/>
               </a:ext>
             </a:extLst>
           </p:cNvPr>
@@ -9186,10 +9592,10 @@
       </p:pic>
       <p:sp>
         <p:nvSpPr>
-          <p:cNvPr id="9" name="TextBox 8">
-            <a:extLst>
-              <a:ext uri="{FF2B5EF4-FFF2-40B4-BE49-F238E27FC236}">
-                <a16:creationId xmlns:a16="http://schemas.microsoft.com/office/drawing/2014/main" id="{E9DDD0C0-D84E-2EC8-6A34-A9902F8FFCD9}"/>
+          <p:cNvPr id="6" name="TextBox 5">
+            <a:extLst>
+              <a:ext uri="{FF2B5EF4-FFF2-40B4-BE49-F238E27FC236}">
+                <a16:creationId xmlns:a16="http://schemas.microsoft.com/office/drawing/2014/main" id="{066D3C73-C1C6-389D-BE56-2DB500588576}"/>
               </a:ext>
             </a:extLst>
           </p:cNvPr>
@@ -9199,7 +9605,7 @@
         <p:spPr>
           <a:xfrm>
             <a:off x="0" y="4953000"/>
-            <a:ext cx="12188952" cy="2246769"/>
+            <a:ext cx="12188952" cy="1815882"/>
           </a:xfrm>
           <a:prstGeom prst="rect">
             <a:avLst/>
@@ -9219,20 +9625,15 @@
                 </a:solidFill>
                 <a:latin typeface="+mj-lt"/>
               </a:rPr>
-              <a:t>The top three states with the highest Annual Price Change Rate percentage for 3-bedroom homes and Condos in the past ten years are Nevada, Idaho, and Arizona. Nevada has the highest Annual Price Change Rate.</a:t>
+              <a:t>The top three states with the highest Annual Price Change Rate percentage for 1-bedroom and 2-bedroom homes in the past ten years are Nevada, Idaho, and Arizona. Nevada has the highest Annual Price Change Rate.</a:t>
             </a:r>
-          </a:p>
-          <a:p>
-            <a:endParaRPr lang="en-CA" sz="2800" dirty="0">
-              <a:latin typeface="+mj-lt"/>
-            </a:endParaRPr>
           </a:p>
         </p:txBody>
       </p:sp>
     </p:spTree>
     <p:extLst>
       <p:ext uri="{BB962C8B-B14F-4D97-AF65-F5344CB8AC3E}">
-        <p14:creationId xmlns:p14="http://schemas.microsoft.com/office/powerpoint/2010/main" val="117639698"/>
+        <p14:creationId xmlns:p14="http://schemas.microsoft.com/office/powerpoint/2010/main" val="1217207103"/>
       </p:ext>
     </p:extLst>
   </p:cSld>
@@ -9392,57 +9793,12 @@
           </a:p>
         </p:txBody>
       </p:sp>
-      <p:sp>
-        <p:nvSpPr>
-          <p:cNvPr id="9" name="TextBox 8">
-            <a:extLst>
-              <a:ext uri="{FF2B5EF4-FFF2-40B4-BE49-F238E27FC236}">
-                <a16:creationId xmlns:a16="http://schemas.microsoft.com/office/drawing/2014/main" id="{E9DDD0C0-D84E-2EC8-6A34-A9902F8FFCD9}"/>
-              </a:ext>
-            </a:extLst>
-          </p:cNvPr>
-          <p:cNvSpPr txBox="1"/>
-          <p:nvPr/>
-        </p:nvSpPr>
-        <p:spPr>
-          <a:xfrm>
-            <a:off x="0" y="4953000"/>
-            <a:ext cx="12188952" cy="2246769"/>
-          </a:xfrm>
-          <a:prstGeom prst="rect">
-            <a:avLst/>
-          </a:prstGeom>
-          <a:noFill/>
-        </p:spPr>
-        <p:txBody>
-          <a:bodyPr wrap="square" rtlCol="0">
-            <a:spAutoFit/>
-          </a:bodyPr>
-          <a:lstStyle/>
-          <a:p>
-            <a:r>
-              <a:rPr lang="en-CA" sz="2800" dirty="0">
-                <a:solidFill>
-                  <a:schemeClr val="bg1"/>
-                </a:solidFill>
-                <a:latin typeface="+mj-lt"/>
-              </a:rPr>
-              <a:t>The top three states with the highest Annual Price Change Rate percentage for 4-bedroom homes and 5+-bedroom homes in the past ten years are Nevada, Idaho, and Arizona. Idaho has the highest Annual Price Change Rate.</a:t>
-            </a:r>
-          </a:p>
-          <a:p>
-            <a:endParaRPr lang="en-CA" sz="2800" dirty="0">
-              <a:latin typeface="+mj-lt"/>
-            </a:endParaRPr>
-          </a:p>
-        </p:txBody>
-      </p:sp>
       <p:pic>
         <p:nvPicPr>
-          <p:cNvPr id="3" name="Picture 2">
-            <a:extLst>
-              <a:ext uri="{FF2B5EF4-FFF2-40B4-BE49-F238E27FC236}">
-                <a16:creationId xmlns:a16="http://schemas.microsoft.com/office/drawing/2014/main" id="{3EE214A1-846D-061B-0190-337CC7FB7FF6}"/>
+          <p:cNvPr id="5" name="Picture 4">
+            <a:extLst>
+              <a:ext uri="{FF2B5EF4-FFF2-40B4-BE49-F238E27FC236}">
+                <a16:creationId xmlns:a16="http://schemas.microsoft.com/office/drawing/2014/main" id="{060BA457-17C1-E437-7F76-C9EB755FD374}"/>
               </a:ext>
             </a:extLst>
           </p:cNvPr>
@@ -9459,8 +9815,8 @@
         </p:blipFill>
         <p:spPr>
           <a:xfrm>
-            <a:off x="3048" y="1"/>
-            <a:ext cx="6092951" cy="4953000"/>
+            <a:off x="0" y="0"/>
+            <a:ext cx="6096000" cy="4953000"/>
           </a:xfrm>
           <a:prstGeom prst="rect">
             <a:avLst/>
@@ -9469,10 +9825,10 @@
       </p:pic>
       <p:pic>
         <p:nvPicPr>
-          <p:cNvPr id="6" name="Picture 5">
-            <a:extLst>
-              <a:ext uri="{FF2B5EF4-FFF2-40B4-BE49-F238E27FC236}">
-                <a16:creationId xmlns:a16="http://schemas.microsoft.com/office/drawing/2014/main" id="{B2B38E34-EB01-A0F5-F6FD-2D7D6B86A871}"/>
+          <p:cNvPr id="7" name="Picture 6">
+            <a:extLst>
+              <a:ext uri="{FF2B5EF4-FFF2-40B4-BE49-F238E27FC236}">
+                <a16:creationId xmlns:a16="http://schemas.microsoft.com/office/drawing/2014/main" id="{036204F0-4259-5637-2E3C-A199E201262B}"/>
               </a:ext>
             </a:extLst>
           </p:cNvPr>
@@ -9489,18 +9845,63 @@
         </p:blipFill>
         <p:spPr>
           <a:xfrm>
-            <a:off x="6096910" y="1"/>
-            <a:ext cx="6092042" cy="4952998"/>
+            <a:off x="6096000" y="0"/>
+            <a:ext cx="6094459" cy="4953000"/>
           </a:xfrm>
           <a:prstGeom prst="rect">
             <a:avLst/>
           </a:prstGeom>
         </p:spPr>
       </p:pic>
+      <p:sp>
+        <p:nvSpPr>
+          <p:cNvPr id="9" name="TextBox 8">
+            <a:extLst>
+              <a:ext uri="{FF2B5EF4-FFF2-40B4-BE49-F238E27FC236}">
+                <a16:creationId xmlns:a16="http://schemas.microsoft.com/office/drawing/2014/main" id="{E9DDD0C0-D84E-2EC8-6A34-A9902F8FFCD9}"/>
+              </a:ext>
+            </a:extLst>
+          </p:cNvPr>
+          <p:cNvSpPr txBox="1"/>
+          <p:nvPr/>
+        </p:nvSpPr>
+        <p:spPr>
+          <a:xfrm>
+            <a:off x="0" y="4953000"/>
+            <a:ext cx="12188952" cy="2246769"/>
+          </a:xfrm>
+          <a:prstGeom prst="rect">
+            <a:avLst/>
+          </a:prstGeom>
+          <a:noFill/>
+        </p:spPr>
+        <p:txBody>
+          <a:bodyPr wrap="square" rtlCol="0">
+            <a:spAutoFit/>
+          </a:bodyPr>
+          <a:lstStyle/>
+          <a:p>
+            <a:r>
+              <a:rPr lang="en-CA" sz="2800" dirty="0">
+                <a:solidFill>
+                  <a:schemeClr val="bg1"/>
+                </a:solidFill>
+                <a:latin typeface="+mj-lt"/>
+              </a:rPr>
+              <a:t>The top three states with the highest Annual Price Change Rate percentage for 3-bedroom homes and Condos in the past ten years are Nevada, Idaho, and Arizona. Nevada has the highest Annual Price Change Rate.</a:t>
+            </a:r>
+          </a:p>
+          <a:p>
+            <a:endParaRPr lang="en-CA" sz="2800" dirty="0">
+              <a:latin typeface="+mj-lt"/>
+            </a:endParaRPr>
+          </a:p>
+        </p:txBody>
+      </p:sp>
     </p:spTree>
     <p:extLst>
       <p:ext uri="{BB962C8B-B14F-4D97-AF65-F5344CB8AC3E}">
-        <p14:creationId xmlns:p14="http://schemas.microsoft.com/office/powerpoint/2010/main" val="1382801144"/>
+        <p14:creationId xmlns:p14="http://schemas.microsoft.com/office/powerpoint/2010/main" val="117639698"/>
       </p:ext>
     </p:extLst>
   </p:cSld>
@@ -9593,77 +9994,8 @@
           <a:bodyPr rtlCol="0" anchor="ctr"/>
           <a:lstStyle/>
           <a:p>
-            <a:pPr marL="0" marR="0" lvl="0" indent="0" algn="ctr" defTabSz="914400" rtl="0" eaLnBrk="1" fontAlgn="auto" latinLnBrk="0" hangingPunct="1">
-              <a:lnSpc>
-                <a:spcPct val="100000"/>
-              </a:lnSpc>
-              <a:spcBef>
-                <a:spcPts val="0"/>
-              </a:spcBef>
-              <a:spcAft>
-                <a:spcPts val="0"/>
-              </a:spcAft>
-              <a:buClrTx/>
-              <a:buSzTx/>
-              <a:buFontTx/>
-              <a:buNone/>
-              <a:tabLst/>
-              <a:defRPr/>
-            </a:pPr>
-            <a:endParaRPr kumimoji="0" lang="en-US" sz="1800" b="0" i="0" u="none" strike="noStrike" kern="1200" cap="none" spc="0" normalizeH="0" baseline="0" noProof="0">
-              <a:ln>
-                <a:noFill/>
-              </a:ln>
-              <a:solidFill>
-                <a:srgbClr val="FFFFFF"/>
-              </a:solidFill>
-              <a:effectLst/>
-              <a:uLnTx/>
-              <a:uFillTx/>
-              <a:latin typeface="Franklin Gothic Book" panose="020F0502020204030204"/>
-              <a:ea typeface="+mn-ea"/>
-              <a:cs typeface="+mn-cs"/>
-            </a:endParaRPr>
-          </a:p>
-        </p:txBody>
-      </p:sp>
-      <p:sp>
-        <p:nvSpPr>
-          <p:cNvPr id="2" name="Title 1">
-            <a:extLst>
-              <a:ext uri="{FF2B5EF4-FFF2-40B4-BE49-F238E27FC236}">
-                <a16:creationId xmlns:a16="http://schemas.microsoft.com/office/drawing/2014/main" id="{9AB2EA78-AEB3-469B-9025-3B17201A457B}"/>
-              </a:ext>
-            </a:extLst>
-          </p:cNvPr>
-          <p:cNvSpPr>
-            <a:spLocks noGrp="1"/>
-          </p:cNvSpPr>
-          <p:nvPr>
-            <p:ph type="ctrTitle"/>
-          </p:nvPr>
-        </p:nvSpPr>
-        <p:spPr>
-          <a:xfrm>
-            <a:off x="0" y="0"/>
-            <a:ext cx="12192000" cy="4953000"/>
-          </a:xfrm>
-        </p:spPr>
-        <p:txBody>
-          <a:bodyPr anchor="ctr">
-            <a:normAutofit/>
-          </a:bodyPr>
-          <a:lstStyle/>
-          <a:p>
-            <a:pPr lvl="0"/>
-            <a:r>
-              <a:rPr lang="en-US" sz="4800" i="1" dirty="0">
-                <a:solidFill>
-                  <a:schemeClr val="tx1"/>
-                </a:solidFill>
-              </a:rPr>
-              <a:t>After accumulating our data, we presented it to our client. Enthusiastically, they asked for linear regression plots on all the states with the highest Annual Price Change Rates…</a:t>
-            </a:r>
+            <a:pPr algn="ctr"/>
+            <a:endParaRPr lang="en-US"/>
           </a:p>
         </p:txBody>
       </p:sp>
@@ -9725,44 +10057,119 @@
           <a:bodyPr/>
           <a:lstStyle/>
           <a:p>
-            <a:pPr marL="0" marR="0" lvl="0" indent="0" algn="l" defTabSz="914400" rtl="0" eaLnBrk="1" fontAlgn="auto" latinLnBrk="0" hangingPunct="1">
-              <a:lnSpc>
-                <a:spcPct val="100000"/>
-              </a:lnSpc>
-              <a:spcBef>
-                <a:spcPts val="0"/>
-              </a:spcBef>
-              <a:spcAft>
-                <a:spcPts val="0"/>
-              </a:spcAft>
-              <a:buClrTx/>
-              <a:buSzTx/>
-              <a:buFontTx/>
-              <a:buNone/>
-              <a:tabLst/>
-              <a:defRPr/>
-            </a:pPr>
-            <a:endParaRPr kumimoji="0" lang="en-CA" sz="1800" b="0" i="0" u="none" strike="noStrike" kern="1200" cap="none" spc="0" normalizeH="0" baseline="0" noProof="0">
-              <a:ln>
-                <a:noFill/>
-              </a:ln>
-              <a:solidFill>
-                <a:srgbClr val="FFFFFF"/>
-              </a:solidFill>
-              <a:effectLst/>
-              <a:uLnTx/>
-              <a:uFillTx/>
-              <a:latin typeface="Franklin Gothic Book" panose="020F0502020204030204"/>
-              <a:ea typeface="+mn-ea"/>
-              <a:cs typeface="+mn-cs"/>
+            <a:endParaRPr lang="en-CA"/>
+          </a:p>
+        </p:txBody>
+      </p:sp>
+      <p:sp>
+        <p:nvSpPr>
+          <p:cNvPr id="9" name="TextBox 8">
+            <a:extLst>
+              <a:ext uri="{FF2B5EF4-FFF2-40B4-BE49-F238E27FC236}">
+                <a16:creationId xmlns:a16="http://schemas.microsoft.com/office/drawing/2014/main" id="{E9DDD0C0-D84E-2EC8-6A34-A9902F8FFCD9}"/>
+              </a:ext>
+            </a:extLst>
+          </p:cNvPr>
+          <p:cNvSpPr txBox="1"/>
+          <p:nvPr/>
+        </p:nvSpPr>
+        <p:spPr>
+          <a:xfrm>
+            <a:off x="0" y="4953000"/>
+            <a:ext cx="12188952" cy="2246769"/>
+          </a:xfrm>
+          <a:prstGeom prst="rect">
+            <a:avLst/>
+          </a:prstGeom>
+          <a:noFill/>
+        </p:spPr>
+        <p:txBody>
+          <a:bodyPr wrap="square" rtlCol="0">
+            <a:spAutoFit/>
+          </a:bodyPr>
+          <a:lstStyle/>
+          <a:p>
+            <a:r>
+              <a:rPr lang="en-CA" sz="2800" dirty="0">
+                <a:solidFill>
+                  <a:schemeClr val="bg1"/>
+                </a:solidFill>
+                <a:latin typeface="+mj-lt"/>
+              </a:rPr>
+              <a:t>The top three states with the highest Annual Price Change Rate percentage for 4-bedroom homes and 5+-bedroom homes in the past ten years are Nevada, Idaho, and Arizona. Idaho has the highest Annual Price Change Rate.</a:t>
+            </a:r>
+          </a:p>
+          <a:p>
+            <a:endParaRPr lang="en-CA" sz="2800" dirty="0">
+              <a:latin typeface="+mj-lt"/>
             </a:endParaRPr>
           </a:p>
         </p:txBody>
       </p:sp>
+      <p:pic>
+        <p:nvPicPr>
+          <p:cNvPr id="3" name="Picture 2">
+            <a:extLst>
+              <a:ext uri="{FF2B5EF4-FFF2-40B4-BE49-F238E27FC236}">
+                <a16:creationId xmlns:a16="http://schemas.microsoft.com/office/drawing/2014/main" id="{3EE214A1-846D-061B-0190-337CC7FB7FF6}"/>
+              </a:ext>
+            </a:extLst>
+          </p:cNvPr>
+          <p:cNvPicPr>
+            <a:picLocks noChangeAspect="1"/>
+          </p:cNvPicPr>
+          <p:nvPr/>
+        </p:nvPicPr>
+        <p:blipFill>
+          <a:blip r:embed="rId2"/>
+          <a:stretch>
+            <a:fillRect/>
+          </a:stretch>
+        </p:blipFill>
+        <p:spPr>
+          <a:xfrm>
+            <a:off x="3048" y="1"/>
+            <a:ext cx="6092951" cy="4953000"/>
+          </a:xfrm>
+          <a:prstGeom prst="rect">
+            <a:avLst/>
+          </a:prstGeom>
+        </p:spPr>
+      </p:pic>
+      <p:pic>
+        <p:nvPicPr>
+          <p:cNvPr id="6" name="Picture 5">
+            <a:extLst>
+              <a:ext uri="{FF2B5EF4-FFF2-40B4-BE49-F238E27FC236}">
+                <a16:creationId xmlns:a16="http://schemas.microsoft.com/office/drawing/2014/main" id="{B2B38E34-EB01-A0F5-F6FD-2D7D6B86A871}"/>
+              </a:ext>
+            </a:extLst>
+          </p:cNvPr>
+          <p:cNvPicPr>
+            <a:picLocks noChangeAspect="1"/>
+          </p:cNvPicPr>
+          <p:nvPr/>
+        </p:nvPicPr>
+        <p:blipFill>
+          <a:blip r:embed="rId3"/>
+          <a:stretch>
+            <a:fillRect/>
+          </a:stretch>
+        </p:blipFill>
+        <p:spPr>
+          <a:xfrm>
+            <a:off x="6096910" y="1"/>
+            <a:ext cx="6092042" cy="4952998"/>
+          </a:xfrm>
+          <a:prstGeom prst="rect">
+            <a:avLst/>
+          </a:prstGeom>
+        </p:spPr>
+      </p:pic>
     </p:spTree>
     <p:extLst>
       <p:ext uri="{BB962C8B-B14F-4D97-AF65-F5344CB8AC3E}">
-        <p14:creationId xmlns:p14="http://schemas.microsoft.com/office/powerpoint/2010/main" val="2976903514"/>
+        <p14:creationId xmlns:p14="http://schemas.microsoft.com/office/powerpoint/2010/main" val="1382801144"/>
       </p:ext>
     </p:extLst>
   </p:cSld>
@@ -9855,8 +10262,77 @@
           <a:bodyPr rtlCol="0" anchor="ctr"/>
           <a:lstStyle/>
           <a:p>
-            <a:pPr algn="ctr"/>
-            <a:endParaRPr lang="en-US"/>
+            <a:pPr marL="0" marR="0" lvl="0" indent="0" algn="ctr" defTabSz="914400" rtl="0" eaLnBrk="1" fontAlgn="auto" latinLnBrk="0" hangingPunct="1">
+              <a:lnSpc>
+                <a:spcPct val="100000"/>
+              </a:lnSpc>
+              <a:spcBef>
+                <a:spcPts val="0"/>
+              </a:spcBef>
+              <a:spcAft>
+                <a:spcPts val="0"/>
+              </a:spcAft>
+              <a:buClrTx/>
+              <a:buSzTx/>
+              <a:buFontTx/>
+              <a:buNone/>
+              <a:tabLst/>
+              <a:defRPr/>
+            </a:pPr>
+            <a:endParaRPr kumimoji="0" lang="en-US" sz="1800" b="0" i="0" u="none" strike="noStrike" kern="1200" cap="none" spc="0" normalizeH="0" baseline="0" noProof="0">
+              <a:ln>
+                <a:noFill/>
+              </a:ln>
+              <a:solidFill>
+                <a:srgbClr val="FFFFFF"/>
+              </a:solidFill>
+              <a:effectLst/>
+              <a:uLnTx/>
+              <a:uFillTx/>
+              <a:latin typeface="Franklin Gothic Book" panose="020F0502020204030204"/>
+              <a:ea typeface="+mn-ea"/>
+              <a:cs typeface="+mn-cs"/>
+            </a:endParaRPr>
+          </a:p>
+        </p:txBody>
+      </p:sp>
+      <p:sp>
+        <p:nvSpPr>
+          <p:cNvPr id="2" name="Title 1">
+            <a:extLst>
+              <a:ext uri="{FF2B5EF4-FFF2-40B4-BE49-F238E27FC236}">
+                <a16:creationId xmlns:a16="http://schemas.microsoft.com/office/drawing/2014/main" id="{9AB2EA78-AEB3-469B-9025-3B17201A457B}"/>
+              </a:ext>
+            </a:extLst>
+          </p:cNvPr>
+          <p:cNvSpPr>
+            <a:spLocks noGrp="1"/>
+          </p:cNvSpPr>
+          <p:nvPr>
+            <p:ph type="ctrTitle"/>
+          </p:nvPr>
+        </p:nvSpPr>
+        <p:spPr>
+          <a:xfrm>
+            <a:off x="0" y="0"/>
+            <a:ext cx="12192000" cy="4953000"/>
+          </a:xfrm>
+        </p:spPr>
+        <p:txBody>
+          <a:bodyPr anchor="ctr">
+            <a:normAutofit/>
+          </a:bodyPr>
+          <a:lstStyle/>
+          <a:p>
+            <a:pPr lvl="0"/>
+            <a:r>
+              <a:rPr lang="en-US" sz="4800" i="1" dirty="0">
+                <a:solidFill>
+                  <a:schemeClr val="tx1"/>
+                </a:solidFill>
+              </a:rPr>
+              <a:t>After accumulating our data, we presented it to our client. Enthusiastically, they asked for linear regression plots on all the states with the highest Annual Price Change Rates…</a:t>
+            </a:r>
           </a:p>
         </p:txBody>
       </p:sp>
@@ -9918,119 +10394,44 @@
           <a:bodyPr/>
           <a:lstStyle/>
           <a:p>
-            <a:endParaRPr lang="en-CA"/>
-          </a:p>
-        </p:txBody>
-      </p:sp>
-      <p:sp>
-        <p:nvSpPr>
-          <p:cNvPr id="9" name="TextBox 8">
-            <a:extLst>
-              <a:ext uri="{FF2B5EF4-FFF2-40B4-BE49-F238E27FC236}">
-                <a16:creationId xmlns:a16="http://schemas.microsoft.com/office/drawing/2014/main" id="{E9DDD0C0-D84E-2EC8-6A34-A9902F8FFCD9}"/>
-              </a:ext>
-            </a:extLst>
-          </p:cNvPr>
-          <p:cNvSpPr txBox="1"/>
-          <p:nvPr/>
-        </p:nvSpPr>
-        <p:spPr>
-          <a:xfrm>
-            <a:off x="0" y="4953000"/>
-            <a:ext cx="12188952" cy="1815882"/>
-          </a:xfrm>
-          <a:prstGeom prst="rect">
-            <a:avLst/>
-          </a:prstGeom>
-          <a:noFill/>
-        </p:spPr>
-        <p:txBody>
-          <a:bodyPr wrap="square" rtlCol="0">
-            <a:spAutoFit/>
-          </a:bodyPr>
-          <a:lstStyle/>
-          <a:p>
-            <a:r>
-              <a:rPr lang="en-CA" sz="2800" dirty="0">
-                <a:solidFill>
-                  <a:schemeClr val="bg1"/>
-                </a:solidFill>
-                <a:latin typeface="+mj-lt"/>
-              </a:rPr>
-              <a:t>With an R-squared value of .9, our data is very reliable. As you can see the prices of 1 Bedroom and 2 Bedroom homes in Nevada have more than tripled in the past ten years. </a:t>
-            </a:r>
-          </a:p>
-          <a:p>
-            <a:endParaRPr lang="en-CA" sz="2800" dirty="0">
-              <a:latin typeface="+mj-lt"/>
+            <a:pPr marL="0" marR="0" lvl="0" indent="0" algn="l" defTabSz="914400" rtl="0" eaLnBrk="1" fontAlgn="auto" latinLnBrk="0" hangingPunct="1">
+              <a:lnSpc>
+                <a:spcPct val="100000"/>
+              </a:lnSpc>
+              <a:spcBef>
+                <a:spcPts val="0"/>
+              </a:spcBef>
+              <a:spcAft>
+                <a:spcPts val="0"/>
+              </a:spcAft>
+              <a:buClrTx/>
+              <a:buSzTx/>
+              <a:buFontTx/>
+              <a:buNone/>
+              <a:tabLst/>
+              <a:defRPr/>
+            </a:pPr>
+            <a:endParaRPr kumimoji="0" lang="en-CA" sz="1800" b="0" i="0" u="none" strike="noStrike" kern="1200" cap="none" spc="0" normalizeH="0" baseline="0" noProof="0">
+              <a:ln>
+                <a:noFill/>
+              </a:ln>
+              <a:solidFill>
+                <a:srgbClr val="FFFFFF"/>
+              </a:solidFill>
+              <a:effectLst/>
+              <a:uLnTx/>
+              <a:uFillTx/>
+              <a:latin typeface="Franklin Gothic Book" panose="020F0502020204030204"/>
+              <a:ea typeface="+mn-ea"/>
+              <a:cs typeface="+mn-cs"/>
             </a:endParaRPr>
           </a:p>
         </p:txBody>
       </p:sp>
-      <p:pic>
-        <p:nvPicPr>
-          <p:cNvPr id="4" name="Picture 3">
-            <a:extLst>
-              <a:ext uri="{FF2B5EF4-FFF2-40B4-BE49-F238E27FC236}">
-                <a16:creationId xmlns:a16="http://schemas.microsoft.com/office/drawing/2014/main" id="{AD635B1D-AC55-9831-7936-80F1840CE154}"/>
-              </a:ext>
-            </a:extLst>
-          </p:cNvPr>
-          <p:cNvPicPr>
-            <a:picLocks noChangeAspect="1"/>
-          </p:cNvPicPr>
-          <p:nvPr/>
-        </p:nvPicPr>
-        <p:blipFill>
-          <a:blip r:embed="rId2"/>
-          <a:stretch>
-            <a:fillRect/>
-          </a:stretch>
-        </p:blipFill>
-        <p:spPr>
-          <a:xfrm>
-            <a:off x="1" y="0"/>
-            <a:ext cx="6096000" cy="4953000"/>
-          </a:xfrm>
-          <a:prstGeom prst="rect">
-            <a:avLst/>
-          </a:prstGeom>
-        </p:spPr>
-      </p:pic>
-      <p:pic>
-        <p:nvPicPr>
-          <p:cNvPr id="7" name="Picture 6">
-            <a:extLst>
-              <a:ext uri="{FF2B5EF4-FFF2-40B4-BE49-F238E27FC236}">
-                <a16:creationId xmlns:a16="http://schemas.microsoft.com/office/drawing/2014/main" id="{D30BC818-4BF4-92D8-2892-B03CB8842115}"/>
-              </a:ext>
-            </a:extLst>
-          </p:cNvPr>
-          <p:cNvPicPr>
-            <a:picLocks noChangeAspect="1"/>
-          </p:cNvPicPr>
-          <p:nvPr/>
-        </p:nvPicPr>
-        <p:blipFill>
-          <a:blip r:embed="rId3"/>
-          <a:stretch>
-            <a:fillRect/>
-          </a:stretch>
-        </p:blipFill>
-        <p:spPr>
-          <a:xfrm>
-            <a:off x="6092952" y="0"/>
-            <a:ext cx="6096000" cy="4953000"/>
-          </a:xfrm>
-          <a:prstGeom prst="rect">
-            <a:avLst/>
-          </a:prstGeom>
-        </p:spPr>
-      </p:pic>
     </p:spTree>
     <p:extLst>
       <p:ext uri="{BB962C8B-B14F-4D97-AF65-F5344CB8AC3E}">
-        <p14:creationId xmlns:p14="http://schemas.microsoft.com/office/powerpoint/2010/main" val="2568263072"/>
+        <p14:creationId xmlns:p14="http://schemas.microsoft.com/office/powerpoint/2010/main" val="2976903514"/>
       </p:ext>
     </p:extLst>
   </p:cSld>
@@ -10225,7 +10626,7 @@
                 </a:solidFill>
                 <a:latin typeface="+mj-lt"/>
               </a:rPr>
-              <a:t>With an R-squared value of .9, our data is very reliable. As you can see the prices of 3 Bedroom homes and Condos in Nevada have more than quadrupled in the past ten years. </a:t>
+              <a:t>With an R-squared value of .9, our data is very reliable. As you can see the prices of 1 Bedroom and 2 Bedroom homes in Nevada have more than tripled in the past ten years. </a:t>
             </a:r>
           </a:p>
           <a:p>
@@ -10237,10 +10638,10 @@
       </p:sp>
       <p:pic>
         <p:nvPicPr>
-          <p:cNvPr id="3" name="Picture 2">
-            <a:extLst>
-              <a:ext uri="{FF2B5EF4-FFF2-40B4-BE49-F238E27FC236}">
-                <a16:creationId xmlns:a16="http://schemas.microsoft.com/office/drawing/2014/main" id="{7B282588-76C2-D62A-5EB6-765D468CF33C}"/>
+          <p:cNvPr id="4" name="Picture 3">
+            <a:extLst>
+              <a:ext uri="{FF2B5EF4-FFF2-40B4-BE49-F238E27FC236}">
+                <a16:creationId xmlns:a16="http://schemas.microsoft.com/office/drawing/2014/main" id="{AD635B1D-AC55-9831-7936-80F1840CE154}"/>
               </a:ext>
             </a:extLst>
           </p:cNvPr>
@@ -10267,10 +10668,10 @@
       </p:pic>
       <p:pic>
         <p:nvPicPr>
-          <p:cNvPr id="6" name="Picture 5">
-            <a:extLst>
-              <a:ext uri="{FF2B5EF4-FFF2-40B4-BE49-F238E27FC236}">
-                <a16:creationId xmlns:a16="http://schemas.microsoft.com/office/drawing/2014/main" id="{ADD66F90-E012-3F50-A2F0-9302E302B955}"/>
+          <p:cNvPr id="7" name="Picture 6">
+            <a:extLst>
+              <a:ext uri="{FF2B5EF4-FFF2-40B4-BE49-F238E27FC236}">
+                <a16:creationId xmlns:a16="http://schemas.microsoft.com/office/drawing/2014/main" id="{D30BC818-4BF4-92D8-2892-B03CB8842115}"/>
               </a:ext>
             </a:extLst>
           </p:cNvPr>
@@ -10287,8 +10688,8 @@
         </p:blipFill>
         <p:spPr>
           <a:xfrm>
-            <a:off x="6096000" y="0"/>
-            <a:ext cx="6092952" cy="4934309"/>
+            <a:off x="6092952" y="0"/>
+            <a:ext cx="6096000" cy="4953000"/>
           </a:xfrm>
           <a:prstGeom prst="rect">
             <a:avLst/>
@@ -10298,7 +10699,7 @@
     </p:spTree>
     <p:extLst>
       <p:ext uri="{BB962C8B-B14F-4D97-AF65-F5344CB8AC3E}">
-        <p14:creationId xmlns:p14="http://schemas.microsoft.com/office/powerpoint/2010/main" val="869800242"/>
+        <p14:creationId xmlns:p14="http://schemas.microsoft.com/office/powerpoint/2010/main" val="2568263072"/>
       </p:ext>
     </p:extLst>
   </p:cSld>
@@ -10592,15 +10993,6 @@
 </file>
 
 <file path=customXml/item1.xml><?xml version="1.0" encoding="utf-8"?>
-<?mso-contentType ?>
-<FormTemplates xmlns="http://schemas.microsoft.com/sharepoint/v3/contenttype/forms">
-  <Display>DocumentLibraryForm</Display>
-  <Edit>DocumentLibraryForm</Edit>
-  <New>DocumentLibraryForm</New>
-</FormTemplates>
-</file>
-
-<file path=customXml/item2.xml><?xml version="1.0" encoding="utf-8"?>
 <p:properties xmlns:p="http://schemas.microsoft.com/office/2006/metadata/properties" xmlns:xsi="http://www.w3.org/2001/XMLSchema-instance" xmlns:pc="http://schemas.microsoft.com/office/infopath/2007/PartnerControls">
   <documentManagement>
     <_ip_UnifiedCompliancePolicyUIAction xmlns="http://schemas.microsoft.com/sharepoint/v3" xsi:nil="true"/>
@@ -10618,6 +11010,15 @@
     <MediaServiceKeyPoints xmlns="71af3243-3dd4-4a8d-8c0d-dd76da1f02a5" xsi:nil="true"/>
   </documentManagement>
 </p:properties>
+</file>
+
+<file path=customXml/item2.xml><?xml version="1.0" encoding="utf-8"?>
+<?mso-contentType ?>
+<FormTemplates xmlns="http://schemas.microsoft.com/sharepoint/v3/contenttype/forms">
+  <Display>DocumentLibraryForm</Display>
+  <Edit>DocumentLibraryForm</Edit>
+  <New>DocumentLibraryForm</New>
+</FormTemplates>
 </file>
 
 <file path=customXml/item3.xml><?xml version="1.0" encoding="utf-8"?>
@@ -10927,14 +11328,6 @@
 </file>
 
 <file path=customXml/itemProps1.xml><?xml version="1.0" encoding="utf-8"?>
-<ds:datastoreItem xmlns:ds="http://schemas.openxmlformats.org/officeDocument/2006/customXml" ds:itemID="{19DAD249-BF80-48EF-9AFB-36A11BCDC2CE}">
-  <ds:schemaRefs>
-    <ds:schemaRef ds:uri="http://schemas.microsoft.com/sharepoint/v3/contenttype/forms"/>
-  </ds:schemaRefs>
-</ds:datastoreItem>
-</file>
-
-<file path=customXml/itemProps2.xml><?xml version="1.0" encoding="utf-8"?>
 <ds:datastoreItem xmlns:ds="http://schemas.openxmlformats.org/officeDocument/2006/customXml" ds:itemID="{6F4F4D41-822D-40F2-A7AC-E4E6CB36CA7A}">
   <ds:schemaRefs>
     <ds:schemaRef ds:uri="http://schemas.microsoft.com/office/2006/metadata/properties"/>
@@ -10942,6 +11335,14 @@
     <ds:schemaRef ds:uri="http://schemas.microsoft.com/sharepoint/v3"/>
     <ds:schemaRef ds:uri="71af3243-3dd4-4a8d-8c0d-dd76da1f02a5"/>
     <ds:schemaRef ds:uri="230e9df3-be65-4c73-a93b-d1236ebd677e"/>
+  </ds:schemaRefs>
+</ds:datastoreItem>
+</file>
+
+<file path=customXml/itemProps2.xml><?xml version="1.0" encoding="utf-8"?>
+<ds:datastoreItem xmlns:ds="http://schemas.openxmlformats.org/officeDocument/2006/customXml" ds:itemID="{19DAD249-BF80-48EF-9AFB-36A11BCDC2CE}">
+  <ds:schemaRefs>
+    <ds:schemaRef ds:uri="http://schemas.microsoft.com/sharepoint/v3/contenttype/forms"/>
   </ds:schemaRefs>
 </ds:datastoreItem>
 </file>
